--- a/laniprojekti/Käyttötapaukset.pptx
+++ b/laniprojekti/Käyttötapaukset.pptx
@@ -5,7 +5,15 @@
     <p:sldMasterId id="2147483648" r:id="rId1"/>
   </p:sldMasterIdLst>
   <p:sldIdLst>
-    <p:sldId id="256" r:id="rId2"/>
+    <p:sldId id="258" r:id="rId2"/>
+    <p:sldId id="257" r:id="rId3"/>
+    <p:sldId id="263" r:id="rId4"/>
+    <p:sldId id="262" r:id="rId5"/>
+    <p:sldId id="259" r:id="rId6"/>
+    <p:sldId id="264" r:id="rId7"/>
+    <p:sldId id="266" r:id="rId8"/>
+    <p:sldId id="265" r:id="rId9"/>
+    <p:sldId id="267" r:id="rId10"/>
   </p:sldIdLst>
   <p:sldSz cx="12192000" cy="6858000"/>
   <p:notesSz cx="6858000" cy="9144000"/>
@@ -127,7 +135,7 @@
             <a:srgbClr val="A4A3A4"/>
           </p15:clr>
         </p15:guide>
-        <p15:guide id="6" pos="3198" userDrawn="1">
+        <p15:guide id="6" pos="3205" userDrawn="1">
           <p15:clr>
             <a:srgbClr val="A4A3A4"/>
           </p15:clr>
@@ -137,7 +145,7 @@
             <a:srgbClr val="A4A3A4"/>
           </p15:clr>
         </p15:guide>
-        <p15:guide id="8" pos="5124" userDrawn="1">
+        <p15:guide id="8" pos="5110" userDrawn="1">
           <p15:clr>
             <a:srgbClr val="A4A3A4"/>
           </p15:clr>
@@ -311,7 +319,7 @@
           <a:p>
             <a:fld id="{C9F0D36D-8513-49C1-AAF5-DCDAB19C742C}" type="datetimeFigureOut">
               <a:rPr lang="en-US" smtClean="0"/>
-              <a:t>2/20/2018</a:t>
+              <a:t>2/23/2018</a:t>
             </a:fld>
             <a:endParaRPr lang="en-US"/>
           </a:p>
@@ -479,7 +487,7 @@
           <a:p>
             <a:fld id="{C9F0D36D-8513-49C1-AAF5-DCDAB19C742C}" type="datetimeFigureOut">
               <a:rPr lang="en-US" smtClean="0"/>
-              <a:t>2/20/2018</a:t>
+              <a:t>2/23/2018</a:t>
             </a:fld>
             <a:endParaRPr lang="en-US"/>
           </a:p>
@@ -657,7 +665,7 @@
           <a:p>
             <a:fld id="{C9F0D36D-8513-49C1-AAF5-DCDAB19C742C}" type="datetimeFigureOut">
               <a:rPr lang="en-US" smtClean="0"/>
-              <a:t>2/20/2018</a:t>
+              <a:t>2/23/2018</a:t>
             </a:fld>
             <a:endParaRPr lang="en-US"/>
           </a:p>
@@ -825,7 +833,7 @@
           <a:p>
             <a:fld id="{C9F0D36D-8513-49C1-AAF5-DCDAB19C742C}" type="datetimeFigureOut">
               <a:rPr lang="en-US" smtClean="0"/>
-              <a:t>2/20/2018</a:t>
+              <a:t>2/23/2018</a:t>
             </a:fld>
             <a:endParaRPr lang="en-US"/>
           </a:p>
@@ -1070,7 +1078,7 @@
           <a:p>
             <a:fld id="{C9F0D36D-8513-49C1-AAF5-DCDAB19C742C}" type="datetimeFigureOut">
               <a:rPr lang="en-US" smtClean="0"/>
-              <a:t>2/20/2018</a:t>
+              <a:t>2/23/2018</a:t>
             </a:fld>
             <a:endParaRPr lang="en-US"/>
           </a:p>
@@ -1299,7 +1307,7 @@
           <a:p>
             <a:fld id="{C9F0D36D-8513-49C1-AAF5-DCDAB19C742C}" type="datetimeFigureOut">
               <a:rPr lang="en-US" smtClean="0"/>
-              <a:t>2/20/2018</a:t>
+              <a:t>2/23/2018</a:t>
             </a:fld>
             <a:endParaRPr lang="en-US"/>
           </a:p>
@@ -1663,7 +1671,7 @@
           <a:p>
             <a:fld id="{C9F0D36D-8513-49C1-AAF5-DCDAB19C742C}" type="datetimeFigureOut">
               <a:rPr lang="en-US" smtClean="0"/>
-              <a:t>2/20/2018</a:t>
+              <a:t>2/23/2018</a:t>
             </a:fld>
             <a:endParaRPr lang="en-US"/>
           </a:p>
@@ -1780,7 +1788,7 @@
           <a:p>
             <a:fld id="{C9F0D36D-8513-49C1-AAF5-DCDAB19C742C}" type="datetimeFigureOut">
               <a:rPr lang="en-US" smtClean="0"/>
-              <a:t>2/20/2018</a:t>
+              <a:t>2/23/2018</a:t>
             </a:fld>
             <a:endParaRPr lang="en-US"/>
           </a:p>
@@ -1875,7 +1883,7 @@
           <a:p>
             <a:fld id="{C9F0D36D-8513-49C1-AAF5-DCDAB19C742C}" type="datetimeFigureOut">
               <a:rPr lang="en-US" smtClean="0"/>
-              <a:t>2/20/2018</a:t>
+              <a:t>2/23/2018</a:t>
             </a:fld>
             <a:endParaRPr lang="en-US"/>
           </a:p>
@@ -2150,7 +2158,7 @@
           <a:p>
             <a:fld id="{C9F0D36D-8513-49C1-AAF5-DCDAB19C742C}" type="datetimeFigureOut">
               <a:rPr lang="en-US" smtClean="0"/>
-              <a:t>2/20/2018</a:t>
+              <a:t>2/23/2018</a:t>
             </a:fld>
             <a:endParaRPr lang="en-US"/>
           </a:p>
@@ -2402,7 +2410,7 @@
           <a:p>
             <a:fld id="{C9F0D36D-8513-49C1-AAF5-DCDAB19C742C}" type="datetimeFigureOut">
               <a:rPr lang="en-US" smtClean="0"/>
-              <a:t>2/20/2018</a:t>
+              <a:t>2/23/2018</a:t>
             </a:fld>
             <a:endParaRPr lang="en-US"/>
           </a:p>
@@ -2613,7 +2621,7 @@
           <a:p>
             <a:fld id="{C9F0D36D-8513-49C1-AAF5-DCDAB19C742C}" type="datetimeFigureOut">
               <a:rPr lang="en-US" smtClean="0"/>
-              <a:t>2/20/2018</a:t>
+              <a:t>2/23/2018</a:t>
             </a:fld>
             <a:endParaRPr lang="en-US"/>
           </a:p>
@@ -3018,36 +3026,45 @@
           <a:chExt cx="0" cy="0"/>
         </a:xfrm>
       </p:grpSpPr>
-      <p:pic>
-        <p:nvPicPr>
-          <p:cNvPr id="2" name="Picture 1"/>
-          <p:cNvPicPr>
-            <a:picLocks noChangeAspect="1"/>
-          </p:cNvPicPr>
-          <p:nvPr/>
-        </p:nvPicPr>
-        <p:blipFill>
-          <a:blip r:embed="rId2">
-            <a:extLst>
-              <a:ext uri="{28A0092B-C50C-407E-A947-70E740481C1C}">
-                <a14:useLocalDpi xmlns:a14="http://schemas.microsoft.com/office/drawing/2010/main" val="0"/>
-              </a:ext>
-            </a:extLst>
-          </a:blip>
-          <a:stretch>
-            <a:fillRect/>
-          </a:stretch>
-        </p:blipFill>
-        <p:spPr>
-          <a:xfrm>
-            <a:off x="0" y="-1"/>
-            <a:ext cx="12208800" cy="6858001"/>
-          </a:xfrm>
-          <a:prstGeom prst="rect">
-            <a:avLst/>
-          </a:prstGeom>
-        </p:spPr>
-      </p:pic>
+      <p:sp>
+        <p:nvSpPr>
+          <p:cNvPr id="2" name="Rectangle 1"/>
+          <p:cNvSpPr/>
+          <p:nvPr/>
+        </p:nvSpPr>
+        <p:spPr>
+          <a:xfrm>
+            <a:off x="3039600" y="0"/>
+            <a:ext cx="6112800" cy="6858000"/>
+          </a:xfrm>
+          <a:prstGeom prst="rect">
+            <a:avLst/>
+          </a:prstGeom>
+          <a:ln w="38100"/>
+        </p:spPr>
+        <p:style>
+          <a:lnRef idx="2">
+            <a:schemeClr val="accent6"/>
+          </a:lnRef>
+          <a:fillRef idx="1">
+            <a:schemeClr val="lt1"/>
+          </a:fillRef>
+          <a:effectRef idx="0">
+            <a:schemeClr val="accent6"/>
+          </a:effectRef>
+          <a:fontRef idx="minor">
+            <a:schemeClr val="dk1"/>
+          </a:fontRef>
+        </p:style>
+        <p:txBody>
+          <a:bodyPr rtlCol="0" anchor="ctr"/>
+          <a:lstStyle/>
+          <a:p>
+            <a:pPr algn="ctr"/>
+            <a:endParaRPr lang="fi-FI"/>
+          </a:p>
+        </p:txBody>
+      </p:sp>
       <p:sp>
         <p:nvSpPr>
           <p:cNvPr id="3" name="Rectangle 2"/>
@@ -3056,33 +3073,26 @@
         </p:nvSpPr>
         <p:spPr>
           <a:xfrm>
-            <a:off x="3039600" y="1"/>
-            <a:ext cx="2036762" cy="1016000"/>
-          </a:xfrm>
-          <a:prstGeom prst="rect">
-            <a:avLst/>
-          </a:prstGeom>
-          <a:solidFill>
-            <a:schemeClr val="dk1">
-              <a:alpha val="50000"/>
-            </a:schemeClr>
-          </a:solidFill>
-          <a:ln>
-            <a:noFill/>
-          </a:ln>
-        </p:spPr>
-        <p:style>
-          <a:lnRef idx="0">
-            <a:scrgbClr r="0" g="0" b="0"/>
-          </a:lnRef>
-          <a:fillRef idx="0">
-            <a:scrgbClr r="0" g="0" b="0"/>
-          </a:fillRef>
-          <a:effectRef idx="0">
-            <a:scrgbClr r="0" g="0" b="0"/>
-          </a:effectRef>
-          <a:fontRef idx="minor">
-            <a:schemeClr val="lt1"/>
+            <a:off x="3039600" y="0"/>
+            <a:ext cx="6112800" cy="1391400"/>
+          </a:xfrm>
+          <a:prstGeom prst="rect">
+            <a:avLst/>
+          </a:prstGeom>
+          <a:ln w="38100"/>
+        </p:spPr>
+        <p:style>
+          <a:lnRef idx="2">
+            <a:schemeClr val="accent6"/>
+          </a:lnRef>
+          <a:fillRef idx="1">
+            <a:schemeClr val="lt1"/>
+          </a:fillRef>
+          <a:effectRef idx="0">
+            <a:schemeClr val="accent6"/>
+          </a:effectRef>
+          <a:fontRef idx="minor">
+            <a:schemeClr val="dk1"/>
           </a:fontRef>
         </p:style>
         <p:txBody>
@@ -3090,41 +3100,38 @@
           <a:lstStyle/>
           <a:p>
             <a:pPr algn="ctr"/>
-            <a:r>
-              <a:rPr lang="fi-FI" dirty="0"/>
-              <a:t>Logo</a:t>
-            </a:r>
-          </a:p>
-        </p:txBody>
-      </p:sp>
-      <p:sp>
-        <p:nvSpPr>
-          <p:cNvPr id="14" name="Rectangle 13"/>
-          <p:cNvSpPr/>
-          <p:nvPr/>
-        </p:nvSpPr>
-        <p:spPr>
-          <a:xfrm>
-            <a:off x="3039601" y="1016001"/>
-            <a:ext cx="5094000" cy="5469399"/>
-          </a:xfrm>
-          <a:prstGeom prst="rect">
-            <a:avLst/>
-          </a:prstGeom>
-          <a:ln/>
-        </p:spPr>
-        <p:style>
-          <a:lnRef idx="1">
-            <a:schemeClr val="dk1"/>
-          </a:lnRef>
-          <a:fillRef idx="3">
-            <a:schemeClr val="dk1"/>
-          </a:fillRef>
-          <a:effectRef idx="2">
-            <a:schemeClr val="dk1"/>
-          </a:effectRef>
-          <a:fontRef idx="minor">
-            <a:schemeClr val="lt1"/>
+            <a:endParaRPr lang="fi-FI"/>
+          </a:p>
+        </p:txBody>
+      </p:sp>
+      <p:sp>
+        <p:nvSpPr>
+          <p:cNvPr id="4" name="Rectangle 3"/>
+          <p:cNvSpPr/>
+          <p:nvPr/>
+        </p:nvSpPr>
+        <p:spPr>
+          <a:xfrm flipV="1">
+            <a:off x="6096000" y="2167467"/>
+            <a:ext cx="2038350" cy="236218"/>
+          </a:xfrm>
+          <a:prstGeom prst="rect">
+            <a:avLst/>
+          </a:prstGeom>
+          <a:ln w="38100"/>
+        </p:spPr>
+        <p:style>
+          <a:lnRef idx="2">
+            <a:schemeClr val="accent6"/>
+          </a:lnRef>
+          <a:fillRef idx="1">
+            <a:schemeClr val="lt1"/>
+          </a:fillRef>
+          <a:effectRef idx="0">
+            <a:schemeClr val="accent6"/>
+          </a:effectRef>
+          <a:fontRef idx="minor">
+            <a:schemeClr val="dk1"/>
           </a:fontRef>
         </p:style>
         <p:txBody>
@@ -3132,78 +3139,807 @@
           <a:lstStyle/>
           <a:p>
             <a:pPr algn="ctr"/>
-            <a:endParaRPr lang="fi-FI" sz="1200" dirty="0"/>
-          </a:p>
-        </p:txBody>
-      </p:sp>
-      <p:sp>
-        <p:nvSpPr>
-          <p:cNvPr id="17" name="Rectangle 16"/>
-          <p:cNvSpPr/>
-          <p:nvPr/>
-        </p:nvSpPr>
-        <p:spPr>
-          <a:xfrm>
-            <a:off x="3031131" y="6485400"/>
-            <a:ext cx="6103869" cy="372600"/>
-          </a:xfrm>
-          <a:prstGeom prst="rect">
-            <a:avLst/>
-          </a:prstGeom>
-          <a:solidFill>
-            <a:schemeClr val="dk1">
-              <a:alpha val="50000"/>
-            </a:schemeClr>
-          </a:solidFill>
-          <a:ln>
-            <a:noFill/>
-          </a:ln>
-        </p:spPr>
-        <p:style>
-          <a:lnRef idx="0">
-            <a:scrgbClr r="0" g="0" b="0"/>
-          </a:lnRef>
-          <a:fillRef idx="0">
-            <a:scrgbClr r="0" g="0" b="0"/>
-          </a:fillRef>
-          <a:effectRef idx="0">
-            <a:scrgbClr r="0" g="0" b="0"/>
-          </a:effectRef>
-          <a:fontRef idx="minor">
-            <a:schemeClr val="lt1"/>
-          </a:fontRef>
-        </p:style>
-        <p:txBody>
-          <a:bodyPr rtlCol="0" anchor="ctr"/>
-          <a:lstStyle/>
-          <a:p>
-            <a:pPr algn="ctr"/>
-            <a:r>
-              <a:rPr lang="fi-FI" sz="1200" dirty="0" err="1"/>
-              <a:t>Footer</a:t>
-            </a:r>
-            <a:endParaRPr lang="fi-FI" sz="1200" dirty="0"/>
-          </a:p>
-        </p:txBody>
-      </p:sp>
-      <p:sp>
-        <p:nvSpPr>
-          <p:cNvPr id="18" name="Rectangle 17"/>
-          <p:cNvSpPr/>
-          <p:nvPr/>
-        </p:nvSpPr>
-        <p:spPr>
-          <a:xfrm>
-            <a:off x="5076361" y="1844676"/>
-            <a:ext cx="3057239" cy="374650"/>
-          </a:xfrm>
-          <a:prstGeom prst="rect">
-            <a:avLst/>
-          </a:prstGeom>
-          <a:noFill/>
-          <a:ln w="28575" cap="flat" cmpd="sng" algn="ctr">
+            <a:endParaRPr lang="fi-FI"/>
+          </a:p>
+        </p:txBody>
+      </p:sp>
+      <p:sp>
+        <p:nvSpPr>
+          <p:cNvPr id="5" name="Rectangle 4"/>
+          <p:cNvSpPr/>
+          <p:nvPr/>
+        </p:nvSpPr>
+        <p:spPr>
+          <a:xfrm>
+            <a:off x="4057650" y="2180801"/>
+            <a:ext cx="1987550" cy="209550"/>
+          </a:xfrm>
+          <a:prstGeom prst="rect">
+            <a:avLst/>
+          </a:prstGeom>
+          <a:ln w="38100">
             <a:solidFill>
               <a:schemeClr val="bg1"/>
+            </a:solidFill>
+          </a:ln>
+        </p:spPr>
+        <p:style>
+          <a:lnRef idx="2">
+            <a:schemeClr val="accent6"/>
+          </a:lnRef>
+          <a:fillRef idx="1">
+            <a:schemeClr val="lt1"/>
+          </a:fillRef>
+          <a:effectRef idx="0">
+            <a:schemeClr val="accent6"/>
+          </a:effectRef>
+          <a:fontRef idx="minor">
+            <a:schemeClr val="dk1"/>
+          </a:fontRef>
+        </p:style>
+        <p:txBody>
+          <a:bodyPr rtlCol="0" anchor="ctr"/>
+          <a:lstStyle/>
+          <a:p>
+            <a:pPr algn="r"/>
+            <a:r>
+              <a:rPr lang="fi-FI" dirty="0" smtClean="0"/>
+              <a:t>Sähköposti</a:t>
+            </a:r>
+            <a:endParaRPr lang="fi-FI" dirty="0"/>
+          </a:p>
+        </p:txBody>
+      </p:sp>
+      <p:sp>
+        <p:nvSpPr>
+          <p:cNvPr id="6" name="Rectangle 5"/>
+          <p:cNvSpPr/>
+          <p:nvPr/>
+        </p:nvSpPr>
+        <p:spPr>
+          <a:xfrm flipV="1">
+            <a:off x="6096000" y="2516601"/>
+            <a:ext cx="2038350" cy="236218"/>
+          </a:xfrm>
+          <a:prstGeom prst="rect">
+            <a:avLst/>
+          </a:prstGeom>
+          <a:ln w="38100"/>
+        </p:spPr>
+        <p:style>
+          <a:lnRef idx="2">
+            <a:schemeClr val="accent6"/>
+          </a:lnRef>
+          <a:fillRef idx="1">
+            <a:schemeClr val="lt1"/>
+          </a:fillRef>
+          <a:effectRef idx="0">
+            <a:schemeClr val="accent6"/>
+          </a:effectRef>
+          <a:fontRef idx="minor">
+            <a:schemeClr val="dk1"/>
+          </a:fontRef>
+        </p:style>
+        <p:txBody>
+          <a:bodyPr rtlCol="0" anchor="ctr"/>
+          <a:lstStyle/>
+          <a:p>
+            <a:pPr algn="ctr"/>
+            <a:endParaRPr lang="fi-FI"/>
+          </a:p>
+        </p:txBody>
+      </p:sp>
+      <p:sp>
+        <p:nvSpPr>
+          <p:cNvPr id="7" name="Rectangle 6"/>
+          <p:cNvSpPr/>
+          <p:nvPr/>
+        </p:nvSpPr>
+        <p:spPr>
+          <a:xfrm>
+            <a:off x="4057650" y="2529935"/>
+            <a:ext cx="1987550" cy="209550"/>
+          </a:xfrm>
+          <a:prstGeom prst="rect">
+            <a:avLst/>
+          </a:prstGeom>
+          <a:ln w="38100">
+            <a:solidFill>
+              <a:schemeClr val="bg1"/>
+            </a:solidFill>
+          </a:ln>
+        </p:spPr>
+        <p:style>
+          <a:lnRef idx="2">
+            <a:schemeClr val="accent6"/>
+          </a:lnRef>
+          <a:fillRef idx="1">
+            <a:schemeClr val="lt1"/>
+          </a:fillRef>
+          <a:effectRef idx="0">
+            <a:schemeClr val="accent6"/>
+          </a:effectRef>
+          <a:fontRef idx="minor">
+            <a:schemeClr val="dk1"/>
+          </a:fontRef>
+        </p:style>
+        <p:txBody>
+          <a:bodyPr rtlCol="0" anchor="ctr"/>
+          <a:lstStyle/>
+          <a:p>
+            <a:pPr algn="r"/>
+            <a:r>
+              <a:rPr lang="fi-FI" dirty="0" smtClean="0"/>
+              <a:t>Puhelinnumero</a:t>
+            </a:r>
+            <a:endParaRPr lang="fi-FI" dirty="0"/>
+          </a:p>
+        </p:txBody>
+      </p:sp>
+      <p:sp>
+        <p:nvSpPr>
+          <p:cNvPr id="8" name="Rectangle 7"/>
+          <p:cNvSpPr/>
+          <p:nvPr/>
+        </p:nvSpPr>
+        <p:spPr>
+          <a:xfrm flipV="1">
+            <a:off x="6096000" y="2892403"/>
+            <a:ext cx="219075" cy="236218"/>
+          </a:xfrm>
+          <a:prstGeom prst="rect">
+            <a:avLst/>
+          </a:prstGeom>
+          <a:ln w="38100"/>
+        </p:spPr>
+        <p:style>
+          <a:lnRef idx="2">
+            <a:schemeClr val="accent6"/>
+          </a:lnRef>
+          <a:fillRef idx="1">
+            <a:schemeClr val="lt1"/>
+          </a:fillRef>
+          <a:effectRef idx="0">
+            <a:schemeClr val="accent6"/>
+          </a:effectRef>
+          <a:fontRef idx="minor">
+            <a:schemeClr val="dk1"/>
+          </a:fontRef>
+        </p:style>
+        <p:txBody>
+          <a:bodyPr rtlCol="0" anchor="ctr"/>
+          <a:lstStyle/>
+          <a:p>
+            <a:pPr algn="ctr"/>
+            <a:endParaRPr lang="fi-FI"/>
+          </a:p>
+        </p:txBody>
+      </p:sp>
+      <p:sp>
+        <p:nvSpPr>
+          <p:cNvPr id="9" name="Rectangle 8"/>
+          <p:cNvSpPr/>
+          <p:nvPr/>
+        </p:nvSpPr>
+        <p:spPr>
+          <a:xfrm>
+            <a:off x="3258675" y="2879069"/>
+            <a:ext cx="2786525" cy="236217"/>
+          </a:xfrm>
+          <a:prstGeom prst="rect">
+            <a:avLst/>
+          </a:prstGeom>
+          <a:ln w="38100">
+            <a:solidFill>
+              <a:schemeClr val="bg1"/>
+            </a:solidFill>
+          </a:ln>
+        </p:spPr>
+        <p:style>
+          <a:lnRef idx="2">
+            <a:schemeClr val="accent6"/>
+          </a:lnRef>
+          <a:fillRef idx="1">
+            <a:schemeClr val="lt1"/>
+          </a:fillRef>
+          <a:effectRef idx="0">
+            <a:schemeClr val="accent6"/>
+          </a:effectRef>
+          <a:fontRef idx="minor">
+            <a:schemeClr val="dk1"/>
+          </a:fontRef>
+        </p:style>
+        <p:txBody>
+          <a:bodyPr rtlCol="0" anchor="ctr"/>
+          <a:lstStyle/>
+          <a:p>
+            <a:pPr algn="r"/>
+            <a:r>
+              <a:rPr lang="fi-FI" dirty="0" smtClean="0"/>
+              <a:t>Turnaukseen osallistuminen</a:t>
+            </a:r>
+            <a:endParaRPr lang="fi-FI" dirty="0"/>
+          </a:p>
+        </p:txBody>
+      </p:sp>
+      <p:sp>
+        <p:nvSpPr>
+          <p:cNvPr id="13" name="Rectangle 12"/>
+          <p:cNvSpPr/>
+          <p:nvPr/>
+        </p:nvSpPr>
+        <p:spPr>
+          <a:xfrm flipV="1">
+            <a:off x="6096000" y="3268205"/>
+            <a:ext cx="2038350" cy="236218"/>
+          </a:xfrm>
+          <a:prstGeom prst="rect">
+            <a:avLst/>
+          </a:prstGeom>
+          <a:ln w="38100"/>
+        </p:spPr>
+        <p:style>
+          <a:lnRef idx="2">
+            <a:schemeClr val="accent6"/>
+          </a:lnRef>
+          <a:fillRef idx="1">
+            <a:schemeClr val="lt1"/>
+          </a:fillRef>
+          <a:effectRef idx="0">
+            <a:schemeClr val="accent6"/>
+          </a:effectRef>
+          <a:fontRef idx="minor">
+            <a:schemeClr val="dk1"/>
+          </a:fontRef>
+        </p:style>
+        <p:txBody>
+          <a:bodyPr rtlCol="0" anchor="ctr"/>
+          <a:lstStyle/>
+          <a:p>
+            <a:pPr algn="ctr"/>
+            <a:endParaRPr lang="fi-FI"/>
+          </a:p>
+        </p:txBody>
+      </p:sp>
+      <p:sp>
+        <p:nvSpPr>
+          <p:cNvPr id="14" name="Rectangle 13"/>
+          <p:cNvSpPr/>
+          <p:nvPr/>
+        </p:nvSpPr>
+        <p:spPr>
+          <a:xfrm>
+            <a:off x="4057650" y="3294873"/>
+            <a:ext cx="1987550" cy="209550"/>
+          </a:xfrm>
+          <a:prstGeom prst="rect">
+            <a:avLst/>
+          </a:prstGeom>
+          <a:ln w="38100">
+            <a:solidFill>
+              <a:schemeClr val="bg1"/>
+            </a:solidFill>
+          </a:ln>
+        </p:spPr>
+        <p:style>
+          <a:lnRef idx="2">
+            <a:schemeClr val="accent6"/>
+          </a:lnRef>
+          <a:fillRef idx="1">
+            <a:schemeClr val="lt1"/>
+          </a:fillRef>
+          <a:effectRef idx="0">
+            <a:schemeClr val="accent6"/>
+          </a:effectRef>
+          <a:fontRef idx="minor">
+            <a:schemeClr val="dk1"/>
+          </a:fontRef>
+        </p:style>
+        <p:txBody>
+          <a:bodyPr rtlCol="0" anchor="ctr"/>
+          <a:lstStyle/>
+          <a:p>
+            <a:pPr algn="r"/>
+            <a:r>
+              <a:rPr lang="fi-FI" dirty="0" smtClean="0"/>
+              <a:t>Puhelinnumero</a:t>
+            </a:r>
+            <a:endParaRPr lang="fi-FI" dirty="0"/>
+          </a:p>
+        </p:txBody>
+      </p:sp>
+      <p:sp>
+        <p:nvSpPr>
+          <p:cNvPr id="10" name="Rounded Rectangle 9"/>
+          <p:cNvSpPr/>
+          <p:nvPr/>
+        </p:nvSpPr>
+        <p:spPr>
+          <a:xfrm>
+            <a:off x="6096000" y="3850217"/>
+            <a:ext cx="2038350" cy="379142"/>
+          </a:xfrm>
+          <a:prstGeom prst="roundRect">
+            <a:avLst/>
+          </a:prstGeom>
+          <a:ln w="38100"/>
+        </p:spPr>
+        <p:style>
+          <a:lnRef idx="2">
+            <a:schemeClr val="accent6"/>
+          </a:lnRef>
+          <a:fillRef idx="1">
+            <a:schemeClr val="lt1"/>
+          </a:fillRef>
+          <a:effectRef idx="0">
+            <a:schemeClr val="accent6"/>
+          </a:effectRef>
+          <a:fontRef idx="minor">
+            <a:schemeClr val="dk1"/>
+          </a:fontRef>
+        </p:style>
+        <p:txBody>
+          <a:bodyPr rtlCol="0" anchor="ctr"/>
+          <a:lstStyle/>
+          <a:p>
+            <a:pPr algn="ctr"/>
+            <a:r>
+              <a:rPr lang="fi-FI" dirty="0" smtClean="0"/>
+              <a:t>Ilmoittaudu</a:t>
+            </a:r>
+            <a:endParaRPr lang="fi-FI" dirty="0"/>
+          </a:p>
+        </p:txBody>
+      </p:sp>
+      <p:sp>
+        <p:nvSpPr>
+          <p:cNvPr id="15" name="Rectangle 14"/>
+          <p:cNvSpPr/>
+          <p:nvPr/>
+        </p:nvSpPr>
+        <p:spPr>
+          <a:xfrm>
+            <a:off x="4017962" y="1550646"/>
+            <a:ext cx="4054475" cy="359128"/>
+          </a:xfrm>
+          <a:prstGeom prst="rect">
+            <a:avLst/>
+          </a:prstGeom>
+          <a:ln w="38100">
+            <a:solidFill>
+              <a:schemeClr val="bg1"/>
+            </a:solidFill>
+          </a:ln>
+        </p:spPr>
+        <p:style>
+          <a:lnRef idx="2">
+            <a:schemeClr val="accent6"/>
+          </a:lnRef>
+          <a:fillRef idx="1">
+            <a:schemeClr val="lt1"/>
+          </a:fillRef>
+          <a:effectRef idx="0">
+            <a:schemeClr val="accent6"/>
+          </a:effectRef>
+          <a:fontRef idx="minor">
+            <a:schemeClr val="dk1"/>
+          </a:fontRef>
+        </p:style>
+        <p:txBody>
+          <a:bodyPr rtlCol="0" anchor="ctr"/>
+          <a:lstStyle/>
+          <a:p>
+            <a:pPr algn="ctr"/>
+            <a:r>
+              <a:rPr lang="fi-FI" sz="2400" dirty="0" smtClean="0"/>
+              <a:t>Ilmoittautuminen</a:t>
+            </a:r>
+            <a:endParaRPr lang="fi-FI" sz="2400" dirty="0"/>
+          </a:p>
+        </p:txBody>
+      </p:sp>
+    </p:spTree>
+    <p:extLst>
+      <p:ext uri="{BB962C8B-B14F-4D97-AF65-F5344CB8AC3E}">
+        <p14:creationId xmlns:p14="http://schemas.microsoft.com/office/powerpoint/2010/main" val="1249487745"/>
+      </p:ext>
+    </p:extLst>
+  </p:cSld>
+  <p:clrMapOvr>
+    <a:masterClrMapping/>
+  </p:clrMapOvr>
+</p:sld>
+</file>
+
+<file path=ppt/slides/slide2.xml><?xml version="1.0" encoding="utf-8"?>
+<p:sld xmlns:a="http://schemas.openxmlformats.org/drawingml/2006/main" xmlns:r="http://schemas.openxmlformats.org/officeDocument/2006/relationships" xmlns:p="http://schemas.openxmlformats.org/presentationml/2006/main">
+  <p:cSld>
+    <p:spTree>
+      <p:nvGrpSpPr>
+        <p:cNvPr id="1" name=""/>
+        <p:cNvGrpSpPr/>
+        <p:nvPr/>
+      </p:nvGrpSpPr>
+      <p:grpSpPr>
+        <a:xfrm>
+          <a:off x="0" y="0"/>
+          <a:ext cx="0" cy="0"/>
+          <a:chOff x="0" y="0"/>
+          <a:chExt cx="0" cy="0"/>
+        </a:xfrm>
+      </p:grpSpPr>
+      <p:sp>
+        <p:nvSpPr>
+          <p:cNvPr id="2" name="Rectangle 1"/>
+          <p:cNvSpPr/>
+          <p:nvPr/>
+        </p:nvSpPr>
+        <p:spPr>
+          <a:xfrm>
+            <a:off x="3039138" y="0"/>
+            <a:ext cx="6112800" cy="6858000"/>
+          </a:xfrm>
+          <a:prstGeom prst="rect">
+            <a:avLst/>
+          </a:prstGeom>
+          <a:ln w="38100"/>
+        </p:spPr>
+        <p:style>
+          <a:lnRef idx="2">
+            <a:schemeClr val="accent6"/>
+          </a:lnRef>
+          <a:fillRef idx="1">
+            <a:schemeClr val="lt1"/>
+          </a:fillRef>
+          <a:effectRef idx="0">
+            <a:schemeClr val="accent6"/>
+          </a:effectRef>
+          <a:fontRef idx="minor">
+            <a:schemeClr val="dk1"/>
+          </a:fontRef>
+        </p:style>
+        <p:txBody>
+          <a:bodyPr rtlCol="0" anchor="ctr"/>
+          <a:lstStyle/>
+          <a:p>
+            <a:pPr algn="ctr"/>
+            <a:endParaRPr lang="fi-FI"/>
+          </a:p>
+        </p:txBody>
+      </p:sp>
+      <p:sp>
+        <p:nvSpPr>
+          <p:cNvPr id="3" name="Rectangle 2"/>
+          <p:cNvSpPr/>
+          <p:nvPr/>
+        </p:nvSpPr>
+        <p:spPr>
+          <a:xfrm>
+            <a:off x="3039138" y="0"/>
+            <a:ext cx="6112800" cy="1391400"/>
+          </a:xfrm>
+          <a:prstGeom prst="rect">
+            <a:avLst/>
+          </a:prstGeom>
+          <a:ln w="38100"/>
+        </p:spPr>
+        <p:style>
+          <a:lnRef idx="2">
+            <a:schemeClr val="accent6"/>
+          </a:lnRef>
+          <a:fillRef idx="1">
+            <a:schemeClr val="lt1"/>
+          </a:fillRef>
+          <a:effectRef idx="0">
+            <a:schemeClr val="accent6"/>
+          </a:effectRef>
+          <a:fontRef idx="minor">
+            <a:schemeClr val="dk1"/>
+          </a:fontRef>
+        </p:style>
+        <p:txBody>
+          <a:bodyPr rtlCol="0" anchor="ctr"/>
+          <a:lstStyle/>
+          <a:p>
+            <a:pPr algn="ctr"/>
+            <a:endParaRPr lang="fi-FI"/>
+          </a:p>
+        </p:txBody>
+      </p:sp>
+      <p:sp>
+        <p:nvSpPr>
+          <p:cNvPr id="5" name="Rectangle 4"/>
+          <p:cNvSpPr/>
+          <p:nvPr/>
+        </p:nvSpPr>
+        <p:spPr>
+          <a:xfrm>
+            <a:off x="4082588" y="1505702"/>
+            <a:ext cx="2267412" cy="339608"/>
+          </a:xfrm>
+          <a:prstGeom prst="rect">
+            <a:avLst/>
+          </a:prstGeom>
+          <a:ln w="38100">
+            <a:solidFill>
+              <a:schemeClr val="bg1"/>
+            </a:solidFill>
+          </a:ln>
+        </p:spPr>
+        <p:style>
+          <a:lnRef idx="2">
+            <a:schemeClr val="accent6"/>
+          </a:lnRef>
+          <a:fillRef idx="1">
+            <a:schemeClr val="lt1"/>
+          </a:fillRef>
+          <a:effectRef idx="0">
+            <a:schemeClr val="accent6"/>
+          </a:effectRef>
+          <a:fontRef idx="minor">
+            <a:schemeClr val="dk1"/>
+          </a:fontRef>
+        </p:style>
+        <p:txBody>
+          <a:bodyPr rtlCol="0" anchor="ctr"/>
+          <a:lstStyle/>
+          <a:p>
+            <a:r>
+              <a:rPr lang="fi-FI" sz="2400" dirty="0" smtClean="0"/>
+              <a:t>Ilmoittautumiset</a:t>
+            </a:r>
+            <a:endParaRPr lang="fi-FI" dirty="0"/>
+          </a:p>
+        </p:txBody>
+      </p:sp>
+      <p:sp>
+        <p:nvSpPr>
+          <p:cNvPr id="14" name="Rectangle 13"/>
+          <p:cNvSpPr/>
+          <p:nvPr/>
+        </p:nvSpPr>
+        <p:spPr>
+          <a:xfrm>
+            <a:off x="4057188" y="2432210"/>
+            <a:ext cx="1987550" cy="209550"/>
+          </a:xfrm>
+          <a:prstGeom prst="rect">
+            <a:avLst/>
+          </a:prstGeom>
+          <a:ln w="38100">
+            <a:solidFill>
+              <a:schemeClr val="bg1"/>
+            </a:solidFill>
+          </a:ln>
+        </p:spPr>
+        <p:style>
+          <a:lnRef idx="2">
+            <a:schemeClr val="accent6"/>
+          </a:lnRef>
+          <a:fillRef idx="1">
+            <a:schemeClr val="lt1"/>
+          </a:fillRef>
+          <a:effectRef idx="0">
+            <a:schemeClr val="accent6"/>
+          </a:effectRef>
+          <a:fontRef idx="minor">
+            <a:schemeClr val="dk1"/>
+          </a:fontRef>
+        </p:style>
+        <p:txBody>
+          <a:bodyPr rtlCol="0" anchor="ctr"/>
+          <a:lstStyle/>
+          <a:p>
+            <a:r>
+              <a:rPr lang="fi-FI" dirty="0" smtClean="0"/>
+              <a:t>Puhelinnumero</a:t>
+            </a:r>
+            <a:endParaRPr lang="fi-FI" dirty="0"/>
+          </a:p>
+        </p:txBody>
+      </p:sp>
+      <p:sp>
+        <p:nvSpPr>
+          <p:cNvPr id="15" name="Rectangle 14"/>
+          <p:cNvSpPr/>
+          <p:nvPr/>
+        </p:nvSpPr>
+        <p:spPr>
+          <a:xfrm>
+            <a:off x="4057188" y="2086372"/>
+            <a:ext cx="1987550" cy="209550"/>
+          </a:xfrm>
+          <a:prstGeom prst="rect">
+            <a:avLst/>
+          </a:prstGeom>
+          <a:ln w="38100">
+            <a:solidFill>
+              <a:schemeClr val="bg1"/>
+            </a:solidFill>
+          </a:ln>
+        </p:spPr>
+        <p:style>
+          <a:lnRef idx="2">
+            <a:schemeClr val="accent6"/>
+          </a:lnRef>
+          <a:fillRef idx="1">
+            <a:schemeClr val="lt1"/>
+          </a:fillRef>
+          <a:effectRef idx="0">
+            <a:schemeClr val="accent6"/>
+          </a:effectRef>
+          <a:fontRef idx="minor">
+            <a:schemeClr val="dk1"/>
+          </a:fontRef>
+        </p:style>
+        <p:txBody>
+          <a:bodyPr rtlCol="0" anchor="ctr"/>
+          <a:lstStyle/>
+          <a:p>
+            <a:r>
+              <a:rPr lang="fi-FI" dirty="0" smtClean="0"/>
+              <a:t>Käyttäjä nro 1</a:t>
+            </a:r>
+            <a:endParaRPr lang="fi-FI" dirty="0"/>
+          </a:p>
+        </p:txBody>
+      </p:sp>
+      <p:sp>
+        <p:nvSpPr>
+          <p:cNvPr id="16" name="Rectangle 15"/>
+          <p:cNvSpPr/>
+          <p:nvPr/>
+        </p:nvSpPr>
+        <p:spPr>
+          <a:xfrm>
+            <a:off x="6095538" y="2086372"/>
+            <a:ext cx="1987550" cy="209550"/>
+          </a:xfrm>
+          <a:prstGeom prst="rect">
+            <a:avLst/>
+          </a:prstGeom>
+          <a:ln w="38100">
+            <a:solidFill>
+              <a:schemeClr val="bg1"/>
+            </a:solidFill>
+          </a:ln>
+        </p:spPr>
+        <p:style>
+          <a:lnRef idx="2">
+            <a:schemeClr val="accent6"/>
+          </a:lnRef>
+          <a:fillRef idx="1">
+            <a:schemeClr val="lt1"/>
+          </a:fillRef>
+          <a:effectRef idx="0">
+            <a:schemeClr val="accent6"/>
+          </a:effectRef>
+          <a:fontRef idx="minor">
+            <a:schemeClr val="dk1"/>
+          </a:fontRef>
+        </p:style>
+        <p:txBody>
+          <a:bodyPr rtlCol="0" anchor="ctr"/>
+          <a:lstStyle/>
+          <a:p>
+            <a:r>
+              <a:rPr lang="fi-FI" dirty="0" smtClean="0"/>
+              <a:t>Sähköposti</a:t>
+            </a:r>
+            <a:endParaRPr lang="fi-FI" dirty="0"/>
+          </a:p>
+        </p:txBody>
+      </p:sp>
+      <p:sp>
+        <p:nvSpPr>
+          <p:cNvPr id="17" name="Rectangle 16"/>
+          <p:cNvSpPr/>
+          <p:nvPr/>
+        </p:nvSpPr>
+        <p:spPr>
+          <a:xfrm>
+            <a:off x="6095538" y="2432210"/>
+            <a:ext cx="1987550" cy="209550"/>
+          </a:xfrm>
+          <a:prstGeom prst="rect">
+            <a:avLst/>
+          </a:prstGeom>
+          <a:ln w="38100">
+            <a:solidFill>
+              <a:schemeClr val="bg1"/>
+            </a:solidFill>
+          </a:ln>
+        </p:spPr>
+        <p:style>
+          <a:lnRef idx="2">
+            <a:schemeClr val="accent6"/>
+          </a:lnRef>
+          <a:fillRef idx="1">
+            <a:schemeClr val="lt1"/>
+          </a:fillRef>
+          <a:effectRef idx="0">
+            <a:schemeClr val="accent6"/>
+          </a:effectRef>
+          <a:fontRef idx="minor">
+            <a:schemeClr val="dk1"/>
+          </a:fontRef>
+        </p:style>
+        <p:txBody>
+          <a:bodyPr rtlCol="0" anchor="ctr"/>
+          <a:lstStyle/>
+          <a:p>
+            <a:r>
+              <a:rPr lang="fi-FI" dirty="0" smtClean="0"/>
+              <a:t>Konepaikka</a:t>
+            </a:r>
+            <a:endParaRPr lang="fi-FI" dirty="0"/>
+          </a:p>
+        </p:txBody>
+      </p:sp>
+      <p:sp>
+        <p:nvSpPr>
+          <p:cNvPr id="18" name="Rectangle 17"/>
+          <p:cNvSpPr/>
+          <p:nvPr/>
+        </p:nvSpPr>
+        <p:spPr>
+          <a:xfrm>
+            <a:off x="4082588" y="2778047"/>
+            <a:ext cx="2870200" cy="298527"/>
+          </a:xfrm>
+          <a:prstGeom prst="rect">
+            <a:avLst/>
+          </a:prstGeom>
+          <a:ln w="38100">
+            <a:solidFill>
+              <a:schemeClr val="bg1"/>
+            </a:solidFill>
+          </a:ln>
+        </p:spPr>
+        <p:style>
+          <a:lnRef idx="2">
+            <a:schemeClr val="accent6"/>
+          </a:lnRef>
+          <a:fillRef idx="1">
+            <a:schemeClr val="lt1"/>
+          </a:fillRef>
+          <a:effectRef idx="0">
+            <a:schemeClr val="accent6"/>
+          </a:effectRef>
+          <a:fontRef idx="minor">
+            <a:schemeClr val="dk1"/>
+          </a:fontRef>
+        </p:style>
+        <p:txBody>
+          <a:bodyPr rtlCol="0" anchor="ctr"/>
+          <a:lstStyle/>
+          <a:p>
+            <a:r>
+              <a:rPr lang="fi-FI" dirty="0" smtClean="0"/>
+              <a:t>Ilmoittautuuko turnaukseen</a:t>
+            </a:r>
+            <a:endParaRPr lang="fi-FI" dirty="0"/>
+          </a:p>
+        </p:txBody>
+      </p:sp>
+      <p:sp>
+        <p:nvSpPr>
+          <p:cNvPr id="19" name="Rectangle 18"/>
+          <p:cNvSpPr/>
+          <p:nvPr/>
+        </p:nvSpPr>
+        <p:spPr>
+          <a:xfrm>
+            <a:off x="4047663" y="1950084"/>
+            <a:ext cx="4076700" cy="1478916"/>
+          </a:xfrm>
+          <a:prstGeom prst="rect">
+            <a:avLst/>
+          </a:prstGeom>
+          <a:noFill/>
+          <a:ln w="38100" cap="flat" cmpd="sng" algn="ctr">
+            <a:solidFill>
+              <a:schemeClr val="accent6"/>
             </a:solidFill>
             <a:prstDash val="solid"/>
             <a:round/>
@@ -3222,7 +3958,7 @@
             <a:scrgbClr r="0" g="0" b="0"/>
           </a:effectRef>
           <a:fontRef idx="minor">
-            <a:schemeClr val="dk1"/>
+            <a:schemeClr val="accent6"/>
           </a:fontRef>
         </p:style>
         <p:txBody>
@@ -3230,9 +3966,59 @@
           <a:lstStyle/>
           <a:p>
             <a:pPr algn="ctr"/>
-            <a:endParaRPr lang="fi-FI" sz="1200" dirty="0">
+            <a:endParaRPr lang="fi-FI"/>
+          </a:p>
+        </p:txBody>
+      </p:sp>
+      <p:sp>
+        <p:nvSpPr>
+          <p:cNvPr id="35" name="Rectangle 34"/>
+          <p:cNvSpPr/>
+          <p:nvPr/>
+        </p:nvSpPr>
+        <p:spPr>
+          <a:xfrm>
+            <a:off x="4085763" y="3108087"/>
+            <a:ext cx="1162050" cy="174746"/>
+          </a:xfrm>
+          <a:prstGeom prst="rect">
+            <a:avLst/>
+          </a:prstGeom>
+          <a:ln w="38100">
+            <a:solidFill>
+              <a:schemeClr val="bg1"/>
+            </a:solidFill>
+          </a:ln>
+        </p:spPr>
+        <p:style>
+          <a:lnRef idx="2">
+            <a:schemeClr val="accent6"/>
+          </a:lnRef>
+          <a:fillRef idx="1">
+            <a:schemeClr val="lt1"/>
+          </a:fillRef>
+          <a:effectRef idx="0">
+            <a:schemeClr val="accent6"/>
+          </a:effectRef>
+          <a:fontRef idx="minor">
+            <a:schemeClr val="dk1"/>
+          </a:fontRef>
+        </p:style>
+        <p:txBody>
+          <a:bodyPr rtlCol="0" anchor="ctr"/>
+          <a:lstStyle/>
+          <a:p>
+            <a:r>
+              <a:rPr lang="fi-FI" u="sng" dirty="0" smtClean="0">
+                <a:solidFill>
+                  <a:schemeClr val="accent1"/>
+                </a:solidFill>
+              </a:rPr>
+              <a:t>Muokkaa</a:t>
+            </a:r>
+            <a:endParaRPr lang="fi-FI" u="sng" dirty="0">
               <a:solidFill>
-                <a:schemeClr val="bg1"/>
+                <a:schemeClr val="accent1"/>
               </a:solidFill>
             </a:endParaRPr>
           </a:p>
@@ -3240,75 +4026,306 @@
       </p:sp>
       <p:sp>
         <p:nvSpPr>
-          <p:cNvPr id="23" name="Rectangle 22"/>
-          <p:cNvSpPr/>
-          <p:nvPr/>
-        </p:nvSpPr>
-        <p:spPr>
-          <a:xfrm>
-            <a:off x="3039600" y="1844676"/>
-            <a:ext cx="2037601" cy="374650"/>
-          </a:xfrm>
-          <a:prstGeom prst="rect">
-            <a:avLst/>
-          </a:prstGeom>
-          <a:noFill/>
-          <a:ln w="28575" cap="flat" cmpd="sng" algn="ctr">
-            <a:noFill/>
-            <a:prstDash val="solid"/>
-            <a:round/>
-            <a:headEnd type="none" w="med" len="med"/>
-            <a:tailEnd type="none" w="med" len="med"/>
+          <p:cNvPr id="36" name="Rectangle 35"/>
+          <p:cNvSpPr/>
+          <p:nvPr/>
+        </p:nvSpPr>
+        <p:spPr>
+          <a:xfrm>
+            <a:off x="5247813" y="3086142"/>
+            <a:ext cx="1987550" cy="209550"/>
+          </a:xfrm>
+          <a:prstGeom prst="rect">
+            <a:avLst/>
+          </a:prstGeom>
+          <a:ln w="38100">
+            <a:solidFill>
+              <a:schemeClr val="bg1"/>
+            </a:solidFill>
           </a:ln>
         </p:spPr>
         <p:style>
-          <a:lnRef idx="0">
-            <a:scrgbClr r="0" g="0" b="0"/>
-          </a:lnRef>
-          <a:fillRef idx="0">
-            <a:scrgbClr r="0" g="0" b="0"/>
-          </a:fillRef>
-          <a:effectRef idx="0">
-            <a:scrgbClr r="0" g="0" b="0"/>
-          </a:effectRef>
-          <a:fontRef idx="minor">
-            <a:schemeClr val="dk1"/>
-          </a:fontRef>
-        </p:style>
-        <p:txBody>
-          <a:bodyPr rtlCol="0" anchor="ctr"/>
-          <a:lstStyle/>
-          <a:p>
-            <a:pPr algn="r"/>
-            <a:r>
-              <a:rPr lang="fi-FI" sz="1200" dirty="0">
+          <a:lnRef idx="2">
+            <a:schemeClr val="accent6"/>
+          </a:lnRef>
+          <a:fillRef idx="1">
+            <a:schemeClr val="lt1"/>
+          </a:fillRef>
+          <a:effectRef idx="0">
+            <a:schemeClr val="accent6"/>
+          </a:effectRef>
+          <a:fontRef idx="minor">
+            <a:schemeClr val="dk1"/>
+          </a:fontRef>
+        </p:style>
+        <p:txBody>
+          <a:bodyPr rtlCol="0" anchor="ctr"/>
+          <a:lstStyle/>
+          <a:p>
+            <a:r>
+              <a:rPr lang="fi-FI" u="sng" dirty="0" smtClean="0">
                 <a:solidFill>
-                  <a:schemeClr val="bg1"/>
+                  <a:schemeClr val="accent1"/>
                 </a:solidFill>
               </a:rPr>
-              <a:t>Etunimi</a:t>
-            </a:r>
-          </a:p>
-        </p:txBody>
-      </p:sp>
-      <p:sp>
-        <p:nvSpPr>
-          <p:cNvPr id="24" name="Rectangle 23"/>
-          <p:cNvSpPr/>
-          <p:nvPr/>
-        </p:nvSpPr>
-        <p:spPr>
-          <a:xfrm>
-            <a:off x="5076361" y="2297952"/>
-            <a:ext cx="3057239" cy="374650"/>
-          </a:xfrm>
-          <a:prstGeom prst="rect">
-            <a:avLst/>
-          </a:prstGeom>
-          <a:noFill/>
-          <a:ln w="28575" cap="flat" cmpd="sng" algn="ctr">
+              <a:t>Poista</a:t>
+            </a:r>
+            <a:endParaRPr lang="fi-FI" u="sng" dirty="0">
+              <a:solidFill>
+                <a:schemeClr val="accent1"/>
+              </a:solidFill>
+            </a:endParaRPr>
+          </a:p>
+        </p:txBody>
+      </p:sp>
+      <p:sp>
+        <p:nvSpPr>
+          <p:cNvPr id="37" name="Rectangle 36"/>
+          <p:cNvSpPr/>
+          <p:nvPr/>
+        </p:nvSpPr>
+        <p:spPr>
+          <a:xfrm>
+            <a:off x="4066713" y="4146710"/>
+            <a:ext cx="1987550" cy="209550"/>
+          </a:xfrm>
+          <a:prstGeom prst="rect">
+            <a:avLst/>
+          </a:prstGeom>
+          <a:ln w="38100">
             <a:solidFill>
               <a:schemeClr val="bg1"/>
+            </a:solidFill>
+          </a:ln>
+        </p:spPr>
+        <p:style>
+          <a:lnRef idx="2">
+            <a:schemeClr val="accent6"/>
+          </a:lnRef>
+          <a:fillRef idx="1">
+            <a:schemeClr val="lt1"/>
+          </a:fillRef>
+          <a:effectRef idx="0">
+            <a:schemeClr val="accent6"/>
+          </a:effectRef>
+          <a:fontRef idx="minor">
+            <a:schemeClr val="dk1"/>
+          </a:fontRef>
+        </p:style>
+        <p:txBody>
+          <a:bodyPr rtlCol="0" anchor="ctr"/>
+          <a:lstStyle/>
+          <a:p>
+            <a:r>
+              <a:rPr lang="fi-FI" dirty="0" smtClean="0"/>
+              <a:t>Puhelinnumero</a:t>
+            </a:r>
+            <a:endParaRPr lang="fi-FI" dirty="0"/>
+          </a:p>
+        </p:txBody>
+      </p:sp>
+      <p:sp>
+        <p:nvSpPr>
+          <p:cNvPr id="38" name="Rectangle 37"/>
+          <p:cNvSpPr/>
+          <p:nvPr/>
+        </p:nvSpPr>
+        <p:spPr>
+          <a:xfrm>
+            <a:off x="4066713" y="3800872"/>
+            <a:ext cx="1987550" cy="209550"/>
+          </a:xfrm>
+          <a:prstGeom prst="rect">
+            <a:avLst/>
+          </a:prstGeom>
+          <a:ln w="38100">
+            <a:solidFill>
+              <a:schemeClr val="bg1"/>
+            </a:solidFill>
+          </a:ln>
+        </p:spPr>
+        <p:style>
+          <a:lnRef idx="2">
+            <a:schemeClr val="accent6"/>
+          </a:lnRef>
+          <a:fillRef idx="1">
+            <a:schemeClr val="lt1"/>
+          </a:fillRef>
+          <a:effectRef idx="0">
+            <a:schemeClr val="accent6"/>
+          </a:effectRef>
+          <a:fontRef idx="minor">
+            <a:schemeClr val="dk1"/>
+          </a:fontRef>
+        </p:style>
+        <p:txBody>
+          <a:bodyPr rtlCol="0" anchor="ctr"/>
+          <a:lstStyle/>
+          <a:p>
+            <a:r>
+              <a:rPr lang="fi-FI" dirty="0" smtClean="0"/>
+              <a:t>Käyttäjä nro 2</a:t>
+            </a:r>
+            <a:endParaRPr lang="fi-FI" dirty="0"/>
+          </a:p>
+        </p:txBody>
+      </p:sp>
+      <p:sp>
+        <p:nvSpPr>
+          <p:cNvPr id="39" name="Rectangle 38"/>
+          <p:cNvSpPr/>
+          <p:nvPr/>
+        </p:nvSpPr>
+        <p:spPr>
+          <a:xfrm>
+            <a:off x="6105063" y="3800872"/>
+            <a:ext cx="1987550" cy="209550"/>
+          </a:xfrm>
+          <a:prstGeom prst="rect">
+            <a:avLst/>
+          </a:prstGeom>
+          <a:ln w="38100">
+            <a:solidFill>
+              <a:schemeClr val="bg1"/>
+            </a:solidFill>
+          </a:ln>
+        </p:spPr>
+        <p:style>
+          <a:lnRef idx="2">
+            <a:schemeClr val="accent6"/>
+          </a:lnRef>
+          <a:fillRef idx="1">
+            <a:schemeClr val="lt1"/>
+          </a:fillRef>
+          <a:effectRef idx="0">
+            <a:schemeClr val="accent6"/>
+          </a:effectRef>
+          <a:fontRef idx="minor">
+            <a:schemeClr val="dk1"/>
+          </a:fontRef>
+        </p:style>
+        <p:txBody>
+          <a:bodyPr rtlCol="0" anchor="ctr"/>
+          <a:lstStyle/>
+          <a:p>
+            <a:r>
+              <a:rPr lang="fi-FI" dirty="0" smtClean="0"/>
+              <a:t>Sähköposti</a:t>
+            </a:r>
+            <a:endParaRPr lang="fi-FI" dirty="0"/>
+          </a:p>
+        </p:txBody>
+      </p:sp>
+      <p:sp>
+        <p:nvSpPr>
+          <p:cNvPr id="40" name="Rectangle 39"/>
+          <p:cNvSpPr/>
+          <p:nvPr/>
+        </p:nvSpPr>
+        <p:spPr>
+          <a:xfrm>
+            <a:off x="6105063" y="4146710"/>
+            <a:ext cx="1987550" cy="209550"/>
+          </a:xfrm>
+          <a:prstGeom prst="rect">
+            <a:avLst/>
+          </a:prstGeom>
+          <a:ln w="38100">
+            <a:solidFill>
+              <a:schemeClr val="bg1"/>
+            </a:solidFill>
+          </a:ln>
+        </p:spPr>
+        <p:style>
+          <a:lnRef idx="2">
+            <a:schemeClr val="accent6"/>
+          </a:lnRef>
+          <a:fillRef idx="1">
+            <a:schemeClr val="lt1"/>
+          </a:fillRef>
+          <a:effectRef idx="0">
+            <a:schemeClr val="accent6"/>
+          </a:effectRef>
+          <a:fontRef idx="minor">
+            <a:schemeClr val="dk1"/>
+          </a:fontRef>
+        </p:style>
+        <p:txBody>
+          <a:bodyPr rtlCol="0" anchor="ctr"/>
+          <a:lstStyle/>
+          <a:p>
+            <a:r>
+              <a:rPr lang="fi-FI" dirty="0" smtClean="0"/>
+              <a:t>Konepaikka</a:t>
+            </a:r>
+            <a:endParaRPr lang="fi-FI" dirty="0"/>
+          </a:p>
+        </p:txBody>
+      </p:sp>
+      <p:sp>
+        <p:nvSpPr>
+          <p:cNvPr id="41" name="Rectangle 40"/>
+          <p:cNvSpPr/>
+          <p:nvPr/>
+        </p:nvSpPr>
+        <p:spPr>
+          <a:xfrm>
+            <a:off x="4092113" y="4492547"/>
+            <a:ext cx="2870200" cy="298527"/>
+          </a:xfrm>
+          <a:prstGeom prst="rect">
+            <a:avLst/>
+          </a:prstGeom>
+          <a:ln w="38100">
+            <a:solidFill>
+              <a:schemeClr val="bg1"/>
+            </a:solidFill>
+          </a:ln>
+        </p:spPr>
+        <p:style>
+          <a:lnRef idx="2">
+            <a:schemeClr val="accent6"/>
+          </a:lnRef>
+          <a:fillRef idx="1">
+            <a:schemeClr val="lt1"/>
+          </a:fillRef>
+          <a:effectRef idx="0">
+            <a:schemeClr val="accent6"/>
+          </a:effectRef>
+          <a:fontRef idx="minor">
+            <a:schemeClr val="dk1"/>
+          </a:fontRef>
+        </p:style>
+        <p:txBody>
+          <a:bodyPr rtlCol="0" anchor="ctr"/>
+          <a:lstStyle/>
+          <a:p>
+            <a:r>
+              <a:rPr lang="fi-FI" dirty="0" smtClean="0"/>
+              <a:t>Ilmoittautuuko turnaukseen</a:t>
+            </a:r>
+            <a:endParaRPr lang="fi-FI" dirty="0"/>
+          </a:p>
+        </p:txBody>
+      </p:sp>
+      <p:sp>
+        <p:nvSpPr>
+          <p:cNvPr id="42" name="Rectangle 41"/>
+          <p:cNvSpPr/>
+          <p:nvPr/>
+        </p:nvSpPr>
+        <p:spPr>
+          <a:xfrm>
+            <a:off x="4057188" y="3664584"/>
+            <a:ext cx="4076700" cy="1478916"/>
+          </a:xfrm>
+          <a:prstGeom prst="rect">
+            <a:avLst/>
+          </a:prstGeom>
+          <a:noFill/>
+          <a:ln w="38100" cap="flat" cmpd="sng" algn="ctr">
+            <a:solidFill>
+              <a:schemeClr val="accent6"/>
             </a:solidFill>
             <a:prstDash val="solid"/>
             <a:round/>
@@ -3327,7 +4344,7 @@
             <a:scrgbClr r="0" g="0" b="0"/>
           </a:effectRef>
           <a:fontRef idx="minor">
-            <a:schemeClr val="dk1"/>
+            <a:schemeClr val="accent6"/>
           </a:fontRef>
         </p:style>
         <p:txBody>
@@ -3335,9 +4352,59 @@
           <a:lstStyle/>
           <a:p>
             <a:pPr algn="ctr"/>
-            <a:endParaRPr lang="fi-FI" sz="1200" dirty="0">
+            <a:endParaRPr lang="fi-FI"/>
+          </a:p>
+        </p:txBody>
+      </p:sp>
+      <p:sp>
+        <p:nvSpPr>
+          <p:cNvPr id="43" name="Rectangle 42"/>
+          <p:cNvSpPr/>
+          <p:nvPr/>
+        </p:nvSpPr>
+        <p:spPr>
+          <a:xfrm>
+            <a:off x="4095288" y="4822586"/>
+            <a:ext cx="1162050" cy="187606"/>
+          </a:xfrm>
+          <a:prstGeom prst="rect">
+            <a:avLst/>
+          </a:prstGeom>
+          <a:ln w="38100">
+            <a:solidFill>
+              <a:schemeClr val="bg1"/>
+            </a:solidFill>
+          </a:ln>
+        </p:spPr>
+        <p:style>
+          <a:lnRef idx="2">
+            <a:schemeClr val="accent6"/>
+          </a:lnRef>
+          <a:fillRef idx="1">
+            <a:schemeClr val="lt1"/>
+          </a:fillRef>
+          <a:effectRef idx="0">
+            <a:schemeClr val="accent6"/>
+          </a:effectRef>
+          <a:fontRef idx="minor">
+            <a:schemeClr val="dk1"/>
+          </a:fontRef>
+        </p:style>
+        <p:txBody>
+          <a:bodyPr rtlCol="0" anchor="ctr"/>
+          <a:lstStyle/>
+          <a:p>
+            <a:r>
+              <a:rPr lang="fi-FI" u="sng" dirty="0" smtClean="0">
+                <a:solidFill>
+                  <a:schemeClr val="accent1"/>
+                </a:solidFill>
+              </a:rPr>
+              <a:t>Muokkaa</a:t>
+            </a:r>
+            <a:endParaRPr lang="fi-FI" u="sng" dirty="0">
               <a:solidFill>
-                <a:schemeClr val="bg1"/>
+                <a:schemeClr val="accent1"/>
               </a:solidFill>
             </a:endParaRPr>
           </a:p>
@@ -3345,75 +4412,306 @@
       </p:sp>
       <p:sp>
         <p:nvSpPr>
-          <p:cNvPr id="25" name="Rectangle 24"/>
-          <p:cNvSpPr/>
-          <p:nvPr/>
-        </p:nvSpPr>
-        <p:spPr>
-          <a:xfrm>
-            <a:off x="3039600" y="2297952"/>
-            <a:ext cx="2037601" cy="374650"/>
-          </a:xfrm>
-          <a:prstGeom prst="rect">
-            <a:avLst/>
-          </a:prstGeom>
-          <a:noFill/>
-          <a:ln w="28575" cap="flat" cmpd="sng" algn="ctr">
-            <a:noFill/>
-            <a:prstDash val="solid"/>
-            <a:round/>
-            <a:headEnd type="none" w="med" len="med"/>
-            <a:tailEnd type="none" w="med" len="med"/>
+          <p:cNvPr id="44" name="Rectangle 43"/>
+          <p:cNvSpPr/>
+          <p:nvPr/>
+        </p:nvSpPr>
+        <p:spPr>
+          <a:xfrm>
+            <a:off x="5257338" y="4800642"/>
+            <a:ext cx="1987550" cy="209550"/>
+          </a:xfrm>
+          <a:prstGeom prst="rect">
+            <a:avLst/>
+          </a:prstGeom>
+          <a:ln w="38100">
+            <a:solidFill>
+              <a:schemeClr val="bg1"/>
+            </a:solidFill>
           </a:ln>
         </p:spPr>
         <p:style>
-          <a:lnRef idx="0">
-            <a:scrgbClr r="0" g="0" b="0"/>
-          </a:lnRef>
-          <a:fillRef idx="0">
-            <a:scrgbClr r="0" g="0" b="0"/>
-          </a:fillRef>
-          <a:effectRef idx="0">
-            <a:scrgbClr r="0" g="0" b="0"/>
-          </a:effectRef>
-          <a:fontRef idx="minor">
-            <a:schemeClr val="dk1"/>
-          </a:fontRef>
-        </p:style>
-        <p:txBody>
-          <a:bodyPr rtlCol="0" anchor="ctr"/>
-          <a:lstStyle/>
-          <a:p>
-            <a:pPr algn="r"/>
-            <a:r>
-              <a:rPr lang="fi-FI" sz="1200" dirty="0">
+          <a:lnRef idx="2">
+            <a:schemeClr val="accent6"/>
+          </a:lnRef>
+          <a:fillRef idx="1">
+            <a:schemeClr val="lt1"/>
+          </a:fillRef>
+          <a:effectRef idx="0">
+            <a:schemeClr val="accent6"/>
+          </a:effectRef>
+          <a:fontRef idx="minor">
+            <a:schemeClr val="dk1"/>
+          </a:fontRef>
+        </p:style>
+        <p:txBody>
+          <a:bodyPr rtlCol="0" anchor="ctr"/>
+          <a:lstStyle/>
+          <a:p>
+            <a:r>
+              <a:rPr lang="fi-FI" u="sng" dirty="0" smtClean="0">
                 <a:solidFill>
-                  <a:schemeClr val="bg1"/>
+                  <a:schemeClr val="accent1"/>
                 </a:solidFill>
               </a:rPr>
-              <a:t>Sukunimi</a:t>
-            </a:r>
-          </a:p>
-        </p:txBody>
-      </p:sp>
-      <p:sp>
-        <p:nvSpPr>
-          <p:cNvPr id="26" name="Rectangle 25"/>
-          <p:cNvSpPr/>
-          <p:nvPr/>
-        </p:nvSpPr>
-        <p:spPr>
-          <a:xfrm>
-            <a:off x="5077200" y="2738819"/>
-            <a:ext cx="3057239" cy="374650"/>
-          </a:xfrm>
-          <a:prstGeom prst="rect">
-            <a:avLst/>
-          </a:prstGeom>
-          <a:noFill/>
-          <a:ln w="28575" cap="flat" cmpd="sng" algn="ctr">
+              <a:t>Poista</a:t>
+            </a:r>
+            <a:endParaRPr lang="fi-FI" u="sng" dirty="0">
+              <a:solidFill>
+                <a:schemeClr val="accent1"/>
+              </a:solidFill>
+            </a:endParaRPr>
+          </a:p>
+        </p:txBody>
+      </p:sp>
+      <p:sp>
+        <p:nvSpPr>
+          <p:cNvPr id="45" name="Rectangle 44"/>
+          <p:cNvSpPr/>
+          <p:nvPr/>
+        </p:nvSpPr>
+        <p:spPr>
+          <a:xfrm>
+            <a:off x="4076238" y="5831884"/>
+            <a:ext cx="1987550" cy="209550"/>
+          </a:xfrm>
+          <a:prstGeom prst="rect">
+            <a:avLst/>
+          </a:prstGeom>
+          <a:ln w="38100">
             <a:solidFill>
               <a:schemeClr val="bg1"/>
+            </a:solidFill>
+          </a:ln>
+        </p:spPr>
+        <p:style>
+          <a:lnRef idx="2">
+            <a:schemeClr val="accent6"/>
+          </a:lnRef>
+          <a:fillRef idx="1">
+            <a:schemeClr val="lt1"/>
+          </a:fillRef>
+          <a:effectRef idx="0">
+            <a:schemeClr val="accent6"/>
+          </a:effectRef>
+          <a:fontRef idx="minor">
+            <a:schemeClr val="dk1"/>
+          </a:fontRef>
+        </p:style>
+        <p:txBody>
+          <a:bodyPr rtlCol="0" anchor="ctr"/>
+          <a:lstStyle/>
+          <a:p>
+            <a:r>
+              <a:rPr lang="fi-FI" dirty="0" smtClean="0"/>
+              <a:t>Puhelinnumero</a:t>
+            </a:r>
+            <a:endParaRPr lang="fi-FI" dirty="0"/>
+          </a:p>
+        </p:txBody>
+      </p:sp>
+      <p:sp>
+        <p:nvSpPr>
+          <p:cNvPr id="46" name="Rectangle 45"/>
+          <p:cNvSpPr/>
+          <p:nvPr/>
+        </p:nvSpPr>
+        <p:spPr>
+          <a:xfrm>
+            <a:off x="4076238" y="5486046"/>
+            <a:ext cx="1987550" cy="209550"/>
+          </a:xfrm>
+          <a:prstGeom prst="rect">
+            <a:avLst/>
+          </a:prstGeom>
+          <a:ln w="38100">
+            <a:solidFill>
+              <a:schemeClr val="bg1"/>
+            </a:solidFill>
+          </a:ln>
+        </p:spPr>
+        <p:style>
+          <a:lnRef idx="2">
+            <a:schemeClr val="accent6"/>
+          </a:lnRef>
+          <a:fillRef idx="1">
+            <a:schemeClr val="lt1"/>
+          </a:fillRef>
+          <a:effectRef idx="0">
+            <a:schemeClr val="accent6"/>
+          </a:effectRef>
+          <a:fontRef idx="minor">
+            <a:schemeClr val="dk1"/>
+          </a:fontRef>
+        </p:style>
+        <p:txBody>
+          <a:bodyPr rtlCol="0" anchor="ctr"/>
+          <a:lstStyle/>
+          <a:p>
+            <a:r>
+              <a:rPr lang="fi-FI" dirty="0" smtClean="0"/>
+              <a:t>Käyttäjä nro 3</a:t>
+            </a:r>
+            <a:endParaRPr lang="fi-FI" dirty="0"/>
+          </a:p>
+        </p:txBody>
+      </p:sp>
+      <p:sp>
+        <p:nvSpPr>
+          <p:cNvPr id="47" name="Rectangle 46"/>
+          <p:cNvSpPr/>
+          <p:nvPr/>
+        </p:nvSpPr>
+        <p:spPr>
+          <a:xfrm>
+            <a:off x="6114588" y="5486046"/>
+            <a:ext cx="1987550" cy="209550"/>
+          </a:xfrm>
+          <a:prstGeom prst="rect">
+            <a:avLst/>
+          </a:prstGeom>
+          <a:ln w="38100">
+            <a:solidFill>
+              <a:schemeClr val="bg1"/>
+            </a:solidFill>
+          </a:ln>
+        </p:spPr>
+        <p:style>
+          <a:lnRef idx="2">
+            <a:schemeClr val="accent6"/>
+          </a:lnRef>
+          <a:fillRef idx="1">
+            <a:schemeClr val="lt1"/>
+          </a:fillRef>
+          <a:effectRef idx="0">
+            <a:schemeClr val="accent6"/>
+          </a:effectRef>
+          <a:fontRef idx="minor">
+            <a:schemeClr val="dk1"/>
+          </a:fontRef>
+        </p:style>
+        <p:txBody>
+          <a:bodyPr rtlCol="0" anchor="ctr"/>
+          <a:lstStyle/>
+          <a:p>
+            <a:r>
+              <a:rPr lang="fi-FI" dirty="0" smtClean="0"/>
+              <a:t>Sähköposti</a:t>
+            </a:r>
+            <a:endParaRPr lang="fi-FI" dirty="0"/>
+          </a:p>
+        </p:txBody>
+      </p:sp>
+      <p:sp>
+        <p:nvSpPr>
+          <p:cNvPr id="48" name="Rectangle 47"/>
+          <p:cNvSpPr/>
+          <p:nvPr/>
+        </p:nvSpPr>
+        <p:spPr>
+          <a:xfrm>
+            <a:off x="6114588" y="5831884"/>
+            <a:ext cx="1987550" cy="209550"/>
+          </a:xfrm>
+          <a:prstGeom prst="rect">
+            <a:avLst/>
+          </a:prstGeom>
+          <a:ln w="38100">
+            <a:solidFill>
+              <a:schemeClr val="bg1"/>
+            </a:solidFill>
+          </a:ln>
+        </p:spPr>
+        <p:style>
+          <a:lnRef idx="2">
+            <a:schemeClr val="accent6"/>
+          </a:lnRef>
+          <a:fillRef idx="1">
+            <a:schemeClr val="lt1"/>
+          </a:fillRef>
+          <a:effectRef idx="0">
+            <a:schemeClr val="accent6"/>
+          </a:effectRef>
+          <a:fontRef idx="minor">
+            <a:schemeClr val="dk1"/>
+          </a:fontRef>
+        </p:style>
+        <p:txBody>
+          <a:bodyPr rtlCol="0" anchor="ctr"/>
+          <a:lstStyle/>
+          <a:p>
+            <a:r>
+              <a:rPr lang="fi-FI" dirty="0" smtClean="0"/>
+              <a:t>Konepaikka</a:t>
+            </a:r>
+            <a:endParaRPr lang="fi-FI" dirty="0"/>
+          </a:p>
+        </p:txBody>
+      </p:sp>
+      <p:sp>
+        <p:nvSpPr>
+          <p:cNvPr id="49" name="Rectangle 48"/>
+          <p:cNvSpPr/>
+          <p:nvPr/>
+        </p:nvSpPr>
+        <p:spPr>
+          <a:xfrm>
+            <a:off x="4101638" y="6177721"/>
+            <a:ext cx="2870200" cy="298527"/>
+          </a:xfrm>
+          <a:prstGeom prst="rect">
+            <a:avLst/>
+          </a:prstGeom>
+          <a:ln w="38100">
+            <a:solidFill>
+              <a:schemeClr val="bg1"/>
+            </a:solidFill>
+          </a:ln>
+        </p:spPr>
+        <p:style>
+          <a:lnRef idx="2">
+            <a:schemeClr val="accent6"/>
+          </a:lnRef>
+          <a:fillRef idx="1">
+            <a:schemeClr val="lt1"/>
+          </a:fillRef>
+          <a:effectRef idx="0">
+            <a:schemeClr val="accent6"/>
+          </a:effectRef>
+          <a:fontRef idx="minor">
+            <a:schemeClr val="dk1"/>
+          </a:fontRef>
+        </p:style>
+        <p:txBody>
+          <a:bodyPr rtlCol="0" anchor="ctr"/>
+          <a:lstStyle/>
+          <a:p>
+            <a:r>
+              <a:rPr lang="fi-FI" dirty="0" smtClean="0"/>
+              <a:t>Ilmoittautuuko turnaukseen</a:t>
+            </a:r>
+            <a:endParaRPr lang="fi-FI" dirty="0"/>
+          </a:p>
+        </p:txBody>
+      </p:sp>
+      <p:sp>
+        <p:nvSpPr>
+          <p:cNvPr id="50" name="Rectangle 49"/>
+          <p:cNvSpPr/>
+          <p:nvPr/>
+        </p:nvSpPr>
+        <p:spPr>
+          <a:xfrm>
+            <a:off x="4066713" y="5349758"/>
+            <a:ext cx="4076700" cy="1508242"/>
+          </a:xfrm>
+          <a:prstGeom prst="rect">
+            <a:avLst/>
+          </a:prstGeom>
+          <a:noFill/>
+          <a:ln w="38100" cap="flat" cmpd="sng" algn="ctr">
+            <a:solidFill>
+              <a:schemeClr val="accent6"/>
             </a:solidFill>
             <a:prstDash val="solid"/>
             <a:round/>
@@ -3432,7 +4730,7 @@
             <a:scrgbClr r="0" g="0" b="0"/>
           </a:effectRef>
           <a:fontRef idx="minor">
-            <a:schemeClr val="dk1"/>
+            <a:schemeClr val="accent6"/>
           </a:fontRef>
         </p:style>
         <p:txBody>
@@ -3440,9 +4738,59 @@
           <a:lstStyle/>
           <a:p>
             <a:pPr algn="ctr"/>
-            <a:endParaRPr lang="fi-FI" sz="1200" dirty="0">
+            <a:endParaRPr lang="fi-FI"/>
+          </a:p>
+        </p:txBody>
+      </p:sp>
+      <p:sp>
+        <p:nvSpPr>
+          <p:cNvPr id="51" name="Rectangle 50"/>
+          <p:cNvSpPr/>
+          <p:nvPr/>
+        </p:nvSpPr>
+        <p:spPr>
+          <a:xfrm>
+            <a:off x="4101637" y="6507760"/>
+            <a:ext cx="1165225" cy="197174"/>
+          </a:xfrm>
+          <a:prstGeom prst="rect">
+            <a:avLst/>
+          </a:prstGeom>
+          <a:ln w="38100">
+            <a:solidFill>
+              <a:schemeClr val="bg1"/>
+            </a:solidFill>
+          </a:ln>
+        </p:spPr>
+        <p:style>
+          <a:lnRef idx="2">
+            <a:schemeClr val="accent6"/>
+          </a:lnRef>
+          <a:fillRef idx="1">
+            <a:schemeClr val="lt1"/>
+          </a:fillRef>
+          <a:effectRef idx="0">
+            <a:schemeClr val="accent6"/>
+          </a:effectRef>
+          <a:fontRef idx="minor">
+            <a:schemeClr val="dk1"/>
+          </a:fontRef>
+        </p:style>
+        <p:txBody>
+          <a:bodyPr rtlCol="0" anchor="ctr"/>
+          <a:lstStyle/>
+          <a:p>
+            <a:r>
+              <a:rPr lang="fi-FI" u="sng" dirty="0" smtClean="0">
+                <a:solidFill>
+                  <a:schemeClr val="accent1"/>
+                </a:solidFill>
+              </a:rPr>
+              <a:t>Muokkaa</a:t>
+            </a:r>
+            <a:endParaRPr lang="fi-FI" u="sng" dirty="0">
               <a:solidFill>
-                <a:schemeClr val="bg1"/>
+                <a:schemeClr val="accent1"/>
               </a:solidFill>
             </a:endParaRPr>
           </a:p>
@@ -3450,75 +4798,460 @@
       </p:sp>
       <p:sp>
         <p:nvSpPr>
-          <p:cNvPr id="27" name="Rectangle 26"/>
-          <p:cNvSpPr/>
-          <p:nvPr/>
-        </p:nvSpPr>
-        <p:spPr>
-          <a:xfrm>
-            <a:off x="3040439" y="2738819"/>
-            <a:ext cx="2037601" cy="374650"/>
-          </a:xfrm>
-          <a:prstGeom prst="rect">
-            <a:avLst/>
-          </a:prstGeom>
-          <a:noFill/>
-          <a:ln w="28575" cap="flat" cmpd="sng" algn="ctr">
-            <a:noFill/>
-            <a:prstDash val="solid"/>
-            <a:round/>
-            <a:headEnd type="none" w="med" len="med"/>
-            <a:tailEnd type="none" w="med" len="med"/>
+          <p:cNvPr id="52" name="Rectangle 51"/>
+          <p:cNvSpPr/>
+          <p:nvPr/>
+        </p:nvSpPr>
+        <p:spPr>
+          <a:xfrm>
+            <a:off x="5266863" y="6485816"/>
+            <a:ext cx="1987550" cy="209550"/>
+          </a:xfrm>
+          <a:prstGeom prst="rect">
+            <a:avLst/>
+          </a:prstGeom>
+          <a:ln w="38100">
+            <a:solidFill>
+              <a:schemeClr val="bg1"/>
+            </a:solidFill>
           </a:ln>
         </p:spPr>
         <p:style>
-          <a:lnRef idx="0">
-            <a:scrgbClr r="0" g="0" b="0"/>
-          </a:lnRef>
-          <a:fillRef idx="0">
-            <a:scrgbClr r="0" g="0" b="0"/>
-          </a:fillRef>
-          <a:effectRef idx="0">
-            <a:scrgbClr r="0" g="0" b="0"/>
-          </a:effectRef>
-          <a:fontRef idx="minor">
-            <a:schemeClr val="dk1"/>
-          </a:fontRef>
-        </p:style>
-        <p:txBody>
-          <a:bodyPr rtlCol="0" anchor="ctr"/>
-          <a:lstStyle/>
-          <a:p>
-            <a:pPr algn="r"/>
-            <a:r>
-              <a:rPr lang="fi-FI" sz="1200" dirty="0">
+          <a:lnRef idx="2">
+            <a:schemeClr val="accent6"/>
+          </a:lnRef>
+          <a:fillRef idx="1">
+            <a:schemeClr val="lt1"/>
+          </a:fillRef>
+          <a:effectRef idx="0">
+            <a:schemeClr val="accent6"/>
+          </a:effectRef>
+          <a:fontRef idx="minor">
+            <a:schemeClr val="dk1"/>
+          </a:fontRef>
+        </p:style>
+        <p:txBody>
+          <a:bodyPr rtlCol="0" anchor="ctr"/>
+          <a:lstStyle/>
+          <a:p>
+            <a:r>
+              <a:rPr lang="fi-FI" u="sng" dirty="0" smtClean="0">
                 <a:solidFill>
-                  <a:schemeClr val="bg1"/>
+                  <a:schemeClr val="accent1"/>
                 </a:solidFill>
               </a:rPr>
-              <a:t>Sähköposti</a:t>
-            </a:r>
-          </a:p>
-        </p:txBody>
-      </p:sp>
-      <p:sp>
-        <p:nvSpPr>
-          <p:cNvPr id="28" name="Rectangle 27"/>
-          <p:cNvSpPr/>
-          <p:nvPr/>
-        </p:nvSpPr>
-        <p:spPr>
-          <a:xfrm>
-            <a:off x="5077200" y="3179686"/>
-            <a:ext cx="3057239" cy="374650"/>
-          </a:xfrm>
-          <a:prstGeom prst="rect">
-            <a:avLst/>
-          </a:prstGeom>
-          <a:noFill/>
-          <a:ln w="28575" cap="flat" cmpd="sng" algn="ctr">
+              <a:t>Poista</a:t>
+            </a:r>
+            <a:endParaRPr lang="fi-FI" u="sng" dirty="0">
+              <a:solidFill>
+                <a:schemeClr val="accent1"/>
+              </a:solidFill>
+            </a:endParaRPr>
+          </a:p>
+        </p:txBody>
+      </p:sp>
+    </p:spTree>
+    <p:extLst>
+      <p:ext uri="{BB962C8B-B14F-4D97-AF65-F5344CB8AC3E}">
+        <p14:creationId xmlns:p14="http://schemas.microsoft.com/office/powerpoint/2010/main" val="4131047155"/>
+      </p:ext>
+    </p:extLst>
+  </p:cSld>
+  <p:clrMapOvr>
+    <a:masterClrMapping/>
+  </p:clrMapOvr>
+</p:sld>
+</file>
+
+<file path=ppt/slides/slide3.xml><?xml version="1.0" encoding="utf-8"?>
+<p:sld xmlns:a="http://schemas.openxmlformats.org/drawingml/2006/main" xmlns:r="http://schemas.openxmlformats.org/officeDocument/2006/relationships" xmlns:p="http://schemas.openxmlformats.org/presentationml/2006/main">
+  <p:cSld>
+    <p:spTree>
+      <p:nvGrpSpPr>
+        <p:cNvPr id="1" name=""/>
+        <p:cNvGrpSpPr/>
+        <p:nvPr/>
+      </p:nvGrpSpPr>
+      <p:grpSpPr>
+        <a:xfrm>
+          <a:off x="0" y="0"/>
+          <a:ext cx="0" cy="0"/>
+          <a:chOff x="0" y="0"/>
+          <a:chExt cx="0" cy="0"/>
+        </a:xfrm>
+      </p:grpSpPr>
+      <p:sp>
+        <p:nvSpPr>
+          <p:cNvPr id="2" name="Rectangle 1"/>
+          <p:cNvSpPr/>
+          <p:nvPr/>
+        </p:nvSpPr>
+        <p:spPr>
+          <a:xfrm>
+            <a:off x="3039138" y="0"/>
+            <a:ext cx="6112800" cy="6858000"/>
+          </a:xfrm>
+          <a:prstGeom prst="rect">
+            <a:avLst/>
+          </a:prstGeom>
+          <a:ln w="38100"/>
+        </p:spPr>
+        <p:style>
+          <a:lnRef idx="2">
+            <a:schemeClr val="accent6"/>
+          </a:lnRef>
+          <a:fillRef idx="1">
+            <a:schemeClr val="lt1"/>
+          </a:fillRef>
+          <a:effectRef idx="0">
+            <a:schemeClr val="accent6"/>
+          </a:effectRef>
+          <a:fontRef idx="minor">
+            <a:schemeClr val="dk1"/>
+          </a:fontRef>
+        </p:style>
+        <p:txBody>
+          <a:bodyPr rtlCol="0" anchor="ctr"/>
+          <a:lstStyle/>
+          <a:p>
+            <a:pPr algn="ctr"/>
+            <a:endParaRPr lang="fi-FI"/>
+          </a:p>
+        </p:txBody>
+      </p:sp>
+      <p:sp>
+        <p:nvSpPr>
+          <p:cNvPr id="3" name="Rectangle 2"/>
+          <p:cNvSpPr/>
+          <p:nvPr/>
+        </p:nvSpPr>
+        <p:spPr>
+          <a:xfrm>
+            <a:off x="3039138" y="0"/>
+            <a:ext cx="6112800" cy="1391400"/>
+          </a:xfrm>
+          <a:prstGeom prst="rect">
+            <a:avLst/>
+          </a:prstGeom>
+          <a:ln w="38100"/>
+        </p:spPr>
+        <p:style>
+          <a:lnRef idx="2">
+            <a:schemeClr val="accent6"/>
+          </a:lnRef>
+          <a:fillRef idx="1">
+            <a:schemeClr val="lt1"/>
+          </a:fillRef>
+          <a:effectRef idx="0">
+            <a:schemeClr val="accent6"/>
+          </a:effectRef>
+          <a:fontRef idx="minor">
+            <a:schemeClr val="dk1"/>
+          </a:fontRef>
+        </p:style>
+        <p:txBody>
+          <a:bodyPr rtlCol="0" anchor="ctr"/>
+          <a:lstStyle/>
+          <a:p>
+            <a:pPr algn="ctr"/>
+            <a:endParaRPr lang="fi-FI"/>
+          </a:p>
+        </p:txBody>
+      </p:sp>
+      <p:sp>
+        <p:nvSpPr>
+          <p:cNvPr id="5" name="Rectangle 4"/>
+          <p:cNvSpPr/>
+          <p:nvPr/>
+        </p:nvSpPr>
+        <p:spPr>
+          <a:xfrm>
+            <a:off x="4082588" y="1505702"/>
+            <a:ext cx="2267412" cy="339608"/>
+          </a:xfrm>
+          <a:prstGeom prst="rect">
+            <a:avLst/>
+          </a:prstGeom>
+          <a:ln w="38100">
             <a:solidFill>
               <a:schemeClr val="bg1"/>
+            </a:solidFill>
+          </a:ln>
+        </p:spPr>
+        <p:style>
+          <a:lnRef idx="2">
+            <a:schemeClr val="accent6"/>
+          </a:lnRef>
+          <a:fillRef idx="1">
+            <a:schemeClr val="lt1"/>
+          </a:fillRef>
+          <a:effectRef idx="0">
+            <a:schemeClr val="accent6"/>
+          </a:effectRef>
+          <a:fontRef idx="minor">
+            <a:schemeClr val="dk1"/>
+          </a:fontRef>
+        </p:style>
+        <p:txBody>
+          <a:bodyPr rtlCol="0" anchor="ctr"/>
+          <a:lstStyle/>
+          <a:p>
+            <a:r>
+              <a:rPr lang="fi-FI" sz="2400" dirty="0" smtClean="0"/>
+              <a:t>Ilmoittautumiset</a:t>
+            </a:r>
+            <a:endParaRPr lang="fi-FI" dirty="0"/>
+          </a:p>
+        </p:txBody>
+      </p:sp>
+      <p:sp>
+        <p:nvSpPr>
+          <p:cNvPr id="14" name="Rectangle 13"/>
+          <p:cNvSpPr/>
+          <p:nvPr/>
+        </p:nvSpPr>
+        <p:spPr>
+          <a:xfrm>
+            <a:off x="4057188" y="2432210"/>
+            <a:ext cx="1987550" cy="209550"/>
+          </a:xfrm>
+          <a:prstGeom prst="rect">
+            <a:avLst/>
+          </a:prstGeom>
+          <a:ln w="38100">
+            <a:solidFill>
+              <a:schemeClr val="bg1"/>
+            </a:solidFill>
+          </a:ln>
+        </p:spPr>
+        <p:style>
+          <a:lnRef idx="2">
+            <a:schemeClr val="accent6"/>
+          </a:lnRef>
+          <a:fillRef idx="1">
+            <a:schemeClr val="lt1"/>
+          </a:fillRef>
+          <a:effectRef idx="0">
+            <a:schemeClr val="accent6"/>
+          </a:effectRef>
+          <a:fontRef idx="minor">
+            <a:schemeClr val="dk1"/>
+          </a:fontRef>
+        </p:style>
+        <p:txBody>
+          <a:bodyPr rtlCol="0" anchor="ctr"/>
+          <a:lstStyle/>
+          <a:p>
+            <a:r>
+              <a:rPr lang="fi-FI" dirty="0" smtClean="0"/>
+              <a:t>Puhelinnumero</a:t>
+            </a:r>
+            <a:endParaRPr lang="fi-FI" dirty="0"/>
+          </a:p>
+        </p:txBody>
+      </p:sp>
+      <p:sp>
+        <p:nvSpPr>
+          <p:cNvPr id="15" name="Rectangle 14"/>
+          <p:cNvSpPr/>
+          <p:nvPr/>
+        </p:nvSpPr>
+        <p:spPr>
+          <a:xfrm>
+            <a:off x="4057188" y="2086372"/>
+            <a:ext cx="1987550" cy="209550"/>
+          </a:xfrm>
+          <a:prstGeom prst="rect">
+            <a:avLst/>
+          </a:prstGeom>
+          <a:ln w="38100">
+            <a:solidFill>
+              <a:schemeClr val="bg1"/>
+            </a:solidFill>
+          </a:ln>
+        </p:spPr>
+        <p:style>
+          <a:lnRef idx="2">
+            <a:schemeClr val="accent6"/>
+          </a:lnRef>
+          <a:fillRef idx="1">
+            <a:schemeClr val="lt1"/>
+          </a:fillRef>
+          <a:effectRef idx="0">
+            <a:schemeClr val="accent6"/>
+          </a:effectRef>
+          <a:fontRef idx="minor">
+            <a:schemeClr val="dk1"/>
+          </a:fontRef>
+        </p:style>
+        <p:txBody>
+          <a:bodyPr rtlCol="0" anchor="ctr"/>
+          <a:lstStyle/>
+          <a:p>
+            <a:r>
+              <a:rPr lang="fi-FI" dirty="0" smtClean="0"/>
+              <a:t>Käyttäjä nro 1</a:t>
+            </a:r>
+            <a:endParaRPr lang="fi-FI" dirty="0"/>
+          </a:p>
+        </p:txBody>
+      </p:sp>
+      <p:sp>
+        <p:nvSpPr>
+          <p:cNvPr id="16" name="Rectangle 15"/>
+          <p:cNvSpPr/>
+          <p:nvPr/>
+        </p:nvSpPr>
+        <p:spPr>
+          <a:xfrm>
+            <a:off x="6095538" y="2086372"/>
+            <a:ext cx="1987550" cy="209550"/>
+          </a:xfrm>
+          <a:prstGeom prst="rect">
+            <a:avLst/>
+          </a:prstGeom>
+          <a:ln w="38100">
+            <a:solidFill>
+              <a:schemeClr val="bg1"/>
+            </a:solidFill>
+          </a:ln>
+        </p:spPr>
+        <p:style>
+          <a:lnRef idx="2">
+            <a:schemeClr val="accent6"/>
+          </a:lnRef>
+          <a:fillRef idx="1">
+            <a:schemeClr val="lt1"/>
+          </a:fillRef>
+          <a:effectRef idx="0">
+            <a:schemeClr val="accent6"/>
+          </a:effectRef>
+          <a:fontRef idx="minor">
+            <a:schemeClr val="dk1"/>
+          </a:fontRef>
+        </p:style>
+        <p:txBody>
+          <a:bodyPr rtlCol="0" anchor="ctr"/>
+          <a:lstStyle/>
+          <a:p>
+            <a:r>
+              <a:rPr lang="fi-FI" dirty="0" smtClean="0"/>
+              <a:t>Sähköposti</a:t>
+            </a:r>
+            <a:endParaRPr lang="fi-FI" dirty="0"/>
+          </a:p>
+        </p:txBody>
+      </p:sp>
+      <p:sp>
+        <p:nvSpPr>
+          <p:cNvPr id="17" name="Rectangle 16"/>
+          <p:cNvSpPr/>
+          <p:nvPr/>
+        </p:nvSpPr>
+        <p:spPr>
+          <a:xfrm>
+            <a:off x="6095538" y="2432210"/>
+            <a:ext cx="1987550" cy="209550"/>
+          </a:xfrm>
+          <a:prstGeom prst="rect">
+            <a:avLst/>
+          </a:prstGeom>
+          <a:ln w="38100">
+            <a:solidFill>
+              <a:schemeClr val="bg1"/>
+            </a:solidFill>
+          </a:ln>
+        </p:spPr>
+        <p:style>
+          <a:lnRef idx="2">
+            <a:schemeClr val="accent6"/>
+          </a:lnRef>
+          <a:fillRef idx="1">
+            <a:schemeClr val="lt1"/>
+          </a:fillRef>
+          <a:effectRef idx="0">
+            <a:schemeClr val="accent6"/>
+          </a:effectRef>
+          <a:fontRef idx="minor">
+            <a:schemeClr val="dk1"/>
+          </a:fontRef>
+        </p:style>
+        <p:txBody>
+          <a:bodyPr rtlCol="0" anchor="ctr"/>
+          <a:lstStyle/>
+          <a:p>
+            <a:r>
+              <a:rPr lang="fi-FI" dirty="0" smtClean="0"/>
+              <a:t>Konepaikka</a:t>
+            </a:r>
+            <a:endParaRPr lang="fi-FI" dirty="0"/>
+          </a:p>
+        </p:txBody>
+      </p:sp>
+      <p:sp>
+        <p:nvSpPr>
+          <p:cNvPr id="18" name="Rectangle 17"/>
+          <p:cNvSpPr/>
+          <p:nvPr/>
+        </p:nvSpPr>
+        <p:spPr>
+          <a:xfrm>
+            <a:off x="4082588" y="2778047"/>
+            <a:ext cx="2870200" cy="298527"/>
+          </a:xfrm>
+          <a:prstGeom prst="rect">
+            <a:avLst/>
+          </a:prstGeom>
+          <a:ln w="38100">
+            <a:solidFill>
+              <a:schemeClr val="bg1"/>
+            </a:solidFill>
+          </a:ln>
+        </p:spPr>
+        <p:style>
+          <a:lnRef idx="2">
+            <a:schemeClr val="accent6"/>
+          </a:lnRef>
+          <a:fillRef idx="1">
+            <a:schemeClr val="lt1"/>
+          </a:fillRef>
+          <a:effectRef idx="0">
+            <a:schemeClr val="accent6"/>
+          </a:effectRef>
+          <a:fontRef idx="minor">
+            <a:schemeClr val="dk1"/>
+          </a:fontRef>
+        </p:style>
+        <p:txBody>
+          <a:bodyPr rtlCol="0" anchor="ctr"/>
+          <a:lstStyle/>
+          <a:p>
+            <a:r>
+              <a:rPr lang="fi-FI" dirty="0" smtClean="0"/>
+              <a:t>Ilmoittautuuko turnaukseen</a:t>
+            </a:r>
+            <a:endParaRPr lang="fi-FI" dirty="0"/>
+          </a:p>
+        </p:txBody>
+      </p:sp>
+      <p:sp>
+        <p:nvSpPr>
+          <p:cNvPr id="19" name="Rectangle 18"/>
+          <p:cNvSpPr/>
+          <p:nvPr/>
+        </p:nvSpPr>
+        <p:spPr>
+          <a:xfrm>
+            <a:off x="4047663" y="1950084"/>
+            <a:ext cx="4076700" cy="1478916"/>
+          </a:xfrm>
+          <a:prstGeom prst="rect">
+            <a:avLst/>
+          </a:prstGeom>
+          <a:noFill/>
+          <a:ln w="38100" cap="flat" cmpd="sng" algn="ctr">
+            <a:solidFill>
+              <a:schemeClr val="accent6"/>
             </a:solidFill>
             <a:prstDash val="solid"/>
             <a:round/>
@@ -3537,7 +5270,7 @@
             <a:scrgbClr r="0" g="0" b="0"/>
           </a:effectRef>
           <a:fontRef idx="minor">
-            <a:schemeClr val="dk1"/>
+            <a:schemeClr val="accent6"/>
           </a:fontRef>
         </p:style>
         <p:txBody>
@@ -3545,9 +5278,59 @@
           <a:lstStyle/>
           <a:p>
             <a:pPr algn="ctr"/>
-            <a:endParaRPr lang="fi-FI" sz="1200" dirty="0">
+            <a:endParaRPr lang="fi-FI"/>
+          </a:p>
+        </p:txBody>
+      </p:sp>
+      <p:sp>
+        <p:nvSpPr>
+          <p:cNvPr id="35" name="Rectangle 34"/>
+          <p:cNvSpPr/>
+          <p:nvPr/>
+        </p:nvSpPr>
+        <p:spPr>
+          <a:xfrm>
+            <a:off x="4085763" y="3108087"/>
+            <a:ext cx="1162050" cy="174746"/>
+          </a:xfrm>
+          <a:prstGeom prst="rect">
+            <a:avLst/>
+          </a:prstGeom>
+          <a:ln w="38100">
+            <a:solidFill>
+              <a:schemeClr val="bg1"/>
+            </a:solidFill>
+          </a:ln>
+        </p:spPr>
+        <p:style>
+          <a:lnRef idx="2">
+            <a:schemeClr val="accent6"/>
+          </a:lnRef>
+          <a:fillRef idx="1">
+            <a:schemeClr val="lt1"/>
+          </a:fillRef>
+          <a:effectRef idx="0">
+            <a:schemeClr val="accent6"/>
+          </a:effectRef>
+          <a:fontRef idx="minor">
+            <a:schemeClr val="dk1"/>
+          </a:fontRef>
+        </p:style>
+        <p:txBody>
+          <a:bodyPr rtlCol="0" anchor="ctr"/>
+          <a:lstStyle/>
+          <a:p>
+            <a:r>
+              <a:rPr lang="fi-FI" u="sng" dirty="0" smtClean="0">
+                <a:solidFill>
+                  <a:schemeClr val="accent1"/>
+                </a:solidFill>
+              </a:rPr>
+              <a:t>Muokkaa</a:t>
+            </a:r>
+            <a:endParaRPr lang="fi-FI" u="sng" dirty="0">
               <a:solidFill>
-                <a:schemeClr val="bg1"/>
+                <a:schemeClr val="accent1"/>
               </a:solidFill>
             </a:endParaRPr>
           </a:p>
@@ -3555,75 +5338,306 @@
       </p:sp>
       <p:sp>
         <p:nvSpPr>
-          <p:cNvPr id="29" name="Rectangle 28"/>
-          <p:cNvSpPr/>
-          <p:nvPr/>
-        </p:nvSpPr>
-        <p:spPr>
-          <a:xfrm>
-            <a:off x="3040439" y="3179686"/>
-            <a:ext cx="2037601" cy="374650"/>
-          </a:xfrm>
-          <a:prstGeom prst="rect">
-            <a:avLst/>
-          </a:prstGeom>
-          <a:noFill/>
-          <a:ln w="28575" cap="flat" cmpd="sng" algn="ctr">
-            <a:noFill/>
-            <a:prstDash val="solid"/>
-            <a:round/>
-            <a:headEnd type="none" w="med" len="med"/>
-            <a:tailEnd type="none" w="med" len="med"/>
+          <p:cNvPr id="36" name="Rectangle 35"/>
+          <p:cNvSpPr/>
+          <p:nvPr/>
+        </p:nvSpPr>
+        <p:spPr>
+          <a:xfrm>
+            <a:off x="5247813" y="3086142"/>
+            <a:ext cx="1987550" cy="209550"/>
+          </a:xfrm>
+          <a:prstGeom prst="rect">
+            <a:avLst/>
+          </a:prstGeom>
+          <a:ln w="38100">
+            <a:solidFill>
+              <a:schemeClr val="bg1"/>
+            </a:solidFill>
           </a:ln>
         </p:spPr>
         <p:style>
-          <a:lnRef idx="0">
-            <a:scrgbClr r="0" g="0" b="0"/>
-          </a:lnRef>
-          <a:fillRef idx="0">
-            <a:scrgbClr r="0" g="0" b="0"/>
-          </a:fillRef>
-          <a:effectRef idx="0">
-            <a:scrgbClr r="0" g="0" b="0"/>
-          </a:effectRef>
-          <a:fontRef idx="minor">
-            <a:schemeClr val="dk1"/>
-          </a:fontRef>
-        </p:style>
-        <p:txBody>
-          <a:bodyPr rtlCol="0" anchor="ctr"/>
-          <a:lstStyle/>
-          <a:p>
-            <a:pPr algn="r"/>
-            <a:r>
-              <a:rPr lang="fi-FI" sz="1200" dirty="0">
+          <a:lnRef idx="2">
+            <a:schemeClr val="accent6"/>
+          </a:lnRef>
+          <a:fillRef idx="1">
+            <a:schemeClr val="lt1"/>
+          </a:fillRef>
+          <a:effectRef idx="0">
+            <a:schemeClr val="accent6"/>
+          </a:effectRef>
+          <a:fontRef idx="minor">
+            <a:schemeClr val="dk1"/>
+          </a:fontRef>
+        </p:style>
+        <p:txBody>
+          <a:bodyPr rtlCol="0" anchor="ctr"/>
+          <a:lstStyle/>
+          <a:p>
+            <a:r>
+              <a:rPr lang="fi-FI" u="sng" dirty="0" smtClean="0">
                 <a:solidFill>
-                  <a:schemeClr val="bg1"/>
+                  <a:schemeClr val="accent1"/>
                 </a:solidFill>
               </a:rPr>
-              <a:t>Puhelinnumero</a:t>
-            </a:r>
-          </a:p>
-        </p:txBody>
-      </p:sp>
-      <p:sp>
-        <p:nvSpPr>
-          <p:cNvPr id="30" name="Rectangle 29"/>
-          <p:cNvSpPr/>
-          <p:nvPr/>
-        </p:nvSpPr>
-        <p:spPr>
-          <a:xfrm>
-            <a:off x="5077200" y="3620553"/>
-            <a:ext cx="3057239" cy="374650"/>
-          </a:xfrm>
-          <a:prstGeom prst="rect">
-            <a:avLst/>
-          </a:prstGeom>
-          <a:noFill/>
-          <a:ln w="28575" cap="flat" cmpd="sng" algn="ctr">
+              <a:t>Poista</a:t>
+            </a:r>
+            <a:endParaRPr lang="fi-FI" u="sng" dirty="0">
+              <a:solidFill>
+                <a:schemeClr val="accent1"/>
+              </a:solidFill>
+            </a:endParaRPr>
+          </a:p>
+        </p:txBody>
+      </p:sp>
+      <p:sp>
+        <p:nvSpPr>
+          <p:cNvPr id="37" name="Rectangle 36"/>
+          <p:cNvSpPr/>
+          <p:nvPr/>
+        </p:nvSpPr>
+        <p:spPr>
+          <a:xfrm>
+            <a:off x="4066713" y="4146710"/>
+            <a:ext cx="1987550" cy="209550"/>
+          </a:xfrm>
+          <a:prstGeom prst="rect">
+            <a:avLst/>
+          </a:prstGeom>
+          <a:ln w="38100">
             <a:solidFill>
               <a:schemeClr val="bg1"/>
+            </a:solidFill>
+          </a:ln>
+        </p:spPr>
+        <p:style>
+          <a:lnRef idx="2">
+            <a:schemeClr val="accent6"/>
+          </a:lnRef>
+          <a:fillRef idx="1">
+            <a:schemeClr val="lt1"/>
+          </a:fillRef>
+          <a:effectRef idx="0">
+            <a:schemeClr val="accent6"/>
+          </a:effectRef>
+          <a:fontRef idx="minor">
+            <a:schemeClr val="dk1"/>
+          </a:fontRef>
+        </p:style>
+        <p:txBody>
+          <a:bodyPr rtlCol="0" anchor="ctr"/>
+          <a:lstStyle/>
+          <a:p>
+            <a:r>
+              <a:rPr lang="fi-FI" dirty="0" smtClean="0"/>
+              <a:t>Puhelinnumero</a:t>
+            </a:r>
+            <a:endParaRPr lang="fi-FI" dirty="0"/>
+          </a:p>
+        </p:txBody>
+      </p:sp>
+      <p:sp>
+        <p:nvSpPr>
+          <p:cNvPr id="38" name="Rectangle 37"/>
+          <p:cNvSpPr/>
+          <p:nvPr/>
+        </p:nvSpPr>
+        <p:spPr>
+          <a:xfrm>
+            <a:off x="4066713" y="3800872"/>
+            <a:ext cx="1987550" cy="209550"/>
+          </a:xfrm>
+          <a:prstGeom prst="rect">
+            <a:avLst/>
+          </a:prstGeom>
+          <a:ln w="38100">
+            <a:solidFill>
+              <a:schemeClr val="bg1"/>
+            </a:solidFill>
+          </a:ln>
+        </p:spPr>
+        <p:style>
+          <a:lnRef idx="2">
+            <a:schemeClr val="accent6"/>
+          </a:lnRef>
+          <a:fillRef idx="1">
+            <a:schemeClr val="lt1"/>
+          </a:fillRef>
+          <a:effectRef idx="0">
+            <a:schemeClr val="accent6"/>
+          </a:effectRef>
+          <a:fontRef idx="minor">
+            <a:schemeClr val="dk1"/>
+          </a:fontRef>
+        </p:style>
+        <p:txBody>
+          <a:bodyPr rtlCol="0" anchor="ctr"/>
+          <a:lstStyle/>
+          <a:p>
+            <a:r>
+              <a:rPr lang="fi-FI" dirty="0" smtClean="0"/>
+              <a:t>Käyttäjä nro 2</a:t>
+            </a:r>
+            <a:endParaRPr lang="fi-FI" dirty="0"/>
+          </a:p>
+        </p:txBody>
+      </p:sp>
+      <p:sp>
+        <p:nvSpPr>
+          <p:cNvPr id="39" name="Rectangle 38"/>
+          <p:cNvSpPr/>
+          <p:nvPr/>
+        </p:nvSpPr>
+        <p:spPr>
+          <a:xfrm>
+            <a:off x="6105063" y="3800872"/>
+            <a:ext cx="1987550" cy="209550"/>
+          </a:xfrm>
+          <a:prstGeom prst="rect">
+            <a:avLst/>
+          </a:prstGeom>
+          <a:ln w="38100">
+            <a:solidFill>
+              <a:schemeClr val="bg1"/>
+            </a:solidFill>
+          </a:ln>
+        </p:spPr>
+        <p:style>
+          <a:lnRef idx="2">
+            <a:schemeClr val="accent6"/>
+          </a:lnRef>
+          <a:fillRef idx="1">
+            <a:schemeClr val="lt1"/>
+          </a:fillRef>
+          <a:effectRef idx="0">
+            <a:schemeClr val="accent6"/>
+          </a:effectRef>
+          <a:fontRef idx="minor">
+            <a:schemeClr val="dk1"/>
+          </a:fontRef>
+        </p:style>
+        <p:txBody>
+          <a:bodyPr rtlCol="0" anchor="ctr"/>
+          <a:lstStyle/>
+          <a:p>
+            <a:r>
+              <a:rPr lang="fi-FI" dirty="0" smtClean="0"/>
+              <a:t>Sähköposti</a:t>
+            </a:r>
+            <a:endParaRPr lang="fi-FI" dirty="0"/>
+          </a:p>
+        </p:txBody>
+      </p:sp>
+      <p:sp>
+        <p:nvSpPr>
+          <p:cNvPr id="40" name="Rectangle 39"/>
+          <p:cNvSpPr/>
+          <p:nvPr/>
+        </p:nvSpPr>
+        <p:spPr>
+          <a:xfrm>
+            <a:off x="6105063" y="4146710"/>
+            <a:ext cx="1987550" cy="209550"/>
+          </a:xfrm>
+          <a:prstGeom prst="rect">
+            <a:avLst/>
+          </a:prstGeom>
+          <a:ln w="38100">
+            <a:solidFill>
+              <a:schemeClr val="bg1"/>
+            </a:solidFill>
+          </a:ln>
+        </p:spPr>
+        <p:style>
+          <a:lnRef idx="2">
+            <a:schemeClr val="accent6"/>
+          </a:lnRef>
+          <a:fillRef idx="1">
+            <a:schemeClr val="lt1"/>
+          </a:fillRef>
+          <a:effectRef idx="0">
+            <a:schemeClr val="accent6"/>
+          </a:effectRef>
+          <a:fontRef idx="minor">
+            <a:schemeClr val="dk1"/>
+          </a:fontRef>
+        </p:style>
+        <p:txBody>
+          <a:bodyPr rtlCol="0" anchor="ctr"/>
+          <a:lstStyle/>
+          <a:p>
+            <a:r>
+              <a:rPr lang="fi-FI" dirty="0" smtClean="0"/>
+              <a:t>Konepaikka</a:t>
+            </a:r>
+            <a:endParaRPr lang="fi-FI" dirty="0"/>
+          </a:p>
+        </p:txBody>
+      </p:sp>
+      <p:sp>
+        <p:nvSpPr>
+          <p:cNvPr id="41" name="Rectangle 40"/>
+          <p:cNvSpPr/>
+          <p:nvPr/>
+        </p:nvSpPr>
+        <p:spPr>
+          <a:xfrm>
+            <a:off x="4092113" y="4492547"/>
+            <a:ext cx="2870200" cy="298527"/>
+          </a:xfrm>
+          <a:prstGeom prst="rect">
+            <a:avLst/>
+          </a:prstGeom>
+          <a:ln w="38100">
+            <a:solidFill>
+              <a:schemeClr val="bg1"/>
+            </a:solidFill>
+          </a:ln>
+        </p:spPr>
+        <p:style>
+          <a:lnRef idx="2">
+            <a:schemeClr val="accent6"/>
+          </a:lnRef>
+          <a:fillRef idx="1">
+            <a:schemeClr val="lt1"/>
+          </a:fillRef>
+          <a:effectRef idx="0">
+            <a:schemeClr val="accent6"/>
+          </a:effectRef>
+          <a:fontRef idx="minor">
+            <a:schemeClr val="dk1"/>
+          </a:fontRef>
+        </p:style>
+        <p:txBody>
+          <a:bodyPr rtlCol="0" anchor="ctr"/>
+          <a:lstStyle/>
+          <a:p>
+            <a:r>
+              <a:rPr lang="fi-FI" dirty="0" smtClean="0"/>
+              <a:t>Ilmoittautuuko turnaukseen</a:t>
+            </a:r>
+            <a:endParaRPr lang="fi-FI" dirty="0"/>
+          </a:p>
+        </p:txBody>
+      </p:sp>
+      <p:sp>
+        <p:nvSpPr>
+          <p:cNvPr id="42" name="Rectangle 41"/>
+          <p:cNvSpPr/>
+          <p:nvPr/>
+        </p:nvSpPr>
+        <p:spPr>
+          <a:xfrm>
+            <a:off x="4057188" y="3664584"/>
+            <a:ext cx="4076700" cy="1478916"/>
+          </a:xfrm>
+          <a:prstGeom prst="rect">
+            <a:avLst/>
+          </a:prstGeom>
+          <a:noFill/>
+          <a:ln w="38100" cap="flat" cmpd="sng" algn="ctr">
+            <a:solidFill>
+              <a:schemeClr val="accent6"/>
             </a:solidFill>
             <a:prstDash val="solid"/>
             <a:round/>
@@ -3642,7 +5656,7 @@
             <a:scrgbClr r="0" g="0" b="0"/>
           </a:effectRef>
           <a:fontRef idx="minor">
-            <a:schemeClr val="dk1"/>
+            <a:schemeClr val="accent6"/>
           </a:fontRef>
         </p:style>
         <p:txBody>
@@ -3650,17 +5664,59 @@
           <a:lstStyle/>
           <a:p>
             <a:pPr algn="ctr"/>
-            <a:r>
-              <a:rPr lang="fi-FI" sz="1200" dirty="0" err="1">
+            <a:endParaRPr lang="fi-FI"/>
+          </a:p>
+        </p:txBody>
+      </p:sp>
+      <p:sp>
+        <p:nvSpPr>
+          <p:cNvPr id="43" name="Rectangle 42"/>
+          <p:cNvSpPr/>
+          <p:nvPr/>
+        </p:nvSpPr>
+        <p:spPr>
+          <a:xfrm>
+            <a:off x="4095288" y="4822586"/>
+            <a:ext cx="1162050" cy="187606"/>
+          </a:xfrm>
+          <a:prstGeom prst="rect">
+            <a:avLst/>
+          </a:prstGeom>
+          <a:ln w="38100">
+            <a:solidFill>
+              <a:schemeClr val="bg1"/>
+            </a:solidFill>
+          </a:ln>
+        </p:spPr>
+        <p:style>
+          <a:lnRef idx="2">
+            <a:schemeClr val="accent6"/>
+          </a:lnRef>
+          <a:fillRef idx="1">
+            <a:schemeClr val="lt1"/>
+          </a:fillRef>
+          <a:effectRef idx="0">
+            <a:schemeClr val="accent6"/>
+          </a:effectRef>
+          <a:fontRef idx="minor">
+            <a:schemeClr val="dk1"/>
+          </a:fontRef>
+        </p:style>
+        <p:txBody>
+          <a:bodyPr rtlCol="0" anchor="ctr"/>
+          <a:lstStyle/>
+          <a:p>
+            <a:r>
+              <a:rPr lang="fi-FI" u="sng" dirty="0" smtClean="0">
                 <a:solidFill>
-                  <a:schemeClr val="bg1"/>
+                  <a:schemeClr val="accent1"/>
                 </a:solidFill>
               </a:rPr>
-              <a:t>Dropdown</a:t>
-            </a:r>
-            <a:endParaRPr lang="fi-FI" sz="1200" dirty="0">
+              <a:t>Muokkaa</a:t>
+            </a:r>
+            <a:endParaRPr lang="fi-FI" u="sng" dirty="0">
               <a:solidFill>
-                <a:schemeClr val="bg1"/>
+                <a:schemeClr val="accent1"/>
               </a:solidFill>
             </a:endParaRPr>
           </a:p>
@@ -3668,75 +5724,306 @@
       </p:sp>
       <p:sp>
         <p:nvSpPr>
-          <p:cNvPr id="31" name="Rectangle 30"/>
-          <p:cNvSpPr/>
-          <p:nvPr/>
-        </p:nvSpPr>
-        <p:spPr>
-          <a:xfrm>
-            <a:off x="3040439" y="3620553"/>
-            <a:ext cx="2037601" cy="374650"/>
-          </a:xfrm>
-          <a:prstGeom prst="rect">
-            <a:avLst/>
-          </a:prstGeom>
-          <a:noFill/>
-          <a:ln w="28575" cap="flat" cmpd="sng" algn="ctr">
-            <a:noFill/>
-            <a:prstDash val="solid"/>
-            <a:round/>
-            <a:headEnd type="none" w="med" len="med"/>
-            <a:tailEnd type="none" w="med" len="med"/>
+          <p:cNvPr id="44" name="Rectangle 43"/>
+          <p:cNvSpPr/>
+          <p:nvPr/>
+        </p:nvSpPr>
+        <p:spPr>
+          <a:xfrm>
+            <a:off x="5257338" y="4800642"/>
+            <a:ext cx="1987550" cy="209550"/>
+          </a:xfrm>
+          <a:prstGeom prst="rect">
+            <a:avLst/>
+          </a:prstGeom>
+          <a:ln w="38100">
+            <a:solidFill>
+              <a:schemeClr val="bg1"/>
+            </a:solidFill>
           </a:ln>
         </p:spPr>
         <p:style>
-          <a:lnRef idx="0">
-            <a:scrgbClr r="0" g="0" b="0"/>
-          </a:lnRef>
-          <a:fillRef idx="0">
-            <a:scrgbClr r="0" g="0" b="0"/>
-          </a:fillRef>
-          <a:effectRef idx="0">
-            <a:scrgbClr r="0" g="0" b="0"/>
-          </a:effectRef>
-          <a:fontRef idx="minor">
-            <a:schemeClr val="dk1"/>
-          </a:fontRef>
-        </p:style>
-        <p:txBody>
-          <a:bodyPr rtlCol="0" anchor="ctr"/>
-          <a:lstStyle/>
-          <a:p>
-            <a:pPr algn="r"/>
-            <a:r>
-              <a:rPr lang="fi-FI" sz="1200" dirty="0">
+          <a:lnRef idx="2">
+            <a:schemeClr val="accent6"/>
+          </a:lnRef>
+          <a:fillRef idx="1">
+            <a:schemeClr val="lt1"/>
+          </a:fillRef>
+          <a:effectRef idx="0">
+            <a:schemeClr val="accent6"/>
+          </a:effectRef>
+          <a:fontRef idx="minor">
+            <a:schemeClr val="dk1"/>
+          </a:fontRef>
+        </p:style>
+        <p:txBody>
+          <a:bodyPr rtlCol="0" anchor="ctr"/>
+          <a:lstStyle/>
+          <a:p>
+            <a:r>
+              <a:rPr lang="fi-FI" u="sng" dirty="0" smtClean="0">
                 <a:solidFill>
-                  <a:schemeClr val="bg1"/>
+                  <a:schemeClr val="accent1"/>
                 </a:solidFill>
               </a:rPr>
-              <a:t>Konepaikka</a:t>
-            </a:r>
-          </a:p>
-        </p:txBody>
-      </p:sp>
-      <p:sp>
-        <p:nvSpPr>
-          <p:cNvPr id="32" name="Rectangle 31"/>
-          <p:cNvSpPr/>
-          <p:nvPr/>
-        </p:nvSpPr>
-        <p:spPr>
-          <a:xfrm>
-            <a:off x="5076360" y="4233663"/>
-            <a:ext cx="3057239" cy="374650"/>
-          </a:xfrm>
-          <a:prstGeom prst="rect">
-            <a:avLst/>
-          </a:prstGeom>
-          <a:noFill/>
-          <a:ln w="28575" cap="flat" cmpd="sng" algn="ctr">
+              <a:t>Poista</a:t>
+            </a:r>
+            <a:endParaRPr lang="fi-FI" u="sng" dirty="0">
+              <a:solidFill>
+                <a:schemeClr val="accent1"/>
+              </a:solidFill>
+            </a:endParaRPr>
+          </a:p>
+        </p:txBody>
+      </p:sp>
+      <p:sp>
+        <p:nvSpPr>
+          <p:cNvPr id="45" name="Rectangle 44"/>
+          <p:cNvSpPr/>
+          <p:nvPr/>
+        </p:nvSpPr>
+        <p:spPr>
+          <a:xfrm>
+            <a:off x="4076238" y="5831884"/>
+            <a:ext cx="1987550" cy="209550"/>
+          </a:xfrm>
+          <a:prstGeom prst="rect">
+            <a:avLst/>
+          </a:prstGeom>
+          <a:ln w="38100">
             <a:solidFill>
               <a:schemeClr val="bg1"/>
+            </a:solidFill>
+          </a:ln>
+        </p:spPr>
+        <p:style>
+          <a:lnRef idx="2">
+            <a:schemeClr val="accent6"/>
+          </a:lnRef>
+          <a:fillRef idx="1">
+            <a:schemeClr val="lt1"/>
+          </a:fillRef>
+          <a:effectRef idx="0">
+            <a:schemeClr val="accent6"/>
+          </a:effectRef>
+          <a:fontRef idx="minor">
+            <a:schemeClr val="dk1"/>
+          </a:fontRef>
+        </p:style>
+        <p:txBody>
+          <a:bodyPr rtlCol="0" anchor="ctr"/>
+          <a:lstStyle/>
+          <a:p>
+            <a:r>
+              <a:rPr lang="fi-FI" dirty="0" smtClean="0"/>
+              <a:t>Puhelinnumero</a:t>
+            </a:r>
+            <a:endParaRPr lang="fi-FI" dirty="0"/>
+          </a:p>
+        </p:txBody>
+      </p:sp>
+      <p:sp>
+        <p:nvSpPr>
+          <p:cNvPr id="46" name="Rectangle 45"/>
+          <p:cNvSpPr/>
+          <p:nvPr/>
+        </p:nvSpPr>
+        <p:spPr>
+          <a:xfrm>
+            <a:off x="4076238" y="5486046"/>
+            <a:ext cx="1987550" cy="209550"/>
+          </a:xfrm>
+          <a:prstGeom prst="rect">
+            <a:avLst/>
+          </a:prstGeom>
+          <a:ln w="38100">
+            <a:solidFill>
+              <a:schemeClr val="bg1"/>
+            </a:solidFill>
+          </a:ln>
+        </p:spPr>
+        <p:style>
+          <a:lnRef idx="2">
+            <a:schemeClr val="accent6"/>
+          </a:lnRef>
+          <a:fillRef idx="1">
+            <a:schemeClr val="lt1"/>
+          </a:fillRef>
+          <a:effectRef idx="0">
+            <a:schemeClr val="accent6"/>
+          </a:effectRef>
+          <a:fontRef idx="minor">
+            <a:schemeClr val="dk1"/>
+          </a:fontRef>
+        </p:style>
+        <p:txBody>
+          <a:bodyPr rtlCol="0" anchor="ctr"/>
+          <a:lstStyle/>
+          <a:p>
+            <a:r>
+              <a:rPr lang="fi-FI" dirty="0" smtClean="0"/>
+              <a:t>Käyttäjä nro 3</a:t>
+            </a:r>
+            <a:endParaRPr lang="fi-FI" dirty="0"/>
+          </a:p>
+        </p:txBody>
+      </p:sp>
+      <p:sp>
+        <p:nvSpPr>
+          <p:cNvPr id="47" name="Rectangle 46"/>
+          <p:cNvSpPr/>
+          <p:nvPr/>
+        </p:nvSpPr>
+        <p:spPr>
+          <a:xfrm>
+            <a:off x="6114588" y="5486046"/>
+            <a:ext cx="1987550" cy="209550"/>
+          </a:xfrm>
+          <a:prstGeom prst="rect">
+            <a:avLst/>
+          </a:prstGeom>
+          <a:ln w="38100">
+            <a:solidFill>
+              <a:schemeClr val="bg1"/>
+            </a:solidFill>
+          </a:ln>
+        </p:spPr>
+        <p:style>
+          <a:lnRef idx="2">
+            <a:schemeClr val="accent6"/>
+          </a:lnRef>
+          <a:fillRef idx="1">
+            <a:schemeClr val="lt1"/>
+          </a:fillRef>
+          <a:effectRef idx="0">
+            <a:schemeClr val="accent6"/>
+          </a:effectRef>
+          <a:fontRef idx="minor">
+            <a:schemeClr val="dk1"/>
+          </a:fontRef>
+        </p:style>
+        <p:txBody>
+          <a:bodyPr rtlCol="0" anchor="ctr"/>
+          <a:lstStyle/>
+          <a:p>
+            <a:r>
+              <a:rPr lang="fi-FI" dirty="0" smtClean="0"/>
+              <a:t>Sähköposti</a:t>
+            </a:r>
+            <a:endParaRPr lang="fi-FI" dirty="0"/>
+          </a:p>
+        </p:txBody>
+      </p:sp>
+      <p:sp>
+        <p:nvSpPr>
+          <p:cNvPr id="48" name="Rectangle 47"/>
+          <p:cNvSpPr/>
+          <p:nvPr/>
+        </p:nvSpPr>
+        <p:spPr>
+          <a:xfrm>
+            <a:off x="6114588" y="5831884"/>
+            <a:ext cx="1987550" cy="209550"/>
+          </a:xfrm>
+          <a:prstGeom prst="rect">
+            <a:avLst/>
+          </a:prstGeom>
+          <a:ln w="38100">
+            <a:solidFill>
+              <a:schemeClr val="bg1"/>
+            </a:solidFill>
+          </a:ln>
+        </p:spPr>
+        <p:style>
+          <a:lnRef idx="2">
+            <a:schemeClr val="accent6"/>
+          </a:lnRef>
+          <a:fillRef idx="1">
+            <a:schemeClr val="lt1"/>
+          </a:fillRef>
+          <a:effectRef idx="0">
+            <a:schemeClr val="accent6"/>
+          </a:effectRef>
+          <a:fontRef idx="minor">
+            <a:schemeClr val="dk1"/>
+          </a:fontRef>
+        </p:style>
+        <p:txBody>
+          <a:bodyPr rtlCol="0" anchor="ctr"/>
+          <a:lstStyle/>
+          <a:p>
+            <a:r>
+              <a:rPr lang="fi-FI" dirty="0" smtClean="0"/>
+              <a:t>Konepaikka</a:t>
+            </a:r>
+            <a:endParaRPr lang="fi-FI" dirty="0"/>
+          </a:p>
+        </p:txBody>
+      </p:sp>
+      <p:sp>
+        <p:nvSpPr>
+          <p:cNvPr id="49" name="Rectangle 48"/>
+          <p:cNvSpPr/>
+          <p:nvPr/>
+        </p:nvSpPr>
+        <p:spPr>
+          <a:xfrm>
+            <a:off x="4101638" y="6177721"/>
+            <a:ext cx="2870200" cy="298527"/>
+          </a:xfrm>
+          <a:prstGeom prst="rect">
+            <a:avLst/>
+          </a:prstGeom>
+          <a:ln w="38100">
+            <a:solidFill>
+              <a:schemeClr val="bg1"/>
+            </a:solidFill>
+          </a:ln>
+        </p:spPr>
+        <p:style>
+          <a:lnRef idx="2">
+            <a:schemeClr val="accent6"/>
+          </a:lnRef>
+          <a:fillRef idx="1">
+            <a:schemeClr val="lt1"/>
+          </a:fillRef>
+          <a:effectRef idx="0">
+            <a:schemeClr val="accent6"/>
+          </a:effectRef>
+          <a:fontRef idx="minor">
+            <a:schemeClr val="dk1"/>
+          </a:fontRef>
+        </p:style>
+        <p:txBody>
+          <a:bodyPr rtlCol="0" anchor="ctr"/>
+          <a:lstStyle/>
+          <a:p>
+            <a:r>
+              <a:rPr lang="fi-FI" dirty="0" smtClean="0"/>
+              <a:t>Ilmoittautuuko turnaukseen</a:t>
+            </a:r>
+            <a:endParaRPr lang="fi-FI" dirty="0"/>
+          </a:p>
+        </p:txBody>
+      </p:sp>
+      <p:sp>
+        <p:nvSpPr>
+          <p:cNvPr id="50" name="Rectangle 49"/>
+          <p:cNvSpPr/>
+          <p:nvPr/>
+        </p:nvSpPr>
+        <p:spPr>
+          <a:xfrm>
+            <a:off x="4066713" y="5349758"/>
+            <a:ext cx="4076700" cy="1508242"/>
+          </a:xfrm>
+          <a:prstGeom prst="rect">
+            <a:avLst/>
+          </a:prstGeom>
+          <a:noFill/>
+          <a:ln w="38100" cap="flat" cmpd="sng" algn="ctr">
+            <a:solidFill>
+              <a:schemeClr val="accent6"/>
             </a:solidFill>
             <a:prstDash val="solid"/>
             <a:round/>
@@ -3755,7 +6042,7 @@
             <a:scrgbClr r="0" g="0" b="0"/>
           </a:effectRef>
           <a:fontRef idx="minor">
-            <a:schemeClr val="dk1"/>
+            <a:schemeClr val="accent6"/>
           </a:fontRef>
         </p:style>
         <p:txBody>
@@ -3763,21 +6050,3911 @@
           <a:lstStyle/>
           <a:p>
             <a:pPr algn="ctr"/>
-            <a:r>
-              <a:rPr lang="fi-FI" sz="1200" dirty="0">
+            <a:endParaRPr lang="fi-FI"/>
+          </a:p>
+        </p:txBody>
+      </p:sp>
+      <p:sp>
+        <p:nvSpPr>
+          <p:cNvPr id="51" name="Rectangle 50"/>
+          <p:cNvSpPr/>
+          <p:nvPr/>
+        </p:nvSpPr>
+        <p:spPr>
+          <a:xfrm>
+            <a:off x="4101637" y="6507760"/>
+            <a:ext cx="1165225" cy="197174"/>
+          </a:xfrm>
+          <a:prstGeom prst="rect">
+            <a:avLst/>
+          </a:prstGeom>
+          <a:ln w="38100">
+            <a:solidFill>
+              <a:schemeClr val="bg1"/>
+            </a:solidFill>
+          </a:ln>
+        </p:spPr>
+        <p:style>
+          <a:lnRef idx="2">
+            <a:schemeClr val="accent6"/>
+          </a:lnRef>
+          <a:fillRef idx="1">
+            <a:schemeClr val="lt1"/>
+          </a:fillRef>
+          <a:effectRef idx="0">
+            <a:schemeClr val="accent6"/>
+          </a:effectRef>
+          <a:fontRef idx="minor">
+            <a:schemeClr val="dk1"/>
+          </a:fontRef>
+        </p:style>
+        <p:txBody>
+          <a:bodyPr rtlCol="0" anchor="ctr"/>
+          <a:lstStyle/>
+          <a:p>
+            <a:r>
+              <a:rPr lang="fi-FI" u="sng" dirty="0" smtClean="0">
                 <a:solidFill>
-                  <a:schemeClr val="bg1"/>
+                  <a:schemeClr val="accent1"/>
                 </a:solidFill>
               </a:rPr>
-              <a:t>Ilmoittaudu</a:t>
-            </a:r>
+              <a:t>Muokkaa</a:t>
+            </a:r>
+            <a:endParaRPr lang="fi-FI" u="sng" dirty="0">
+              <a:solidFill>
+                <a:schemeClr val="accent1"/>
+              </a:solidFill>
+            </a:endParaRPr>
+          </a:p>
+        </p:txBody>
+      </p:sp>
+      <p:sp>
+        <p:nvSpPr>
+          <p:cNvPr id="52" name="Rectangle 51"/>
+          <p:cNvSpPr/>
+          <p:nvPr/>
+        </p:nvSpPr>
+        <p:spPr>
+          <a:xfrm>
+            <a:off x="5266863" y="6485816"/>
+            <a:ext cx="1987550" cy="209550"/>
+          </a:xfrm>
+          <a:prstGeom prst="rect">
+            <a:avLst/>
+          </a:prstGeom>
+          <a:ln w="38100">
+            <a:solidFill>
+              <a:schemeClr val="bg1"/>
+            </a:solidFill>
+          </a:ln>
+        </p:spPr>
+        <p:style>
+          <a:lnRef idx="2">
+            <a:schemeClr val="accent6"/>
+          </a:lnRef>
+          <a:fillRef idx="1">
+            <a:schemeClr val="lt1"/>
+          </a:fillRef>
+          <a:effectRef idx="0">
+            <a:schemeClr val="accent6"/>
+          </a:effectRef>
+          <a:fontRef idx="minor">
+            <a:schemeClr val="dk1"/>
+          </a:fontRef>
+        </p:style>
+        <p:txBody>
+          <a:bodyPr rtlCol="0" anchor="ctr"/>
+          <a:lstStyle/>
+          <a:p>
+            <a:r>
+              <a:rPr lang="fi-FI" u="sng" dirty="0" smtClean="0">
+                <a:solidFill>
+                  <a:schemeClr val="accent1"/>
+                </a:solidFill>
+              </a:rPr>
+              <a:t>Poista</a:t>
+            </a:r>
+            <a:endParaRPr lang="fi-FI" u="sng" dirty="0">
+              <a:solidFill>
+                <a:schemeClr val="accent1"/>
+              </a:solidFill>
+            </a:endParaRPr>
+          </a:p>
+        </p:txBody>
+      </p:sp>
+      <p:sp>
+        <p:nvSpPr>
+          <p:cNvPr id="29" name="Rectangle 28"/>
+          <p:cNvSpPr/>
+          <p:nvPr/>
+        </p:nvSpPr>
+        <p:spPr>
+          <a:xfrm>
+            <a:off x="3403600" y="2219363"/>
+            <a:ext cx="5367867" cy="1828802"/>
+          </a:xfrm>
+          <a:prstGeom prst="rect">
+            <a:avLst/>
+          </a:prstGeom>
+          <a:ln w="38100"/>
+        </p:spPr>
+        <p:style>
+          <a:lnRef idx="2">
+            <a:schemeClr val="accent6"/>
+          </a:lnRef>
+          <a:fillRef idx="1">
+            <a:schemeClr val="lt1"/>
+          </a:fillRef>
+          <a:effectRef idx="0">
+            <a:schemeClr val="accent6"/>
+          </a:effectRef>
+          <a:fontRef idx="minor">
+            <a:schemeClr val="dk1"/>
+          </a:fontRef>
+        </p:style>
+        <p:txBody>
+          <a:bodyPr rtlCol="0" anchor="ctr"/>
+          <a:lstStyle/>
+          <a:p>
+            <a:pPr algn="ctr"/>
+            <a:endParaRPr lang="fi-FI"/>
+          </a:p>
+        </p:txBody>
+      </p:sp>
+      <p:sp>
+        <p:nvSpPr>
+          <p:cNvPr id="31" name="Rectangle 30"/>
+          <p:cNvSpPr/>
+          <p:nvPr/>
+        </p:nvSpPr>
+        <p:spPr>
+          <a:xfrm>
+            <a:off x="4101637" y="2288246"/>
+            <a:ext cx="4010487" cy="283543"/>
+          </a:xfrm>
+          <a:prstGeom prst="rect">
+            <a:avLst/>
+          </a:prstGeom>
+          <a:ln w="38100">
+            <a:solidFill>
+              <a:schemeClr val="bg1"/>
+            </a:solidFill>
+          </a:ln>
+        </p:spPr>
+        <p:style>
+          <a:lnRef idx="2">
+            <a:schemeClr val="accent6"/>
+          </a:lnRef>
+          <a:fillRef idx="1">
+            <a:schemeClr val="lt1"/>
+          </a:fillRef>
+          <a:effectRef idx="0">
+            <a:schemeClr val="accent6"/>
+          </a:effectRef>
+          <a:fontRef idx="minor">
+            <a:schemeClr val="dk1"/>
+          </a:fontRef>
+        </p:style>
+        <p:txBody>
+          <a:bodyPr rtlCol="0" anchor="ctr"/>
+          <a:lstStyle/>
+          <a:p>
+            <a:pPr algn="ctr"/>
+            <a:r>
+              <a:rPr lang="fi-FI" sz="2000" dirty="0" smtClean="0"/>
+              <a:t>Ilmoittautumisen poistaminen</a:t>
+            </a:r>
+            <a:endParaRPr lang="fi-FI" sz="2000" dirty="0"/>
+          </a:p>
+        </p:txBody>
+      </p:sp>
+      <p:sp>
+        <p:nvSpPr>
+          <p:cNvPr id="32" name="Rectangle 31"/>
+          <p:cNvSpPr/>
+          <p:nvPr/>
+        </p:nvSpPr>
+        <p:spPr>
+          <a:xfrm>
+            <a:off x="4419600" y="2797271"/>
+            <a:ext cx="3630381" cy="507506"/>
+          </a:xfrm>
+          <a:prstGeom prst="rect">
+            <a:avLst/>
+          </a:prstGeom>
+          <a:ln w="38100">
+            <a:solidFill>
+              <a:schemeClr val="bg1"/>
+            </a:solidFill>
+          </a:ln>
+        </p:spPr>
+        <p:style>
+          <a:lnRef idx="2">
+            <a:schemeClr val="accent6"/>
+          </a:lnRef>
+          <a:fillRef idx="1">
+            <a:schemeClr val="lt1"/>
+          </a:fillRef>
+          <a:effectRef idx="0">
+            <a:schemeClr val="accent6"/>
+          </a:effectRef>
+          <a:fontRef idx="minor">
+            <a:schemeClr val="dk1"/>
+          </a:fontRef>
+        </p:style>
+        <p:txBody>
+          <a:bodyPr rtlCol="0" anchor="ctr"/>
+          <a:lstStyle/>
+          <a:p>
+            <a:pPr algn="ctr"/>
+            <a:r>
+              <a:rPr lang="fi-FI" sz="2000" dirty="0" smtClean="0"/>
+              <a:t>Haluatko varmasti poistaa Käyttäjän nro 2?</a:t>
+            </a:r>
+            <a:endParaRPr lang="fi-FI" sz="2000" dirty="0"/>
+          </a:p>
+        </p:txBody>
+      </p:sp>
+      <p:sp>
+        <p:nvSpPr>
+          <p:cNvPr id="34" name="Rounded Rectangle 33"/>
+          <p:cNvSpPr/>
+          <p:nvPr/>
+        </p:nvSpPr>
+        <p:spPr>
+          <a:xfrm>
+            <a:off x="6216188" y="3520956"/>
+            <a:ext cx="1833793" cy="374370"/>
+          </a:xfrm>
+          <a:prstGeom prst="roundRect">
+            <a:avLst/>
+          </a:prstGeom>
+          <a:ln w="38100"/>
+        </p:spPr>
+        <p:style>
+          <a:lnRef idx="2">
+            <a:schemeClr val="accent6"/>
+          </a:lnRef>
+          <a:fillRef idx="1">
+            <a:schemeClr val="lt1"/>
+          </a:fillRef>
+          <a:effectRef idx="0">
+            <a:schemeClr val="accent6"/>
+          </a:effectRef>
+          <a:fontRef idx="minor">
+            <a:schemeClr val="dk1"/>
+          </a:fontRef>
+        </p:style>
+        <p:txBody>
+          <a:bodyPr rtlCol="0" anchor="ctr"/>
+          <a:lstStyle/>
+          <a:p>
+            <a:pPr algn="ctr"/>
+            <a:r>
+              <a:rPr lang="fi-FI" dirty="0" smtClean="0"/>
+              <a:t>Poista</a:t>
+            </a:r>
+            <a:endParaRPr lang="fi-FI" dirty="0"/>
+          </a:p>
+        </p:txBody>
+      </p:sp>
+      <p:sp>
+        <p:nvSpPr>
+          <p:cNvPr id="53" name="Rounded Rectangle 52"/>
+          <p:cNvSpPr/>
+          <p:nvPr/>
+        </p:nvSpPr>
+        <p:spPr>
+          <a:xfrm>
+            <a:off x="4233333" y="3524280"/>
+            <a:ext cx="1751080" cy="371046"/>
+          </a:xfrm>
+          <a:prstGeom prst="roundRect">
+            <a:avLst/>
+          </a:prstGeom>
+          <a:ln w="38100"/>
+        </p:spPr>
+        <p:style>
+          <a:lnRef idx="2">
+            <a:schemeClr val="accent6"/>
+          </a:lnRef>
+          <a:fillRef idx="1">
+            <a:schemeClr val="lt1"/>
+          </a:fillRef>
+          <a:effectRef idx="0">
+            <a:schemeClr val="accent6"/>
+          </a:effectRef>
+          <a:fontRef idx="minor">
+            <a:schemeClr val="dk1"/>
+          </a:fontRef>
+        </p:style>
+        <p:txBody>
+          <a:bodyPr rtlCol="0" anchor="ctr"/>
+          <a:lstStyle/>
+          <a:p>
+            <a:pPr algn="ctr"/>
+            <a:r>
+              <a:rPr lang="fi-FI" dirty="0" smtClean="0"/>
+              <a:t>Peruuta</a:t>
+            </a:r>
+            <a:endParaRPr lang="fi-FI" dirty="0"/>
           </a:p>
         </p:txBody>
       </p:sp>
     </p:spTree>
     <p:extLst>
       <p:ext uri="{BB962C8B-B14F-4D97-AF65-F5344CB8AC3E}">
-        <p14:creationId xmlns:p14="http://schemas.microsoft.com/office/powerpoint/2010/main" val="1917225328"/>
+        <p14:creationId xmlns:p14="http://schemas.microsoft.com/office/powerpoint/2010/main" val="3546054390"/>
+      </p:ext>
+    </p:extLst>
+  </p:cSld>
+  <p:clrMapOvr>
+    <a:masterClrMapping/>
+  </p:clrMapOvr>
+</p:sld>
+</file>
+
+<file path=ppt/slides/slide4.xml><?xml version="1.0" encoding="utf-8"?>
+<p:sld xmlns:a="http://schemas.openxmlformats.org/drawingml/2006/main" xmlns:r="http://schemas.openxmlformats.org/officeDocument/2006/relationships" xmlns:p="http://schemas.openxmlformats.org/presentationml/2006/main">
+  <p:cSld>
+    <p:spTree>
+      <p:nvGrpSpPr>
+        <p:cNvPr id="1" name=""/>
+        <p:cNvGrpSpPr/>
+        <p:nvPr/>
+      </p:nvGrpSpPr>
+      <p:grpSpPr>
+        <a:xfrm>
+          <a:off x="0" y="0"/>
+          <a:ext cx="0" cy="0"/>
+          <a:chOff x="0" y="0"/>
+          <a:chExt cx="0" cy="0"/>
+        </a:xfrm>
+      </p:grpSpPr>
+      <p:sp>
+        <p:nvSpPr>
+          <p:cNvPr id="2" name="Rectangle 1"/>
+          <p:cNvSpPr/>
+          <p:nvPr/>
+        </p:nvSpPr>
+        <p:spPr>
+          <a:xfrm>
+            <a:off x="3039138" y="0"/>
+            <a:ext cx="6112800" cy="6858000"/>
+          </a:xfrm>
+          <a:prstGeom prst="rect">
+            <a:avLst/>
+          </a:prstGeom>
+          <a:ln w="38100"/>
+        </p:spPr>
+        <p:style>
+          <a:lnRef idx="2">
+            <a:schemeClr val="accent6"/>
+          </a:lnRef>
+          <a:fillRef idx="1">
+            <a:schemeClr val="lt1"/>
+          </a:fillRef>
+          <a:effectRef idx="0">
+            <a:schemeClr val="accent6"/>
+          </a:effectRef>
+          <a:fontRef idx="minor">
+            <a:schemeClr val="dk1"/>
+          </a:fontRef>
+        </p:style>
+        <p:txBody>
+          <a:bodyPr rtlCol="0" anchor="ctr"/>
+          <a:lstStyle/>
+          <a:p>
+            <a:pPr algn="ctr"/>
+            <a:endParaRPr lang="fi-FI"/>
+          </a:p>
+        </p:txBody>
+      </p:sp>
+      <p:sp>
+        <p:nvSpPr>
+          <p:cNvPr id="3" name="Rectangle 2"/>
+          <p:cNvSpPr/>
+          <p:nvPr/>
+        </p:nvSpPr>
+        <p:spPr>
+          <a:xfrm>
+            <a:off x="3039138" y="0"/>
+            <a:ext cx="6112800" cy="1391400"/>
+          </a:xfrm>
+          <a:prstGeom prst="rect">
+            <a:avLst/>
+          </a:prstGeom>
+          <a:ln w="38100"/>
+        </p:spPr>
+        <p:style>
+          <a:lnRef idx="2">
+            <a:schemeClr val="accent6"/>
+          </a:lnRef>
+          <a:fillRef idx="1">
+            <a:schemeClr val="lt1"/>
+          </a:fillRef>
+          <a:effectRef idx="0">
+            <a:schemeClr val="accent6"/>
+          </a:effectRef>
+          <a:fontRef idx="minor">
+            <a:schemeClr val="dk1"/>
+          </a:fontRef>
+        </p:style>
+        <p:txBody>
+          <a:bodyPr rtlCol="0" anchor="ctr"/>
+          <a:lstStyle/>
+          <a:p>
+            <a:pPr algn="ctr"/>
+            <a:endParaRPr lang="fi-FI"/>
+          </a:p>
+        </p:txBody>
+      </p:sp>
+      <p:sp>
+        <p:nvSpPr>
+          <p:cNvPr id="4" name="Rectangle 3"/>
+          <p:cNvSpPr/>
+          <p:nvPr/>
+        </p:nvSpPr>
+        <p:spPr>
+          <a:xfrm flipV="1">
+            <a:off x="6069676" y="2295922"/>
+            <a:ext cx="2038350" cy="236218"/>
+          </a:xfrm>
+          <a:prstGeom prst="rect">
+            <a:avLst/>
+          </a:prstGeom>
+          <a:ln w="38100"/>
+        </p:spPr>
+        <p:style>
+          <a:lnRef idx="2">
+            <a:schemeClr val="accent6"/>
+          </a:lnRef>
+          <a:fillRef idx="1">
+            <a:schemeClr val="lt1"/>
+          </a:fillRef>
+          <a:effectRef idx="0">
+            <a:schemeClr val="accent6"/>
+          </a:effectRef>
+          <a:fontRef idx="minor">
+            <a:schemeClr val="dk1"/>
+          </a:fontRef>
+        </p:style>
+        <p:txBody>
+          <a:bodyPr rtlCol="0" anchor="ctr"/>
+          <a:lstStyle/>
+          <a:p>
+            <a:pPr algn="ctr"/>
+            <a:endParaRPr lang="fi-FI"/>
+          </a:p>
+        </p:txBody>
+      </p:sp>
+      <p:sp>
+        <p:nvSpPr>
+          <p:cNvPr id="5" name="Rectangle 4"/>
+          <p:cNvSpPr/>
+          <p:nvPr/>
+        </p:nvSpPr>
+        <p:spPr>
+          <a:xfrm>
+            <a:off x="4031326" y="2309256"/>
+            <a:ext cx="1987550" cy="209550"/>
+          </a:xfrm>
+          <a:prstGeom prst="rect">
+            <a:avLst/>
+          </a:prstGeom>
+          <a:ln w="38100">
+            <a:solidFill>
+              <a:schemeClr val="bg1"/>
+            </a:solidFill>
+          </a:ln>
+        </p:spPr>
+        <p:style>
+          <a:lnRef idx="2">
+            <a:schemeClr val="accent6"/>
+          </a:lnRef>
+          <a:fillRef idx="1">
+            <a:schemeClr val="lt1"/>
+          </a:fillRef>
+          <a:effectRef idx="0">
+            <a:schemeClr val="accent6"/>
+          </a:effectRef>
+          <a:fontRef idx="minor">
+            <a:schemeClr val="dk1"/>
+          </a:fontRef>
+        </p:style>
+        <p:txBody>
+          <a:bodyPr rtlCol="0" anchor="ctr"/>
+          <a:lstStyle/>
+          <a:p>
+            <a:pPr algn="r"/>
+            <a:r>
+              <a:rPr lang="fi-FI" dirty="0" smtClean="0"/>
+              <a:t>Sähköposti</a:t>
+            </a:r>
+            <a:endParaRPr lang="fi-FI" dirty="0"/>
+          </a:p>
+        </p:txBody>
+      </p:sp>
+      <p:sp>
+        <p:nvSpPr>
+          <p:cNvPr id="6" name="Rectangle 5"/>
+          <p:cNvSpPr/>
+          <p:nvPr/>
+        </p:nvSpPr>
+        <p:spPr>
+          <a:xfrm flipV="1">
+            <a:off x="6069676" y="2645056"/>
+            <a:ext cx="2038350" cy="236218"/>
+          </a:xfrm>
+          <a:prstGeom prst="rect">
+            <a:avLst/>
+          </a:prstGeom>
+          <a:ln w="38100"/>
+        </p:spPr>
+        <p:style>
+          <a:lnRef idx="2">
+            <a:schemeClr val="accent6"/>
+          </a:lnRef>
+          <a:fillRef idx="1">
+            <a:schemeClr val="lt1"/>
+          </a:fillRef>
+          <a:effectRef idx="0">
+            <a:schemeClr val="accent6"/>
+          </a:effectRef>
+          <a:fontRef idx="minor">
+            <a:schemeClr val="dk1"/>
+          </a:fontRef>
+        </p:style>
+        <p:txBody>
+          <a:bodyPr rtlCol="0" anchor="ctr"/>
+          <a:lstStyle/>
+          <a:p>
+            <a:pPr algn="ctr"/>
+            <a:endParaRPr lang="fi-FI"/>
+          </a:p>
+        </p:txBody>
+      </p:sp>
+      <p:sp>
+        <p:nvSpPr>
+          <p:cNvPr id="7" name="Rectangle 6"/>
+          <p:cNvSpPr/>
+          <p:nvPr/>
+        </p:nvSpPr>
+        <p:spPr>
+          <a:xfrm>
+            <a:off x="4031326" y="2658390"/>
+            <a:ext cx="1987550" cy="209550"/>
+          </a:xfrm>
+          <a:prstGeom prst="rect">
+            <a:avLst/>
+          </a:prstGeom>
+          <a:ln w="38100">
+            <a:solidFill>
+              <a:schemeClr val="bg1"/>
+            </a:solidFill>
+          </a:ln>
+        </p:spPr>
+        <p:style>
+          <a:lnRef idx="2">
+            <a:schemeClr val="accent6"/>
+          </a:lnRef>
+          <a:fillRef idx="1">
+            <a:schemeClr val="lt1"/>
+          </a:fillRef>
+          <a:effectRef idx="0">
+            <a:schemeClr val="accent6"/>
+          </a:effectRef>
+          <a:fontRef idx="minor">
+            <a:schemeClr val="dk1"/>
+          </a:fontRef>
+        </p:style>
+        <p:txBody>
+          <a:bodyPr rtlCol="0" anchor="ctr"/>
+          <a:lstStyle/>
+          <a:p>
+            <a:pPr algn="r"/>
+            <a:r>
+              <a:rPr lang="fi-FI" dirty="0" smtClean="0"/>
+              <a:t>Puhelinnumero</a:t>
+            </a:r>
+            <a:endParaRPr lang="fi-FI" dirty="0"/>
+          </a:p>
+        </p:txBody>
+      </p:sp>
+      <p:sp>
+        <p:nvSpPr>
+          <p:cNvPr id="8" name="Rectangle 7"/>
+          <p:cNvSpPr/>
+          <p:nvPr/>
+        </p:nvSpPr>
+        <p:spPr>
+          <a:xfrm flipV="1">
+            <a:off x="6069676" y="3020858"/>
+            <a:ext cx="219075" cy="236218"/>
+          </a:xfrm>
+          <a:prstGeom prst="rect">
+            <a:avLst/>
+          </a:prstGeom>
+          <a:ln w="38100"/>
+        </p:spPr>
+        <p:style>
+          <a:lnRef idx="2">
+            <a:schemeClr val="accent6"/>
+          </a:lnRef>
+          <a:fillRef idx="1">
+            <a:schemeClr val="lt1"/>
+          </a:fillRef>
+          <a:effectRef idx="0">
+            <a:schemeClr val="accent6"/>
+          </a:effectRef>
+          <a:fontRef idx="minor">
+            <a:schemeClr val="dk1"/>
+          </a:fontRef>
+        </p:style>
+        <p:txBody>
+          <a:bodyPr rtlCol="0" anchor="ctr"/>
+          <a:lstStyle/>
+          <a:p>
+            <a:pPr algn="ctr"/>
+            <a:endParaRPr lang="fi-FI"/>
+          </a:p>
+        </p:txBody>
+      </p:sp>
+      <p:sp>
+        <p:nvSpPr>
+          <p:cNvPr id="9" name="Rectangle 8"/>
+          <p:cNvSpPr/>
+          <p:nvPr/>
+        </p:nvSpPr>
+        <p:spPr>
+          <a:xfrm>
+            <a:off x="3232351" y="3007524"/>
+            <a:ext cx="2786525" cy="236217"/>
+          </a:xfrm>
+          <a:prstGeom prst="rect">
+            <a:avLst/>
+          </a:prstGeom>
+          <a:ln w="38100">
+            <a:solidFill>
+              <a:schemeClr val="bg1"/>
+            </a:solidFill>
+          </a:ln>
+        </p:spPr>
+        <p:style>
+          <a:lnRef idx="2">
+            <a:schemeClr val="accent6"/>
+          </a:lnRef>
+          <a:fillRef idx="1">
+            <a:schemeClr val="lt1"/>
+          </a:fillRef>
+          <a:effectRef idx="0">
+            <a:schemeClr val="accent6"/>
+          </a:effectRef>
+          <a:fontRef idx="minor">
+            <a:schemeClr val="dk1"/>
+          </a:fontRef>
+        </p:style>
+        <p:txBody>
+          <a:bodyPr rtlCol="0" anchor="ctr"/>
+          <a:lstStyle/>
+          <a:p>
+            <a:pPr algn="r"/>
+            <a:r>
+              <a:rPr lang="fi-FI" dirty="0" smtClean="0"/>
+              <a:t>Turnaukseen osallistuminen</a:t>
+            </a:r>
+            <a:endParaRPr lang="fi-FI" dirty="0"/>
+          </a:p>
+        </p:txBody>
+      </p:sp>
+      <p:sp>
+        <p:nvSpPr>
+          <p:cNvPr id="10" name="Rectangle 9"/>
+          <p:cNvSpPr/>
+          <p:nvPr/>
+        </p:nvSpPr>
+        <p:spPr>
+          <a:xfrm flipV="1">
+            <a:off x="6069676" y="3396660"/>
+            <a:ext cx="2038350" cy="236218"/>
+          </a:xfrm>
+          <a:prstGeom prst="rect">
+            <a:avLst/>
+          </a:prstGeom>
+          <a:ln w="38100"/>
+        </p:spPr>
+        <p:style>
+          <a:lnRef idx="2">
+            <a:schemeClr val="accent6"/>
+          </a:lnRef>
+          <a:fillRef idx="1">
+            <a:schemeClr val="lt1"/>
+          </a:fillRef>
+          <a:effectRef idx="0">
+            <a:schemeClr val="accent6"/>
+          </a:effectRef>
+          <a:fontRef idx="minor">
+            <a:schemeClr val="dk1"/>
+          </a:fontRef>
+        </p:style>
+        <p:txBody>
+          <a:bodyPr rtlCol="0" anchor="ctr"/>
+          <a:lstStyle/>
+          <a:p>
+            <a:pPr algn="ctr"/>
+            <a:endParaRPr lang="fi-FI"/>
+          </a:p>
+        </p:txBody>
+      </p:sp>
+      <p:sp>
+        <p:nvSpPr>
+          <p:cNvPr id="11" name="Rectangle 10"/>
+          <p:cNvSpPr/>
+          <p:nvPr/>
+        </p:nvSpPr>
+        <p:spPr>
+          <a:xfrm>
+            <a:off x="4031326" y="3423328"/>
+            <a:ext cx="1987550" cy="209550"/>
+          </a:xfrm>
+          <a:prstGeom prst="rect">
+            <a:avLst/>
+          </a:prstGeom>
+          <a:ln w="38100">
+            <a:solidFill>
+              <a:schemeClr val="bg1"/>
+            </a:solidFill>
+          </a:ln>
+        </p:spPr>
+        <p:style>
+          <a:lnRef idx="2">
+            <a:schemeClr val="accent6"/>
+          </a:lnRef>
+          <a:fillRef idx="1">
+            <a:schemeClr val="lt1"/>
+          </a:fillRef>
+          <a:effectRef idx="0">
+            <a:schemeClr val="accent6"/>
+          </a:effectRef>
+          <a:fontRef idx="minor">
+            <a:schemeClr val="dk1"/>
+          </a:fontRef>
+        </p:style>
+        <p:txBody>
+          <a:bodyPr rtlCol="0" anchor="ctr"/>
+          <a:lstStyle/>
+          <a:p>
+            <a:pPr algn="r"/>
+            <a:r>
+              <a:rPr lang="fi-FI" dirty="0" smtClean="0"/>
+              <a:t>Puhelinnumero</a:t>
+            </a:r>
+            <a:endParaRPr lang="fi-FI" dirty="0"/>
+          </a:p>
+        </p:txBody>
+      </p:sp>
+      <p:sp>
+        <p:nvSpPr>
+          <p:cNvPr id="12" name="Rounded Rectangle 11"/>
+          <p:cNvSpPr/>
+          <p:nvPr/>
+        </p:nvSpPr>
+        <p:spPr>
+          <a:xfrm>
+            <a:off x="6288750" y="3978672"/>
+            <a:ext cx="1819275" cy="379142"/>
+          </a:xfrm>
+          <a:prstGeom prst="roundRect">
+            <a:avLst/>
+          </a:prstGeom>
+          <a:ln w="38100"/>
+        </p:spPr>
+        <p:style>
+          <a:lnRef idx="2">
+            <a:schemeClr val="accent6"/>
+          </a:lnRef>
+          <a:fillRef idx="1">
+            <a:schemeClr val="lt1"/>
+          </a:fillRef>
+          <a:effectRef idx="0">
+            <a:schemeClr val="accent6"/>
+          </a:effectRef>
+          <a:fontRef idx="minor">
+            <a:schemeClr val="dk1"/>
+          </a:fontRef>
+        </p:style>
+        <p:txBody>
+          <a:bodyPr rtlCol="0" anchor="ctr"/>
+          <a:lstStyle/>
+          <a:p>
+            <a:pPr algn="ctr"/>
+            <a:r>
+              <a:rPr lang="fi-FI" dirty="0" smtClean="0"/>
+              <a:t>Muokkaa</a:t>
+            </a:r>
+            <a:endParaRPr lang="fi-FI" dirty="0"/>
+          </a:p>
+        </p:txBody>
+      </p:sp>
+      <p:sp>
+        <p:nvSpPr>
+          <p:cNvPr id="13" name="Rectangle 12"/>
+          <p:cNvSpPr/>
+          <p:nvPr/>
+        </p:nvSpPr>
+        <p:spPr>
+          <a:xfrm>
+            <a:off x="3874852" y="1530984"/>
+            <a:ext cx="4441371" cy="329351"/>
+          </a:xfrm>
+          <a:prstGeom prst="rect">
+            <a:avLst/>
+          </a:prstGeom>
+          <a:ln w="38100">
+            <a:solidFill>
+              <a:schemeClr val="bg1"/>
+            </a:solidFill>
+          </a:ln>
+        </p:spPr>
+        <p:style>
+          <a:lnRef idx="2">
+            <a:schemeClr val="accent6"/>
+          </a:lnRef>
+          <a:fillRef idx="1">
+            <a:schemeClr val="lt1"/>
+          </a:fillRef>
+          <a:effectRef idx="0">
+            <a:schemeClr val="accent6"/>
+          </a:effectRef>
+          <a:fontRef idx="minor">
+            <a:schemeClr val="dk1"/>
+          </a:fontRef>
+        </p:style>
+        <p:txBody>
+          <a:bodyPr rtlCol="0" anchor="ctr"/>
+          <a:lstStyle/>
+          <a:p>
+            <a:pPr algn="ctr"/>
+            <a:r>
+              <a:rPr lang="fi-FI" sz="2400" dirty="0" smtClean="0"/>
+              <a:t>Ilmoittautumisen muokkaaminen</a:t>
+            </a:r>
+            <a:endParaRPr lang="fi-FI" sz="2400" dirty="0"/>
+          </a:p>
+        </p:txBody>
+      </p:sp>
+      <p:sp>
+        <p:nvSpPr>
+          <p:cNvPr id="14" name="Rounded Rectangle 13"/>
+          <p:cNvSpPr/>
+          <p:nvPr/>
+        </p:nvSpPr>
+        <p:spPr>
+          <a:xfrm>
+            <a:off x="4057187" y="3978672"/>
+            <a:ext cx="1815865" cy="379142"/>
+          </a:xfrm>
+          <a:prstGeom prst="roundRect">
+            <a:avLst/>
+          </a:prstGeom>
+          <a:ln w="38100"/>
+        </p:spPr>
+        <p:style>
+          <a:lnRef idx="2">
+            <a:schemeClr val="accent6"/>
+          </a:lnRef>
+          <a:fillRef idx="1">
+            <a:schemeClr val="lt1"/>
+          </a:fillRef>
+          <a:effectRef idx="0">
+            <a:schemeClr val="accent6"/>
+          </a:effectRef>
+          <a:fontRef idx="minor">
+            <a:schemeClr val="dk1"/>
+          </a:fontRef>
+        </p:style>
+        <p:txBody>
+          <a:bodyPr rtlCol="0" anchor="ctr"/>
+          <a:lstStyle/>
+          <a:p>
+            <a:pPr algn="ctr"/>
+            <a:r>
+              <a:rPr lang="fi-FI" dirty="0" smtClean="0"/>
+              <a:t>Peruuta</a:t>
+            </a:r>
+            <a:endParaRPr lang="fi-FI" dirty="0"/>
+          </a:p>
+        </p:txBody>
+      </p:sp>
+    </p:spTree>
+    <p:extLst>
+      <p:ext uri="{BB962C8B-B14F-4D97-AF65-F5344CB8AC3E}">
+        <p14:creationId xmlns:p14="http://schemas.microsoft.com/office/powerpoint/2010/main" val="2752416442"/>
+      </p:ext>
+    </p:extLst>
+  </p:cSld>
+  <p:clrMapOvr>
+    <a:masterClrMapping/>
+  </p:clrMapOvr>
+</p:sld>
+</file>
+
+<file path=ppt/slides/slide5.xml><?xml version="1.0" encoding="utf-8"?>
+<p:sld xmlns:a="http://schemas.openxmlformats.org/drawingml/2006/main" xmlns:r="http://schemas.openxmlformats.org/officeDocument/2006/relationships" xmlns:p="http://schemas.openxmlformats.org/presentationml/2006/main">
+  <p:cSld>
+    <p:spTree>
+      <p:nvGrpSpPr>
+        <p:cNvPr id="1" name=""/>
+        <p:cNvGrpSpPr/>
+        <p:nvPr/>
+      </p:nvGrpSpPr>
+      <p:grpSpPr>
+        <a:xfrm>
+          <a:off x="0" y="0"/>
+          <a:ext cx="0" cy="0"/>
+          <a:chOff x="0" y="0"/>
+          <a:chExt cx="0" cy="0"/>
+        </a:xfrm>
+      </p:grpSpPr>
+      <p:sp>
+        <p:nvSpPr>
+          <p:cNvPr id="2" name="Rectangle 1"/>
+          <p:cNvSpPr/>
+          <p:nvPr/>
+        </p:nvSpPr>
+        <p:spPr>
+          <a:xfrm>
+            <a:off x="3039600" y="0"/>
+            <a:ext cx="6112800" cy="6858000"/>
+          </a:xfrm>
+          <a:prstGeom prst="rect">
+            <a:avLst/>
+          </a:prstGeom>
+          <a:ln w="38100"/>
+        </p:spPr>
+        <p:style>
+          <a:lnRef idx="2">
+            <a:schemeClr val="accent6"/>
+          </a:lnRef>
+          <a:fillRef idx="1">
+            <a:schemeClr val="lt1"/>
+          </a:fillRef>
+          <a:effectRef idx="0">
+            <a:schemeClr val="accent6"/>
+          </a:effectRef>
+          <a:fontRef idx="minor">
+            <a:schemeClr val="dk1"/>
+          </a:fontRef>
+        </p:style>
+        <p:txBody>
+          <a:bodyPr rtlCol="0" anchor="ctr"/>
+          <a:lstStyle/>
+          <a:p>
+            <a:pPr algn="ctr"/>
+            <a:endParaRPr lang="fi-FI"/>
+          </a:p>
+        </p:txBody>
+      </p:sp>
+      <p:sp>
+        <p:nvSpPr>
+          <p:cNvPr id="3" name="Rectangle 2"/>
+          <p:cNvSpPr/>
+          <p:nvPr/>
+        </p:nvSpPr>
+        <p:spPr>
+          <a:xfrm>
+            <a:off x="3039600" y="0"/>
+            <a:ext cx="6112800" cy="1391400"/>
+          </a:xfrm>
+          <a:prstGeom prst="rect">
+            <a:avLst/>
+          </a:prstGeom>
+          <a:ln w="38100"/>
+        </p:spPr>
+        <p:style>
+          <a:lnRef idx="2">
+            <a:schemeClr val="accent6"/>
+          </a:lnRef>
+          <a:fillRef idx="1">
+            <a:schemeClr val="lt1"/>
+          </a:fillRef>
+          <a:effectRef idx="0">
+            <a:schemeClr val="accent6"/>
+          </a:effectRef>
+          <a:fontRef idx="minor">
+            <a:schemeClr val="dk1"/>
+          </a:fontRef>
+        </p:style>
+        <p:txBody>
+          <a:bodyPr rtlCol="0" anchor="ctr"/>
+          <a:lstStyle/>
+          <a:p>
+            <a:pPr algn="ctr"/>
+            <a:endParaRPr lang="fi-FI"/>
+          </a:p>
+        </p:txBody>
+      </p:sp>
+      <p:sp>
+        <p:nvSpPr>
+          <p:cNvPr id="4" name="Rectangle 3"/>
+          <p:cNvSpPr/>
+          <p:nvPr/>
+        </p:nvSpPr>
+        <p:spPr>
+          <a:xfrm flipV="1">
+            <a:off x="6096000" y="1727200"/>
+            <a:ext cx="2038350" cy="236218"/>
+          </a:xfrm>
+          <a:prstGeom prst="rect">
+            <a:avLst/>
+          </a:prstGeom>
+          <a:ln w="38100"/>
+        </p:spPr>
+        <p:style>
+          <a:lnRef idx="2">
+            <a:schemeClr val="accent6"/>
+          </a:lnRef>
+          <a:fillRef idx="1">
+            <a:schemeClr val="lt1"/>
+          </a:fillRef>
+          <a:effectRef idx="0">
+            <a:schemeClr val="accent6"/>
+          </a:effectRef>
+          <a:fontRef idx="minor">
+            <a:schemeClr val="dk1"/>
+          </a:fontRef>
+        </p:style>
+        <p:txBody>
+          <a:bodyPr rtlCol="0" anchor="ctr"/>
+          <a:lstStyle/>
+          <a:p>
+            <a:pPr algn="ctr"/>
+            <a:endParaRPr lang="fi-FI"/>
+          </a:p>
+        </p:txBody>
+      </p:sp>
+      <p:sp>
+        <p:nvSpPr>
+          <p:cNvPr id="5" name="Rectangle 4"/>
+          <p:cNvSpPr/>
+          <p:nvPr/>
+        </p:nvSpPr>
+        <p:spPr>
+          <a:xfrm>
+            <a:off x="4057650" y="1740534"/>
+            <a:ext cx="1987550" cy="209550"/>
+          </a:xfrm>
+          <a:prstGeom prst="rect">
+            <a:avLst/>
+          </a:prstGeom>
+          <a:ln w="38100">
+            <a:solidFill>
+              <a:schemeClr val="bg1"/>
+            </a:solidFill>
+          </a:ln>
+        </p:spPr>
+        <p:style>
+          <a:lnRef idx="2">
+            <a:schemeClr val="accent6"/>
+          </a:lnRef>
+          <a:fillRef idx="1">
+            <a:schemeClr val="lt1"/>
+          </a:fillRef>
+          <a:effectRef idx="0">
+            <a:schemeClr val="accent6"/>
+          </a:effectRef>
+          <a:fontRef idx="minor">
+            <a:schemeClr val="dk1"/>
+          </a:fontRef>
+        </p:style>
+        <p:txBody>
+          <a:bodyPr rtlCol="0" anchor="ctr"/>
+          <a:lstStyle/>
+          <a:p>
+            <a:pPr algn="r"/>
+            <a:r>
+              <a:rPr lang="fi-FI" dirty="0" smtClean="0"/>
+              <a:t>Käyttäjätunnus</a:t>
+            </a:r>
+            <a:endParaRPr lang="fi-FI" dirty="0"/>
+          </a:p>
+        </p:txBody>
+      </p:sp>
+      <p:sp>
+        <p:nvSpPr>
+          <p:cNvPr id="6" name="Rectangle 5"/>
+          <p:cNvSpPr/>
+          <p:nvPr/>
+        </p:nvSpPr>
+        <p:spPr>
+          <a:xfrm flipV="1">
+            <a:off x="6096000" y="2076334"/>
+            <a:ext cx="2038350" cy="236218"/>
+          </a:xfrm>
+          <a:prstGeom prst="rect">
+            <a:avLst/>
+          </a:prstGeom>
+          <a:ln w="38100"/>
+        </p:spPr>
+        <p:style>
+          <a:lnRef idx="2">
+            <a:schemeClr val="accent6"/>
+          </a:lnRef>
+          <a:fillRef idx="1">
+            <a:schemeClr val="lt1"/>
+          </a:fillRef>
+          <a:effectRef idx="0">
+            <a:schemeClr val="accent6"/>
+          </a:effectRef>
+          <a:fontRef idx="minor">
+            <a:schemeClr val="dk1"/>
+          </a:fontRef>
+        </p:style>
+        <p:txBody>
+          <a:bodyPr rtlCol="0" anchor="ctr"/>
+          <a:lstStyle/>
+          <a:p>
+            <a:pPr algn="ctr"/>
+            <a:endParaRPr lang="fi-FI"/>
+          </a:p>
+        </p:txBody>
+      </p:sp>
+      <p:sp>
+        <p:nvSpPr>
+          <p:cNvPr id="7" name="Rectangle 6"/>
+          <p:cNvSpPr/>
+          <p:nvPr/>
+        </p:nvSpPr>
+        <p:spPr>
+          <a:xfrm>
+            <a:off x="4057650" y="2089668"/>
+            <a:ext cx="1987550" cy="209550"/>
+          </a:xfrm>
+          <a:prstGeom prst="rect">
+            <a:avLst/>
+          </a:prstGeom>
+          <a:ln w="38100">
+            <a:solidFill>
+              <a:schemeClr val="bg1"/>
+            </a:solidFill>
+          </a:ln>
+        </p:spPr>
+        <p:style>
+          <a:lnRef idx="2">
+            <a:schemeClr val="accent6"/>
+          </a:lnRef>
+          <a:fillRef idx="1">
+            <a:schemeClr val="lt1"/>
+          </a:fillRef>
+          <a:effectRef idx="0">
+            <a:schemeClr val="accent6"/>
+          </a:effectRef>
+          <a:fontRef idx="minor">
+            <a:schemeClr val="dk1"/>
+          </a:fontRef>
+        </p:style>
+        <p:txBody>
+          <a:bodyPr rtlCol="0" anchor="ctr"/>
+          <a:lstStyle/>
+          <a:p>
+            <a:pPr algn="r"/>
+            <a:r>
+              <a:rPr lang="fi-FI" dirty="0" smtClean="0"/>
+              <a:t>Salasana</a:t>
+            </a:r>
+            <a:endParaRPr lang="fi-FI" dirty="0"/>
+          </a:p>
+        </p:txBody>
+      </p:sp>
+      <p:sp>
+        <p:nvSpPr>
+          <p:cNvPr id="10" name="Rounded Rectangle 9"/>
+          <p:cNvSpPr/>
+          <p:nvPr/>
+        </p:nvSpPr>
+        <p:spPr>
+          <a:xfrm>
+            <a:off x="6096000" y="2524125"/>
+            <a:ext cx="2038350" cy="379142"/>
+          </a:xfrm>
+          <a:prstGeom prst="roundRect">
+            <a:avLst/>
+          </a:prstGeom>
+          <a:ln w="38100"/>
+        </p:spPr>
+        <p:style>
+          <a:lnRef idx="2">
+            <a:schemeClr val="accent6"/>
+          </a:lnRef>
+          <a:fillRef idx="1">
+            <a:schemeClr val="lt1"/>
+          </a:fillRef>
+          <a:effectRef idx="0">
+            <a:schemeClr val="accent6"/>
+          </a:effectRef>
+          <a:fontRef idx="minor">
+            <a:schemeClr val="dk1"/>
+          </a:fontRef>
+        </p:style>
+        <p:txBody>
+          <a:bodyPr rtlCol="0" anchor="ctr"/>
+          <a:lstStyle/>
+          <a:p>
+            <a:pPr algn="ctr"/>
+            <a:r>
+              <a:rPr lang="fi-FI" dirty="0" smtClean="0"/>
+              <a:t>Kirjaudu</a:t>
+            </a:r>
+            <a:endParaRPr lang="fi-FI" dirty="0"/>
+          </a:p>
+        </p:txBody>
+      </p:sp>
+    </p:spTree>
+    <p:extLst>
+      <p:ext uri="{BB962C8B-B14F-4D97-AF65-F5344CB8AC3E}">
+        <p14:creationId xmlns:p14="http://schemas.microsoft.com/office/powerpoint/2010/main" val="894510979"/>
+      </p:ext>
+    </p:extLst>
+  </p:cSld>
+  <p:clrMapOvr>
+    <a:masterClrMapping/>
+  </p:clrMapOvr>
+</p:sld>
+</file>
+
+<file path=ppt/slides/slide6.xml><?xml version="1.0" encoding="utf-8"?>
+<p:sld xmlns:a="http://schemas.openxmlformats.org/drawingml/2006/main" xmlns:r="http://schemas.openxmlformats.org/officeDocument/2006/relationships" xmlns:p="http://schemas.openxmlformats.org/presentationml/2006/main">
+  <p:cSld>
+    <p:spTree>
+      <p:nvGrpSpPr>
+        <p:cNvPr id="1" name=""/>
+        <p:cNvGrpSpPr/>
+        <p:nvPr/>
+      </p:nvGrpSpPr>
+      <p:grpSpPr>
+        <a:xfrm>
+          <a:off x="0" y="0"/>
+          <a:ext cx="0" cy="0"/>
+          <a:chOff x="0" y="0"/>
+          <a:chExt cx="0" cy="0"/>
+        </a:xfrm>
+      </p:grpSpPr>
+      <p:sp>
+        <p:nvSpPr>
+          <p:cNvPr id="2" name="Rectangle 1"/>
+          <p:cNvSpPr/>
+          <p:nvPr/>
+        </p:nvSpPr>
+        <p:spPr>
+          <a:xfrm>
+            <a:off x="3039138" y="0"/>
+            <a:ext cx="6112800" cy="6858000"/>
+          </a:xfrm>
+          <a:prstGeom prst="rect">
+            <a:avLst/>
+          </a:prstGeom>
+          <a:ln w="38100"/>
+        </p:spPr>
+        <p:style>
+          <a:lnRef idx="2">
+            <a:schemeClr val="accent6"/>
+          </a:lnRef>
+          <a:fillRef idx="1">
+            <a:schemeClr val="lt1"/>
+          </a:fillRef>
+          <a:effectRef idx="0">
+            <a:schemeClr val="accent6"/>
+          </a:effectRef>
+          <a:fontRef idx="minor">
+            <a:schemeClr val="dk1"/>
+          </a:fontRef>
+        </p:style>
+        <p:txBody>
+          <a:bodyPr rtlCol="0" anchor="ctr"/>
+          <a:lstStyle/>
+          <a:p>
+            <a:pPr algn="ctr"/>
+            <a:endParaRPr lang="fi-FI"/>
+          </a:p>
+        </p:txBody>
+      </p:sp>
+      <p:sp>
+        <p:nvSpPr>
+          <p:cNvPr id="3" name="Rectangle 2"/>
+          <p:cNvSpPr/>
+          <p:nvPr/>
+        </p:nvSpPr>
+        <p:spPr>
+          <a:xfrm>
+            <a:off x="3039138" y="0"/>
+            <a:ext cx="6112800" cy="1391400"/>
+          </a:xfrm>
+          <a:prstGeom prst="rect">
+            <a:avLst/>
+          </a:prstGeom>
+          <a:ln w="38100"/>
+        </p:spPr>
+        <p:style>
+          <a:lnRef idx="2">
+            <a:schemeClr val="accent6"/>
+          </a:lnRef>
+          <a:fillRef idx="1">
+            <a:schemeClr val="lt1"/>
+          </a:fillRef>
+          <a:effectRef idx="0">
+            <a:schemeClr val="accent6"/>
+          </a:effectRef>
+          <a:fontRef idx="minor">
+            <a:schemeClr val="dk1"/>
+          </a:fontRef>
+        </p:style>
+        <p:txBody>
+          <a:bodyPr rtlCol="0" anchor="ctr"/>
+          <a:lstStyle/>
+          <a:p>
+            <a:pPr algn="ctr"/>
+            <a:endParaRPr lang="fi-FI"/>
+          </a:p>
+        </p:txBody>
+      </p:sp>
+      <p:sp>
+        <p:nvSpPr>
+          <p:cNvPr id="5" name="Rectangle 4"/>
+          <p:cNvSpPr/>
+          <p:nvPr/>
+        </p:nvSpPr>
+        <p:spPr>
+          <a:xfrm>
+            <a:off x="4031326" y="2309256"/>
+            <a:ext cx="1987550" cy="209550"/>
+          </a:xfrm>
+          <a:prstGeom prst="rect">
+            <a:avLst/>
+          </a:prstGeom>
+          <a:ln w="38100">
+            <a:solidFill>
+              <a:schemeClr val="bg1"/>
+            </a:solidFill>
+          </a:ln>
+        </p:spPr>
+        <p:style>
+          <a:lnRef idx="2">
+            <a:schemeClr val="accent6"/>
+          </a:lnRef>
+          <a:fillRef idx="1">
+            <a:schemeClr val="lt1"/>
+          </a:fillRef>
+          <a:effectRef idx="0">
+            <a:schemeClr val="accent6"/>
+          </a:effectRef>
+          <a:fontRef idx="minor">
+            <a:schemeClr val="dk1"/>
+          </a:fontRef>
+        </p:style>
+        <p:txBody>
+          <a:bodyPr rtlCol="0" anchor="ctr"/>
+          <a:lstStyle/>
+          <a:p>
+            <a:pPr algn="r"/>
+            <a:r>
+              <a:rPr lang="fi-FI" dirty="0" smtClean="0"/>
+              <a:t>Turnaus nro 1</a:t>
+            </a:r>
+            <a:endParaRPr lang="fi-FI" dirty="0"/>
+          </a:p>
+        </p:txBody>
+      </p:sp>
+      <p:sp>
+        <p:nvSpPr>
+          <p:cNvPr id="12" name="Rounded Rectangle 11"/>
+          <p:cNvSpPr/>
+          <p:nvPr/>
+        </p:nvSpPr>
+        <p:spPr>
+          <a:xfrm>
+            <a:off x="6109162" y="4040968"/>
+            <a:ext cx="2012025" cy="390128"/>
+          </a:xfrm>
+          <a:prstGeom prst="roundRect">
+            <a:avLst/>
+          </a:prstGeom>
+          <a:ln w="38100"/>
+        </p:spPr>
+        <p:style>
+          <a:lnRef idx="2">
+            <a:schemeClr val="accent6"/>
+          </a:lnRef>
+          <a:fillRef idx="1">
+            <a:schemeClr val="lt1"/>
+          </a:fillRef>
+          <a:effectRef idx="0">
+            <a:schemeClr val="accent6"/>
+          </a:effectRef>
+          <a:fontRef idx="minor">
+            <a:schemeClr val="dk1"/>
+          </a:fontRef>
+        </p:style>
+        <p:txBody>
+          <a:bodyPr rtlCol="0" anchor="ctr"/>
+          <a:lstStyle/>
+          <a:p>
+            <a:pPr algn="ctr"/>
+            <a:r>
+              <a:rPr lang="fi-FI" dirty="0" smtClean="0"/>
+              <a:t>Lisää uusi turnaus</a:t>
+            </a:r>
+            <a:endParaRPr lang="fi-FI" dirty="0"/>
+          </a:p>
+        </p:txBody>
+      </p:sp>
+      <p:sp>
+        <p:nvSpPr>
+          <p:cNvPr id="13" name="Rectangle 12"/>
+          <p:cNvSpPr/>
+          <p:nvPr/>
+        </p:nvSpPr>
+        <p:spPr>
+          <a:xfrm>
+            <a:off x="3874852" y="1530984"/>
+            <a:ext cx="4441371" cy="329351"/>
+          </a:xfrm>
+          <a:prstGeom prst="rect">
+            <a:avLst/>
+          </a:prstGeom>
+          <a:ln w="38100">
+            <a:solidFill>
+              <a:schemeClr val="bg1"/>
+            </a:solidFill>
+          </a:ln>
+        </p:spPr>
+        <p:style>
+          <a:lnRef idx="2">
+            <a:schemeClr val="accent6"/>
+          </a:lnRef>
+          <a:fillRef idx="1">
+            <a:schemeClr val="lt1"/>
+          </a:fillRef>
+          <a:effectRef idx="0">
+            <a:schemeClr val="accent6"/>
+          </a:effectRef>
+          <a:fontRef idx="minor">
+            <a:schemeClr val="dk1"/>
+          </a:fontRef>
+        </p:style>
+        <p:txBody>
+          <a:bodyPr rtlCol="0" anchor="ctr"/>
+          <a:lstStyle/>
+          <a:p>
+            <a:pPr algn="ctr"/>
+            <a:r>
+              <a:rPr lang="fi-FI" sz="2400" dirty="0" smtClean="0"/>
+              <a:t>Turnaukset</a:t>
+            </a:r>
+            <a:endParaRPr lang="fi-FI" sz="2400" dirty="0"/>
+          </a:p>
+        </p:txBody>
+      </p:sp>
+      <p:sp>
+        <p:nvSpPr>
+          <p:cNvPr id="17" name="Rectangle 16"/>
+          <p:cNvSpPr/>
+          <p:nvPr/>
+        </p:nvSpPr>
+        <p:spPr>
+          <a:xfrm>
+            <a:off x="4031326" y="2661681"/>
+            <a:ext cx="1987550" cy="209550"/>
+          </a:xfrm>
+          <a:prstGeom prst="rect">
+            <a:avLst/>
+          </a:prstGeom>
+          <a:ln w="38100">
+            <a:solidFill>
+              <a:schemeClr val="bg1"/>
+            </a:solidFill>
+          </a:ln>
+        </p:spPr>
+        <p:style>
+          <a:lnRef idx="2">
+            <a:schemeClr val="accent6"/>
+          </a:lnRef>
+          <a:fillRef idx="1">
+            <a:schemeClr val="lt1"/>
+          </a:fillRef>
+          <a:effectRef idx="0">
+            <a:schemeClr val="accent6"/>
+          </a:effectRef>
+          <a:fontRef idx="minor">
+            <a:schemeClr val="dk1"/>
+          </a:fontRef>
+        </p:style>
+        <p:txBody>
+          <a:bodyPr rtlCol="0" anchor="ctr"/>
+          <a:lstStyle/>
+          <a:p>
+            <a:pPr algn="r"/>
+            <a:r>
+              <a:rPr lang="fi-FI" dirty="0" smtClean="0"/>
+              <a:t>Turnaus nro 2</a:t>
+            </a:r>
+            <a:endParaRPr lang="fi-FI" dirty="0"/>
+          </a:p>
+        </p:txBody>
+      </p:sp>
+      <p:sp>
+        <p:nvSpPr>
+          <p:cNvPr id="18" name="Rectangle 17"/>
+          <p:cNvSpPr/>
+          <p:nvPr/>
+        </p:nvSpPr>
+        <p:spPr>
+          <a:xfrm>
+            <a:off x="4031326" y="3014106"/>
+            <a:ext cx="1987550" cy="209550"/>
+          </a:xfrm>
+          <a:prstGeom prst="rect">
+            <a:avLst/>
+          </a:prstGeom>
+          <a:ln w="38100">
+            <a:solidFill>
+              <a:schemeClr val="bg1"/>
+            </a:solidFill>
+          </a:ln>
+        </p:spPr>
+        <p:style>
+          <a:lnRef idx="2">
+            <a:schemeClr val="accent6"/>
+          </a:lnRef>
+          <a:fillRef idx="1">
+            <a:schemeClr val="lt1"/>
+          </a:fillRef>
+          <a:effectRef idx="0">
+            <a:schemeClr val="accent6"/>
+          </a:effectRef>
+          <a:fontRef idx="minor">
+            <a:schemeClr val="dk1"/>
+          </a:fontRef>
+        </p:style>
+        <p:txBody>
+          <a:bodyPr rtlCol="0" anchor="ctr"/>
+          <a:lstStyle/>
+          <a:p>
+            <a:pPr algn="r"/>
+            <a:r>
+              <a:rPr lang="fi-FI" dirty="0" smtClean="0"/>
+              <a:t>Turnaus nro 3</a:t>
+            </a:r>
+            <a:endParaRPr lang="fi-FI" dirty="0"/>
+          </a:p>
+        </p:txBody>
+      </p:sp>
+      <p:sp>
+        <p:nvSpPr>
+          <p:cNvPr id="19" name="Rectangle 18"/>
+          <p:cNvSpPr/>
+          <p:nvPr/>
+        </p:nvSpPr>
+        <p:spPr>
+          <a:xfrm>
+            <a:off x="4031326" y="3363182"/>
+            <a:ext cx="1987550" cy="209550"/>
+          </a:xfrm>
+          <a:prstGeom prst="rect">
+            <a:avLst/>
+          </a:prstGeom>
+          <a:ln w="38100">
+            <a:solidFill>
+              <a:schemeClr val="bg1"/>
+            </a:solidFill>
+          </a:ln>
+        </p:spPr>
+        <p:style>
+          <a:lnRef idx="2">
+            <a:schemeClr val="accent6"/>
+          </a:lnRef>
+          <a:fillRef idx="1">
+            <a:schemeClr val="lt1"/>
+          </a:fillRef>
+          <a:effectRef idx="0">
+            <a:schemeClr val="accent6"/>
+          </a:effectRef>
+          <a:fontRef idx="minor">
+            <a:schemeClr val="dk1"/>
+          </a:fontRef>
+        </p:style>
+        <p:txBody>
+          <a:bodyPr rtlCol="0" anchor="ctr"/>
+          <a:lstStyle/>
+          <a:p>
+            <a:pPr algn="r"/>
+            <a:r>
+              <a:rPr lang="fi-FI" dirty="0" smtClean="0"/>
+              <a:t>Turnaus nro 4</a:t>
+            </a:r>
+            <a:endParaRPr lang="fi-FI" dirty="0"/>
+          </a:p>
+        </p:txBody>
+      </p:sp>
+      <p:sp>
+        <p:nvSpPr>
+          <p:cNvPr id="20" name="Rectangle 19"/>
+          <p:cNvSpPr/>
+          <p:nvPr/>
+        </p:nvSpPr>
+        <p:spPr>
+          <a:xfrm>
+            <a:off x="5945851" y="2309256"/>
+            <a:ext cx="1987550" cy="209550"/>
+          </a:xfrm>
+          <a:prstGeom prst="rect">
+            <a:avLst/>
+          </a:prstGeom>
+          <a:ln w="38100">
+            <a:solidFill>
+              <a:schemeClr val="bg1"/>
+            </a:solidFill>
+          </a:ln>
+        </p:spPr>
+        <p:style>
+          <a:lnRef idx="2">
+            <a:schemeClr val="accent6"/>
+          </a:lnRef>
+          <a:fillRef idx="1">
+            <a:schemeClr val="lt1"/>
+          </a:fillRef>
+          <a:effectRef idx="0">
+            <a:schemeClr val="accent6"/>
+          </a:effectRef>
+          <a:fontRef idx="minor">
+            <a:schemeClr val="dk1"/>
+          </a:fontRef>
+        </p:style>
+        <p:txBody>
+          <a:bodyPr rtlCol="0" anchor="ctr"/>
+          <a:lstStyle/>
+          <a:p>
+            <a:pPr algn="r"/>
+            <a:r>
+              <a:rPr lang="fi-FI" u="sng" dirty="0" smtClean="0">
+                <a:solidFill>
+                  <a:schemeClr val="accent1"/>
+                </a:solidFill>
+              </a:rPr>
+              <a:t>Muokkaa</a:t>
+            </a:r>
+            <a:r>
+              <a:rPr lang="fi-FI" dirty="0" smtClean="0"/>
+              <a:t>     </a:t>
+            </a:r>
+            <a:r>
+              <a:rPr lang="fi-FI" u="sng" dirty="0" smtClean="0">
+                <a:solidFill>
+                  <a:schemeClr val="accent1"/>
+                </a:solidFill>
+              </a:rPr>
+              <a:t>Poista</a:t>
+            </a:r>
+            <a:endParaRPr lang="fi-FI" u="sng" dirty="0">
+              <a:solidFill>
+                <a:schemeClr val="accent1"/>
+              </a:solidFill>
+            </a:endParaRPr>
+          </a:p>
+        </p:txBody>
+      </p:sp>
+      <p:sp>
+        <p:nvSpPr>
+          <p:cNvPr id="21" name="Rectangle 20"/>
+          <p:cNvSpPr/>
+          <p:nvPr/>
+        </p:nvSpPr>
+        <p:spPr>
+          <a:xfrm>
+            <a:off x="5945851" y="2658332"/>
+            <a:ext cx="1987550" cy="209550"/>
+          </a:xfrm>
+          <a:prstGeom prst="rect">
+            <a:avLst/>
+          </a:prstGeom>
+          <a:ln w="38100">
+            <a:solidFill>
+              <a:schemeClr val="bg1"/>
+            </a:solidFill>
+          </a:ln>
+        </p:spPr>
+        <p:style>
+          <a:lnRef idx="2">
+            <a:schemeClr val="accent6"/>
+          </a:lnRef>
+          <a:fillRef idx="1">
+            <a:schemeClr val="lt1"/>
+          </a:fillRef>
+          <a:effectRef idx="0">
+            <a:schemeClr val="accent6"/>
+          </a:effectRef>
+          <a:fontRef idx="minor">
+            <a:schemeClr val="dk1"/>
+          </a:fontRef>
+        </p:style>
+        <p:txBody>
+          <a:bodyPr rtlCol="0" anchor="ctr"/>
+          <a:lstStyle/>
+          <a:p>
+            <a:pPr algn="r"/>
+            <a:r>
+              <a:rPr lang="fi-FI" u="sng" dirty="0" smtClean="0">
+                <a:solidFill>
+                  <a:schemeClr val="accent1"/>
+                </a:solidFill>
+              </a:rPr>
+              <a:t>Muokkaa</a:t>
+            </a:r>
+            <a:r>
+              <a:rPr lang="fi-FI" dirty="0" smtClean="0"/>
+              <a:t>     </a:t>
+            </a:r>
+            <a:r>
+              <a:rPr lang="fi-FI" u="sng" dirty="0" smtClean="0">
+                <a:solidFill>
+                  <a:schemeClr val="accent1"/>
+                </a:solidFill>
+              </a:rPr>
+              <a:t>Poista</a:t>
+            </a:r>
+            <a:endParaRPr lang="fi-FI" u="sng" dirty="0">
+              <a:solidFill>
+                <a:schemeClr val="accent1"/>
+              </a:solidFill>
+            </a:endParaRPr>
+          </a:p>
+        </p:txBody>
+      </p:sp>
+      <p:sp>
+        <p:nvSpPr>
+          <p:cNvPr id="22" name="Rectangle 21"/>
+          <p:cNvSpPr/>
+          <p:nvPr/>
+        </p:nvSpPr>
+        <p:spPr>
+          <a:xfrm>
+            <a:off x="5945851" y="3014106"/>
+            <a:ext cx="1987550" cy="209550"/>
+          </a:xfrm>
+          <a:prstGeom prst="rect">
+            <a:avLst/>
+          </a:prstGeom>
+          <a:ln w="38100">
+            <a:solidFill>
+              <a:schemeClr val="bg1"/>
+            </a:solidFill>
+          </a:ln>
+        </p:spPr>
+        <p:style>
+          <a:lnRef idx="2">
+            <a:schemeClr val="accent6"/>
+          </a:lnRef>
+          <a:fillRef idx="1">
+            <a:schemeClr val="lt1"/>
+          </a:fillRef>
+          <a:effectRef idx="0">
+            <a:schemeClr val="accent6"/>
+          </a:effectRef>
+          <a:fontRef idx="minor">
+            <a:schemeClr val="dk1"/>
+          </a:fontRef>
+        </p:style>
+        <p:txBody>
+          <a:bodyPr rtlCol="0" anchor="ctr"/>
+          <a:lstStyle/>
+          <a:p>
+            <a:pPr algn="r"/>
+            <a:r>
+              <a:rPr lang="fi-FI" u="sng" dirty="0" smtClean="0">
+                <a:solidFill>
+                  <a:schemeClr val="accent1"/>
+                </a:solidFill>
+              </a:rPr>
+              <a:t>Muokkaa</a:t>
+            </a:r>
+            <a:r>
+              <a:rPr lang="fi-FI" dirty="0" smtClean="0"/>
+              <a:t>     </a:t>
+            </a:r>
+            <a:r>
+              <a:rPr lang="fi-FI" u="sng" dirty="0" smtClean="0">
+                <a:solidFill>
+                  <a:schemeClr val="accent1"/>
+                </a:solidFill>
+              </a:rPr>
+              <a:t>Poista</a:t>
+            </a:r>
+            <a:endParaRPr lang="fi-FI" u="sng" dirty="0">
+              <a:solidFill>
+                <a:schemeClr val="accent1"/>
+              </a:solidFill>
+            </a:endParaRPr>
+          </a:p>
+        </p:txBody>
+      </p:sp>
+      <p:sp>
+        <p:nvSpPr>
+          <p:cNvPr id="23" name="Rectangle 22"/>
+          <p:cNvSpPr/>
+          <p:nvPr/>
+        </p:nvSpPr>
+        <p:spPr>
+          <a:xfrm>
+            <a:off x="5945851" y="3363182"/>
+            <a:ext cx="1987550" cy="209550"/>
+          </a:xfrm>
+          <a:prstGeom prst="rect">
+            <a:avLst/>
+          </a:prstGeom>
+          <a:ln w="38100">
+            <a:solidFill>
+              <a:schemeClr val="bg1"/>
+            </a:solidFill>
+          </a:ln>
+        </p:spPr>
+        <p:style>
+          <a:lnRef idx="2">
+            <a:schemeClr val="accent6"/>
+          </a:lnRef>
+          <a:fillRef idx="1">
+            <a:schemeClr val="lt1"/>
+          </a:fillRef>
+          <a:effectRef idx="0">
+            <a:schemeClr val="accent6"/>
+          </a:effectRef>
+          <a:fontRef idx="minor">
+            <a:schemeClr val="dk1"/>
+          </a:fontRef>
+        </p:style>
+        <p:txBody>
+          <a:bodyPr rtlCol="0" anchor="ctr"/>
+          <a:lstStyle/>
+          <a:p>
+            <a:pPr algn="r"/>
+            <a:r>
+              <a:rPr lang="fi-FI" u="sng" dirty="0" smtClean="0">
+                <a:solidFill>
+                  <a:schemeClr val="accent1"/>
+                </a:solidFill>
+              </a:rPr>
+              <a:t>Muokkaa</a:t>
+            </a:r>
+            <a:r>
+              <a:rPr lang="fi-FI" dirty="0" smtClean="0"/>
+              <a:t>     </a:t>
+            </a:r>
+            <a:r>
+              <a:rPr lang="fi-FI" u="sng" dirty="0" smtClean="0">
+                <a:solidFill>
+                  <a:schemeClr val="accent1"/>
+                </a:solidFill>
+              </a:rPr>
+              <a:t>Poista</a:t>
+            </a:r>
+            <a:endParaRPr lang="fi-FI" u="sng" dirty="0">
+              <a:solidFill>
+                <a:schemeClr val="accent1"/>
+              </a:solidFill>
+            </a:endParaRPr>
+          </a:p>
+        </p:txBody>
+      </p:sp>
+    </p:spTree>
+    <p:extLst>
+      <p:ext uri="{BB962C8B-B14F-4D97-AF65-F5344CB8AC3E}">
+        <p14:creationId xmlns:p14="http://schemas.microsoft.com/office/powerpoint/2010/main" val="3934389930"/>
+      </p:ext>
+    </p:extLst>
+  </p:cSld>
+  <p:clrMapOvr>
+    <a:masterClrMapping/>
+  </p:clrMapOvr>
+</p:sld>
+</file>
+
+<file path=ppt/slides/slide7.xml><?xml version="1.0" encoding="utf-8"?>
+<p:sld xmlns:a="http://schemas.openxmlformats.org/drawingml/2006/main" xmlns:r="http://schemas.openxmlformats.org/officeDocument/2006/relationships" xmlns:p="http://schemas.openxmlformats.org/presentationml/2006/main">
+  <p:cSld>
+    <p:spTree>
+      <p:nvGrpSpPr>
+        <p:cNvPr id="1" name=""/>
+        <p:cNvGrpSpPr/>
+        <p:nvPr/>
+      </p:nvGrpSpPr>
+      <p:grpSpPr>
+        <a:xfrm>
+          <a:off x="0" y="0"/>
+          <a:ext cx="0" cy="0"/>
+          <a:chOff x="0" y="0"/>
+          <a:chExt cx="0" cy="0"/>
+        </a:xfrm>
+      </p:grpSpPr>
+      <p:sp>
+        <p:nvSpPr>
+          <p:cNvPr id="2" name="Rectangle 1"/>
+          <p:cNvSpPr/>
+          <p:nvPr/>
+        </p:nvSpPr>
+        <p:spPr>
+          <a:xfrm>
+            <a:off x="3039138" y="0"/>
+            <a:ext cx="6112800" cy="6858000"/>
+          </a:xfrm>
+          <a:prstGeom prst="rect">
+            <a:avLst/>
+          </a:prstGeom>
+          <a:ln w="38100"/>
+        </p:spPr>
+        <p:style>
+          <a:lnRef idx="2">
+            <a:schemeClr val="accent6"/>
+          </a:lnRef>
+          <a:fillRef idx="1">
+            <a:schemeClr val="lt1"/>
+          </a:fillRef>
+          <a:effectRef idx="0">
+            <a:schemeClr val="accent6"/>
+          </a:effectRef>
+          <a:fontRef idx="minor">
+            <a:schemeClr val="dk1"/>
+          </a:fontRef>
+        </p:style>
+        <p:txBody>
+          <a:bodyPr rtlCol="0" anchor="ctr"/>
+          <a:lstStyle/>
+          <a:p>
+            <a:pPr algn="ctr"/>
+            <a:endParaRPr lang="fi-FI"/>
+          </a:p>
+        </p:txBody>
+      </p:sp>
+      <p:sp>
+        <p:nvSpPr>
+          <p:cNvPr id="3" name="Rectangle 2"/>
+          <p:cNvSpPr/>
+          <p:nvPr/>
+        </p:nvSpPr>
+        <p:spPr>
+          <a:xfrm>
+            <a:off x="3039138" y="0"/>
+            <a:ext cx="6112800" cy="1391400"/>
+          </a:xfrm>
+          <a:prstGeom prst="rect">
+            <a:avLst/>
+          </a:prstGeom>
+          <a:ln w="38100"/>
+        </p:spPr>
+        <p:style>
+          <a:lnRef idx="2">
+            <a:schemeClr val="accent6"/>
+          </a:lnRef>
+          <a:fillRef idx="1">
+            <a:schemeClr val="lt1"/>
+          </a:fillRef>
+          <a:effectRef idx="0">
+            <a:schemeClr val="accent6"/>
+          </a:effectRef>
+          <a:fontRef idx="minor">
+            <a:schemeClr val="dk1"/>
+          </a:fontRef>
+        </p:style>
+        <p:txBody>
+          <a:bodyPr rtlCol="0" anchor="ctr"/>
+          <a:lstStyle/>
+          <a:p>
+            <a:pPr algn="ctr"/>
+            <a:endParaRPr lang="fi-FI"/>
+          </a:p>
+        </p:txBody>
+      </p:sp>
+      <p:sp>
+        <p:nvSpPr>
+          <p:cNvPr id="5" name="Rectangle 4"/>
+          <p:cNvSpPr/>
+          <p:nvPr/>
+        </p:nvSpPr>
+        <p:spPr>
+          <a:xfrm>
+            <a:off x="4031326" y="2309256"/>
+            <a:ext cx="1987550" cy="209550"/>
+          </a:xfrm>
+          <a:prstGeom prst="rect">
+            <a:avLst/>
+          </a:prstGeom>
+          <a:ln w="38100">
+            <a:solidFill>
+              <a:schemeClr val="bg1"/>
+            </a:solidFill>
+          </a:ln>
+        </p:spPr>
+        <p:style>
+          <a:lnRef idx="2">
+            <a:schemeClr val="accent6"/>
+          </a:lnRef>
+          <a:fillRef idx="1">
+            <a:schemeClr val="lt1"/>
+          </a:fillRef>
+          <a:effectRef idx="0">
+            <a:schemeClr val="accent6"/>
+          </a:effectRef>
+          <a:fontRef idx="minor">
+            <a:schemeClr val="dk1"/>
+          </a:fontRef>
+        </p:style>
+        <p:txBody>
+          <a:bodyPr rtlCol="0" anchor="ctr"/>
+          <a:lstStyle/>
+          <a:p>
+            <a:pPr algn="r"/>
+            <a:r>
+              <a:rPr lang="fi-FI" dirty="0" smtClean="0"/>
+              <a:t>Turnaus nro 1</a:t>
+            </a:r>
+            <a:endParaRPr lang="fi-FI" dirty="0"/>
+          </a:p>
+        </p:txBody>
+      </p:sp>
+      <p:sp>
+        <p:nvSpPr>
+          <p:cNvPr id="12" name="Rounded Rectangle 11"/>
+          <p:cNvSpPr/>
+          <p:nvPr/>
+        </p:nvSpPr>
+        <p:spPr>
+          <a:xfrm>
+            <a:off x="6109162" y="4040968"/>
+            <a:ext cx="2012025" cy="390128"/>
+          </a:xfrm>
+          <a:prstGeom prst="roundRect">
+            <a:avLst/>
+          </a:prstGeom>
+          <a:ln w="38100"/>
+        </p:spPr>
+        <p:style>
+          <a:lnRef idx="2">
+            <a:schemeClr val="accent6"/>
+          </a:lnRef>
+          <a:fillRef idx="1">
+            <a:schemeClr val="lt1"/>
+          </a:fillRef>
+          <a:effectRef idx="0">
+            <a:schemeClr val="accent6"/>
+          </a:effectRef>
+          <a:fontRef idx="minor">
+            <a:schemeClr val="dk1"/>
+          </a:fontRef>
+        </p:style>
+        <p:txBody>
+          <a:bodyPr rtlCol="0" anchor="ctr"/>
+          <a:lstStyle/>
+          <a:p>
+            <a:pPr algn="ctr"/>
+            <a:r>
+              <a:rPr lang="fi-FI" dirty="0" smtClean="0"/>
+              <a:t>Lisää uusi turnaus</a:t>
+            </a:r>
+            <a:endParaRPr lang="fi-FI" dirty="0"/>
+          </a:p>
+        </p:txBody>
+      </p:sp>
+      <p:sp>
+        <p:nvSpPr>
+          <p:cNvPr id="13" name="Rectangle 12"/>
+          <p:cNvSpPr/>
+          <p:nvPr/>
+        </p:nvSpPr>
+        <p:spPr>
+          <a:xfrm>
+            <a:off x="3874852" y="1530984"/>
+            <a:ext cx="4441371" cy="329351"/>
+          </a:xfrm>
+          <a:prstGeom prst="rect">
+            <a:avLst/>
+          </a:prstGeom>
+          <a:ln w="38100">
+            <a:solidFill>
+              <a:schemeClr val="bg1"/>
+            </a:solidFill>
+          </a:ln>
+        </p:spPr>
+        <p:style>
+          <a:lnRef idx="2">
+            <a:schemeClr val="accent6"/>
+          </a:lnRef>
+          <a:fillRef idx="1">
+            <a:schemeClr val="lt1"/>
+          </a:fillRef>
+          <a:effectRef idx="0">
+            <a:schemeClr val="accent6"/>
+          </a:effectRef>
+          <a:fontRef idx="minor">
+            <a:schemeClr val="dk1"/>
+          </a:fontRef>
+        </p:style>
+        <p:txBody>
+          <a:bodyPr rtlCol="0" anchor="ctr"/>
+          <a:lstStyle/>
+          <a:p>
+            <a:pPr algn="ctr"/>
+            <a:r>
+              <a:rPr lang="fi-FI" sz="2400" dirty="0" smtClean="0"/>
+              <a:t>Turnaukset</a:t>
+            </a:r>
+            <a:endParaRPr lang="fi-FI" sz="2400" dirty="0"/>
+          </a:p>
+        </p:txBody>
+      </p:sp>
+      <p:sp>
+        <p:nvSpPr>
+          <p:cNvPr id="17" name="Rectangle 16"/>
+          <p:cNvSpPr/>
+          <p:nvPr/>
+        </p:nvSpPr>
+        <p:spPr>
+          <a:xfrm>
+            <a:off x="4031326" y="2661681"/>
+            <a:ext cx="1987550" cy="209550"/>
+          </a:xfrm>
+          <a:prstGeom prst="rect">
+            <a:avLst/>
+          </a:prstGeom>
+          <a:ln w="38100">
+            <a:solidFill>
+              <a:schemeClr val="bg1"/>
+            </a:solidFill>
+          </a:ln>
+        </p:spPr>
+        <p:style>
+          <a:lnRef idx="2">
+            <a:schemeClr val="accent6"/>
+          </a:lnRef>
+          <a:fillRef idx="1">
+            <a:schemeClr val="lt1"/>
+          </a:fillRef>
+          <a:effectRef idx="0">
+            <a:schemeClr val="accent6"/>
+          </a:effectRef>
+          <a:fontRef idx="minor">
+            <a:schemeClr val="dk1"/>
+          </a:fontRef>
+        </p:style>
+        <p:txBody>
+          <a:bodyPr rtlCol="0" anchor="ctr"/>
+          <a:lstStyle/>
+          <a:p>
+            <a:pPr algn="r"/>
+            <a:r>
+              <a:rPr lang="fi-FI" dirty="0" smtClean="0"/>
+              <a:t>Turnaus nro 2</a:t>
+            </a:r>
+            <a:endParaRPr lang="fi-FI" dirty="0"/>
+          </a:p>
+        </p:txBody>
+      </p:sp>
+      <p:sp>
+        <p:nvSpPr>
+          <p:cNvPr id="18" name="Rectangle 17"/>
+          <p:cNvSpPr/>
+          <p:nvPr/>
+        </p:nvSpPr>
+        <p:spPr>
+          <a:xfrm>
+            <a:off x="4031326" y="3014106"/>
+            <a:ext cx="1987550" cy="209550"/>
+          </a:xfrm>
+          <a:prstGeom prst="rect">
+            <a:avLst/>
+          </a:prstGeom>
+          <a:ln w="38100">
+            <a:solidFill>
+              <a:schemeClr val="bg1"/>
+            </a:solidFill>
+          </a:ln>
+        </p:spPr>
+        <p:style>
+          <a:lnRef idx="2">
+            <a:schemeClr val="accent6"/>
+          </a:lnRef>
+          <a:fillRef idx="1">
+            <a:schemeClr val="lt1"/>
+          </a:fillRef>
+          <a:effectRef idx="0">
+            <a:schemeClr val="accent6"/>
+          </a:effectRef>
+          <a:fontRef idx="minor">
+            <a:schemeClr val="dk1"/>
+          </a:fontRef>
+        </p:style>
+        <p:txBody>
+          <a:bodyPr rtlCol="0" anchor="ctr"/>
+          <a:lstStyle/>
+          <a:p>
+            <a:pPr algn="r"/>
+            <a:r>
+              <a:rPr lang="fi-FI" dirty="0" smtClean="0"/>
+              <a:t>Turnaus nro 3</a:t>
+            </a:r>
+            <a:endParaRPr lang="fi-FI" dirty="0"/>
+          </a:p>
+        </p:txBody>
+      </p:sp>
+      <p:sp>
+        <p:nvSpPr>
+          <p:cNvPr id="19" name="Rectangle 18"/>
+          <p:cNvSpPr/>
+          <p:nvPr/>
+        </p:nvSpPr>
+        <p:spPr>
+          <a:xfrm>
+            <a:off x="4031326" y="3363182"/>
+            <a:ext cx="1987550" cy="209550"/>
+          </a:xfrm>
+          <a:prstGeom prst="rect">
+            <a:avLst/>
+          </a:prstGeom>
+          <a:ln w="38100">
+            <a:solidFill>
+              <a:schemeClr val="bg1"/>
+            </a:solidFill>
+          </a:ln>
+        </p:spPr>
+        <p:style>
+          <a:lnRef idx="2">
+            <a:schemeClr val="accent6"/>
+          </a:lnRef>
+          <a:fillRef idx="1">
+            <a:schemeClr val="lt1"/>
+          </a:fillRef>
+          <a:effectRef idx="0">
+            <a:schemeClr val="accent6"/>
+          </a:effectRef>
+          <a:fontRef idx="minor">
+            <a:schemeClr val="dk1"/>
+          </a:fontRef>
+        </p:style>
+        <p:txBody>
+          <a:bodyPr rtlCol="0" anchor="ctr"/>
+          <a:lstStyle/>
+          <a:p>
+            <a:pPr algn="r"/>
+            <a:r>
+              <a:rPr lang="fi-FI" dirty="0" smtClean="0"/>
+              <a:t>Turnaus nro 4</a:t>
+            </a:r>
+            <a:endParaRPr lang="fi-FI" dirty="0"/>
+          </a:p>
+        </p:txBody>
+      </p:sp>
+      <p:sp>
+        <p:nvSpPr>
+          <p:cNvPr id="20" name="Rectangle 19"/>
+          <p:cNvSpPr/>
+          <p:nvPr/>
+        </p:nvSpPr>
+        <p:spPr>
+          <a:xfrm>
+            <a:off x="5945851" y="2309256"/>
+            <a:ext cx="1987550" cy="209550"/>
+          </a:xfrm>
+          <a:prstGeom prst="rect">
+            <a:avLst/>
+          </a:prstGeom>
+          <a:ln w="38100">
+            <a:solidFill>
+              <a:schemeClr val="bg1"/>
+            </a:solidFill>
+          </a:ln>
+        </p:spPr>
+        <p:style>
+          <a:lnRef idx="2">
+            <a:schemeClr val="accent6"/>
+          </a:lnRef>
+          <a:fillRef idx="1">
+            <a:schemeClr val="lt1"/>
+          </a:fillRef>
+          <a:effectRef idx="0">
+            <a:schemeClr val="accent6"/>
+          </a:effectRef>
+          <a:fontRef idx="minor">
+            <a:schemeClr val="dk1"/>
+          </a:fontRef>
+        </p:style>
+        <p:txBody>
+          <a:bodyPr rtlCol="0" anchor="ctr"/>
+          <a:lstStyle/>
+          <a:p>
+            <a:pPr algn="r"/>
+            <a:r>
+              <a:rPr lang="fi-FI" u="sng" dirty="0" smtClean="0">
+                <a:solidFill>
+                  <a:schemeClr val="accent1"/>
+                </a:solidFill>
+              </a:rPr>
+              <a:t>Muokkaa</a:t>
+            </a:r>
+            <a:r>
+              <a:rPr lang="fi-FI" dirty="0" smtClean="0"/>
+              <a:t>     </a:t>
+            </a:r>
+            <a:r>
+              <a:rPr lang="fi-FI" u="sng" dirty="0" smtClean="0">
+                <a:solidFill>
+                  <a:schemeClr val="accent1"/>
+                </a:solidFill>
+              </a:rPr>
+              <a:t>Poista</a:t>
+            </a:r>
+            <a:endParaRPr lang="fi-FI" u="sng" dirty="0">
+              <a:solidFill>
+                <a:schemeClr val="accent1"/>
+              </a:solidFill>
+            </a:endParaRPr>
+          </a:p>
+        </p:txBody>
+      </p:sp>
+      <p:sp>
+        <p:nvSpPr>
+          <p:cNvPr id="21" name="Rectangle 20"/>
+          <p:cNvSpPr/>
+          <p:nvPr/>
+        </p:nvSpPr>
+        <p:spPr>
+          <a:xfrm>
+            <a:off x="5945851" y="2658332"/>
+            <a:ext cx="1987550" cy="209550"/>
+          </a:xfrm>
+          <a:prstGeom prst="rect">
+            <a:avLst/>
+          </a:prstGeom>
+          <a:ln w="38100">
+            <a:solidFill>
+              <a:schemeClr val="bg1"/>
+            </a:solidFill>
+          </a:ln>
+        </p:spPr>
+        <p:style>
+          <a:lnRef idx="2">
+            <a:schemeClr val="accent6"/>
+          </a:lnRef>
+          <a:fillRef idx="1">
+            <a:schemeClr val="lt1"/>
+          </a:fillRef>
+          <a:effectRef idx="0">
+            <a:schemeClr val="accent6"/>
+          </a:effectRef>
+          <a:fontRef idx="minor">
+            <a:schemeClr val="dk1"/>
+          </a:fontRef>
+        </p:style>
+        <p:txBody>
+          <a:bodyPr rtlCol="0" anchor="ctr"/>
+          <a:lstStyle/>
+          <a:p>
+            <a:pPr algn="r"/>
+            <a:r>
+              <a:rPr lang="fi-FI" u="sng" dirty="0" smtClean="0">
+                <a:solidFill>
+                  <a:schemeClr val="accent1"/>
+                </a:solidFill>
+              </a:rPr>
+              <a:t>Muokkaa</a:t>
+            </a:r>
+            <a:r>
+              <a:rPr lang="fi-FI" dirty="0" smtClean="0"/>
+              <a:t>     </a:t>
+            </a:r>
+            <a:r>
+              <a:rPr lang="fi-FI" u="sng" dirty="0" smtClean="0">
+                <a:solidFill>
+                  <a:schemeClr val="accent1"/>
+                </a:solidFill>
+              </a:rPr>
+              <a:t>Poista</a:t>
+            </a:r>
+            <a:endParaRPr lang="fi-FI" u="sng" dirty="0">
+              <a:solidFill>
+                <a:schemeClr val="accent1"/>
+              </a:solidFill>
+            </a:endParaRPr>
+          </a:p>
+        </p:txBody>
+      </p:sp>
+      <p:sp>
+        <p:nvSpPr>
+          <p:cNvPr id="22" name="Rectangle 21"/>
+          <p:cNvSpPr/>
+          <p:nvPr/>
+        </p:nvSpPr>
+        <p:spPr>
+          <a:xfrm>
+            <a:off x="5945851" y="3014106"/>
+            <a:ext cx="1987550" cy="209550"/>
+          </a:xfrm>
+          <a:prstGeom prst="rect">
+            <a:avLst/>
+          </a:prstGeom>
+          <a:ln w="38100">
+            <a:solidFill>
+              <a:schemeClr val="bg1"/>
+            </a:solidFill>
+          </a:ln>
+        </p:spPr>
+        <p:style>
+          <a:lnRef idx="2">
+            <a:schemeClr val="accent6"/>
+          </a:lnRef>
+          <a:fillRef idx="1">
+            <a:schemeClr val="lt1"/>
+          </a:fillRef>
+          <a:effectRef idx="0">
+            <a:schemeClr val="accent6"/>
+          </a:effectRef>
+          <a:fontRef idx="minor">
+            <a:schemeClr val="dk1"/>
+          </a:fontRef>
+        </p:style>
+        <p:txBody>
+          <a:bodyPr rtlCol="0" anchor="ctr"/>
+          <a:lstStyle/>
+          <a:p>
+            <a:pPr algn="r"/>
+            <a:r>
+              <a:rPr lang="fi-FI" u="sng" dirty="0" smtClean="0">
+                <a:solidFill>
+                  <a:schemeClr val="accent1"/>
+                </a:solidFill>
+              </a:rPr>
+              <a:t>Muokkaa</a:t>
+            </a:r>
+            <a:r>
+              <a:rPr lang="fi-FI" dirty="0" smtClean="0"/>
+              <a:t>     </a:t>
+            </a:r>
+            <a:r>
+              <a:rPr lang="fi-FI" u="sng" dirty="0" smtClean="0">
+                <a:solidFill>
+                  <a:schemeClr val="accent1"/>
+                </a:solidFill>
+              </a:rPr>
+              <a:t>Poista</a:t>
+            </a:r>
+            <a:endParaRPr lang="fi-FI" u="sng" dirty="0">
+              <a:solidFill>
+                <a:schemeClr val="accent1"/>
+              </a:solidFill>
+            </a:endParaRPr>
+          </a:p>
+        </p:txBody>
+      </p:sp>
+      <p:sp>
+        <p:nvSpPr>
+          <p:cNvPr id="23" name="Rectangle 22"/>
+          <p:cNvSpPr/>
+          <p:nvPr/>
+        </p:nvSpPr>
+        <p:spPr>
+          <a:xfrm>
+            <a:off x="5945851" y="3363182"/>
+            <a:ext cx="1987550" cy="209550"/>
+          </a:xfrm>
+          <a:prstGeom prst="rect">
+            <a:avLst/>
+          </a:prstGeom>
+          <a:ln w="38100">
+            <a:solidFill>
+              <a:schemeClr val="bg1"/>
+            </a:solidFill>
+          </a:ln>
+        </p:spPr>
+        <p:style>
+          <a:lnRef idx="2">
+            <a:schemeClr val="accent6"/>
+          </a:lnRef>
+          <a:fillRef idx="1">
+            <a:schemeClr val="lt1"/>
+          </a:fillRef>
+          <a:effectRef idx="0">
+            <a:schemeClr val="accent6"/>
+          </a:effectRef>
+          <a:fontRef idx="minor">
+            <a:schemeClr val="dk1"/>
+          </a:fontRef>
+        </p:style>
+        <p:txBody>
+          <a:bodyPr rtlCol="0" anchor="ctr"/>
+          <a:lstStyle/>
+          <a:p>
+            <a:pPr algn="r"/>
+            <a:r>
+              <a:rPr lang="fi-FI" u="sng" dirty="0" smtClean="0">
+                <a:solidFill>
+                  <a:schemeClr val="accent1"/>
+                </a:solidFill>
+              </a:rPr>
+              <a:t>Muokkaa</a:t>
+            </a:r>
+            <a:r>
+              <a:rPr lang="fi-FI" dirty="0" smtClean="0"/>
+              <a:t>     </a:t>
+            </a:r>
+            <a:r>
+              <a:rPr lang="fi-FI" u="sng" dirty="0" smtClean="0">
+                <a:solidFill>
+                  <a:schemeClr val="accent1"/>
+                </a:solidFill>
+              </a:rPr>
+              <a:t>Poista</a:t>
+            </a:r>
+            <a:endParaRPr lang="fi-FI" u="sng" dirty="0">
+              <a:solidFill>
+                <a:schemeClr val="accent1"/>
+              </a:solidFill>
+            </a:endParaRPr>
+          </a:p>
+        </p:txBody>
+      </p:sp>
+      <p:sp>
+        <p:nvSpPr>
+          <p:cNvPr id="14" name="Rectangle 13"/>
+          <p:cNvSpPr/>
+          <p:nvPr/>
+        </p:nvSpPr>
+        <p:spPr>
+          <a:xfrm>
+            <a:off x="3412066" y="2781338"/>
+            <a:ext cx="5367867" cy="1828802"/>
+          </a:xfrm>
+          <a:prstGeom prst="rect">
+            <a:avLst/>
+          </a:prstGeom>
+          <a:ln w="38100"/>
+        </p:spPr>
+        <p:style>
+          <a:lnRef idx="2">
+            <a:schemeClr val="accent6"/>
+          </a:lnRef>
+          <a:fillRef idx="1">
+            <a:schemeClr val="lt1"/>
+          </a:fillRef>
+          <a:effectRef idx="0">
+            <a:schemeClr val="accent6"/>
+          </a:effectRef>
+          <a:fontRef idx="minor">
+            <a:schemeClr val="dk1"/>
+          </a:fontRef>
+        </p:style>
+        <p:txBody>
+          <a:bodyPr rtlCol="0" anchor="ctr"/>
+          <a:lstStyle/>
+          <a:p>
+            <a:pPr algn="ctr"/>
+            <a:endParaRPr lang="fi-FI"/>
+          </a:p>
+        </p:txBody>
+      </p:sp>
+      <p:sp>
+        <p:nvSpPr>
+          <p:cNvPr id="15" name="Rectangle 14"/>
+          <p:cNvSpPr/>
+          <p:nvPr/>
+        </p:nvSpPr>
+        <p:spPr>
+          <a:xfrm>
+            <a:off x="4110103" y="2850221"/>
+            <a:ext cx="4010487" cy="283543"/>
+          </a:xfrm>
+          <a:prstGeom prst="rect">
+            <a:avLst/>
+          </a:prstGeom>
+          <a:ln w="38100">
+            <a:solidFill>
+              <a:schemeClr val="bg1"/>
+            </a:solidFill>
+          </a:ln>
+        </p:spPr>
+        <p:style>
+          <a:lnRef idx="2">
+            <a:schemeClr val="accent6"/>
+          </a:lnRef>
+          <a:fillRef idx="1">
+            <a:schemeClr val="lt1"/>
+          </a:fillRef>
+          <a:effectRef idx="0">
+            <a:schemeClr val="accent6"/>
+          </a:effectRef>
+          <a:fontRef idx="minor">
+            <a:schemeClr val="dk1"/>
+          </a:fontRef>
+        </p:style>
+        <p:txBody>
+          <a:bodyPr rtlCol="0" anchor="ctr"/>
+          <a:lstStyle/>
+          <a:p>
+            <a:pPr algn="ctr"/>
+            <a:r>
+              <a:rPr lang="fi-FI" sz="2000" dirty="0" smtClean="0"/>
+              <a:t>Turnauksen poistaminen</a:t>
+            </a:r>
+            <a:endParaRPr lang="fi-FI" sz="2000" dirty="0"/>
+          </a:p>
+        </p:txBody>
+      </p:sp>
+      <p:sp>
+        <p:nvSpPr>
+          <p:cNvPr id="16" name="Rectangle 15"/>
+          <p:cNvSpPr/>
+          <p:nvPr/>
+        </p:nvSpPr>
+        <p:spPr>
+          <a:xfrm>
+            <a:off x="4428066" y="3359246"/>
+            <a:ext cx="3630381" cy="507506"/>
+          </a:xfrm>
+          <a:prstGeom prst="rect">
+            <a:avLst/>
+          </a:prstGeom>
+          <a:ln w="38100">
+            <a:solidFill>
+              <a:schemeClr val="bg1"/>
+            </a:solidFill>
+          </a:ln>
+        </p:spPr>
+        <p:style>
+          <a:lnRef idx="2">
+            <a:schemeClr val="accent6"/>
+          </a:lnRef>
+          <a:fillRef idx="1">
+            <a:schemeClr val="lt1"/>
+          </a:fillRef>
+          <a:effectRef idx="0">
+            <a:schemeClr val="accent6"/>
+          </a:effectRef>
+          <a:fontRef idx="minor">
+            <a:schemeClr val="dk1"/>
+          </a:fontRef>
+        </p:style>
+        <p:txBody>
+          <a:bodyPr rtlCol="0" anchor="ctr"/>
+          <a:lstStyle/>
+          <a:p>
+            <a:pPr algn="ctr"/>
+            <a:r>
+              <a:rPr lang="fi-FI" sz="2000" dirty="0" smtClean="0"/>
+              <a:t>Haluatko varmasti poistaa Turnau</a:t>
+            </a:r>
+            <a:r>
+              <a:rPr lang="fi-FI" sz="2000" dirty="0"/>
+              <a:t>s</a:t>
+            </a:r>
+            <a:r>
+              <a:rPr lang="fi-FI" sz="2000" dirty="0" smtClean="0"/>
+              <a:t> nro 2?</a:t>
+            </a:r>
+            <a:endParaRPr lang="fi-FI" sz="2000" dirty="0"/>
+          </a:p>
+        </p:txBody>
+      </p:sp>
+      <p:sp>
+        <p:nvSpPr>
+          <p:cNvPr id="24" name="Rounded Rectangle 23"/>
+          <p:cNvSpPr/>
+          <p:nvPr/>
+        </p:nvSpPr>
+        <p:spPr>
+          <a:xfrm>
+            <a:off x="6224654" y="4082931"/>
+            <a:ext cx="1833793" cy="374370"/>
+          </a:xfrm>
+          <a:prstGeom prst="roundRect">
+            <a:avLst/>
+          </a:prstGeom>
+          <a:ln w="38100"/>
+        </p:spPr>
+        <p:style>
+          <a:lnRef idx="2">
+            <a:schemeClr val="accent6"/>
+          </a:lnRef>
+          <a:fillRef idx="1">
+            <a:schemeClr val="lt1"/>
+          </a:fillRef>
+          <a:effectRef idx="0">
+            <a:schemeClr val="accent6"/>
+          </a:effectRef>
+          <a:fontRef idx="minor">
+            <a:schemeClr val="dk1"/>
+          </a:fontRef>
+        </p:style>
+        <p:txBody>
+          <a:bodyPr rtlCol="0" anchor="ctr"/>
+          <a:lstStyle/>
+          <a:p>
+            <a:pPr algn="ctr"/>
+            <a:r>
+              <a:rPr lang="fi-FI" dirty="0" smtClean="0"/>
+              <a:t>Poista</a:t>
+            </a:r>
+            <a:endParaRPr lang="fi-FI" dirty="0"/>
+          </a:p>
+        </p:txBody>
+      </p:sp>
+      <p:sp>
+        <p:nvSpPr>
+          <p:cNvPr id="25" name="Rounded Rectangle 24"/>
+          <p:cNvSpPr/>
+          <p:nvPr/>
+        </p:nvSpPr>
+        <p:spPr>
+          <a:xfrm>
+            <a:off x="4241799" y="4086255"/>
+            <a:ext cx="1751080" cy="371046"/>
+          </a:xfrm>
+          <a:prstGeom prst="roundRect">
+            <a:avLst/>
+          </a:prstGeom>
+          <a:ln w="38100"/>
+        </p:spPr>
+        <p:style>
+          <a:lnRef idx="2">
+            <a:schemeClr val="accent6"/>
+          </a:lnRef>
+          <a:fillRef idx="1">
+            <a:schemeClr val="lt1"/>
+          </a:fillRef>
+          <a:effectRef idx="0">
+            <a:schemeClr val="accent6"/>
+          </a:effectRef>
+          <a:fontRef idx="minor">
+            <a:schemeClr val="dk1"/>
+          </a:fontRef>
+        </p:style>
+        <p:txBody>
+          <a:bodyPr rtlCol="0" anchor="ctr"/>
+          <a:lstStyle/>
+          <a:p>
+            <a:pPr algn="ctr"/>
+            <a:r>
+              <a:rPr lang="fi-FI" dirty="0" smtClean="0"/>
+              <a:t>Peruuta</a:t>
+            </a:r>
+            <a:endParaRPr lang="fi-FI" dirty="0"/>
+          </a:p>
+        </p:txBody>
+      </p:sp>
+    </p:spTree>
+    <p:extLst>
+      <p:ext uri="{BB962C8B-B14F-4D97-AF65-F5344CB8AC3E}">
+        <p14:creationId xmlns:p14="http://schemas.microsoft.com/office/powerpoint/2010/main" val="285698938"/>
+      </p:ext>
+    </p:extLst>
+  </p:cSld>
+  <p:clrMapOvr>
+    <a:masterClrMapping/>
+  </p:clrMapOvr>
+</p:sld>
+</file>
+
+<file path=ppt/slides/slide8.xml><?xml version="1.0" encoding="utf-8"?>
+<p:sld xmlns:a="http://schemas.openxmlformats.org/drawingml/2006/main" xmlns:r="http://schemas.openxmlformats.org/officeDocument/2006/relationships" xmlns:p="http://schemas.openxmlformats.org/presentationml/2006/main">
+  <p:cSld>
+    <p:spTree>
+      <p:nvGrpSpPr>
+        <p:cNvPr id="1" name=""/>
+        <p:cNvGrpSpPr/>
+        <p:nvPr/>
+      </p:nvGrpSpPr>
+      <p:grpSpPr>
+        <a:xfrm>
+          <a:off x="0" y="0"/>
+          <a:ext cx="0" cy="0"/>
+          <a:chOff x="0" y="0"/>
+          <a:chExt cx="0" cy="0"/>
+        </a:xfrm>
+      </p:grpSpPr>
+      <p:sp>
+        <p:nvSpPr>
+          <p:cNvPr id="2" name="Rectangle 1"/>
+          <p:cNvSpPr/>
+          <p:nvPr/>
+        </p:nvSpPr>
+        <p:spPr>
+          <a:xfrm>
+            <a:off x="3039138" y="0"/>
+            <a:ext cx="6112800" cy="6858000"/>
+          </a:xfrm>
+          <a:prstGeom prst="rect">
+            <a:avLst/>
+          </a:prstGeom>
+          <a:ln w="38100"/>
+        </p:spPr>
+        <p:style>
+          <a:lnRef idx="2">
+            <a:schemeClr val="accent6"/>
+          </a:lnRef>
+          <a:fillRef idx="1">
+            <a:schemeClr val="lt1"/>
+          </a:fillRef>
+          <a:effectRef idx="0">
+            <a:schemeClr val="accent6"/>
+          </a:effectRef>
+          <a:fontRef idx="minor">
+            <a:schemeClr val="dk1"/>
+          </a:fontRef>
+        </p:style>
+        <p:txBody>
+          <a:bodyPr rtlCol="0" anchor="ctr"/>
+          <a:lstStyle/>
+          <a:p>
+            <a:pPr algn="ctr"/>
+            <a:endParaRPr lang="fi-FI"/>
+          </a:p>
+        </p:txBody>
+      </p:sp>
+      <p:sp>
+        <p:nvSpPr>
+          <p:cNvPr id="3" name="Rectangle 2"/>
+          <p:cNvSpPr/>
+          <p:nvPr/>
+        </p:nvSpPr>
+        <p:spPr>
+          <a:xfrm>
+            <a:off x="3039138" y="0"/>
+            <a:ext cx="6112800" cy="1391400"/>
+          </a:xfrm>
+          <a:prstGeom prst="rect">
+            <a:avLst/>
+          </a:prstGeom>
+          <a:ln w="38100"/>
+        </p:spPr>
+        <p:style>
+          <a:lnRef idx="2">
+            <a:schemeClr val="accent6"/>
+          </a:lnRef>
+          <a:fillRef idx="1">
+            <a:schemeClr val="lt1"/>
+          </a:fillRef>
+          <a:effectRef idx="0">
+            <a:schemeClr val="accent6"/>
+          </a:effectRef>
+          <a:fontRef idx="minor">
+            <a:schemeClr val="dk1"/>
+          </a:fontRef>
+        </p:style>
+        <p:txBody>
+          <a:bodyPr rtlCol="0" anchor="ctr"/>
+          <a:lstStyle/>
+          <a:p>
+            <a:pPr algn="ctr"/>
+            <a:endParaRPr lang="fi-FI"/>
+          </a:p>
+        </p:txBody>
+      </p:sp>
+      <p:sp>
+        <p:nvSpPr>
+          <p:cNvPr id="4" name="Rectangle 3"/>
+          <p:cNvSpPr/>
+          <p:nvPr/>
+        </p:nvSpPr>
+        <p:spPr>
+          <a:xfrm flipV="1">
+            <a:off x="6069676" y="2295922"/>
+            <a:ext cx="2038350" cy="236218"/>
+          </a:xfrm>
+          <a:prstGeom prst="rect">
+            <a:avLst/>
+          </a:prstGeom>
+          <a:ln w="38100"/>
+        </p:spPr>
+        <p:style>
+          <a:lnRef idx="2">
+            <a:schemeClr val="accent6"/>
+          </a:lnRef>
+          <a:fillRef idx="1">
+            <a:schemeClr val="lt1"/>
+          </a:fillRef>
+          <a:effectRef idx="0">
+            <a:schemeClr val="accent6"/>
+          </a:effectRef>
+          <a:fontRef idx="minor">
+            <a:schemeClr val="dk1"/>
+          </a:fontRef>
+        </p:style>
+        <p:txBody>
+          <a:bodyPr rtlCol="0" anchor="ctr"/>
+          <a:lstStyle/>
+          <a:p>
+            <a:pPr algn="ctr"/>
+            <a:endParaRPr lang="fi-FI"/>
+          </a:p>
+        </p:txBody>
+      </p:sp>
+      <p:sp>
+        <p:nvSpPr>
+          <p:cNvPr id="5" name="Rectangle 4"/>
+          <p:cNvSpPr/>
+          <p:nvPr/>
+        </p:nvSpPr>
+        <p:spPr>
+          <a:xfrm>
+            <a:off x="4031326" y="2309256"/>
+            <a:ext cx="1987550" cy="209550"/>
+          </a:xfrm>
+          <a:prstGeom prst="rect">
+            <a:avLst/>
+          </a:prstGeom>
+          <a:ln w="38100">
+            <a:solidFill>
+              <a:schemeClr val="bg1"/>
+            </a:solidFill>
+          </a:ln>
+        </p:spPr>
+        <p:style>
+          <a:lnRef idx="2">
+            <a:schemeClr val="accent6"/>
+          </a:lnRef>
+          <a:fillRef idx="1">
+            <a:schemeClr val="lt1"/>
+          </a:fillRef>
+          <a:effectRef idx="0">
+            <a:schemeClr val="accent6"/>
+          </a:effectRef>
+          <a:fontRef idx="minor">
+            <a:schemeClr val="dk1"/>
+          </a:fontRef>
+        </p:style>
+        <p:txBody>
+          <a:bodyPr rtlCol="0" anchor="ctr"/>
+          <a:lstStyle/>
+          <a:p>
+            <a:pPr algn="r"/>
+            <a:r>
+              <a:rPr lang="fi-FI" dirty="0" smtClean="0"/>
+              <a:t>Turnauksen nimi</a:t>
+            </a:r>
+            <a:endParaRPr lang="fi-FI" dirty="0"/>
+          </a:p>
+        </p:txBody>
+      </p:sp>
+      <p:sp>
+        <p:nvSpPr>
+          <p:cNvPr id="6" name="Rectangle 5"/>
+          <p:cNvSpPr/>
+          <p:nvPr/>
+        </p:nvSpPr>
+        <p:spPr>
+          <a:xfrm flipV="1">
+            <a:off x="6069676" y="2645056"/>
+            <a:ext cx="2038350" cy="236218"/>
+          </a:xfrm>
+          <a:prstGeom prst="rect">
+            <a:avLst/>
+          </a:prstGeom>
+          <a:ln w="38100"/>
+        </p:spPr>
+        <p:style>
+          <a:lnRef idx="2">
+            <a:schemeClr val="accent6"/>
+          </a:lnRef>
+          <a:fillRef idx="1">
+            <a:schemeClr val="lt1"/>
+          </a:fillRef>
+          <a:effectRef idx="0">
+            <a:schemeClr val="accent6"/>
+          </a:effectRef>
+          <a:fontRef idx="minor">
+            <a:schemeClr val="dk1"/>
+          </a:fontRef>
+        </p:style>
+        <p:txBody>
+          <a:bodyPr rtlCol="0" anchor="ctr"/>
+          <a:lstStyle/>
+          <a:p>
+            <a:pPr algn="ctr"/>
+            <a:endParaRPr lang="fi-FI"/>
+          </a:p>
+        </p:txBody>
+      </p:sp>
+      <p:sp>
+        <p:nvSpPr>
+          <p:cNvPr id="7" name="Rectangle 6"/>
+          <p:cNvSpPr/>
+          <p:nvPr/>
+        </p:nvSpPr>
+        <p:spPr>
+          <a:xfrm>
+            <a:off x="4031326" y="2658390"/>
+            <a:ext cx="1987550" cy="209550"/>
+          </a:xfrm>
+          <a:prstGeom prst="rect">
+            <a:avLst/>
+          </a:prstGeom>
+          <a:ln w="38100">
+            <a:solidFill>
+              <a:schemeClr val="bg1"/>
+            </a:solidFill>
+          </a:ln>
+        </p:spPr>
+        <p:style>
+          <a:lnRef idx="2">
+            <a:schemeClr val="accent6"/>
+          </a:lnRef>
+          <a:fillRef idx="1">
+            <a:schemeClr val="lt1"/>
+          </a:fillRef>
+          <a:effectRef idx="0">
+            <a:schemeClr val="accent6"/>
+          </a:effectRef>
+          <a:fontRef idx="minor">
+            <a:schemeClr val="dk1"/>
+          </a:fontRef>
+        </p:style>
+        <p:txBody>
+          <a:bodyPr rtlCol="0" anchor="ctr"/>
+          <a:lstStyle/>
+          <a:p>
+            <a:pPr algn="r"/>
+            <a:r>
+              <a:rPr lang="fi-FI" dirty="0" smtClean="0"/>
+              <a:t>Peli</a:t>
+            </a:r>
+            <a:endParaRPr lang="fi-FI" dirty="0"/>
+          </a:p>
+        </p:txBody>
+      </p:sp>
+      <p:sp>
+        <p:nvSpPr>
+          <p:cNvPr id="10" name="Rectangle 9"/>
+          <p:cNvSpPr/>
+          <p:nvPr/>
+        </p:nvSpPr>
+        <p:spPr>
+          <a:xfrm flipV="1">
+            <a:off x="6069676" y="3007524"/>
+            <a:ext cx="2038350" cy="236218"/>
+          </a:xfrm>
+          <a:prstGeom prst="rect">
+            <a:avLst/>
+          </a:prstGeom>
+          <a:ln w="38100"/>
+        </p:spPr>
+        <p:style>
+          <a:lnRef idx="2">
+            <a:schemeClr val="accent6"/>
+          </a:lnRef>
+          <a:fillRef idx="1">
+            <a:schemeClr val="lt1"/>
+          </a:fillRef>
+          <a:effectRef idx="0">
+            <a:schemeClr val="accent6"/>
+          </a:effectRef>
+          <a:fontRef idx="minor">
+            <a:schemeClr val="dk1"/>
+          </a:fontRef>
+        </p:style>
+        <p:txBody>
+          <a:bodyPr rtlCol="0" anchor="ctr"/>
+          <a:lstStyle/>
+          <a:p>
+            <a:pPr algn="ctr"/>
+            <a:endParaRPr lang="fi-FI"/>
+          </a:p>
+        </p:txBody>
+      </p:sp>
+      <p:sp>
+        <p:nvSpPr>
+          <p:cNvPr id="11" name="Rectangle 10"/>
+          <p:cNvSpPr/>
+          <p:nvPr/>
+        </p:nvSpPr>
+        <p:spPr>
+          <a:xfrm>
+            <a:off x="4031326" y="3034192"/>
+            <a:ext cx="1987550" cy="209550"/>
+          </a:xfrm>
+          <a:prstGeom prst="rect">
+            <a:avLst/>
+          </a:prstGeom>
+          <a:ln w="38100">
+            <a:solidFill>
+              <a:schemeClr val="bg1"/>
+            </a:solidFill>
+          </a:ln>
+        </p:spPr>
+        <p:style>
+          <a:lnRef idx="2">
+            <a:schemeClr val="accent6"/>
+          </a:lnRef>
+          <a:fillRef idx="1">
+            <a:schemeClr val="lt1"/>
+          </a:fillRef>
+          <a:effectRef idx="0">
+            <a:schemeClr val="accent6"/>
+          </a:effectRef>
+          <a:fontRef idx="minor">
+            <a:schemeClr val="dk1"/>
+          </a:fontRef>
+        </p:style>
+        <p:txBody>
+          <a:bodyPr rtlCol="0" anchor="ctr"/>
+          <a:lstStyle/>
+          <a:p>
+            <a:pPr algn="r"/>
+            <a:r>
+              <a:rPr lang="fi-FI" dirty="0" smtClean="0"/>
+              <a:t>Kellonaika</a:t>
+            </a:r>
+            <a:endParaRPr lang="fi-FI" dirty="0"/>
+          </a:p>
+        </p:txBody>
+      </p:sp>
+      <p:sp>
+        <p:nvSpPr>
+          <p:cNvPr id="12" name="Rounded Rectangle 11"/>
+          <p:cNvSpPr/>
+          <p:nvPr/>
+        </p:nvSpPr>
+        <p:spPr>
+          <a:xfrm>
+            <a:off x="6122325" y="5355418"/>
+            <a:ext cx="2012025" cy="390128"/>
+          </a:xfrm>
+          <a:prstGeom prst="roundRect">
+            <a:avLst/>
+          </a:prstGeom>
+          <a:ln w="38100"/>
+        </p:spPr>
+        <p:style>
+          <a:lnRef idx="2">
+            <a:schemeClr val="accent6"/>
+          </a:lnRef>
+          <a:fillRef idx="1">
+            <a:schemeClr val="lt1"/>
+          </a:fillRef>
+          <a:effectRef idx="0">
+            <a:schemeClr val="accent6"/>
+          </a:effectRef>
+          <a:fontRef idx="minor">
+            <a:schemeClr val="dk1"/>
+          </a:fontRef>
+        </p:style>
+        <p:txBody>
+          <a:bodyPr rtlCol="0" anchor="ctr"/>
+          <a:lstStyle/>
+          <a:p>
+            <a:pPr algn="ctr"/>
+            <a:r>
+              <a:rPr lang="fi-FI" dirty="0" smtClean="0"/>
+              <a:t>Lisää turnaus</a:t>
+            </a:r>
+            <a:endParaRPr lang="fi-FI" dirty="0"/>
+          </a:p>
+        </p:txBody>
+      </p:sp>
+      <p:sp>
+        <p:nvSpPr>
+          <p:cNvPr id="13" name="Rectangle 12"/>
+          <p:cNvSpPr/>
+          <p:nvPr/>
+        </p:nvSpPr>
+        <p:spPr>
+          <a:xfrm>
+            <a:off x="3874852" y="1530984"/>
+            <a:ext cx="4441371" cy="329351"/>
+          </a:xfrm>
+          <a:prstGeom prst="rect">
+            <a:avLst/>
+          </a:prstGeom>
+          <a:ln w="38100">
+            <a:solidFill>
+              <a:schemeClr val="bg1"/>
+            </a:solidFill>
+          </a:ln>
+        </p:spPr>
+        <p:style>
+          <a:lnRef idx="2">
+            <a:schemeClr val="accent6"/>
+          </a:lnRef>
+          <a:fillRef idx="1">
+            <a:schemeClr val="lt1"/>
+          </a:fillRef>
+          <a:effectRef idx="0">
+            <a:schemeClr val="accent6"/>
+          </a:effectRef>
+          <a:fontRef idx="minor">
+            <a:schemeClr val="dk1"/>
+          </a:fontRef>
+        </p:style>
+        <p:txBody>
+          <a:bodyPr rtlCol="0" anchor="ctr"/>
+          <a:lstStyle/>
+          <a:p>
+            <a:pPr algn="ctr"/>
+            <a:r>
+              <a:rPr lang="fi-FI" sz="2400" dirty="0" smtClean="0"/>
+              <a:t>Turnauksen lisääminen</a:t>
+            </a:r>
+            <a:endParaRPr lang="fi-FI" sz="2400" dirty="0"/>
+          </a:p>
+        </p:txBody>
+      </p:sp>
+      <p:sp>
+        <p:nvSpPr>
+          <p:cNvPr id="15" name="Rectangle 14"/>
+          <p:cNvSpPr/>
+          <p:nvPr/>
+        </p:nvSpPr>
+        <p:spPr>
+          <a:xfrm flipV="1">
+            <a:off x="5087938" y="3707355"/>
+            <a:ext cx="3046412" cy="1502819"/>
+          </a:xfrm>
+          <a:prstGeom prst="rect">
+            <a:avLst/>
+          </a:prstGeom>
+          <a:ln w="38100"/>
+        </p:spPr>
+        <p:style>
+          <a:lnRef idx="2">
+            <a:schemeClr val="accent6"/>
+          </a:lnRef>
+          <a:fillRef idx="1">
+            <a:schemeClr val="lt1"/>
+          </a:fillRef>
+          <a:effectRef idx="0">
+            <a:schemeClr val="accent6"/>
+          </a:effectRef>
+          <a:fontRef idx="minor">
+            <a:schemeClr val="dk1"/>
+          </a:fontRef>
+        </p:style>
+        <p:txBody>
+          <a:bodyPr rtlCol="0" anchor="ctr"/>
+          <a:lstStyle/>
+          <a:p>
+            <a:pPr algn="ctr"/>
+            <a:endParaRPr lang="fi-FI"/>
+          </a:p>
+        </p:txBody>
+      </p:sp>
+      <p:sp>
+        <p:nvSpPr>
+          <p:cNvPr id="16" name="Rectangle 15"/>
+          <p:cNvSpPr/>
+          <p:nvPr/>
+        </p:nvSpPr>
+        <p:spPr>
+          <a:xfrm>
+            <a:off x="4031326" y="3383687"/>
+            <a:ext cx="1987550" cy="209550"/>
+          </a:xfrm>
+          <a:prstGeom prst="rect">
+            <a:avLst/>
+          </a:prstGeom>
+          <a:ln w="38100">
+            <a:solidFill>
+              <a:schemeClr val="bg1"/>
+            </a:solidFill>
+          </a:ln>
+        </p:spPr>
+        <p:style>
+          <a:lnRef idx="2">
+            <a:schemeClr val="accent6"/>
+          </a:lnRef>
+          <a:fillRef idx="1">
+            <a:schemeClr val="lt1"/>
+          </a:fillRef>
+          <a:effectRef idx="0">
+            <a:schemeClr val="accent6"/>
+          </a:effectRef>
+          <a:fontRef idx="minor">
+            <a:schemeClr val="dk1"/>
+          </a:fontRef>
+        </p:style>
+        <p:txBody>
+          <a:bodyPr rtlCol="0" anchor="ctr"/>
+          <a:lstStyle/>
+          <a:p>
+            <a:pPr algn="r"/>
+            <a:r>
+              <a:rPr lang="fi-FI" dirty="0" smtClean="0"/>
+              <a:t>Lisätietoja</a:t>
+            </a:r>
+            <a:endParaRPr lang="fi-FI" dirty="0"/>
+          </a:p>
+        </p:txBody>
+      </p:sp>
+    </p:spTree>
+    <p:extLst>
+      <p:ext uri="{BB962C8B-B14F-4D97-AF65-F5344CB8AC3E}">
+        <p14:creationId xmlns:p14="http://schemas.microsoft.com/office/powerpoint/2010/main" val="2551110592"/>
+      </p:ext>
+    </p:extLst>
+  </p:cSld>
+  <p:clrMapOvr>
+    <a:masterClrMapping/>
+  </p:clrMapOvr>
+</p:sld>
+</file>
+
+<file path=ppt/slides/slide9.xml><?xml version="1.0" encoding="utf-8"?>
+<p:sld xmlns:a="http://schemas.openxmlformats.org/drawingml/2006/main" xmlns:r="http://schemas.openxmlformats.org/officeDocument/2006/relationships" xmlns:p="http://schemas.openxmlformats.org/presentationml/2006/main">
+  <p:cSld>
+    <p:spTree>
+      <p:nvGrpSpPr>
+        <p:cNvPr id="1" name=""/>
+        <p:cNvGrpSpPr/>
+        <p:nvPr/>
+      </p:nvGrpSpPr>
+      <p:grpSpPr>
+        <a:xfrm>
+          <a:off x="0" y="0"/>
+          <a:ext cx="0" cy="0"/>
+          <a:chOff x="0" y="0"/>
+          <a:chExt cx="0" cy="0"/>
+        </a:xfrm>
+      </p:grpSpPr>
+      <p:sp>
+        <p:nvSpPr>
+          <p:cNvPr id="2" name="Rectangle 1"/>
+          <p:cNvSpPr/>
+          <p:nvPr/>
+        </p:nvSpPr>
+        <p:spPr>
+          <a:xfrm>
+            <a:off x="3039138" y="0"/>
+            <a:ext cx="6112800" cy="6858000"/>
+          </a:xfrm>
+          <a:prstGeom prst="rect">
+            <a:avLst/>
+          </a:prstGeom>
+          <a:ln w="38100"/>
+        </p:spPr>
+        <p:style>
+          <a:lnRef idx="2">
+            <a:schemeClr val="accent6"/>
+          </a:lnRef>
+          <a:fillRef idx="1">
+            <a:schemeClr val="lt1"/>
+          </a:fillRef>
+          <a:effectRef idx="0">
+            <a:schemeClr val="accent6"/>
+          </a:effectRef>
+          <a:fontRef idx="minor">
+            <a:schemeClr val="dk1"/>
+          </a:fontRef>
+        </p:style>
+        <p:txBody>
+          <a:bodyPr rtlCol="0" anchor="ctr"/>
+          <a:lstStyle/>
+          <a:p>
+            <a:pPr algn="ctr"/>
+            <a:endParaRPr lang="fi-FI"/>
+          </a:p>
+        </p:txBody>
+      </p:sp>
+      <p:sp>
+        <p:nvSpPr>
+          <p:cNvPr id="3" name="Rectangle 2"/>
+          <p:cNvSpPr/>
+          <p:nvPr/>
+        </p:nvSpPr>
+        <p:spPr>
+          <a:xfrm>
+            <a:off x="3039138" y="0"/>
+            <a:ext cx="6112800" cy="1391400"/>
+          </a:xfrm>
+          <a:prstGeom prst="rect">
+            <a:avLst/>
+          </a:prstGeom>
+          <a:ln w="38100"/>
+        </p:spPr>
+        <p:style>
+          <a:lnRef idx="2">
+            <a:schemeClr val="accent6"/>
+          </a:lnRef>
+          <a:fillRef idx="1">
+            <a:schemeClr val="lt1"/>
+          </a:fillRef>
+          <a:effectRef idx="0">
+            <a:schemeClr val="accent6"/>
+          </a:effectRef>
+          <a:fontRef idx="minor">
+            <a:schemeClr val="dk1"/>
+          </a:fontRef>
+        </p:style>
+        <p:txBody>
+          <a:bodyPr rtlCol="0" anchor="ctr"/>
+          <a:lstStyle/>
+          <a:p>
+            <a:pPr algn="ctr"/>
+            <a:endParaRPr lang="fi-FI"/>
+          </a:p>
+        </p:txBody>
+      </p:sp>
+      <p:sp>
+        <p:nvSpPr>
+          <p:cNvPr id="4" name="Rectangle 3"/>
+          <p:cNvSpPr/>
+          <p:nvPr/>
+        </p:nvSpPr>
+        <p:spPr>
+          <a:xfrm flipV="1">
+            <a:off x="6069676" y="2295922"/>
+            <a:ext cx="2038350" cy="236218"/>
+          </a:xfrm>
+          <a:prstGeom prst="rect">
+            <a:avLst/>
+          </a:prstGeom>
+          <a:ln w="38100"/>
+        </p:spPr>
+        <p:style>
+          <a:lnRef idx="2">
+            <a:schemeClr val="accent6"/>
+          </a:lnRef>
+          <a:fillRef idx="1">
+            <a:schemeClr val="lt1"/>
+          </a:fillRef>
+          <a:effectRef idx="0">
+            <a:schemeClr val="accent6"/>
+          </a:effectRef>
+          <a:fontRef idx="minor">
+            <a:schemeClr val="dk1"/>
+          </a:fontRef>
+        </p:style>
+        <p:txBody>
+          <a:bodyPr rtlCol="0" anchor="ctr"/>
+          <a:lstStyle/>
+          <a:p>
+            <a:pPr algn="ctr"/>
+            <a:endParaRPr lang="fi-FI"/>
+          </a:p>
+        </p:txBody>
+      </p:sp>
+      <p:sp>
+        <p:nvSpPr>
+          <p:cNvPr id="5" name="Rectangle 4"/>
+          <p:cNvSpPr/>
+          <p:nvPr/>
+        </p:nvSpPr>
+        <p:spPr>
+          <a:xfrm>
+            <a:off x="4031326" y="2309256"/>
+            <a:ext cx="1987550" cy="209550"/>
+          </a:xfrm>
+          <a:prstGeom prst="rect">
+            <a:avLst/>
+          </a:prstGeom>
+          <a:ln w="38100">
+            <a:solidFill>
+              <a:schemeClr val="bg1"/>
+            </a:solidFill>
+          </a:ln>
+        </p:spPr>
+        <p:style>
+          <a:lnRef idx="2">
+            <a:schemeClr val="accent6"/>
+          </a:lnRef>
+          <a:fillRef idx="1">
+            <a:schemeClr val="lt1"/>
+          </a:fillRef>
+          <a:effectRef idx="0">
+            <a:schemeClr val="accent6"/>
+          </a:effectRef>
+          <a:fontRef idx="minor">
+            <a:schemeClr val="dk1"/>
+          </a:fontRef>
+        </p:style>
+        <p:txBody>
+          <a:bodyPr rtlCol="0" anchor="ctr"/>
+          <a:lstStyle/>
+          <a:p>
+            <a:pPr algn="r"/>
+            <a:r>
+              <a:rPr lang="fi-FI" dirty="0" smtClean="0"/>
+              <a:t>Turnauksen nimi</a:t>
+            </a:r>
+            <a:endParaRPr lang="fi-FI" dirty="0"/>
+          </a:p>
+        </p:txBody>
+      </p:sp>
+      <p:sp>
+        <p:nvSpPr>
+          <p:cNvPr id="6" name="Rectangle 5"/>
+          <p:cNvSpPr/>
+          <p:nvPr/>
+        </p:nvSpPr>
+        <p:spPr>
+          <a:xfrm flipV="1">
+            <a:off x="6069676" y="2645056"/>
+            <a:ext cx="2038350" cy="236218"/>
+          </a:xfrm>
+          <a:prstGeom prst="rect">
+            <a:avLst/>
+          </a:prstGeom>
+          <a:ln w="38100"/>
+        </p:spPr>
+        <p:style>
+          <a:lnRef idx="2">
+            <a:schemeClr val="accent6"/>
+          </a:lnRef>
+          <a:fillRef idx="1">
+            <a:schemeClr val="lt1"/>
+          </a:fillRef>
+          <a:effectRef idx="0">
+            <a:schemeClr val="accent6"/>
+          </a:effectRef>
+          <a:fontRef idx="minor">
+            <a:schemeClr val="dk1"/>
+          </a:fontRef>
+        </p:style>
+        <p:txBody>
+          <a:bodyPr rtlCol="0" anchor="ctr"/>
+          <a:lstStyle/>
+          <a:p>
+            <a:pPr algn="ctr"/>
+            <a:endParaRPr lang="fi-FI"/>
+          </a:p>
+        </p:txBody>
+      </p:sp>
+      <p:sp>
+        <p:nvSpPr>
+          <p:cNvPr id="7" name="Rectangle 6"/>
+          <p:cNvSpPr/>
+          <p:nvPr/>
+        </p:nvSpPr>
+        <p:spPr>
+          <a:xfrm>
+            <a:off x="4031326" y="2658390"/>
+            <a:ext cx="1987550" cy="209550"/>
+          </a:xfrm>
+          <a:prstGeom prst="rect">
+            <a:avLst/>
+          </a:prstGeom>
+          <a:ln w="38100">
+            <a:solidFill>
+              <a:schemeClr val="bg1"/>
+            </a:solidFill>
+          </a:ln>
+        </p:spPr>
+        <p:style>
+          <a:lnRef idx="2">
+            <a:schemeClr val="accent6"/>
+          </a:lnRef>
+          <a:fillRef idx="1">
+            <a:schemeClr val="lt1"/>
+          </a:fillRef>
+          <a:effectRef idx="0">
+            <a:schemeClr val="accent6"/>
+          </a:effectRef>
+          <a:fontRef idx="minor">
+            <a:schemeClr val="dk1"/>
+          </a:fontRef>
+        </p:style>
+        <p:txBody>
+          <a:bodyPr rtlCol="0" anchor="ctr"/>
+          <a:lstStyle/>
+          <a:p>
+            <a:pPr algn="r"/>
+            <a:r>
+              <a:rPr lang="fi-FI" dirty="0" smtClean="0"/>
+              <a:t>Peli</a:t>
+            </a:r>
+            <a:endParaRPr lang="fi-FI" dirty="0"/>
+          </a:p>
+        </p:txBody>
+      </p:sp>
+      <p:sp>
+        <p:nvSpPr>
+          <p:cNvPr id="10" name="Rectangle 9"/>
+          <p:cNvSpPr/>
+          <p:nvPr/>
+        </p:nvSpPr>
+        <p:spPr>
+          <a:xfrm flipV="1">
+            <a:off x="6069676" y="3007524"/>
+            <a:ext cx="2038350" cy="236218"/>
+          </a:xfrm>
+          <a:prstGeom prst="rect">
+            <a:avLst/>
+          </a:prstGeom>
+          <a:ln w="38100"/>
+        </p:spPr>
+        <p:style>
+          <a:lnRef idx="2">
+            <a:schemeClr val="accent6"/>
+          </a:lnRef>
+          <a:fillRef idx="1">
+            <a:schemeClr val="lt1"/>
+          </a:fillRef>
+          <a:effectRef idx="0">
+            <a:schemeClr val="accent6"/>
+          </a:effectRef>
+          <a:fontRef idx="minor">
+            <a:schemeClr val="dk1"/>
+          </a:fontRef>
+        </p:style>
+        <p:txBody>
+          <a:bodyPr rtlCol="0" anchor="ctr"/>
+          <a:lstStyle/>
+          <a:p>
+            <a:pPr algn="ctr"/>
+            <a:endParaRPr lang="fi-FI"/>
+          </a:p>
+        </p:txBody>
+      </p:sp>
+      <p:sp>
+        <p:nvSpPr>
+          <p:cNvPr id="11" name="Rectangle 10"/>
+          <p:cNvSpPr/>
+          <p:nvPr/>
+        </p:nvSpPr>
+        <p:spPr>
+          <a:xfrm>
+            <a:off x="4031326" y="3034192"/>
+            <a:ext cx="1987550" cy="209550"/>
+          </a:xfrm>
+          <a:prstGeom prst="rect">
+            <a:avLst/>
+          </a:prstGeom>
+          <a:ln w="38100">
+            <a:solidFill>
+              <a:schemeClr val="bg1"/>
+            </a:solidFill>
+          </a:ln>
+        </p:spPr>
+        <p:style>
+          <a:lnRef idx="2">
+            <a:schemeClr val="accent6"/>
+          </a:lnRef>
+          <a:fillRef idx="1">
+            <a:schemeClr val="lt1"/>
+          </a:fillRef>
+          <a:effectRef idx="0">
+            <a:schemeClr val="accent6"/>
+          </a:effectRef>
+          <a:fontRef idx="minor">
+            <a:schemeClr val="dk1"/>
+          </a:fontRef>
+        </p:style>
+        <p:txBody>
+          <a:bodyPr rtlCol="0" anchor="ctr"/>
+          <a:lstStyle/>
+          <a:p>
+            <a:pPr algn="r"/>
+            <a:r>
+              <a:rPr lang="fi-FI" dirty="0" smtClean="0"/>
+              <a:t>Kellonaika</a:t>
+            </a:r>
+            <a:endParaRPr lang="fi-FI" dirty="0"/>
+          </a:p>
+        </p:txBody>
+      </p:sp>
+      <p:sp>
+        <p:nvSpPr>
+          <p:cNvPr id="12" name="Rounded Rectangle 11"/>
+          <p:cNvSpPr/>
+          <p:nvPr/>
+        </p:nvSpPr>
+        <p:spPr>
+          <a:xfrm>
+            <a:off x="6010276" y="5448895"/>
+            <a:ext cx="2097750" cy="390128"/>
+          </a:xfrm>
+          <a:prstGeom prst="roundRect">
+            <a:avLst/>
+          </a:prstGeom>
+          <a:ln w="38100"/>
+        </p:spPr>
+        <p:style>
+          <a:lnRef idx="2">
+            <a:schemeClr val="accent6"/>
+          </a:lnRef>
+          <a:fillRef idx="1">
+            <a:schemeClr val="lt1"/>
+          </a:fillRef>
+          <a:effectRef idx="0">
+            <a:schemeClr val="accent6"/>
+          </a:effectRef>
+          <a:fontRef idx="minor">
+            <a:schemeClr val="dk1"/>
+          </a:fontRef>
+        </p:style>
+        <p:txBody>
+          <a:bodyPr rtlCol="0" anchor="ctr"/>
+          <a:lstStyle/>
+          <a:p>
+            <a:pPr algn="ctr"/>
+            <a:r>
+              <a:rPr lang="fi-FI" dirty="0" smtClean="0"/>
+              <a:t>Muokkaa turnausta</a:t>
+            </a:r>
+            <a:endParaRPr lang="fi-FI" dirty="0"/>
+          </a:p>
+        </p:txBody>
+      </p:sp>
+      <p:sp>
+        <p:nvSpPr>
+          <p:cNvPr id="13" name="Rectangle 12"/>
+          <p:cNvSpPr/>
+          <p:nvPr/>
+        </p:nvSpPr>
+        <p:spPr>
+          <a:xfrm>
+            <a:off x="3874852" y="1530984"/>
+            <a:ext cx="4441371" cy="329351"/>
+          </a:xfrm>
+          <a:prstGeom prst="rect">
+            <a:avLst/>
+          </a:prstGeom>
+          <a:ln w="38100">
+            <a:solidFill>
+              <a:schemeClr val="bg1"/>
+            </a:solidFill>
+          </a:ln>
+        </p:spPr>
+        <p:style>
+          <a:lnRef idx="2">
+            <a:schemeClr val="accent6"/>
+          </a:lnRef>
+          <a:fillRef idx="1">
+            <a:schemeClr val="lt1"/>
+          </a:fillRef>
+          <a:effectRef idx="0">
+            <a:schemeClr val="accent6"/>
+          </a:effectRef>
+          <a:fontRef idx="minor">
+            <a:schemeClr val="dk1"/>
+          </a:fontRef>
+        </p:style>
+        <p:txBody>
+          <a:bodyPr rtlCol="0" anchor="ctr"/>
+          <a:lstStyle/>
+          <a:p>
+            <a:pPr algn="ctr"/>
+            <a:r>
+              <a:rPr lang="fi-FI" sz="2400" dirty="0" smtClean="0"/>
+              <a:t>Turnauksen muokkaaminen</a:t>
+            </a:r>
+            <a:endParaRPr lang="fi-FI" sz="2400" dirty="0"/>
+          </a:p>
+        </p:txBody>
+      </p:sp>
+      <p:sp>
+        <p:nvSpPr>
+          <p:cNvPr id="15" name="Rectangle 14"/>
+          <p:cNvSpPr/>
+          <p:nvPr/>
+        </p:nvSpPr>
+        <p:spPr>
+          <a:xfrm flipV="1">
+            <a:off x="5087938" y="3707355"/>
+            <a:ext cx="3046412" cy="1502819"/>
+          </a:xfrm>
+          <a:prstGeom prst="rect">
+            <a:avLst/>
+          </a:prstGeom>
+          <a:ln w="38100"/>
+        </p:spPr>
+        <p:style>
+          <a:lnRef idx="2">
+            <a:schemeClr val="accent6"/>
+          </a:lnRef>
+          <a:fillRef idx="1">
+            <a:schemeClr val="lt1"/>
+          </a:fillRef>
+          <a:effectRef idx="0">
+            <a:schemeClr val="accent6"/>
+          </a:effectRef>
+          <a:fontRef idx="minor">
+            <a:schemeClr val="dk1"/>
+          </a:fontRef>
+        </p:style>
+        <p:txBody>
+          <a:bodyPr rtlCol="0" anchor="ctr"/>
+          <a:lstStyle/>
+          <a:p>
+            <a:pPr algn="ctr"/>
+            <a:endParaRPr lang="fi-FI"/>
+          </a:p>
+        </p:txBody>
+      </p:sp>
+      <p:sp>
+        <p:nvSpPr>
+          <p:cNvPr id="16" name="Rectangle 15"/>
+          <p:cNvSpPr/>
+          <p:nvPr/>
+        </p:nvSpPr>
+        <p:spPr>
+          <a:xfrm>
+            <a:off x="4031326" y="3383687"/>
+            <a:ext cx="1987550" cy="209550"/>
+          </a:xfrm>
+          <a:prstGeom prst="rect">
+            <a:avLst/>
+          </a:prstGeom>
+          <a:ln w="38100">
+            <a:solidFill>
+              <a:schemeClr val="bg1"/>
+            </a:solidFill>
+          </a:ln>
+        </p:spPr>
+        <p:style>
+          <a:lnRef idx="2">
+            <a:schemeClr val="accent6"/>
+          </a:lnRef>
+          <a:fillRef idx="1">
+            <a:schemeClr val="lt1"/>
+          </a:fillRef>
+          <a:effectRef idx="0">
+            <a:schemeClr val="accent6"/>
+          </a:effectRef>
+          <a:fontRef idx="minor">
+            <a:schemeClr val="dk1"/>
+          </a:fontRef>
+        </p:style>
+        <p:txBody>
+          <a:bodyPr rtlCol="0" anchor="ctr"/>
+          <a:lstStyle/>
+          <a:p>
+            <a:pPr algn="r"/>
+            <a:r>
+              <a:rPr lang="fi-FI" dirty="0" smtClean="0"/>
+              <a:t>Lisätietoja</a:t>
+            </a:r>
+            <a:endParaRPr lang="fi-FI" dirty="0"/>
+          </a:p>
+        </p:txBody>
+      </p:sp>
+      <p:sp>
+        <p:nvSpPr>
+          <p:cNvPr id="14" name="Rounded Rectangle 13"/>
+          <p:cNvSpPr/>
+          <p:nvPr/>
+        </p:nvSpPr>
+        <p:spPr>
+          <a:xfrm>
+            <a:off x="4057650" y="5448895"/>
+            <a:ext cx="1847850" cy="390128"/>
+          </a:xfrm>
+          <a:prstGeom prst="roundRect">
+            <a:avLst/>
+          </a:prstGeom>
+          <a:ln w="38100"/>
+        </p:spPr>
+        <p:style>
+          <a:lnRef idx="2">
+            <a:schemeClr val="accent6"/>
+          </a:lnRef>
+          <a:fillRef idx="1">
+            <a:schemeClr val="lt1"/>
+          </a:fillRef>
+          <a:effectRef idx="0">
+            <a:schemeClr val="accent6"/>
+          </a:effectRef>
+          <a:fontRef idx="minor">
+            <a:schemeClr val="dk1"/>
+          </a:fontRef>
+        </p:style>
+        <p:txBody>
+          <a:bodyPr rtlCol="0" anchor="ctr"/>
+          <a:lstStyle/>
+          <a:p>
+            <a:pPr algn="ctr"/>
+            <a:r>
+              <a:rPr lang="fi-FI" dirty="0" smtClean="0"/>
+              <a:t>Peruuta</a:t>
+            </a:r>
+            <a:endParaRPr lang="fi-FI" dirty="0"/>
+          </a:p>
+        </p:txBody>
+      </p:sp>
+    </p:spTree>
+    <p:extLst>
+      <p:ext uri="{BB962C8B-B14F-4D97-AF65-F5344CB8AC3E}">
+        <p14:creationId xmlns:p14="http://schemas.microsoft.com/office/powerpoint/2010/main" val="2169034506"/>
       </p:ext>
     </p:extLst>
   </p:cSld>

--- a/laniprojekti/Käyttötapaukset.pptx
+++ b/laniprojekti/Käyttötapaukset.pptx
@@ -7,13 +7,13 @@
   <p:sldIdLst>
     <p:sldId id="258" r:id="rId2"/>
     <p:sldId id="257" r:id="rId3"/>
-    <p:sldId id="263" r:id="rId4"/>
-    <p:sldId id="262" r:id="rId5"/>
+    <p:sldId id="268" r:id="rId4"/>
+    <p:sldId id="263" r:id="rId5"/>
     <p:sldId id="259" r:id="rId6"/>
-    <p:sldId id="264" r:id="rId7"/>
-    <p:sldId id="266" r:id="rId8"/>
-    <p:sldId id="265" r:id="rId9"/>
-    <p:sldId id="267" r:id="rId10"/>
+    <p:sldId id="265" r:id="rId7"/>
+    <p:sldId id="264" r:id="rId8"/>
+    <p:sldId id="267" r:id="rId9"/>
+    <p:sldId id="266" r:id="rId10"/>
   </p:sldIdLst>
   <p:sldSz cx="12192000" cy="6858000"/>
   <p:notesSz cx="6858000" cy="9144000"/>
@@ -319,7 +319,7 @@
           <a:p>
             <a:fld id="{C9F0D36D-8513-49C1-AAF5-DCDAB19C742C}" type="datetimeFigureOut">
               <a:rPr lang="en-US" smtClean="0"/>
-              <a:t>2/23/2018</a:t>
+              <a:t>3/8/2018</a:t>
             </a:fld>
             <a:endParaRPr lang="en-US"/>
           </a:p>
@@ -487,7 +487,7 @@
           <a:p>
             <a:fld id="{C9F0D36D-8513-49C1-AAF5-DCDAB19C742C}" type="datetimeFigureOut">
               <a:rPr lang="en-US" smtClean="0"/>
-              <a:t>2/23/2018</a:t>
+              <a:t>3/8/2018</a:t>
             </a:fld>
             <a:endParaRPr lang="en-US"/>
           </a:p>
@@ -665,7 +665,7 @@
           <a:p>
             <a:fld id="{C9F0D36D-8513-49C1-AAF5-DCDAB19C742C}" type="datetimeFigureOut">
               <a:rPr lang="en-US" smtClean="0"/>
-              <a:t>2/23/2018</a:t>
+              <a:t>3/8/2018</a:t>
             </a:fld>
             <a:endParaRPr lang="en-US"/>
           </a:p>
@@ -833,7 +833,7 @@
           <a:p>
             <a:fld id="{C9F0D36D-8513-49C1-AAF5-DCDAB19C742C}" type="datetimeFigureOut">
               <a:rPr lang="en-US" smtClean="0"/>
-              <a:t>2/23/2018</a:t>
+              <a:t>3/8/2018</a:t>
             </a:fld>
             <a:endParaRPr lang="en-US"/>
           </a:p>
@@ -1078,7 +1078,7 @@
           <a:p>
             <a:fld id="{C9F0D36D-8513-49C1-AAF5-DCDAB19C742C}" type="datetimeFigureOut">
               <a:rPr lang="en-US" smtClean="0"/>
-              <a:t>2/23/2018</a:t>
+              <a:t>3/8/2018</a:t>
             </a:fld>
             <a:endParaRPr lang="en-US"/>
           </a:p>
@@ -1307,7 +1307,7 @@
           <a:p>
             <a:fld id="{C9F0D36D-8513-49C1-AAF5-DCDAB19C742C}" type="datetimeFigureOut">
               <a:rPr lang="en-US" smtClean="0"/>
-              <a:t>2/23/2018</a:t>
+              <a:t>3/8/2018</a:t>
             </a:fld>
             <a:endParaRPr lang="en-US"/>
           </a:p>
@@ -1671,7 +1671,7 @@
           <a:p>
             <a:fld id="{C9F0D36D-8513-49C1-AAF5-DCDAB19C742C}" type="datetimeFigureOut">
               <a:rPr lang="en-US" smtClean="0"/>
-              <a:t>2/23/2018</a:t>
+              <a:t>3/8/2018</a:t>
             </a:fld>
             <a:endParaRPr lang="en-US"/>
           </a:p>
@@ -1788,7 +1788,7 @@
           <a:p>
             <a:fld id="{C9F0D36D-8513-49C1-AAF5-DCDAB19C742C}" type="datetimeFigureOut">
               <a:rPr lang="en-US" smtClean="0"/>
-              <a:t>2/23/2018</a:t>
+              <a:t>3/8/2018</a:t>
             </a:fld>
             <a:endParaRPr lang="en-US"/>
           </a:p>
@@ -1883,7 +1883,7 @@
           <a:p>
             <a:fld id="{C9F0D36D-8513-49C1-AAF5-DCDAB19C742C}" type="datetimeFigureOut">
               <a:rPr lang="en-US" smtClean="0"/>
-              <a:t>2/23/2018</a:t>
+              <a:t>3/8/2018</a:t>
             </a:fld>
             <a:endParaRPr lang="en-US"/>
           </a:p>
@@ -2158,7 +2158,7 @@
           <a:p>
             <a:fld id="{C9F0D36D-8513-49C1-AAF5-DCDAB19C742C}" type="datetimeFigureOut">
               <a:rPr lang="en-US" smtClean="0"/>
-              <a:t>2/23/2018</a:t>
+              <a:t>3/8/2018</a:t>
             </a:fld>
             <a:endParaRPr lang="en-US"/>
           </a:p>
@@ -2410,7 +2410,7 @@
           <a:p>
             <a:fld id="{C9F0D36D-8513-49C1-AAF5-DCDAB19C742C}" type="datetimeFigureOut">
               <a:rPr lang="en-US" smtClean="0"/>
-              <a:t>2/23/2018</a:t>
+              <a:t>3/8/2018</a:t>
             </a:fld>
             <a:endParaRPr lang="en-US"/>
           </a:p>
@@ -2621,7 +2621,7 @@
           <a:p>
             <a:fld id="{C9F0D36D-8513-49C1-AAF5-DCDAB19C742C}" type="datetimeFigureOut">
               <a:rPr lang="en-US" smtClean="0"/>
-              <a:t>2/23/2018</a:t>
+              <a:t>3/8/2018</a:t>
             </a:fld>
             <a:endParaRPr lang="en-US"/>
           </a:p>
@@ -3285,7 +3285,7 @@
         <p:spPr>
           <a:xfrm flipV="1">
             <a:off x="6096000" y="2892403"/>
-            <a:ext cx="219075" cy="236218"/>
+            <a:ext cx="2038350" cy="236218"/>
           </a:xfrm>
           <a:prstGeom prst="rect">
             <a:avLst/>
@@ -3456,7 +3456,7 @@
         </p:nvSpPr>
         <p:spPr>
           <a:xfrm>
-            <a:off x="6096000" y="3850217"/>
+            <a:off x="6083878" y="4056985"/>
             <a:ext cx="2038350" cy="379142"/>
           </a:xfrm>
           <a:prstGeom prst="roundRect">
@@ -3535,6 +3535,178 @@
               <a:t>Ilmoittautuminen</a:t>
             </a:r>
             <a:endParaRPr lang="fi-FI" sz="2400" dirty="0"/>
+          </a:p>
+        </p:txBody>
+      </p:sp>
+      <p:sp>
+        <p:nvSpPr>
+          <p:cNvPr id="16" name="Isosceles Triangle 15"/>
+          <p:cNvSpPr/>
+          <p:nvPr/>
+        </p:nvSpPr>
+        <p:spPr>
+          <a:xfrm flipV="1">
+            <a:off x="7909907" y="2963573"/>
+            <a:ext cx="161752" cy="118109"/>
+          </a:xfrm>
+          <a:prstGeom prst="triangle">
+            <a:avLst/>
+          </a:prstGeom>
+          <a:ln w="38100"/>
+        </p:spPr>
+        <p:style>
+          <a:lnRef idx="2">
+            <a:schemeClr val="accent6"/>
+          </a:lnRef>
+          <a:fillRef idx="1">
+            <a:schemeClr val="lt1"/>
+          </a:fillRef>
+          <a:effectRef idx="0">
+            <a:schemeClr val="accent6"/>
+          </a:effectRef>
+          <a:fontRef idx="minor">
+            <a:schemeClr val="dk1"/>
+          </a:fontRef>
+        </p:style>
+        <p:txBody>
+          <a:bodyPr rtlCol="0" anchor="ctr"/>
+          <a:lstStyle/>
+          <a:p>
+            <a:pPr algn="ctr"/>
+            <a:endParaRPr lang="en-US">
+              <a:solidFill>
+                <a:schemeClr val="dk1"/>
+              </a:solidFill>
+            </a:endParaRPr>
+          </a:p>
+        </p:txBody>
+      </p:sp>
+      <p:sp>
+        <p:nvSpPr>
+          <p:cNvPr id="17" name="Rectangle 16"/>
+          <p:cNvSpPr/>
+          <p:nvPr/>
+        </p:nvSpPr>
+        <p:spPr>
+          <a:xfrm flipV="1">
+            <a:off x="6096000" y="3662595"/>
+            <a:ext cx="2038350" cy="236218"/>
+          </a:xfrm>
+          <a:prstGeom prst="rect">
+            <a:avLst/>
+          </a:prstGeom>
+          <a:ln w="38100"/>
+        </p:spPr>
+        <p:style>
+          <a:lnRef idx="2">
+            <a:schemeClr val="accent6"/>
+          </a:lnRef>
+          <a:fillRef idx="1">
+            <a:schemeClr val="lt1"/>
+          </a:fillRef>
+          <a:effectRef idx="0">
+            <a:schemeClr val="accent6"/>
+          </a:effectRef>
+          <a:fontRef idx="minor">
+            <a:schemeClr val="dk1"/>
+          </a:fontRef>
+        </p:style>
+        <p:txBody>
+          <a:bodyPr rtlCol="0" anchor="ctr"/>
+          <a:lstStyle/>
+          <a:p>
+            <a:pPr algn="ctr"/>
+            <a:endParaRPr lang="fi-FI"/>
+          </a:p>
+        </p:txBody>
+      </p:sp>
+      <p:sp>
+        <p:nvSpPr>
+          <p:cNvPr id="18" name="Rectangle 17"/>
+          <p:cNvSpPr/>
+          <p:nvPr/>
+        </p:nvSpPr>
+        <p:spPr>
+          <a:xfrm>
+            <a:off x="4057650" y="3689263"/>
+            <a:ext cx="1987550" cy="209550"/>
+          </a:xfrm>
+          <a:prstGeom prst="rect">
+            <a:avLst/>
+          </a:prstGeom>
+          <a:ln w="38100">
+            <a:solidFill>
+              <a:schemeClr val="bg1"/>
+            </a:solidFill>
+          </a:ln>
+        </p:spPr>
+        <p:style>
+          <a:lnRef idx="2">
+            <a:schemeClr val="accent6"/>
+          </a:lnRef>
+          <a:fillRef idx="1">
+            <a:schemeClr val="lt1"/>
+          </a:fillRef>
+          <a:effectRef idx="0">
+            <a:schemeClr val="accent6"/>
+          </a:effectRef>
+          <a:fontRef idx="minor">
+            <a:schemeClr val="dk1"/>
+          </a:fontRef>
+        </p:style>
+        <p:txBody>
+          <a:bodyPr rtlCol="0" anchor="ctr"/>
+          <a:lstStyle/>
+          <a:p>
+            <a:pPr algn="r"/>
+            <a:r>
+              <a:rPr lang="fi-FI" dirty="0" smtClean="0"/>
+              <a:t>Konepaikka</a:t>
+            </a:r>
+            <a:endParaRPr lang="fi-FI" dirty="0"/>
+          </a:p>
+        </p:txBody>
+      </p:sp>
+      <p:sp>
+        <p:nvSpPr>
+          <p:cNvPr id="19" name="Isosceles Triangle 18"/>
+          <p:cNvSpPr/>
+          <p:nvPr/>
+        </p:nvSpPr>
+        <p:spPr>
+          <a:xfrm flipV="1">
+            <a:off x="7909907" y="3721649"/>
+            <a:ext cx="161752" cy="118109"/>
+          </a:xfrm>
+          <a:prstGeom prst="triangle">
+            <a:avLst/>
+          </a:prstGeom>
+          <a:ln w="38100"/>
+        </p:spPr>
+        <p:style>
+          <a:lnRef idx="2">
+            <a:schemeClr val="accent6"/>
+          </a:lnRef>
+          <a:fillRef idx="1">
+            <a:schemeClr val="lt1"/>
+          </a:fillRef>
+          <a:effectRef idx="0">
+            <a:schemeClr val="accent6"/>
+          </a:effectRef>
+          <a:fontRef idx="minor">
+            <a:schemeClr val="dk1"/>
+          </a:fontRef>
+        </p:style>
+        <p:txBody>
+          <a:bodyPr rtlCol="0" anchor="ctr"/>
+          <a:lstStyle/>
+          <a:p>
+            <a:pPr algn="ctr"/>
+            <a:endParaRPr lang="en-US">
+              <a:solidFill>
+                <a:schemeClr val="dk1"/>
+              </a:solidFill>
+            </a:endParaRPr>
           </a:p>
         </p:txBody>
       </p:sp>
@@ -4888,7 +5060,7 @@
         </p:nvSpPr>
         <p:spPr>
           <a:xfrm>
-            <a:off x="3039138" y="0"/>
+            <a:off x="3039600" y="0"/>
             <a:ext cx="6112800" cy="6858000"/>
           </a:xfrm>
           <a:prstGeom prst="rect">
@@ -4927,7 +5099,7 @@
         </p:nvSpPr>
         <p:spPr>
           <a:xfrm>
-            <a:off x="3039138" y="0"/>
+            <a:off x="3039600" y="0"/>
             <a:ext cx="6112800" cy="1391400"/>
           </a:xfrm>
           <a:prstGeom prst="rect">
@@ -4960,14 +5132,53 @@
       </p:sp>
       <p:sp>
         <p:nvSpPr>
+          <p:cNvPr id="4" name="Rectangle 3"/>
+          <p:cNvSpPr/>
+          <p:nvPr/>
+        </p:nvSpPr>
+        <p:spPr>
+          <a:xfrm flipV="1">
+            <a:off x="6096000" y="2167467"/>
+            <a:ext cx="2038350" cy="236218"/>
+          </a:xfrm>
+          <a:prstGeom prst="rect">
+            <a:avLst/>
+          </a:prstGeom>
+          <a:ln w="38100"/>
+        </p:spPr>
+        <p:style>
+          <a:lnRef idx="2">
+            <a:schemeClr val="accent6"/>
+          </a:lnRef>
+          <a:fillRef idx="1">
+            <a:schemeClr val="lt1"/>
+          </a:fillRef>
+          <a:effectRef idx="0">
+            <a:schemeClr val="accent6"/>
+          </a:effectRef>
+          <a:fontRef idx="minor">
+            <a:schemeClr val="dk1"/>
+          </a:fontRef>
+        </p:style>
+        <p:txBody>
+          <a:bodyPr rtlCol="0" anchor="ctr"/>
+          <a:lstStyle/>
+          <a:p>
+            <a:pPr algn="ctr"/>
+            <a:endParaRPr lang="fi-FI"/>
+          </a:p>
+        </p:txBody>
+      </p:sp>
+      <p:sp>
+        <p:nvSpPr>
           <p:cNvPr id="5" name="Rectangle 4"/>
           <p:cNvSpPr/>
           <p:nvPr/>
         </p:nvSpPr>
         <p:spPr>
           <a:xfrm>
-            <a:off x="4082588" y="1505702"/>
-            <a:ext cx="2267412" cy="339608"/>
+            <a:off x="4057650" y="2180801"/>
+            <a:ext cx="1987550" cy="209550"/>
           </a:xfrm>
           <a:prstGeom prst="rect">
             <a:avLst/>
@@ -4996,9 +5207,10 @@
           <a:bodyPr rtlCol="0" anchor="ctr"/>
           <a:lstStyle/>
           <a:p>
-            <a:r>
-              <a:rPr lang="fi-FI" sz="2400" dirty="0" smtClean="0"/>
-              <a:t>Ilmoittautumiset</a:t>
+            <a:pPr algn="r"/>
+            <a:r>
+              <a:rPr lang="fi-FI" dirty="0" smtClean="0"/>
+              <a:t>Sähköposti</a:t>
             </a:r>
             <a:endParaRPr lang="fi-FI" dirty="0"/>
           </a:p>
@@ -5006,13 +5218,52 @@
       </p:sp>
       <p:sp>
         <p:nvSpPr>
-          <p:cNvPr id="14" name="Rectangle 13"/>
-          <p:cNvSpPr/>
-          <p:nvPr/>
-        </p:nvSpPr>
-        <p:spPr>
-          <a:xfrm>
-            <a:off x="4057188" y="2432210"/>
+          <p:cNvPr id="6" name="Rectangle 5"/>
+          <p:cNvSpPr/>
+          <p:nvPr/>
+        </p:nvSpPr>
+        <p:spPr>
+          <a:xfrm flipV="1">
+            <a:off x="6096000" y="2516601"/>
+            <a:ext cx="2038350" cy="236218"/>
+          </a:xfrm>
+          <a:prstGeom prst="rect">
+            <a:avLst/>
+          </a:prstGeom>
+          <a:ln w="38100"/>
+        </p:spPr>
+        <p:style>
+          <a:lnRef idx="2">
+            <a:schemeClr val="accent6"/>
+          </a:lnRef>
+          <a:fillRef idx="1">
+            <a:schemeClr val="lt1"/>
+          </a:fillRef>
+          <a:effectRef idx="0">
+            <a:schemeClr val="accent6"/>
+          </a:effectRef>
+          <a:fontRef idx="minor">
+            <a:schemeClr val="dk1"/>
+          </a:fontRef>
+        </p:style>
+        <p:txBody>
+          <a:bodyPr rtlCol="0" anchor="ctr"/>
+          <a:lstStyle/>
+          <a:p>
+            <a:pPr algn="ctr"/>
+            <a:endParaRPr lang="fi-FI"/>
+          </a:p>
+        </p:txBody>
+      </p:sp>
+      <p:sp>
+        <p:nvSpPr>
+          <p:cNvPr id="7" name="Rectangle 6"/>
+          <p:cNvSpPr/>
+          <p:nvPr/>
+        </p:nvSpPr>
+        <p:spPr>
+          <a:xfrm>
+            <a:off x="4057650" y="2529935"/>
             <a:ext cx="1987550" cy="209550"/>
           </a:xfrm>
           <a:prstGeom prst="rect">
@@ -5042,6 +5293,7 @@
           <a:bodyPr rtlCol="0" anchor="ctr"/>
           <a:lstStyle/>
           <a:p>
+            <a:pPr algn="r"/>
             <a:r>
               <a:rPr lang="fi-FI" dirty="0" smtClean="0"/>
               <a:t>Puhelinnumero</a:t>
@@ -5052,14 +5304,53 @@
       </p:sp>
       <p:sp>
         <p:nvSpPr>
-          <p:cNvPr id="15" name="Rectangle 14"/>
-          <p:cNvSpPr/>
-          <p:nvPr/>
-        </p:nvSpPr>
-        <p:spPr>
-          <a:xfrm>
-            <a:off x="4057188" y="2086372"/>
-            <a:ext cx="1987550" cy="209550"/>
+          <p:cNvPr id="8" name="Rectangle 7"/>
+          <p:cNvSpPr/>
+          <p:nvPr/>
+        </p:nvSpPr>
+        <p:spPr>
+          <a:xfrm flipV="1">
+            <a:off x="6096000" y="2892403"/>
+            <a:ext cx="2038350" cy="236218"/>
+          </a:xfrm>
+          <a:prstGeom prst="rect">
+            <a:avLst/>
+          </a:prstGeom>
+          <a:ln w="38100"/>
+        </p:spPr>
+        <p:style>
+          <a:lnRef idx="2">
+            <a:schemeClr val="accent6"/>
+          </a:lnRef>
+          <a:fillRef idx="1">
+            <a:schemeClr val="lt1"/>
+          </a:fillRef>
+          <a:effectRef idx="0">
+            <a:schemeClr val="accent6"/>
+          </a:effectRef>
+          <a:fontRef idx="minor">
+            <a:schemeClr val="dk1"/>
+          </a:fontRef>
+        </p:style>
+        <p:txBody>
+          <a:bodyPr rtlCol="0" anchor="ctr"/>
+          <a:lstStyle/>
+          <a:p>
+            <a:pPr algn="ctr"/>
+            <a:endParaRPr lang="fi-FI"/>
+          </a:p>
+        </p:txBody>
+      </p:sp>
+      <p:sp>
+        <p:nvSpPr>
+          <p:cNvPr id="9" name="Rectangle 8"/>
+          <p:cNvSpPr/>
+          <p:nvPr/>
+        </p:nvSpPr>
+        <p:spPr>
+          <a:xfrm>
+            <a:off x="3258675" y="2879069"/>
+            <a:ext cx="2786525" cy="236217"/>
           </a:xfrm>
           <a:prstGeom prst="rect">
             <a:avLst/>
@@ -5088,9 +5379,10 @@
           <a:bodyPr rtlCol="0" anchor="ctr"/>
           <a:lstStyle/>
           <a:p>
+            <a:pPr algn="r"/>
             <a:r>
               <a:rPr lang="fi-FI" dirty="0" smtClean="0"/>
-              <a:t>Käyttäjä nro 1</a:t>
+              <a:t>Turnaukseen osallistuminen</a:t>
             </a:r>
             <a:endParaRPr lang="fi-FI" dirty="0"/>
           </a:p>
@@ -5098,13 +5390,52 @@
       </p:sp>
       <p:sp>
         <p:nvSpPr>
-          <p:cNvPr id="16" name="Rectangle 15"/>
-          <p:cNvSpPr/>
-          <p:nvPr/>
-        </p:nvSpPr>
-        <p:spPr>
-          <a:xfrm>
-            <a:off x="6095538" y="2086372"/>
+          <p:cNvPr id="13" name="Rectangle 12"/>
+          <p:cNvSpPr/>
+          <p:nvPr/>
+        </p:nvSpPr>
+        <p:spPr>
+          <a:xfrm flipV="1">
+            <a:off x="6096000" y="3268205"/>
+            <a:ext cx="2038350" cy="236218"/>
+          </a:xfrm>
+          <a:prstGeom prst="rect">
+            <a:avLst/>
+          </a:prstGeom>
+          <a:ln w="38100"/>
+        </p:spPr>
+        <p:style>
+          <a:lnRef idx="2">
+            <a:schemeClr val="accent6"/>
+          </a:lnRef>
+          <a:fillRef idx="1">
+            <a:schemeClr val="lt1"/>
+          </a:fillRef>
+          <a:effectRef idx="0">
+            <a:schemeClr val="accent6"/>
+          </a:effectRef>
+          <a:fontRef idx="minor">
+            <a:schemeClr val="dk1"/>
+          </a:fontRef>
+        </p:style>
+        <p:txBody>
+          <a:bodyPr rtlCol="0" anchor="ctr"/>
+          <a:lstStyle/>
+          <a:p>
+            <a:pPr algn="ctr"/>
+            <a:endParaRPr lang="fi-FI"/>
+          </a:p>
+        </p:txBody>
+      </p:sp>
+      <p:sp>
+        <p:nvSpPr>
+          <p:cNvPr id="14" name="Rectangle 13"/>
+          <p:cNvSpPr/>
+          <p:nvPr/>
+        </p:nvSpPr>
+        <p:spPr>
+          <a:xfrm>
+            <a:off x="4057650" y="3294873"/>
             <a:ext cx="1987550" cy="209550"/>
           </a:xfrm>
           <a:prstGeom prst="rect">
@@ -5134,9 +5465,10 @@
           <a:bodyPr rtlCol="0" anchor="ctr"/>
           <a:lstStyle/>
           <a:p>
+            <a:pPr algn="r"/>
             <a:r>
               <a:rPr lang="fi-FI" dirty="0" smtClean="0"/>
-              <a:t>Sähköposti</a:t>
+              <a:t>Puhelinnumero</a:t>
             </a:r>
             <a:endParaRPr lang="fi-FI" dirty="0"/>
           </a:p>
@@ -5144,14 +5476,57 @@
       </p:sp>
       <p:sp>
         <p:nvSpPr>
-          <p:cNvPr id="17" name="Rectangle 16"/>
-          <p:cNvSpPr/>
-          <p:nvPr/>
-        </p:nvSpPr>
-        <p:spPr>
-          <a:xfrm>
-            <a:off x="6095538" y="2432210"/>
-            <a:ext cx="1987550" cy="209550"/>
+          <p:cNvPr id="10" name="Rounded Rectangle 9"/>
+          <p:cNvSpPr/>
+          <p:nvPr/>
+        </p:nvSpPr>
+        <p:spPr>
+          <a:xfrm>
+            <a:off x="6096000" y="4083653"/>
+            <a:ext cx="2233353" cy="379142"/>
+          </a:xfrm>
+          <a:prstGeom prst="roundRect">
+            <a:avLst/>
+          </a:prstGeom>
+          <a:ln w="38100"/>
+        </p:spPr>
+        <p:style>
+          <a:lnRef idx="2">
+            <a:schemeClr val="accent6"/>
+          </a:lnRef>
+          <a:fillRef idx="1">
+            <a:schemeClr val="lt1"/>
+          </a:fillRef>
+          <a:effectRef idx="0">
+            <a:schemeClr val="accent6"/>
+          </a:effectRef>
+          <a:fontRef idx="minor">
+            <a:schemeClr val="dk1"/>
+          </a:fontRef>
+        </p:style>
+        <p:txBody>
+          <a:bodyPr rtlCol="0" anchor="ctr"/>
+          <a:lstStyle/>
+          <a:p>
+            <a:pPr algn="ctr"/>
+            <a:r>
+              <a:rPr lang="fi-FI" dirty="0" smtClean="0"/>
+              <a:t>Tallenna muutokset</a:t>
+            </a:r>
+            <a:endParaRPr lang="fi-FI" dirty="0"/>
+          </a:p>
+        </p:txBody>
+      </p:sp>
+      <p:sp>
+        <p:nvSpPr>
+          <p:cNvPr id="15" name="Rectangle 14"/>
+          <p:cNvSpPr/>
+          <p:nvPr/>
+        </p:nvSpPr>
+        <p:spPr>
+          <a:xfrm>
+            <a:off x="3379850" y="1550646"/>
+            <a:ext cx="5432297" cy="359128"/>
           </a:xfrm>
           <a:prstGeom prst="rect">
             <a:avLst/>
@@ -5180,9 +5555,53 @@
           <a:bodyPr rtlCol="0" anchor="ctr"/>
           <a:lstStyle/>
           <a:p>
+            <a:pPr algn="ctr"/>
+            <a:r>
+              <a:rPr lang="fi-FI" sz="2400" dirty="0" smtClean="0"/>
+              <a:t>Käyttäjä nro1 Ilmoittautumisen muokkaus</a:t>
+            </a:r>
+            <a:endParaRPr lang="fi-FI" sz="2400" dirty="0"/>
+          </a:p>
+        </p:txBody>
+      </p:sp>
+      <p:sp>
+        <p:nvSpPr>
+          <p:cNvPr id="16" name="Rounded Rectangle 15"/>
+          <p:cNvSpPr/>
+          <p:nvPr/>
+        </p:nvSpPr>
+        <p:spPr>
+          <a:xfrm>
+            <a:off x="3743498" y="4083653"/>
+            <a:ext cx="2233353" cy="379142"/>
+          </a:xfrm>
+          <a:prstGeom prst="roundRect">
+            <a:avLst/>
+          </a:prstGeom>
+          <a:ln w="38100"/>
+        </p:spPr>
+        <p:style>
+          <a:lnRef idx="2">
+            <a:schemeClr val="accent6"/>
+          </a:lnRef>
+          <a:fillRef idx="1">
+            <a:schemeClr val="lt1"/>
+          </a:fillRef>
+          <a:effectRef idx="0">
+            <a:schemeClr val="accent6"/>
+          </a:effectRef>
+          <a:fontRef idx="minor">
+            <a:schemeClr val="dk1"/>
+          </a:fontRef>
+        </p:style>
+        <p:txBody>
+          <a:bodyPr rtlCol="0" anchor="ctr"/>
+          <a:lstStyle/>
+          <a:p>
+            <a:pPr algn="ctr"/>
             <a:r>
               <a:rPr lang="fi-FI" dirty="0" smtClean="0"/>
-              <a:t>Konepaikka</a:t>
+              <a:t>Peruuta</a:t>
             </a:r>
             <a:endParaRPr lang="fi-FI" dirty="0"/>
           </a:p>
@@ -5190,14 +5609,96 @@
       </p:sp>
       <p:sp>
         <p:nvSpPr>
+          <p:cNvPr id="11" name="Isosceles Triangle 10"/>
+          <p:cNvSpPr/>
+          <p:nvPr/>
+        </p:nvSpPr>
+        <p:spPr>
+          <a:xfrm flipV="1">
+            <a:off x="7909907" y="2963573"/>
+            <a:ext cx="161752" cy="118109"/>
+          </a:xfrm>
+          <a:prstGeom prst="triangle">
+            <a:avLst/>
+          </a:prstGeom>
+          <a:ln w="38100"/>
+        </p:spPr>
+        <p:style>
+          <a:lnRef idx="2">
+            <a:schemeClr val="accent6"/>
+          </a:lnRef>
+          <a:fillRef idx="1">
+            <a:schemeClr val="lt1"/>
+          </a:fillRef>
+          <a:effectRef idx="0">
+            <a:schemeClr val="accent6"/>
+          </a:effectRef>
+          <a:fontRef idx="minor">
+            <a:schemeClr val="dk1"/>
+          </a:fontRef>
+        </p:style>
+        <p:txBody>
+          <a:bodyPr rtlCol="0" anchor="ctr"/>
+          <a:lstStyle/>
+          <a:p>
+            <a:pPr algn="ctr"/>
+            <a:endParaRPr lang="en-US">
+              <a:solidFill>
+                <a:schemeClr val="dk1"/>
+              </a:solidFill>
+            </a:endParaRPr>
+          </a:p>
+        </p:txBody>
+      </p:sp>
+      <p:sp>
+        <p:nvSpPr>
+          <p:cNvPr id="17" name="Rectangle 16"/>
+          <p:cNvSpPr/>
+          <p:nvPr/>
+        </p:nvSpPr>
+        <p:spPr>
+          <a:xfrm flipV="1">
+            <a:off x="6096000" y="3662595"/>
+            <a:ext cx="2038350" cy="236218"/>
+          </a:xfrm>
+          <a:prstGeom prst="rect">
+            <a:avLst/>
+          </a:prstGeom>
+          <a:ln w="38100"/>
+        </p:spPr>
+        <p:style>
+          <a:lnRef idx="2">
+            <a:schemeClr val="accent6"/>
+          </a:lnRef>
+          <a:fillRef idx="1">
+            <a:schemeClr val="lt1"/>
+          </a:fillRef>
+          <a:effectRef idx="0">
+            <a:schemeClr val="accent6"/>
+          </a:effectRef>
+          <a:fontRef idx="minor">
+            <a:schemeClr val="dk1"/>
+          </a:fontRef>
+        </p:style>
+        <p:txBody>
+          <a:bodyPr rtlCol="0" anchor="ctr"/>
+          <a:lstStyle/>
+          <a:p>
+            <a:pPr algn="ctr"/>
+            <a:endParaRPr lang="fi-FI"/>
+          </a:p>
+        </p:txBody>
+      </p:sp>
+      <p:sp>
+        <p:nvSpPr>
           <p:cNvPr id="18" name="Rectangle 17"/>
           <p:cNvSpPr/>
           <p:nvPr/>
         </p:nvSpPr>
         <p:spPr>
           <a:xfrm>
-            <a:off x="4082588" y="2778047"/>
-            <a:ext cx="2870200" cy="298527"/>
+            <a:off x="4057650" y="3689263"/>
+            <a:ext cx="1987550" cy="209550"/>
           </a:xfrm>
           <a:prstGeom prst="rect">
             <a:avLst/>
@@ -5226,9 +5727,10 @@
           <a:bodyPr rtlCol="0" anchor="ctr"/>
           <a:lstStyle/>
           <a:p>
+            <a:pPr algn="r"/>
             <a:r>
               <a:rPr lang="fi-FI" dirty="0" smtClean="0"/>
-              <a:t>Ilmoittautuuko turnaukseen</a:t>
+              <a:t>Konepaikka</a:t>
             </a:r>
             <a:endParaRPr lang="fi-FI" dirty="0"/>
           </a:p>
@@ -5236,41 +5738,32 @@
       </p:sp>
       <p:sp>
         <p:nvSpPr>
-          <p:cNvPr id="19" name="Rectangle 18"/>
-          <p:cNvSpPr/>
-          <p:nvPr/>
-        </p:nvSpPr>
-        <p:spPr>
-          <a:xfrm>
-            <a:off x="4047663" y="1950084"/>
-            <a:ext cx="4076700" cy="1478916"/>
-          </a:xfrm>
-          <a:prstGeom prst="rect">
-            <a:avLst/>
-          </a:prstGeom>
-          <a:noFill/>
-          <a:ln w="38100" cap="flat" cmpd="sng" algn="ctr">
-            <a:solidFill>
-              <a:schemeClr val="accent6"/>
-            </a:solidFill>
-            <a:prstDash val="solid"/>
-            <a:round/>
-            <a:headEnd type="none" w="med" len="med"/>
-            <a:tailEnd type="none" w="med" len="med"/>
-          </a:ln>
-        </p:spPr>
-        <p:style>
-          <a:lnRef idx="0">
-            <a:scrgbClr r="0" g="0" b="0"/>
-          </a:lnRef>
-          <a:fillRef idx="0">
-            <a:scrgbClr r="0" g="0" b="0"/>
-          </a:fillRef>
-          <a:effectRef idx="0">
-            <a:scrgbClr r="0" g="0" b="0"/>
-          </a:effectRef>
-          <a:fontRef idx="minor">
-            <a:schemeClr val="accent6"/>
+          <p:cNvPr id="19" name="Isosceles Triangle 18"/>
+          <p:cNvSpPr/>
+          <p:nvPr/>
+        </p:nvSpPr>
+        <p:spPr>
+          <a:xfrm flipV="1">
+            <a:off x="7909907" y="3721649"/>
+            <a:ext cx="161752" cy="118109"/>
+          </a:xfrm>
+          <a:prstGeom prst="triangle">
+            <a:avLst/>
+          </a:prstGeom>
+          <a:ln w="38100"/>
+        </p:spPr>
+        <p:style>
+          <a:lnRef idx="2">
+            <a:schemeClr val="accent6"/>
+          </a:lnRef>
+          <a:fillRef idx="1">
+            <a:schemeClr val="lt1"/>
+          </a:fillRef>
+          <a:effectRef idx="0">
+            <a:schemeClr val="accent6"/>
+          </a:effectRef>
+          <a:fontRef idx="minor">
+            <a:schemeClr val="dk1"/>
           </a:fontRef>
         </p:style>
         <p:txBody>
@@ -5278,1113 +5771,18 @@
           <a:lstStyle/>
           <a:p>
             <a:pPr algn="ctr"/>
-            <a:endParaRPr lang="fi-FI"/>
-          </a:p>
-        </p:txBody>
-      </p:sp>
-      <p:sp>
-        <p:nvSpPr>
-          <p:cNvPr id="35" name="Rectangle 34"/>
-          <p:cNvSpPr/>
-          <p:nvPr/>
-        </p:nvSpPr>
-        <p:spPr>
-          <a:xfrm>
-            <a:off x="4085763" y="3108087"/>
-            <a:ext cx="1162050" cy="174746"/>
-          </a:xfrm>
-          <a:prstGeom prst="rect">
-            <a:avLst/>
-          </a:prstGeom>
-          <a:ln w="38100">
-            <a:solidFill>
-              <a:schemeClr val="bg1"/>
-            </a:solidFill>
-          </a:ln>
-        </p:spPr>
-        <p:style>
-          <a:lnRef idx="2">
-            <a:schemeClr val="accent6"/>
-          </a:lnRef>
-          <a:fillRef idx="1">
-            <a:schemeClr val="lt1"/>
-          </a:fillRef>
-          <a:effectRef idx="0">
-            <a:schemeClr val="accent6"/>
-          </a:effectRef>
-          <a:fontRef idx="minor">
-            <a:schemeClr val="dk1"/>
-          </a:fontRef>
-        </p:style>
-        <p:txBody>
-          <a:bodyPr rtlCol="0" anchor="ctr"/>
-          <a:lstStyle/>
-          <a:p>
-            <a:r>
-              <a:rPr lang="fi-FI" u="sng" dirty="0" smtClean="0">
-                <a:solidFill>
-                  <a:schemeClr val="accent1"/>
-                </a:solidFill>
-              </a:rPr>
-              <a:t>Muokkaa</a:t>
-            </a:r>
-            <a:endParaRPr lang="fi-FI" u="sng" dirty="0">
+            <a:endParaRPr lang="en-US">
               <a:solidFill>
-                <a:schemeClr val="accent1"/>
+                <a:schemeClr val="dk1"/>
               </a:solidFill>
             </a:endParaRPr>
-          </a:p>
-        </p:txBody>
-      </p:sp>
-      <p:sp>
-        <p:nvSpPr>
-          <p:cNvPr id="36" name="Rectangle 35"/>
-          <p:cNvSpPr/>
-          <p:nvPr/>
-        </p:nvSpPr>
-        <p:spPr>
-          <a:xfrm>
-            <a:off x="5247813" y="3086142"/>
-            <a:ext cx="1987550" cy="209550"/>
-          </a:xfrm>
-          <a:prstGeom prst="rect">
-            <a:avLst/>
-          </a:prstGeom>
-          <a:ln w="38100">
-            <a:solidFill>
-              <a:schemeClr val="bg1"/>
-            </a:solidFill>
-          </a:ln>
-        </p:spPr>
-        <p:style>
-          <a:lnRef idx="2">
-            <a:schemeClr val="accent6"/>
-          </a:lnRef>
-          <a:fillRef idx="1">
-            <a:schemeClr val="lt1"/>
-          </a:fillRef>
-          <a:effectRef idx="0">
-            <a:schemeClr val="accent6"/>
-          </a:effectRef>
-          <a:fontRef idx="minor">
-            <a:schemeClr val="dk1"/>
-          </a:fontRef>
-        </p:style>
-        <p:txBody>
-          <a:bodyPr rtlCol="0" anchor="ctr"/>
-          <a:lstStyle/>
-          <a:p>
-            <a:r>
-              <a:rPr lang="fi-FI" u="sng" dirty="0" smtClean="0">
-                <a:solidFill>
-                  <a:schemeClr val="accent1"/>
-                </a:solidFill>
-              </a:rPr>
-              <a:t>Poista</a:t>
-            </a:r>
-            <a:endParaRPr lang="fi-FI" u="sng" dirty="0">
-              <a:solidFill>
-                <a:schemeClr val="accent1"/>
-              </a:solidFill>
-            </a:endParaRPr>
-          </a:p>
-        </p:txBody>
-      </p:sp>
-      <p:sp>
-        <p:nvSpPr>
-          <p:cNvPr id="37" name="Rectangle 36"/>
-          <p:cNvSpPr/>
-          <p:nvPr/>
-        </p:nvSpPr>
-        <p:spPr>
-          <a:xfrm>
-            <a:off x="4066713" y="4146710"/>
-            <a:ext cx="1987550" cy="209550"/>
-          </a:xfrm>
-          <a:prstGeom prst="rect">
-            <a:avLst/>
-          </a:prstGeom>
-          <a:ln w="38100">
-            <a:solidFill>
-              <a:schemeClr val="bg1"/>
-            </a:solidFill>
-          </a:ln>
-        </p:spPr>
-        <p:style>
-          <a:lnRef idx="2">
-            <a:schemeClr val="accent6"/>
-          </a:lnRef>
-          <a:fillRef idx="1">
-            <a:schemeClr val="lt1"/>
-          </a:fillRef>
-          <a:effectRef idx="0">
-            <a:schemeClr val="accent6"/>
-          </a:effectRef>
-          <a:fontRef idx="minor">
-            <a:schemeClr val="dk1"/>
-          </a:fontRef>
-        </p:style>
-        <p:txBody>
-          <a:bodyPr rtlCol="0" anchor="ctr"/>
-          <a:lstStyle/>
-          <a:p>
-            <a:r>
-              <a:rPr lang="fi-FI" dirty="0" smtClean="0"/>
-              <a:t>Puhelinnumero</a:t>
-            </a:r>
-            <a:endParaRPr lang="fi-FI" dirty="0"/>
-          </a:p>
-        </p:txBody>
-      </p:sp>
-      <p:sp>
-        <p:nvSpPr>
-          <p:cNvPr id="38" name="Rectangle 37"/>
-          <p:cNvSpPr/>
-          <p:nvPr/>
-        </p:nvSpPr>
-        <p:spPr>
-          <a:xfrm>
-            <a:off x="4066713" y="3800872"/>
-            <a:ext cx="1987550" cy="209550"/>
-          </a:xfrm>
-          <a:prstGeom prst="rect">
-            <a:avLst/>
-          </a:prstGeom>
-          <a:ln w="38100">
-            <a:solidFill>
-              <a:schemeClr val="bg1"/>
-            </a:solidFill>
-          </a:ln>
-        </p:spPr>
-        <p:style>
-          <a:lnRef idx="2">
-            <a:schemeClr val="accent6"/>
-          </a:lnRef>
-          <a:fillRef idx="1">
-            <a:schemeClr val="lt1"/>
-          </a:fillRef>
-          <a:effectRef idx="0">
-            <a:schemeClr val="accent6"/>
-          </a:effectRef>
-          <a:fontRef idx="minor">
-            <a:schemeClr val="dk1"/>
-          </a:fontRef>
-        </p:style>
-        <p:txBody>
-          <a:bodyPr rtlCol="0" anchor="ctr"/>
-          <a:lstStyle/>
-          <a:p>
-            <a:r>
-              <a:rPr lang="fi-FI" dirty="0" smtClean="0"/>
-              <a:t>Käyttäjä nro 2</a:t>
-            </a:r>
-            <a:endParaRPr lang="fi-FI" dirty="0"/>
-          </a:p>
-        </p:txBody>
-      </p:sp>
-      <p:sp>
-        <p:nvSpPr>
-          <p:cNvPr id="39" name="Rectangle 38"/>
-          <p:cNvSpPr/>
-          <p:nvPr/>
-        </p:nvSpPr>
-        <p:spPr>
-          <a:xfrm>
-            <a:off x="6105063" y="3800872"/>
-            <a:ext cx="1987550" cy="209550"/>
-          </a:xfrm>
-          <a:prstGeom prst="rect">
-            <a:avLst/>
-          </a:prstGeom>
-          <a:ln w="38100">
-            <a:solidFill>
-              <a:schemeClr val="bg1"/>
-            </a:solidFill>
-          </a:ln>
-        </p:spPr>
-        <p:style>
-          <a:lnRef idx="2">
-            <a:schemeClr val="accent6"/>
-          </a:lnRef>
-          <a:fillRef idx="1">
-            <a:schemeClr val="lt1"/>
-          </a:fillRef>
-          <a:effectRef idx="0">
-            <a:schemeClr val="accent6"/>
-          </a:effectRef>
-          <a:fontRef idx="minor">
-            <a:schemeClr val="dk1"/>
-          </a:fontRef>
-        </p:style>
-        <p:txBody>
-          <a:bodyPr rtlCol="0" anchor="ctr"/>
-          <a:lstStyle/>
-          <a:p>
-            <a:r>
-              <a:rPr lang="fi-FI" dirty="0" smtClean="0"/>
-              <a:t>Sähköposti</a:t>
-            </a:r>
-            <a:endParaRPr lang="fi-FI" dirty="0"/>
-          </a:p>
-        </p:txBody>
-      </p:sp>
-      <p:sp>
-        <p:nvSpPr>
-          <p:cNvPr id="40" name="Rectangle 39"/>
-          <p:cNvSpPr/>
-          <p:nvPr/>
-        </p:nvSpPr>
-        <p:spPr>
-          <a:xfrm>
-            <a:off x="6105063" y="4146710"/>
-            <a:ext cx="1987550" cy="209550"/>
-          </a:xfrm>
-          <a:prstGeom prst="rect">
-            <a:avLst/>
-          </a:prstGeom>
-          <a:ln w="38100">
-            <a:solidFill>
-              <a:schemeClr val="bg1"/>
-            </a:solidFill>
-          </a:ln>
-        </p:spPr>
-        <p:style>
-          <a:lnRef idx="2">
-            <a:schemeClr val="accent6"/>
-          </a:lnRef>
-          <a:fillRef idx="1">
-            <a:schemeClr val="lt1"/>
-          </a:fillRef>
-          <a:effectRef idx="0">
-            <a:schemeClr val="accent6"/>
-          </a:effectRef>
-          <a:fontRef idx="minor">
-            <a:schemeClr val="dk1"/>
-          </a:fontRef>
-        </p:style>
-        <p:txBody>
-          <a:bodyPr rtlCol="0" anchor="ctr"/>
-          <a:lstStyle/>
-          <a:p>
-            <a:r>
-              <a:rPr lang="fi-FI" dirty="0" smtClean="0"/>
-              <a:t>Konepaikka</a:t>
-            </a:r>
-            <a:endParaRPr lang="fi-FI" dirty="0"/>
-          </a:p>
-        </p:txBody>
-      </p:sp>
-      <p:sp>
-        <p:nvSpPr>
-          <p:cNvPr id="41" name="Rectangle 40"/>
-          <p:cNvSpPr/>
-          <p:nvPr/>
-        </p:nvSpPr>
-        <p:spPr>
-          <a:xfrm>
-            <a:off x="4092113" y="4492547"/>
-            <a:ext cx="2870200" cy="298527"/>
-          </a:xfrm>
-          <a:prstGeom prst="rect">
-            <a:avLst/>
-          </a:prstGeom>
-          <a:ln w="38100">
-            <a:solidFill>
-              <a:schemeClr val="bg1"/>
-            </a:solidFill>
-          </a:ln>
-        </p:spPr>
-        <p:style>
-          <a:lnRef idx="2">
-            <a:schemeClr val="accent6"/>
-          </a:lnRef>
-          <a:fillRef idx="1">
-            <a:schemeClr val="lt1"/>
-          </a:fillRef>
-          <a:effectRef idx="0">
-            <a:schemeClr val="accent6"/>
-          </a:effectRef>
-          <a:fontRef idx="minor">
-            <a:schemeClr val="dk1"/>
-          </a:fontRef>
-        </p:style>
-        <p:txBody>
-          <a:bodyPr rtlCol="0" anchor="ctr"/>
-          <a:lstStyle/>
-          <a:p>
-            <a:r>
-              <a:rPr lang="fi-FI" dirty="0" smtClean="0"/>
-              <a:t>Ilmoittautuuko turnaukseen</a:t>
-            </a:r>
-            <a:endParaRPr lang="fi-FI" dirty="0"/>
-          </a:p>
-        </p:txBody>
-      </p:sp>
-      <p:sp>
-        <p:nvSpPr>
-          <p:cNvPr id="42" name="Rectangle 41"/>
-          <p:cNvSpPr/>
-          <p:nvPr/>
-        </p:nvSpPr>
-        <p:spPr>
-          <a:xfrm>
-            <a:off x="4057188" y="3664584"/>
-            <a:ext cx="4076700" cy="1478916"/>
-          </a:xfrm>
-          <a:prstGeom prst="rect">
-            <a:avLst/>
-          </a:prstGeom>
-          <a:noFill/>
-          <a:ln w="38100" cap="flat" cmpd="sng" algn="ctr">
-            <a:solidFill>
-              <a:schemeClr val="accent6"/>
-            </a:solidFill>
-            <a:prstDash val="solid"/>
-            <a:round/>
-            <a:headEnd type="none" w="med" len="med"/>
-            <a:tailEnd type="none" w="med" len="med"/>
-          </a:ln>
-        </p:spPr>
-        <p:style>
-          <a:lnRef idx="0">
-            <a:scrgbClr r="0" g="0" b="0"/>
-          </a:lnRef>
-          <a:fillRef idx="0">
-            <a:scrgbClr r="0" g="0" b="0"/>
-          </a:fillRef>
-          <a:effectRef idx="0">
-            <a:scrgbClr r="0" g="0" b="0"/>
-          </a:effectRef>
-          <a:fontRef idx="minor">
-            <a:schemeClr val="accent6"/>
-          </a:fontRef>
-        </p:style>
-        <p:txBody>
-          <a:bodyPr rtlCol="0" anchor="ctr"/>
-          <a:lstStyle/>
-          <a:p>
-            <a:pPr algn="ctr"/>
-            <a:endParaRPr lang="fi-FI"/>
-          </a:p>
-        </p:txBody>
-      </p:sp>
-      <p:sp>
-        <p:nvSpPr>
-          <p:cNvPr id="43" name="Rectangle 42"/>
-          <p:cNvSpPr/>
-          <p:nvPr/>
-        </p:nvSpPr>
-        <p:spPr>
-          <a:xfrm>
-            <a:off x="4095288" y="4822586"/>
-            <a:ext cx="1162050" cy="187606"/>
-          </a:xfrm>
-          <a:prstGeom prst="rect">
-            <a:avLst/>
-          </a:prstGeom>
-          <a:ln w="38100">
-            <a:solidFill>
-              <a:schemeClr val="bg1"/>
-            </a:solidFill>
-          </a:ln>
-        </p:spPr>
-        <p:style>
-          <a:lnRef idx="2">
-            <a:schemeClr val="accent6"/>
-          </a:lnRef>
-          <a:fillRef idx="1">
-            <a:schemeClr val="lt1"/>
-          </a:fillRef>
-          <a:effectRef idx="0">
-            <a:schemeClr val="accent6"/>
-          </a:effectRef>
-          <a:fontRef idx="minor">
-            <a:schemeClr val="dk1"/>
-          </a:fontRef>
-        </p:style>
-        <p:txBody>
-          <a:bodyPr rtlCol="0" anchor="ctr"/>
-          <a:lstStyle/>
-          <a:p>
-            <a:r>
-              <a:rPr lang="fi-FI" u="sng" dirty="0" smtClean="0">
-                <a:solidFill>
-                  <a:schemeClr val="accent1"/>
-                </a:solidFill>
-              </a:rPr>
-              <a:t>Muokkaa</a:t>
-            </a:r>
-            <a:endParaRPr lang="fi-FI" u="sng" dirty="0">
-              <a:solidFill>
-                <a:schemeClr val="accent1"/>
-              </a:solidFill>
-            </a:endParaRPr>
-          </a:p>
-        </p:txBody>
-      </p:sp>
-      <p:sp>
-        <p:nvSpPr>
-          <p:cNvPr id="44" name="Rectangle 43"/>
-          <p:cNvSpPr/>
-          <p:nvPr/>
-        </p:nvSpPr>
-        <p:spPr>
-          <a:xfrm>
-            <a:off x="5257338" y="4800642"/>
-            <a:ext cx="1987550" cy="209550"/>
-          </a:xfrm>
-          <a:prstGeom prst="rect">
-            <a:avLst/>
-          </a:prstGeom>
-          <a:ln w="38100">
-            <a:solidFill>
-              <a:schemeClr val="bg1"/>
-            </a:solidFill>
-          </a:ln>
-        </p:spPr>
-        <p:style>
-          <a:lnRef idx="2">
-            <a:schemeClr val="accent6"/>
-          </a:lnRef>
-          <a:fillRef idx="1">
-            <a:schemeClr val="lt1"/>
-          </a:fillRef>
-          <a:effectRef idx="0">
-            <a:schemeClr val="accent6"/>
-          </a:effectRef>
-          <a:fontRef idx="minor">
-            <a:schemeClr val="dk1"/>
-          </a:fontRef>
-        </p:style>
-        <p:txBody>
-          <a:bodyPr rtlCol="0" anchor="ctr"/>
-          <a:lstStyle/>
-          <a:p>
-            <a:r>
-              <a:rPr lang="fi-FI" u="sng" dirty="0" smtClean="0">
-                <a:solidFill>
-                  <a:schemeClr val="accent1"/>
-                </a:solidFill>
-              </a:rPr>
-              <a:t>Poista</a:t>
-            </a:r>
-            <a:endParaRPr lang="fi-FI" u="sng" dirty="0">
-              <a:solidFill>
-                <a:schemeClr val="accent1"/>
-              </a:solidFill>
-            </a:endParaRPr>
-          </a:p>
-        </p:txBody>
-      </p:sp>
-      <p:sp>
-        <p:nvSpPr>
-          <p:cNvPr id="45" name="Rectangle 44"/>
-          <p:cNvSpPr/>
-          <p:nvPr/>
-        </p:nvSpPr>
-        <p:spPr>
-          <a:xfrm>
-            <a:off x="4076238" y="5831884"/>
-            <a:ext cx="1987550" cy="209550"/>
-          </a:xfrm>
-          <a:prstGeom prst="rect">
-            <a:avLst/>
-          </a:prstGeom>
-          <a:ln w="38100">
-            <a:solidFill>
-              <a:schemeClr val="bg1"/>
-            </a:solidFill>
-          </a:ln>
-        </p:spPr>
-        <p:style>
-          <a:lnRef idx="2">
-            <a:schemeClr val="accent6"/>
-          </a:lnRef>
-          <a:fillRef idx="1">
-            <a:schemeClr val="lt1"/>
-          </a:fillRef>
-          <a:effectRef idx="0">
-            <a:schemeClr val="accent6"/>
-          </a:effectRef>
-          <a:fontRef idx="minor">
-            <a:schemeClr val="dk1"/>
-          </a:fontRef>
-        </p:style>
-        <p:txBody>
-          <a:bodyPr rtlCol="0" anchor="ctr"/>
-          <a:lstStyle/>
-          <a:p>
-            <a:r>
-              <a:rPr lang="fi-FI" dirty="0" smtClean="0"/>
-              <a:t>Puhelinnumero</a:t>
-            </a:r>
-            <a:endParaRPr lang="fi-FI" dirty="0"/>
-          </a:p>
-        </p:txBody>
-      </p:sp>
-      <p:sp>
-        <p:nvSpPr>
-          <p:cNvPr id="46" name="Rectangle 45"/>
-          <p:cNvSpPr/>
-          <p:nvPr/>
-        </p:nvSpPr>
-        <p:spPr>
-          <a:xfrm>
-            <a:off x="4076238" y="5486046"/>
-            <a:ext cx="1987550" cy="209550"/>
-          </a:xfrm>
-          <a:prstGeom prst="rect">
-            <a:avLst/>
-          </a:prstGeom>
-          <a:ln w="38100">
-            <a:solidFill>
-              <a:schemeClr val="bg1"/>
-            </a:solidFill>
-          </a:ln>
-        </p:spPr>
-        <p:style>
-          <a:lnRef idx="2">
-            <a:schemeClr val="accent6"/>
-          </a:lnRef>
-          <a:fillRef idx="1">
-            <a:schemeClr val="lt1"/>
-          </a:fillRef>
-          <a:effectRef idx="0">
-            <a:schemeClr val="accent6"/>
-          </a:effectRef>
-          <a:fontRef idx="minor">
-            <a:schemeClr val="dk1"/>
-          </a:fontRef>
-        </p:style>
-        <p:txBody>
-          <a:bodyPr rtlCol="0" anchor="ctr"/>
-          <a:lstStyle/>
-          <a:p>
-            <a:r>
-              <a:rPr lang="fi-FI" dirty="0" smtClean="0"/>
-              <a:t>Käyttäjä nro 3</a:t>
-            </a:r>
-            <a:endParaRPr lang="fi-FI" dirty="0"/>
-          </a:p>
-        </p:txBody>
-      </p:sp>
-      <p:sp>
-        <p:nvSpPr>
-          <p:cNvPr id="47" name="Rectangle 46"/>
-          <p:cNvSpPr/>
-          <p:nvPr/>
-        </p:nvSpPr>
-        <p:spPr>
-          <a:xfrm>
-            <a:off x="6114588" y="5486046"/>
-            <a:ext cx="1987550" cy="209550"/>
-          </a:xfrm>
-          <a:prstGeom prst="rect">
-            <a:avLst/>
-          </a:prstGeom>
-          <a:ln w="38100">
-            <a:solidFill>
-              <a:schemeClr val="bg1"/>
-            </a:solidFill>
-          </a:ln>
-        </p:spPr>
-        <p:style>
-          <a:lnRef idx="2">
-            <a:schemeClr val="accent6"/>
-          </a:lnRef>
-          <a:fillRef idx="1">
-            <a:schemeClr val="lt1"/>
-          </a:fillRef>
-          <a:effectRef idx="0">
-            <a:schemeClr val="accent6"/>
-          </a:effectRef>
-          <a:fontRef idx="minor">
-            <a:schemeClr val="dk1"/>
-          </a:fontRef>
-        </p:style>
-        <p:txBody>
-          <a:bodyPr rtlCol="0" anchor="ctr"/>
-          <a:lstStyle/>
-          <a:p>
-            <a:r>
-              <a:rPr lang="fi-FI" dirty="0" smtClean="0"/>
-              <a:t>Sähköposti</a:t>
-            </a:r>
-            <a:endParaRPr lang="fi-FI" dirty="0"/>
-          </a:p>
-        </p:txBody>
-      </p:sp>
-      <p:sp>
-        <p:nvSpPr>
-          <p:cNvPr id="48" name="Rectangle 47"/>
-          <p:cNvSpPr/>
-          <p:nvPr/>
-        </p:nvSpPr>
-        <p:spPr>
-          <a:xfrm>
-            <a:off x="6114588" y="5831884"/>
-            <a:ext cx="1987550" cy="209550"/>
-          </a:xfrm>
-          <a:prstGeom prst="rect">
-            <a:avLst/>
-          </a:prstGeom>
-          <a:ln w="38100">
-            <a:solidFill>
-              <a:schemeClr val="bg1"/>
-            </a:solidFill>
-          </a:ln>
-        </p:spPr>
-        <p:style>
-          <a:lnRef idx="2">
-            <a:schemeClr val="accent6"/>
-          </a:lnRef>
-          <a:fillRef idx="1">
-            <a:schemeClr val="lt1"/>
-          </a:fillRef>
-          <a:effectRef idx="0">
-            <a:schemeClr val="accent6"/>
-          </a:effectRef>
-          <a:fontRef idx="minor">
-            <a:schemeClr val="dk1"/>
-          </a:fontRef>
-        </p:style>
-        <p:txBody>
-          <a:bodyPr rtlCol="0" anchor="ctr"/>
-          <a:lstStyle/>
-          <a:p>
-            <a:r>
-              <a:rPr lang="fi-FI" dirty="0" smtClean="0"/>
-              <a:t>Konepaikka</a:t>
-            </a:r>
-            <a:endParaRPr lang="fi-FI" dirty="0"/>
-          </a:p>
-        </p:txBody>
-      </p:sp>
-      <p:sp>
-        <p:nvSpPr>
-          <p:cNvPr id="49" name="Rectangle 48"/>
-          <p:cNvSpPr/>
-          <p:nvPr/>
-        </p:nvSpPr>
-        <p:spPr>
-          <a:xfrm>
-            <a:off x="4101638" y="6177721"/>
-            <a:ext cx="2870200" cy="298527"/>
-          </a:xfrm>
-          <a:prstGeom prst="rect">
-            <a:avLst/>
-          </a:prstGeom>
-          <a:ln w="38100">
-            <a:solidFill>
-              <a:schemeClr val="bg1"/>
-            </a:solidFill>
-          </a:ln>
-        </p:spPr>
-        <p:style>
-          <a:lnRef idx="2">
-            <a:schemeClr val="accent6"/>
-          </a:lnRef>
-          <a:fillRef idx="1">
-            <a:schemeClr val="lt1"/>
-          </a:fillRef>
-          <a:effectRef idx="0">
-            <a:schemeClr val="accent6"/>
-          </a:effectRef>
-          <a:fontRef idx="minor">
-            <a:schemeClr val="dk1"/>
-          </a:fontRef>
-        </p:style>
-        <p:txBody>
-          <a:bodyPr rtlCol="0" anchor="ctr"/>
-          <a:lstStyle/>
-          <a:p>
-            <a:r>
-              <a:rPr lang="fi-FI" dirty="0" smtClean="0"/>
-              <a:t>Ilmoittautuuko turnaukseen</a:t>
-            </a:r>
-            <a:endParaRPr lang="fi-FI" dirty="0"/>
-          </a:p>
-        </p:txBody>
-      </p:sp>
-      <p:sp>
-        <p:nvSpPr>
-          <p:cNvPr id="50" name="Rectangle 49"/>
-          <p:cNvSpPr/>
-          <p:nvPr/>
-        </p:nvSpPr>
-        <p:spPr>
-          <a:xfrm>
-            <a:off x="4066713" y="5349758"/>
-            <a:ext cx="4076700" cy="1508242"/>
-          </a:xfrm>
-          <a:prstGeom prst="rect">
-            <a:avLst/>
-          </a:prstGeom>
-          <a:noFill/>
-          <a:ln w="38100" cap="flat" cmpd="sng" algn="ctr">
-            <a:solidFill>
-              <a:schemeClr val="accent6"/>
-            </a:solidFill>
-            <a:prstDash val="solid"/>
-            <a:round/>
-            <a:headEnd type="none" w="med" len="med"/>
-            <a:tailEnd type="none" w="med" len="med"/>
-          </a:ln>
-        </p:spPr>
-        <p:style>
-          <a:lnRef idx="0">
-            <a:scrgbClr r="0" g="0" b="0"/>
-          </a:lnRef>
-          <a:fillRef idx="0">
-            <a:scrgbClr r="0" g="0" b="0"/>
-          </a:fillRef>
-          <a:effectRef idx="0">
-            <a:scrgbClr r="0" g="0" b="0"/>
-          </a:effectRef>
-          <a:fontRef idx="minor">
-            <a:schemeClr val="accent6"/>
-          </a:fontRef>
-        </p:style>
-        <p:txBody>
-          <a:bodyPr rtlCol="0" anchor="ctr"/>
-          <a:lstStyle/>
-          <a:p>
-            <a:pPr algn="ctr"/>
-            <a:endParaRPr lang="fi-FI"/>
-          </a:p>
-        </p:txBody>
-      </p:sp>
-      <p:sp>
-        <p:nvSpPr>
-          <p:cNvPr id="51" name="Rectangle 50"/>
-          <p:cNvSpPr/>
-          <p:nvPr/>
-        </p:nvSpPr>
-        <p:spPr>
-          <a:xfrm>
-            <a:off x="4101637" y="6507760"/>
-            <a:ext cx="1165225" cy="197174"/>
-          </a:xfrm>
-          <a:prstGeom prst="rect">
-            <a:avLst/>
-          </a:prstGeom>
-          <a:ln w="38100">
-            <a:solidFill>
-              <a:schemeClr val="bg1"/>
-            </a:solidFill>
-          </a:ln>
-        </p:spPr>
-        <p:style>
-          <a:lnRef idx="2">
-            <a:schemeClr val="accent6"/>
-          </a:lnRef>
-          <a:fillRef idx="1">
-            <a:schemeClr val="lt1"/>
-          </a:fillRef>
-          <a:effectRef idx="0">
-            <a:schemeClr val="accent6"/>
-          </a:effectRef>
-          <a:fontRef idx="minor">
-            <a:schemeClr val="dk1"/>
-          </a:fontRef>
-        </p:style>
-        <p:txBody>
-          <a:bodyPr rtlCol="0" anchor="ctr"/>
-          <a:lstStyle/>
-          <a:p>
-            <a:r>
-              <a:rPr lang="fi-FI" u="sng" dirty="0" smtClean="0">
-                <a:solidFill>
-                  <a:schemeClr val="accent1"/>
-                </a:solidFill>
-              </a:rPr>
-              <a:t>Muokkaa</a:t>
-            </a:r>
-            <a:endParaRPr lang="fi-FI" u="sng" dirty="0">
-              <a:solidFill>
-                <a:schemeClr val="accent1"/>
-              </a:solidFill>
-            </a:endParaRPr>
-          </a:p>
-        </p:txBody>
-      </p:sp>
-      <p:sp>
-        <p:nvSpPr>
-          <p:cNvPr id="52" name="Rectangle 51"/>
-          <p:cNvSpPr/>
-          <p:nvPr/>
-        </p:nvSpPr>
-        <p:spPr>
-          <a:xfrm>
-            <a:off x="5266863" y="6485816"/>
-            <a:ext cx="1987550" cy="209550"/>
-          </a:xfrm>
-          <a:prstGeom prst="rect">
-            <a:avLst/>
-          </a:prstGeom>
-          <a:ln w="38100">
-            <a:solidFill>
-              <a:schemeClr val="bg1"/>
-            </a:solidFill>
-          </a:ln>
-        </p:spPr>
-        <p:style>
-          <a:lnRef idx="2">
-            <a:schemeClr val="accent6"/>
-          </a:lnRef>
-          <a:fillRef idx="1">
-            <a:schemeClr val="lt1"/>
-          </a:fillRef>
-          <a:effectRef idx="0">
-            <a:schemeClr val="accent6"/>
-          </a:effectRef>
-          <a:fontRef idx="minor">
-            <a:schemeClr val="dk1"/>
-          </a:fontRef>
-        </p:style>
-        <p:txBody>
-          <a:bodyPr rtlCol="0" anchor="ctr"/>
-          <a:lstStyle/>
-          <a:p>
-            <a:r>
-              <a:rPr lang="fi-FI" u="sng" dirty="0" smtClean="0">
-                <a:solidFill>
-                  <a:schemeClr val="accent1"/>
-                </a:solidFill>
-              </a:rPr>
-              <a:t>Poista</a:t>
-            </a:r>
-            <a:endParaRPr lang="fi-FI" u="sng" dirty="0">
-              <a:solidFill>
-                <a:schemeClr val="accent1"/>
-              </a:solidFill>
-            </a:endParaRPr>
-          </a:p>
-        </p:txBody>
-      </p:sp>
-      <p:sp>
-        <p:nvSpPr>
-          <p:cNvPr id="29" name="Rectangle 28"/>
-          <p:cNvSpPr/>
-          <p:nvPr/>
-        </p:nvSpPr>
-        <p:spPr>
-          <a:xfrm>
-            <a:off x="3403600" y="2219363"/>
-            <a:ext cx="5367867" cy="1828802"/>
-          </a:xfrm>
-          <a:prstGeom prst="rect">
-            <a:avLst/>
-          </a:prstGeom>
-          <a:ln w="38100"/>
-        </p:spPr>
-        <p:style>
-          <a:lnRef idx="2">
-            <a:schemeClr val="accent6"/>
-          </a:lnRef>
-          <a:fillRef idx="1">
-            <a:schemeClr val="lt1"/>
-          </a:fillRef>
-          <a:effectRef idx="0">
-            <a:schemeClr val="accent6"/>
-          </a:effectRef>
-          <a:fontRef idx="minor">
-            <a:schemeClr val="dk1"/>
-          </a:fontRef>
-        </p:style>
-        <p:txBody>
-          <a:bodyPr rtlCol="0" anchor="ctr"/>
-          <a:lstStyle/>
-          <a:p>
-            <a:pPr algn="ctr"/>
-            <a:endParaRPr lang="fi-FI"/>
-          </a:p>
-        </p:txBody>
-      </p:sp>
-      <p:sp>
-        <p:nvSpPr>
-          <p:cNvPr id="31" name="Rectangle 30"/>
-          <p:cNvSpPr/>
-          <p:nvPr/>
-        </p:nvSpPr>
-        <p:spPr>
-          <a:xfrm>
-            <a:off x="4101637" y="2288246"/>
-            <a:ext cx="4010487" cy="283543"/>
-          </a:xfrm>
-          <a:prstGeom prst="rect">
-            <a:avLst/>
-          </a:prstGeom>
-          <a:ln w="38100">
-            <a:solidFill>
-              <a:schemeClr val="bg1"/>
-            </a:solidFill>
-          </a:ln>
-        </p:spPr>
-        <p:style>
-          <a:lnRef idx="2">
-            <a:schemeClr val="accent6"/>
-          </a:lnRef>
-          <a:fillRef idx="1">
-            <a:schemeClr val="lt1"/>
-          </a:fillRef>
-          <a:effectRef idx="0">
-            <a:schemeClr val="accent6"/>
-          </a:effectRef>
-          <a:fontRef idx="minor">
-            <a:schemeClr val="dk1"/>
-          </a:fontRef>
-        </p:style>
-        <p:txBody>
-          <a:bodyPr rtlCol="0" anchor="ctr"/>
-          <a:lstStyle/>
-          <a:p>
-            <a:pPr algn="ctr"/>
-            <a:r>
-              <a:rPr lang="fi-FI" sz="2000" dirty="0" smtClean="0"/>
-              <a:t>Ilmoittautumisen poistaminen</a:t>
-            </a:r>
-            <a:endParaRPr lang="fi-FI" sz="2000" dirty="0"/>
-          </a:p>
-        </p:txBody>
-      </p:sp>
-      <p:sp>
-        <p:nvSpPr>
-          <p:cNvPr id="32" name="Rectangle 31"/>
-          <p:cNvSpPr/>
-          <p:nvPr/>
-        </p:nvSpPr>
-        <p:spPr>
-          <a:xfrm>
-            <a:off x="4419600" y="2797271"/>
-            <a:ext cx="3630381" cy="507506"/>
-          </a:xfrm>
-          <a:prstGeom prst="rect">
-            <a:avLst/>
-          </a:prstGeom>
-          <a:ln w="38100">
-            <a:solidFill>
-              <a:schemeClr val="bg1"/>
-            </a:solidFill>
-          </a:ln>
-        </p:spPr>
-        <p:style>
-          <a:lnRef idx="2">
-            <a:schemeClr val="accent6"/>
-          </a:lnRef>
-          <a:fillRef idx="1">
-            <a:schemeClr val="lt1"/>
-          </a:fillRef>
-          <a:effectRef idx="0">
-            <a:schemeClr val="accent6"/>
-          </a:effectRef>
-          <a:fontRef idx="minor">
-            <a:schemeClr val="dk1"/>
-          </a:fontRef>
-        </p:style>
-        <p:txBody>
-          <a:bodyPr rtlCol="0" anchor="ctr"/>
-          <a:lstStyle/>
-          <a:p>
-            <a:pPr algn="ctr"/>
-            <a:r>
-              <a:rPr lang="fi-FI" sz="2000" dirty="0" smtClean="0"/>
-              <a:t>Haluatko varmasti poistaa Käyttäjän nro 2?</a:t>
-            </a:r>
-            <a:endParaRPr lang="fi-FI" sz="2000" dirty="0"/>
-          </a:p>
-        </p:txBody>
-      </p:sp>
-      <p:sp>
-        <p:nvSpPr>
-          <p:cNvPr id="34" name="Rounded Rectangle 33"/>
-          <p:cNvSpPr/>
-          <p:nvPr/>
-        </p:nvSpPr>
-        <p:spPr>
-          <a:xfrm>
-            <a:off x="6216188" y="3520956"/>
-            <a:ext cx="1833793" cy="374370"/>
-          </a:xfrm>
-          <a:prstGeom prst="roundRect">
-            <a:avLst/>
-          </a:prstGeom>
-          <a:ln w="38100"/>
-        </p:spPr>
-        <p:style>
-          <a:lnRef idx="2">
-            <a:schemeClr val="accent6"/>
-          </a:lnRef>
-          <a:fillRef idx="1">
-            <a:schemeClr val="lt1"/>
-          </a:fillRef>
-          <a:effectRef idx="0">
-            <a:schemeClr val="accent6"/>
-          </a:effectRef>
-          <a:fontRef idx="minor">
-            <a:schemeClr val="dk1"/>
-          </a:fontRef>
-        </p:style>
-        <p:txBody>
-          <a:bodyPr rtlCol="0" anchor="ctr"/>
-          <a:lstStyle/>
-          <a:p>
-            <a:pPr algn="ctr"/>
-            <a:r>
-              <a:rPr lang="fi-FI" dirty="0" smtClean="0"/>
-              <a:t>Poista</a:t>
-            </a:r>
-            <a:endParaRPr lang="fi-FI" dirty="0"/>
-          </a:p>
-        </p:txBody>
-      </p:sp>
-      <p:sp>
-        <p:nvSpPr>
-          <p:cNvPr id="53" name="Rounded Rectangle 52"/>
-          <p:cNvSpPr/>
-          <p:nvPr/>
-        </p:nvSpPr>
-        <p:spPr>
-          <a:xfrm>
-            <a:off x="4233333" y="3524280"/>
-            <a:ext cx="1751080" cy="371046"/>
-          </a:xfrm>
-          <a:prstGeom prst="roundRect">
-            <a:avLst/>
-          </a:prstGeom>
-          <a:ln w="38100"/>
-        </p:spPr>
-        <p:style>
-          <a:lnRef idx="2">
-            <a:schemeClr val="accent6"/>
-          </a:lnRef>
-          <a:fillRef idx="1">
-            <a:schemeClr val="lt1"/>
-          </a:fillRef>
-          <a:effectRef idx="0">
-            <a:schemeClr val="accent6"/>
-          </a:effectRef>
-          <a:fontRef idx="minor">
-            <a:schemeClr val="dk1"/>
-          </a:fontRef>
-        </p:style>
-        <p:txBody>
-          <a:bodyPr rtlCol="0" anchor="ctr"/>
-          <a:lstStyle/>
-          <a:p>
-            <a:pPr algn="ctr"/>
-            <a:r>
-              <a:rPr lang="fi-FI" dirty="0" smtClean="0"/>
-              <a:t>Peruuta</a:t>
-            </a:r>
-            <a:endParaRPr lang="fi-FI" dirty="0"/>
           </a:p>
         </p:txBody>
       </p:sp>
     </p:spTree>
     <p:extLst>
       <p:ext uri="{BB962C8B-B14F-4D97-AF65-F5344CB8AC3E}">
-        <p14:creationId xmlns:p14="http://schemas.microsoft.com/office/powerpoint/2010/main" val="3546054390"/>
+        <p14:creationId xmlns:p14="http://schemas.microsoft.com/office/powerpoint/2010/main" val="3419254615"/>
       </p:ext>
     </p:extLst>
   </p:cSld>
@@ -6491,53 +5889,14 @@
       </p:sp>
       <p:sp>
         <p:nvSpPr>
-          <p:cNvPr id="4" name="Rectangle 3"/>
-          <p:cNvSpPr/>
-          <p:nvPr/>
-        </p:nvSpPr>
-        <p:spPr>
-          <a:xfrm flipV="1">
-            <a:off x="6069676" y="2295922"/>
-            <a:ext cx="2038350" cy="236218"/>
-          </a:xfrm>
-          <a:prstGeom prst="rect">
-            <a:avLst/>
-          </a:prstGeom>
-          <a:ln w="38100"/>
-        </p:spPr>
-        <p:style>
-          <a:lnRef idx="2">
-            <a:schemeClr val="accent6"/>
-          </a:lnRef>
-          <a:fillRef idx="1">
-            <a:schemeClr val="lt1"/>
-          </a:fillRef>
-          <a:effectRef idx="0">
-            <a:schemeClr val="accent6"/>
-          </a:effectRef>
-          <a:fontRef idx="minor">
-            <a:schemeClr val="dk1"/>
-          </a:fontRef>
-        </p:style>
-        <p:txBody>
-          <a:bodyPr rtlCol="0" anchor="ctr"/>
-          <a:lstStyle/>
-          <a:p>
-            <a:pPr algn="ctr"/>
-            <a:endParaRPr lang="fi-FI"/>
-          </a:p>
-        </p:txBody>
-      </p:sp>
-      <p:sp>
-        <p:nvSpPr>
           <p:cNvPr id="5" name="Rectangle 4"/>
           <p:cNvSpPr/>
           <p:nvPr/>
         </p:nvSpPr>
         <p:spPr>
           <a:xfrm>
-            <a:off x="4031326" y="2309256"/>
-            <a:ext cx="1987550" cy="209550"/>
+            <a:off x="4082588" y="1505702"/>
+            <a:ext cx="2267412" cy="339608"/>
           </a:xfrm>
           <a:prstGeom prst="rect">
             <a:avLst/>
@@ -6566,10 +5925,9 @@
           <a:bodyPr rtlCol="0" anchor="ctr"/>
           <a:lstStyle/>
           <a:p>
-            <a:pPr algn="r"/>
-            <a:r>
-              <a:rPr lang="fi-FI" dirty="0" smtClean="0"/>
-              <a:t>Sähköposti</a:t>
+            <a:r>
+              <a:rPr lang="fi-FI" sz="2400" dirty="0" smtClean="0"/>
+              <a:t>Ilmoittautumiset</a:t>
             </a:r>
             <a:endParaRPr lang="fi-FI" dirty="0"/>
           </a:p>
@@ -6577,52 +5935,13 @@
       </p:sp>
       <p:sp>
         <p:nvSpPr>
-          <p:cNvPr id="6" name="Rectangle 5"/>
-          <p:cNvSpPr/>
-          <p:nvPr/>
-        </p:nvSpPr>
-        <p:spPr>
-          <a:xfrm flipV="1">
-            <a:off x="6069676" y="2645056"/>
-            <a:ext cx="2038350" cy="236218"/>
-          </a:xfrm>
-          <a:prstGeom prst="rect">
-            <a:avLst/>
-          </a:prstGeom>
-          <a:ln w="38100"/>
-        </p:spPr>
-        <p:style>
-          <a:lnRef idx="2">
-            <a:schemeClr val="accent6"/>
-          </a:lnRef>
-          <a:fillRef idx="1">
-            <a:schemeClr val="lt1"/>
-          </a:fillRef>
-          <a:effectRef idx="0">
-            <a:schemeClr val="accent6"/>
-          </a:effectRef>
-          <a:fontRef idx="minor">
-            <a:schemeClr val="dk1"/>
-          </a:fontRef>
-        </p:style>
-        <p:txBody>
-          <a:bodyPr rtlCol="0" anchor="ctr"/>
-          <a:lstStyle/>
-          <a:p>
-            <a:pPr algn="ctr"/>
-            <a:endParaRPr lang="fi-FI"/>
-          </a:p>
-        </p:txBody>
-      </p:sp>
-      <p:sp>
-        <p:nvSpPr>
-          <p:cNvPr id="7" name="Rectangle 6"/>
-          <p:cNvSpPr/>
-          <p:nvPr/>
-        </p:nvSpPr>
-        <p:spPr>
-          <a:xfrm>
-            <a:off x="4031326" y="2658390"/>
+          <p:cNvPr id="14" name="Rectangle 13"/>
+          <p:cNvSpPr/>
+          <p:nvPr/>
+        </p:nvSpPr>
+        <p:spPr>
+          <a:xfrm>
+            <a:off x="4057188" y="2432210"/>
             <a:ext cx="1987550" cy="209550"/>
           </a:xfrm>
           <a:prstGeom prst="rect">
@@ -6652,7 +5971,6 @@
           <a:bodyPr rtlCol="0" anchor="ctr"/>
           <a:lstStyle/>
           <a:p>
-            <a:pPr algn="r"/>
             <a:r>
               <a:rPr lang="fi-FI" dirty="0" smtClean="0"/>
               <a:t>Puhelinnumero</a:t>
@@ -6663,53 +5981,14 @@
       </p:sp>
       <p:sp>
         <p:nvSpPr>
-          <p:cNvPr id="8" name="Rectangle 7"/>
-          <p:cNvSpPr/>
-          <p:nvPr/>
-        </p:nvSpPr>
-        <p:spPr>
-          <a:xfrm flipV="1">
-            <a:off x="6069676" y="3020858"/>
-            <a:ext cx="219075" cy="236218"/>
-          </a:xfrm>
-          <a:prstGeom prst="rect">
-            <a:avLst/>
-          </a:prstGeom>
-          <a:ln w="38100"/>
-        </p:spPr>
-        <p:style>
-          <a:lnRef idx="2">
-            <a:schemeClr val="accent6"/>
-          </a:lnRef>
-          <a:fillRef idx="1">
-            <a:schemeClr val="lt1"/>
-          </a:fillRef>
-          <a:effectRef idx="0">
-            <a:schemeClr val="accent6"/>
-          </a:effectRef>
-          <a:fontRef idx="minor">
-            <a:schemeClr val="dk1"/>
-          </a:fontRef>
-        </p:style>
-        <p:txBody>
-          <a:bodyPr rtlCol="0" anchor="ctr"/>
-          <a:lstStyle/>
-          <a:p>
-            <a:pPr algn="ctr"/>
-            <a:endParaRPr lang="fi-FI"/>
-          </a:p>
-        </p:txBody>
-      </p:sp>
-      <p:sp>
-        <p:nvSpPr>
-          <p:cNvPr id="9" name="Rectangle 8"/>
-          <p:cNvSpPr/>
-          <p:nvPr/>
-        </p:nvSpPr>
-        <p:spPr>
-          <a:xfrm>
-            <a:off x="3232351" y="3007524"/>
-            <a:ext cx="2786525" cy="236217"/>
+          <p:cNvPr id="15" name="Rectangle 14"/>
+          <p:cNvSpPr/>
+          <p:nvPr/>
+        </p:nvSpPr>
+        <p:spPr>
+          <a:xfrm>
+            <a:off x="4057188" y="2086372"/>
+            <a:ext cx="1987550" cy="209550"/>
           </a:xfrm>
           <a:prstGeom prst="rect">
             <a:avLst/>
@@ -6738,10 +6017,9 @@
           <a:bodyPr rtlCol="0" anchor="ctr"/>
           <a:lstStyle/>
           <a:p>
-            <a:pPr algn="r"/>
             <a:r>
               <a:rPr lang="fi-FI" dirty="0" smtClean="0"/>
-              <a:t>Turnaukseen osallistuminen</a:t>
+              <a:t>Käyttäjä nro 1</a:t>
             </a:r>
             <a:endParaRPr lang="fi-FI" dirty="0"/>
           </a:p>
@@ -6749,52 +6027,13 @@
       </p:sp>
       <p:sp>
         <p:nvSpPr>
-          <p:cNvPr id="10" name="Rectangle 9"/>
-          <p:cNvSpPr/>
-          <p:nvPr/>
-        </p:nvSpPr>
-        <p:spPr>
-          <a:xfrm flipV="1">
-            <a:off x="6069676" y="3396660"/>
-            <a:ext cx="2038350" cy="236218"/>
-          </a:xfrm>
-          <a:prstGeom prst="rect">
-            <a:avLst/>
-          </a:prstGeom>
-          <a:ln w="38100"/>
-        </p:spPr>
-        <p:style>
-          <a:lnRef idx="2">
-            <a:schemeClr val="accent6"/>
-          </a:lnRef>
-          <a:fillRef idx="1">
-            <a:schemeClr val="lt1"/>
-          </a:fillRef>
-          <a:effectRef idx="0">
-            <a:schemeClr val="accent6"/>
-          </a:effectRef>
-          <a:fontRef idx="minor">
-            <a:schemeClr val="dk1"/>
-          </a:fontRef>
-        </p:style>
-        <p:txBody>
-          <a:bodyPr rtlCol="0" anchor="ctr"/>
-          <a:lstStyle/>
-          <a:p>
-            <a:pPr algn="ctr"/>
-            <a:endParaRPr lang="fi-FI"/>
-          </a:p>
-        </p:txBody>
-      </p:sp>
-      <p:sp>
-        <p:nvSpPr>
-          <p:cNvPr id="11" name="Rectangle 10"/>
-          <p:cNvSpPr/>
-          <p:nvPr/>
-        </p:nvSpPr>
-        <p:spPr>
-          <a:xfrm>
-            <a:off x="4031326" y="3423328"/>
+          <p:cNvPr id="16" name="Rectangle 15"/>
+          <p:cNvSpPr/>
+          <p:nvPr/>
+        </p:nvSpPr>
+        <p:spPr>
+          <a:xfrm>
+            <a:off x="6095538" y="2086372"/>
             <a:ext cx="1987550" cy="209550"/>
           </a:xfrm>
           <a:prstGeom prst="rect">
@@ -6824,10 +6063,9 @@
           <a:bodyPr rtlCol="0" anchor="ctr"/>
           <a:lstStyle/>
           <a:p>
-            <a:pPr algn="r"/>
             <a:r>
               <a:rPr lang="fi-FI" dirty="0" smtClean="0"/>
-              <a:t>Puhelinnumero</a:t>
+              <a:t>Sähköposti</a:t>
             </a:r>
             <a:endParaRPr lang="fi-FI" dirty="0"/>
           </a:p>
@@ -6835,57 +6073,14 @@
       </p:sp>
       <p:sp>
         <p:nvSpPr>
-          <p:cNvPr id="12" name="Rounded Rectangle 11"/>
-          <p:cNvSpPr/>
-          <p:nvPr/>
-        </p:nvSpPr>
-        <p:spPr>
-          <a:xfrm>
-            <a:off x="6288750" y="3978672"/>
-            <a:ext cx="1819275" cy="379142"/>
-          </a:xfrm>
-          <a:prstGeom prst="roundRect">
-            <a:avLst/>
-          </a:prstGeom>
-          <a:ln w="38100"/>
-        </p:spPr>
-        <p:style>
-          <a:lnRef idx="2">
-            <a:schemeClr val="accent6"/>
-          </a:lnRef>
-          <a:fillRef idx="1">
-            <a:schemeClr val="lt1"/>
-          </a:fillRef>
-          <a:effectRef idx="0">
-            <a:schemeClr val="accent6"/>
-          </a:effectRef>
-          <a:fontRef idx="minor">
-            <a:schemeClr val="dk1"/>
-          </a:fontRef>
-        </p:style>
-        <p:txBody>
-          <a:bodyPr rtlCol="0" anchor="ctr"/>
-          <a:lstStyle/>
-          <a:p>
-            <a:pPr algn="ctr"/>
-            <a:r>
-              <a:rPr lang="fi-FI" dirty="0" smtClean="0"/>
-              <a:t>Muokkaa</a:t>
-            </a:r>
-            <a:endParaRPr lang="fi-FI" dirty="0"/>
-          </a:p>
-        </p:txBody>
-      </p:sp>
-      <p:sp>
-        <p:nvSpPr>
-          <p:cNvPr id="13" name="Rectangle 12"/>
-          <p:cNvSpPr/>
-          <p:nvPr/>
-        </p:nvSpPr>
-        <p:spPr>
-          <a:xfrm>
-            <a:off x="3874852" y="1530984"/>
-            <a:ext cx="4441371" cy="329351"/>
+          <p:cNvPr id="17" name="Rectangle 16"/>
+          <p:cNvSpPr/>
+          <p:nvPr/>
+        </p:nvSpPr>
+        <p:spPr>
+          <a:xfrm>
+            <a:off x="6095538" y="2432210"/>
+            <a:ext cx="1987550" cy="209550"/>
           </a:xfrm>
           <a:prstGeom prst="rect">
             <a:avLst/>
@@ -6914,25 +6109,1174 @@
           <a:bodyPr rtlCol="0" anchor="ctr"/>
           <a:lstStyle/>
           <a:p>
+            <a:r>
+              <a:rPr lang="fi-FI" dirty="0" smtClean="0"/>
+              <a:t>Konepaikka</a:t>
+            </a:r>
+            <a:endParaRPr lang="fi-FI" dirty="0"/>
+          </a:p>
+        </p:txBody>
+      </p:sp>
+      <p:sp>
+        <p:nvSpPr>
+          <p:cNvPr id="18" name="Rectangle 17"/>
+          <p:cNvSpPr/>
+          <p:nvPr/>
+        </p:nvSpPr>
+        <p:spPr>
+          <a:xfrm>
+            <a:off x="4082588" y="2778047"/>
+            <a:ext cx="2870200" cy="298527"/>
+          </a:xfrm>
+          <a:prstGeom prst="rect">
+            <a:avLst/>
+          </a:prstGeom>
+          <a:ln w="38100">
+            <a:solidFill>
+              <a:schemeClr val="bg1"/>
+            </a:solidFill>
+          </a:ln>
+        </p:spPr>
+        <p:style>
+          <a:lnRef idx="2">
+            <a:schemeClr val="accent6"/>
+          </a:lnRef>
+          <a:fillRef idx="1">
+            <a:schemeClr val="lt1"/>
+          </a:fillRef>
+          <a:effectRef idx="0">
+            <a:schemeClr val="accent6"/>
+          </a:effectRef>
+          <a:fontRef idx="minor">
+            <a:schemeClr val="dk1"/>
+          </a:fontRef>
+        </p:style>
+        <p:txBody>
+          <a:bodyPr rtlCol="0" anchor="ctr"/>
+          <a:lstStyle/>
+          <a:p>
+            <a:r>
+              <a:rPr lang="fi-FI" dirty="0" smtClean="0"/>
+              <a:t>Ilmoittautuuko turnaukseen</a:t>
+            </a:r>
+            <a:endParaRPr lang="fi-FI" dirty="0"/>
+          </a:p>
+        </p:txBody>
+      </p:sp>
+      <p:sp>
+        <p:nvSpPr>
+          <p:cNvPr id="19" name="Rectangle 18"/>
+          <p:cNvSpPr/>
+          <p:nvPr/>
+        </p:nvSpPr>
+        <p:spPr>
+          <a:xfrm>
+            <a:off x="4047663" y="1950084"/>
+            <a:ext cx="4076700" cy="1478916"/>
+          </a:xfrm>
+          <a:prstGeom prst="rect">
+            <a:avLst/>
+          </a:prstGeom>
+          <a:noFill/>
+          <a:ln w="38100" cap="flat" cmpd="sng" algn="ctr">
+            <a:solidFill>
+              <a:schemeClr val="accent6"/>
+            </a:solidFill>
+            <a:prstDash val="solid"/>
+            <a:round/>
+            <a:headEnd type="none" w="med" len="med"/>
+            <a:tailEnd type="none" w="med" len="med"/>
+          </a:ln>
+        </p:spPr>
+        <p:style>
+          <a:lnRef idx="0">
+            <a:scrgbClr r="0" g="0" b="0"/>
+          </a:lnRef>
+          <a:fillRef idx="0">
+            <a:scrgbClr r="0" g="0" b="0"/>
+          </a:fillRef>
+          <a:effectRef idx="0">
+            <a:scrgbClr r="0" g="0" b="0"/>
+          </a:effectRef>
+          <a:fontRef idx="minor">
+            <a:schemeClr val="accent6"/>
+          </a:fontRef>
+        </p:style>
+        <p:txBody>
+          <a:bodyPr rtlCol="0" anchor="ctr"/>
+          <a:lstStyle/>
+          <a:p>
             <a:pPr algn="ctr"/>
-            <a:r>
-              <a:rPr lang="fi-FI" sz="2400" dirty="0" smtClean="0"/>
-              <a:t>Ilmoittautumisen muokkaaminen</a:t>
-            </a:r>
-            <a:endParaRPr lang="fi-FI" sz="2400" dirty="0"/>
-          </a:p>
-        </p:txBody>
-      </p:sp>
-      <p:sp>
-        <p:nvSpPr>
-          <p:cNvPr id="14" name="Rounded Rectangle 13"/>
-          <p:cNvSpPr/>
-          <p:nvPr/>
-        </p:nvSpPr>
-        <p:spPr>
-          <a:xfrm>
-            <a:off x="4057187" y="3978672"/>
-            <a:ext cx="1815865" cy="379142"/>
+            <a:endParaRPr lang="fi-FI"/>
+          </a:p>
+        </p:txBody>
+      </p:sp>
+      <p:sp>
+        <p:nvSpPr>
+          <p:cNvPr id="35" name="Rectangle 34"/>
+          <p:cNvSpPr/>
+          <p:nvPr/>
+        </p:nvSpPr>
+        <p:spPr>
+          <a:xfrm>
+            <a:off x="4085763" y="3108087"/>
+            <a:ext cx="1162050" cy="174746"/>
+          </a:xfrm>
+          <a:prstGeom prst="rect">
+            <a:avLst/>
+          </a:prstGeom>
+          <a:ln w="38100">
+            <a:solidFill>
+              <a:schemeClr val="bg1"/>
+            </a:solidFill>
+          </a:ln>
+        </p:spPr>
+        <p:style>
+          <a:lnRef idx="2">
+            <a:schemeClr val="accent6"/>
+          </a:lnRef>
+          <a:fillRef idx="1">
+            <a:schemeClr val="lt1"/>
+          </a:fillRef>
+          <a:effectRef idx="0">
+            <a:schemeClr val="accent6"/>
+          </a:effectRef>
+          <a:fontRef idx="minor">
+            <a:schemeClr val="dk1"/>
+          </a:fontRef>
+        </p:style>
+        <p:txBody>
+          <a:bodyPr rtlCol="0" anchor="ctr"/>
+          <a:lstStyle/>
+          <a:p>
+            <a:r>
+              <a:rPr lang="fi-FI" u="sng" dirty="0" smtClean="0">
+                <a:solidFill>
+                  <a:schemeClr val="accent1"/>
+                </a:solidFill>
+              </a:rPr>
+              <a:t>Muokkaa</a:t>
+            </a:r>
+            <a:endParaRPr lang="fi-FI" u="sng" dirty="0">
+              <a:solidFill>
+                <a:schemeClr val="accent1"/>
+              </a:solidFill>
+            </a:endParaRPr>
+          </a:p>
+        </p:txBody>
+      </p:sp>
+      <p:sp>
+        <p:nvSpPr>
+          <p:cNvPr id="36" name="Rectangle 35"/>
+          <p:cNvSpPr/>
+          <p:nvPr/>
+        </p:nvSpPr>
+        <p:spPr>
+          <a:xfrm>
+            <a:off x="5247813" y="3086142"/>
+            <a:ext cx="1987550" cy="209550"/>
+          </a:xfrm>
+          <a:prstGeom prst="rect">
+            <a:avLst/>
+          </a:prstGeom>
+          <a:ln w="38100">
+            <a:solidFill>
+              <a:schemeClr val="bg1"/>
+            </a:solidFill>
+          </a:ln>
+        </p:spPr>
+        <p:style>
+          <a:lnRef idx="2">
+            <a:schemeClr val="accent6"/>
+          </a:lnRef>
+          <a:fillRef idx="1">
+            <a:schemeClr val="lt1"/>
+          </a:fillRef>
+          <a:effectRef idx="0">
+            <a:schemeClr val="accent6"/>
+          </a:effectRef>
+          <a:fontRef idx="minor">
+            <a:schemeClr val="dk1"/>
+          </a:fontRef>
+        </p:style>
+        <p:txBody>
+          <a:bodyPr rtlCol="0" anchor="ctr"/>
+          <a:lstStyle/>
+          <a:p>
+            <a:r>
+              <a:rPr lang="fi-FI" u="sng" dirty="0" smtClean="0">
+                <a:solidFill>
+                  <a:schemeClr val="accent1"/>
+                </a:solidFill>
+              </a:rPr>
+              <a:t>Poista</a:t>
+            </a:r>
+            <a:endParaRPr lang="fi-FI" u="sng" dirty="0">
+              <a:solidFill>
+                <a:schemeClr val="accent1"/>
+              </a:solidFill>
+            </a:endParaRPr>
+          </a:p>
+        </p:txBody>
+      </p:sp>
+      <p:sp>
+        <p:nvSpPr>
+          <p:cNvPr id="37" name="Rectangle 36"/>
+          <p:cNvSpPr/>
+          <p:nvPr/>
+        </p:nvSpPr>
+        <p:spPr>
+          <a:xfrm>
+            <a:off x="4066713" y="4146710"/>
+            <a:ext cx="1987550" cy="209550"/>
+          </a:xfrm>
+          <a:prstGeom prst="rect">
+            <a:avLst/>
+          </a:prstGeom>
+          <a:ln w="38100">
+            <a:solidFill>
+              <a:schemeClr val="bg1"/>
+            </a:solidFill>
+          </a:ln>
+        </p:spPr>
+        <p:style>
+          <a:lnRef idx="2">
+            <a:schemeClr val="accent6"/>
+          </a:lnRef>
+          <a:fillRef idx="1">
+            <a:schemeClr val="lt1"/>
+          </a:fillRef>
+          <a:effectRef idx="0">
+            <a:schemeClr val="accent6"/>
+          </a:effectRef>
+          <a:fontRef idx="minor">
+            <a:schemeClr val="dk1"/>
+          </a:fontRef>
+        </p:style>
+        <p:txBody>
+          <a:bodyPr rtlCol="0" anchor="ctr"/>
+          <a:lstStyle/>
+          <a:p>
+            <a:r>
+              <a:rPr lang="fi-FI" dirty="0" smtClean="0"/>
+              <a:t>Puhelinnumero</a:t>
+            </a:r>
+            <a:endParaRPr lang="fi-FI" dirty="0"/>
+          </a:p>
+        </p:txBody>
+      </p:sp>
+      <p:sp>
+        <p:nvSpPr>
+          <p:cNvPr id="38" name="Rectangle 37"/>
+          <p:cNvSpPr/>
+          <p:nvPr/>
+        </p:nvSpPr>
+        <p:spPr>
+          <a:xfrm>
+            <a:off x="4066713" y="3800872"/>
+            <a:ext cx="1987550" cy="209550"/>
+          </a:xfrm>
+          <a:prstGeom prst="rect">
+            <a:avLst/>
+          </a:prstGeom>
+          <a:ln w="38100">
+            <a:solidFill>
+              <a:schemeClr val="bg1"/>
+            </a:solidFill>
+          </a:ln>
+        </p:spPr>
+        <p:style>
+          <a:lnRef idx="2">
+            <a:schemeClr val="accent6"/>
+          </a:lnRef>
+          <a:fillRef idx="1">
+            <a:schemeClr val="lt1"/>
+          </a:fillRef>
+          <a:effectRef idx="0">
+            <a:schemeClr val="accent6"/>
+          </a:effectRef>
+          <a:fontRef idx="minor">
+            <a:schemeClr val="dk1"/>
+          </a:fontRef>
+        </p:style>
+        <p:txBody>
+          <a:bodyPr rtlCol="0" anchor="ctr"/>
+          <a:lstStyle/>
+          <a:p>
+            <a:r>
+              <a:rPr lang="fi-FI" dirty="0" smtClean="0"/>
+              <a:t>Käyttäjä nro 2</a:t>
+            </a:r>
+            <a:endParaRPr lang="fi-FI" dirty="0"/>
+          </a:p>
+        </p:txBody>
+      </p:sp>
+      <p:sp>
+        <p:nvSpPr>
+          <p:cNvPr id="39" name="Rectangle 38"/>
+          <p:cNvSpPr/>
+          <p:nvPr/>
+        </p:nvSpPr>
+        <p:spPr>
+          <a:xfrm>
+            <a:off x="6105063" y="3800872"/>
+            <a:ext cx="1987550" cy="209550"/>
+          </a:xfrm>
+          <a:prstGeom prst="rect">
+            <a:avLst/>
+          </a:prstGeom>
+          <a:ln w="38100">
+            <a:solidFill>
+              <a:schemeClr val="bg1"/>
+            </a:solidFill>
+          </a:ln>
+        </p:spPr>
+        <p:style>
+          <a:lnRef idx="2">
+            <a:schemeClr val="accent6"/>
+          </a:lnRef>
+          <a:fillRef idx="1">
+            <a:schemeClr val="lt1"/>
+          </a:fillRef>
+          <a:effectRef idx="0">
+            <a:schemeClr val="accent6"/>
+          </a:effectRef>
+          <a:fontRef idx="minor">
+            <a:schemeClr val="dk1"/>
+          </a:fontRef>
+        </p:style>
+        <p:txBody>
+          <a:bodyPr rtlCol="0" anchor="ctr"/>
+          <a:lstStyle/>
+          <a:p>
+            <a:r>
+              <a:rPr lang="fi-FI" dirty="0" smtClean="0"/>
+              <a:t>Sähköposti</a:t>
+            </a:r>
+            <a:endParaRPr lang="fi-FI" dirty="0"/>
+          </a:p>
+        </p:txBody>
+      </p:sp>
+      <p:sp>
+        <p:nvSpPr>
+          <p:cNvPr id="40" name="Rectangle 39"/>
+          <p:cNvSpPr/>
+          <p:nvPr/>
+        </p:nvSpPr>
+        <p:spPr>
+          <a:xfrm>
+            <a:off x="6105063" y="4146710"/>
+            <a:ext cx="1987550" cy="209550"/>
+          </a:xfrm>
+          <a:prstGeom prst="rect">
+            <a:avLst/>
+          </a:prstGeom>
+          <a:ln w="38100">
+            <a:solidFill>
+              <a:schemeClr val="bg1"/>
+            </a:solidFill>
+          </a:ln>
+        </p:spPr>
+        <p:style>
+          <a:lnRef idx="2">
+            <a:schemeClr val="accent6"/>
+          </a:lnRef>
+          <a:fillRef idx="1">
+            <a:schemeClr val="lt1"/>
+          </a:fillRef>
+          <a:effectRef idx="0">
+            <a:schemeClr val="accent6"/>
+          </a:effectRef>
+          <a:fontRef idx="minor">
+            <a:schemeClr val="dk1"/>
+          </a:fontRef>
+        </p:style>
+        <p:txBody>
+          <a:bodyPr rtlCol="0" anchor="ctr"/>
+          <a:lstStyle/>
+          <a:p>
+            <a:r>
+              <a:rPr lang="fi-FI" dirty="0" smtClean="0"/>
+              <a:t>Konepaikka</a:t>
+            </a:r>
+            <a:endParaRPr lang="fi-FI" dirty="0"/>
+          </a:p>
+        </p:txBody>
+      </p:sp>
+      <p:sp>
+        <p:nvSpPr>
+          <p:cNvPr id="41" name="Rectangle 40"/>
+          <p:cNvSpPr/>
+          <p:nvPr/>
+        </p:nvSpPr>
+        <p:spPr>
+          <a:xfrm>
+            <a:off x="4092113" y="4492547"/>
+            <a:ext cx="2870200" cy="298527"/>
+          </a:xfrm>
+          <a:prstGeom prst="rect">
+            <a:avLst/>
+          </a:prstGeom>
+          <a:ln w="38100">
+            <a:solidFill>
+              <a:schemeClr val="bg1"/>
+            </a:solidFill>
+          </a:ln>
+        </p:spPr>
+        <p:style>
+          <a:lnRef idx="2">
+            <a:schemeClr val="accent6"/>
+          </a:lnRef>
+          <a:fillRef idx="1">
+            <a:schemeClr val="lt1"/>
+          </a:fillRef>
+          <a:effectRef idx="0">
+            <a:schemeClr val="accent6"/>
+          </a:effectRef>
+          <a:fontRef idx="minor">
+            <a:schemeClr val="dk1"/>
+          </a:fontRef>
+        </p:style>
+        <p:txBody>
+          <a:bodyPr rtlCol="0" anchor="ctr"/>
+          <a:lstStyle/>
+          <a:p>
+            <a:r>
+              <a:rPr lang="fi-FI" dirty="0" smtClean="0"/>
+              <a:t>Ilmoittautuuko turnaukseen</a:t>
+            </a:r>
+            <a:endParaRPr lang="fi-FI" dirty="0"/>
+          </a:p>
+        </p:txBody>
+      </p:sp>
+      <p:sp>
+        <p:nvSpPr>
+          <p:cNvPr id="42" name="Rectangle 41"/>
+          <p:cNvSpPr/>
+          <p:nvPr/>
+        </p:nvSpPr>
+        <p:spPr>
+          <a:xfrm>
+            <a:off x="4057188" y="3664584"/>
+            <a:ext cx="4076700" cy="1478916"/>
+          </a:xfrm>
+          <a:prstGeom prst="rect">
+            <a:avLst/>
+          </a:prstGeom>
+          <a:noFill/>
+          <a:ln w="38100" cap="flat" cmpd="sng" algn="ctr">
+            <a:solidFill>
+              <a:schemeClr val="accent6"/>
+            </a:solidFill>
+            <a:prstDash val="solid"/>
+            <a:round/>
+            <a:headEnd type="none" w="med" len="med"/>
+            <a:tailEnd type="none" w="med" len="med"/>
+          </a:ln>
+        </p:spPr>
+        <p:style>
+          <a:lnRef idx="0">
+            <a:scrgbClr r="0" g="0" b="0"/>
+          </a:lnRef>
+          <a:fillRef idx="0">
+            <a:scrgbClr r="0" g="0" b="0"/>
+          </a:fillRef>
+          <a:effectRef idx="0">
+            <a:scrgbClr r="0" g="0" b="0"/>
+          </a:effectRef>
+          <a:fontRef idx="minor">
+            <a:schemeClr val="accent6"/>
+          </a:fontRef>
+        </p:style>
+        <p:txBody>
+          <a:bodyPr rtlCol="0" anchor="ctr"/>
+          <a:lstStyle/>
+          <a:p>
+            <a:pPr algn="ctr"/>
+            <a:endParaRPr lang="fi-FI"/>
+          </a:p>
+        </p:txBody>
+      </p:sp>
+      <p:sp>
+        <p:nvSpPr>
+          <p:cNvPr id="43" name="Rectangle 42"/>
+          <p:cNvSpPr/>
+          <p:nvPr/>
+        </p:nvSpPr>
+        <p:spPr>
+          <a:xfrm>
+            <a:off x="4095288" y="4822586"/>
+            <a:ext cx="1162050" cy="187606"/>
+          </a:xfrm>
+          <a:prstGeom prst="rect">
+            <a:avLst/>
+          </a:prstGeom>
+          <a:ln w="38100">
+            <a:solidFill>
+              <a:schemeClr val="bg1"/>
+            </a:solidFill>
+          </a:ln>
+        </p:spPr>
+        <p:style>
+          <a:lnRef idx="2">
+            <a:schemeClr val="accent6"/>
+          </a:lnRef>
+          <a:fillRef idx="1">
+            <a:schemeClr val="lt1"/>
+          </a:fillRef>
+          <a:effectRef idx="0">
+            <a:schemeClr val="accent6"/>
+          </a:effectRef>
+          <a:fontRef idx="minor">
+            <a:schemeClr val="dk1"/>
+          </a:fontRef>
+        </p:style>
+        <p:txBody>
+          <a:bodyPr rtlCol="0" anchor="ctr"/>
+          <a:lstStyle/>
+          <a:p>
+            <a:r>
+              <a:rPr lang="fi-FI" u="sng" dirty="0" smtClean="0">
+                <a:solidFill>
+                  <a:schemeClr val="accent1"/>
+                </a:solidFill>
+              </a:rPr>
+              <a:t>Muokkaa</a:t>
+            </a:r>
+            <a:endParaRPr lang="fi-FI" u="sng" dirty="0">
+              <a:solidFill>
+                <a:schemeClr val="accent1"/>
+              </a:solidFill>
+            </a:endParaRPr>
+          </a:p>
+        </p:txBody>
+      </p:sp>
+      <p:sp>
+        <p:nvSpPr>
+          <p:cNvPr id="44" name="Rectangle 43"/>
+          <p:cNvSpPr/>
+          <p:nvPr/>
+        </p:nvSpPr>
+        <p:spPr>
+          <a:xfrm>
+            <a:off x="5257338" y="4800642"/>
+            <a:ext cx="1987550" cy="209550"/>
+          </a:xfrm>
+          <a:prstGeom prst="rect">
+            <a:avLst/>
+          </a:prstGeom>
+          <a:ln w="38100">
+            <a:solidFill>
+              <a:schemeClr val="bg1"/>
+            </a:solidFill>
+          </a:ln>
+        </p:spPr>
+        <p:style>
+          <a:lnRef idx="2">
+            <a:schemeClr val="accent6"/>
+          </a:lnRef>
+          <a:fillRef idx="1">
+            <a:schemeClr val="lt1"/>
+          </a:fillRef>
+          <a:effectRef idx="0">
+            <a:schemeClr val="accent6"/>
+          </a:effectRef>
+          <a:fontRef idx="minor">
+            <a:schemeClr val="dk1"/>
+          </a:fontRef>
+        </p:style>
+        <p:txBody>
+          <a:bodyPr rtlCol="0" anchor="ctr"/>
+          <a:lstStyle/>
+          <a:p>
+            <a:r>
+              <a:rPr lang="fi-FI" u="sng" dirty="0" smtClean="0">
+                <a:solidFill>
+                  <a:schemeClr val="accent1"/>
+                </a:solidFill>
+              </a:rPr>
+              <a:t>Poista</a:t>
+            </a:r>
+            <a:endParaRPr lang="fi-FI" u="sng" dirty="0">
+              <a:solidFill>
+                <a:schemeClr val="accent1"/>
+              </a:solidFill>
+            </a:endParaRPr>
+          </a:p>
+        </p:txBody>
+      </p:sp>
+      <p:sp>
+        <p:nvSpPr>
+          <p:cNvPr id="45" name="Rectangle 44"/>
+          <p:cNvSpPr/>
+          <p:nvPr/>
+        </p:nvSpPr>
+        <p:spPr>
+          <a:xfrm>
+            <a:off x="4076238" y="5831884"/>
+            <a:ext cx="1987550" cy="209550"/>
+          </a:xfrm>
+          <a:prstGeom prst="rect">
+            <a:avLst/>
+          </a:prstGeom>
+          <a:ln w="38100">
+            <a:solidFill>
+              <a:schemeClr val="bg1"/>
+            </a:solidFill>
+          </a:ln>
+        </p:spPr>
+        <p:style>
+          <a:lnRef idx="2">
+            <a:schemeClr val="accent6"/>
+          </a:lnRef>
+          <a:fillRef idx="1">
+            <a:schemeClr val="lt1"/>
+          </a:fillRef>
+          <a:effectRef idx="0">
+            <a:schemeClr val="accent6"/>
+          </a:effectRef>
+          <a:fontRef idx="minor">
+            <a:schemeClr val="dk1"/>
+          </a:fontRef>
+        </p:style>
+        <p:txBody>
+          <a:bodyPr rtlCol="0" anchor="ctr"/>
+          <a:lstStyle/>
+          <a:p>
+            <a:r>
+              <a:rPr lang="fi-FI" dirty="0" smtClean="0"/>
+              <a:t>Puhelinnumero</a:t>
+            </a:r>
+            <a:endParaRPr lang="fi-FI" dirty="0"/>
+          </a:p>
+        </p:txBody>
+      </p:sp>
+      <p:sp>
+        <p:nvSpPr>
+          <p:cNvPr id="46" name="Rectangle 45"/>
+          <p:cNvSpPr/>
+          <p:nvPr/>
+        </p:nvSpPr>
+        <p:spPr>
+          <a:xfrm>
+            <a:off x="4076238" y="5486046"/>
+            <a:ext cx="1987550" cy="209550"/>
+          </a:xfrm>
+          <a:prstGeom prst="rect">
+            <a:avLst/>
+          </a:prstGeom>
+          <a:ln w="38100">
+            <a:solidFill>
+              <a:schemeClr val="bg1"/>
+            </a:solidFill>
+          </a:ln>
+        </p:spPr>
+        <p:style>
+          <a:lnRef idx="2">
+            <a:schemeClr val="accent6"/>
+          </a:lnRef>
+          <a:fillRef idx="1">
+            <a:schemeClr val="lt1"/>
+          </a:fillRef>
+          <a:effectRef idx="0">
+            <a:schemeClr val="accent6"/>
+          </a:effectRef>
+          <a:fontRef idx="minor">
+            <a:schemeClr val="dk1"/>
+          </a:fontRef>
+        </p:style>
+        <p:txBody>
+          <a:bodyPr rtlCol="0" anchor="ctr"/>
+          <a:lstStyle/>
+          <a:p>
+            <a:r>
+              <a:rPr lang="fi-FI" dirty="0" smtClean="0"/>
+              <a:t>Käyttäjä nro 3</a:t>
+            </a:r>
+            <a:endParaRPr lang="fi-FI" dirty="0"/>
+          </a:p>
+        </p:txBody>
+      </p:sp>
+      <p:sp>
+        <p:nvSpPr>
+          <p:cNvPr id="47" name="Rectangle 46"/>
+          <p:cNvSpPr/>
+          <p:nvPr/>
+        </p:nvSpPr>
+        <p:spPr>
+          <a:xfrm>
+            <a:off x="6114588" y="5486046"/>
+            <a:ext cx="1987550" cy="209550"/>
+          </a:xfrm>
+          <a:prstGeom prst="rect">
+            <a:avLst/>
+          </a:prstGeom>
+          <a:ln w="38100">
+            <a:solidFill>
+              <a:schemeClr val="bg1"/>
+            </a:solidFill>
+          </a:ln>
+        </p:spPr>
+        <p:style>
+          <a:lnRef idx="2">
+            <a:schemeClr val="accent6"/>
+          </a:lnRef>
+          <a:fillRef idx="1">
+            <a:schemeClr val="lt1"/>
+          </a:fillRef>
+          <a:effectRef idx="0">
+            <a:schemeClr val="accent6"/>
+          </a:effectRef>
+          <a:fontRef idx="minor">
+            <a:schemeClr val="dk1"/>
+          </a:fontRef>
+        </p:style>
+        <p:txBody>
+          <a:bodyPr rtlCol="0" anchor="ctr"/>
+          <a:lstStyle/>
+          <a:p>
+            <a:r>
+              <a:rPr lang="fi-FI" dirty="0" smtClean="0"/>
+              <a:t>Sähköposti</a:t>
+            </a:r>
+            <a:endParaRPr lang="fi-FI" dirty="0"/>
+          </a:p>
+        </p:txBody>
+      </p:sp>
+      <p:sp>
+        <p:nvSpPr>
+          <p:cNvPr id="48" name="Rectangle 47"/>
+          <p:cNvSpPr/>
+          <p:nvPr/>
+        </p:nvSpPr>
+        <p:spPr>
+          <a:xfrm>
+            <a:off x="6114588" y="5831884"/>
+            <a:ext cx="1987550" cy="209550"/>
+          </a:xfrm>
+          <a:prstGeom prst="rect">
+            <a:avLst/>
+          </a:prstGeom>
+          <a:ln w="38100">
+            <a:solidFill>
+              <a:schemeClr val="bg1"/>
+            </a:solidFill>
+          </a:ln>
+        </p:spPr>
+        <p:style>
+          <a:lnRef idx="2">
+            <a:schemeClr val="accent6"/>
+          </a:lnRef>
+          <a:fillRef idx="1">
+            <a:schemeClr val="lt1"/>
+          </a:fillRef>
+          <a:effectRef idx="0">
+            <a:schemeClr val="accent6"/>
+          </a:effectRef>
+          <a:fontRef idx="minor">
+            <a:schemeClr val="dk1"/>
+          </a:fontRef>
+        </p:style>
+        <p:txBody>
+          <a:bodyPr rtlCol="0" anchor="ctr"/>
+          <a:lstStyle/>
+          <a:p>
+            <a:r>
+              <a:rPr lang="fi-FI" dirty="0" smtClean="0"/>
+              <a:t>Konepaikka</a:t>
+            </a:r>
+            <a:endParaRPr lang="fi-FI" dirty="0"/>
+          </a:p>
+        </p:txBody>
+      </p:sp>
+      <p:sp>
+        <p:nvSpPr>
+          <p:cNvPr id="49" name="Rectangle 48"/>
+          <p:cNvSpPr/>
+          <p:nvPr/>
+        </p:nvSpPr>
+        <p:spPr>
+          <a:xfrm>
+            <a:off x="4101638" y="6177721"/>
+            <a:ext cx="2870200" cy="298527"/>
+          </a:xfrm>
+          <a:prstGeom prst="rect">
+            <a:avLst/>
+          </a:prstGeom>
+          <a:ln w="38100">
+            <a:solidFill>
+              <a:schemeClr val="bg1"/>
+            </a:solidFill>
+          </a:ln>
+        </p:spPr>
+        <p:style>
+          <a:lnRef idx="2">
+            <a:schemeClr val="accent6"/>
+          </a:lnRef>
+          <a:fillRef idx="1">
+            <a:schemeClr val="lt1"/>
+          </a:fillRef>
+          <a:effectRef idx="0">
+            <a:schemeClr val="accent6"/>
+          </a:effectRef>
+          <a:fontRef idx="minor">
+            <a:schemeClr val="dk1"/>
+          </a:fontRef>
+        </p:style>
+        <p:txBody>
+          <a:bodyPr rtlCol="0" anchor="ctr"/>
+          <a:lstStyle/>
+          <a:p>
+            <a:r>
+              <a:rPr lang="fi-FI" dirty="0" smtClean="0"/>
+              <a:t>Ilmoittautuuko turnaukseen</a:t>
+            </a:r>
+            <a:endParaRPr lang="fi-FI" dirty="0"/>
+          </a:p>
+        </p:txBody>
+      </p:sp>
+      <p:sp>
+        <p:nvSpPr>
+          <p:cNvPr id="50" name="Rectangle 49"/>
+          <p:cNvSpPr/>
+          <p:nvPr/>
+        </p:nvSpPr>
+        <p:spPr>
+          <a:xfrm>
+            <a:off x="4066713" y="5349758"/>
+            <a:ext cx="4076700" cy="1508242"/>
+          </a:xfrm>
+          <a:prstGeom prst="rect">
+            <a:avLst/>
+          </a:prstGeom>
+          <a:noFill/>
+          <a:ln w="38100" cap="flat" cmpd="sng" algn="ctr">
+            <a:solidFill>
+              <a:schemeClr val="accent6"/>
+            </a:solidFill>
+            <a:prstDash val="solid"/>
+            <a:round/>
+            <a:headEnd type="none" w="med" len="med"/>
+            <a:tailEnd type="none" w="med" len="med"/>
+          </a:ln>
+        </p:spPr>
+        <p:style>
+          <a:lnRef idx="0">
+            <a:scrgbClr r="0" g="0" b="0"/>
+          </a:lnRef>
+          <a:fillRef idx="0">
+            <a:scrgbClr r="0" g="0" b="0"/>
+          </a:fillRef>
+          <a:effectRef idx="0">
+            <a:scrgbClr r="0" g="0" b="0"/>
+          </a:effectRef>
+          <a:fontRef idx="minor">
+            <a:schemeClr val="accent6"/>
+          </a:fontRef>
+        </p:style>
+        <p:txBody>
+          <a:bodyPr rtlCol="0" anchor="ctr"/>
+          <a:lstStyle/>
+          <a:p>
+            <a:pPr algn="ctr"/>
+            <a:endParaRPr lang="fi-FI"/>
+          </a:p>
+        </p:txBody>
+      </p:sp>
+      <p:sp>
+        <p:nvSpPr>
+          <p:cNvPr id="51" name="Rectangle 50"/>
+          <p:cNvSpPr/>
+          <p:nvPr/>
+        </p:nvSpPr>
+        <p:spPr>
+          <a:xfrm>
+            <a:off x="4101637" y="6507760"/>
+            <a:ext cx="1165225" cy="197174"/>
+          </a:xfrm>
+          <a:prstGeom prst="rect">
+            <a:avLst/>
+          </a:prstGeom>
+          <a:ln w="38100">
+            <a:solidFill>
+              <a:schemeClr val="bg1"/>
+            </a:solidFill>
+          </a:ln>
+        </p:spPr>
+        <p:style>
+          <a:lnRef idx="2">
+            <a:schemeClr val="accent6"/>
+          </a:lnRef>
+          <a:fillRef idx="1">
+            <a:schemeClr val="lt1"/>
+          </a:fillRef>
+          <a:effectRef idx="0">
+            <a:schemeClr val="accent6"/>
+          </a:effectRef>
+          <a:fontRef idx="minor">
+            <a:schemeClr val="dk1"/>
+          </a:fontRef>
+        </p:style>
+        <p:txBody>
+          <a:bodyPr rtlCol="0" anchor="ctr"/>
+          <a:lstStyle/>
+          <a:p>
+            <a:r>
+              <a:rPr lang="fi-FI" u="sng" dirty="0" smtClean="0">
+                <a:solidFill>
+                  <a:schemeClr val="accent1"/>
+                </a:solidFill>
+              </a:rPr>
+              <a:t>Muokkaa</a:t>
+            </a:r>
+            <a:endParaRPr lang="fi-FI" u="sng" dirty="0">
+              <a:solidFill>
+                <a:schemeClr val="accent1"/>
+              </a:solidFill>
+            </a:endParaRPr>
+          </a:p>
+        </p:txBody>
+      </p:sp>
+      <p:sp>
+        <p:nvSpPr>
+          <p:cNvPr id="52" name="Rectangle 51"/>
+          <p:cNvSpPr/>
+          <p:nvPr/>
+        </p:nvSpPr>
+        <p:spPr>
+          <a:xfrm>
+            <a:off x="5266863" y="6485816"/>
+            <a:ext cx="1987550" cy="209550"/>
+          </a:xfrm>
+          <a:prstGeom prst="rect">
+            <a:avLst/>
+          </a:prstGeom>
+          <a:ln w="38100">
+            <a:solidFill>
+              <a:schemeClr val="bg1"/>
+            </a:solidFill>
+          </a:ln>
+        </p:spPr>
+        <p:style>
+          <a:lnRef idx="2">
+            <a:schemeClr val="accent6"/>
+          </a:lnRef>
+          <a:fillRef idx="1">
+            <a:schemeClr val="lt1"/>
+          </a:fillRef>
+          <a:effectRef idx="0">
+            <a:schemeClr val="accent6"/>
+          </a:effectRef>
+          <a:fontRef idx="minor">
+            <a:schemeClr val="dk1"/>
+          </a:fontRef>
+        </p:style>
+        <p:txBody>
+          <a:bodyPr rtlCol="0" anchor="ctr"/>
+          <a:lstStyle/>
+          <a:p>
+            <a:r>
+              <a:rPr lang="fi-FI" u="sng" dirty="0" smtClean="0">
+                <a:solidFill>
+                  <a:schemeClr val="accent1"/>
+                </a:solidFill>
+              </a:rPr>
+              <a:t>Poista</a:t>
+            </a:r>
+            <a:endParaRPr lang="fi-FI" u="sng" dirty="0">
+              <a:solidFill>
+                <a:schemeClr val="accent1"/>
+              </a:solidFill>
+            </a:endParaRPr>
+          </a:p>
+        </p:txBody>
+      </p:sp>
+      <p:sp>
+        <p:nvSpPr>
+          <p:cNvPr id="29" name="Rectangle 28"/>
+          <p:cNvSpPr/>
+          <p:nvPr/>
+        </p:nvSpPr>
+        <p:spPr>
+          <a:xfrm>
+            <a:off x="3403600" y="2219363"/>
+            <a:ext cx="5367867" cy="1828802"/>
+          </a:xfrm>
+          <a:prstGeom prst="rect">
+            <a:avLst/>
+          </a:prstGeom>
+          <a:ln w="38100"/>
+        </p:spPr>
+        <p:style>
+          <a:lnRef idx="2">
+            <a:schemeClr val="accent6"/>
+          </a:lnRef>
+          <a:fillRef idx="1">
+            <a:schemeClr val="lt1"/>
+          </a:fillRef>
+          <a:effectRef idx="0">
+            <a:schemeClr val="accent6"/>
+          </a:effectRef>
+          <a:fontRef idx="minor">
+            <a:schemeClr val="dk1"/>
+          </a:fontRef>
+        </p:style>
+        <p:txBody>
+          <a:bodyPr rtlCol="0" anchor="ctr"/>
+          <a:lstStyle/>
+          <a:p>
+            <a:pPr algn="ctr"/>
+            <a:endParaRPr lang="fi-FI"/>
+          </a:p>
+        </p:txBody>
+      </p:sp>
+      <p:sp>
+        <p:nvSpPr>
+          <p:cNvPr id="31" name="Rectangle 30"/>
+          <p:cNvSpPr/>
+          <p:nvPr/>
+        </p:nvSpPr>
+        <p:spPr>
+          <a:xfrm>
+            <a:off x="4101637" y="2288246"/>
+            <a:ext cx="4010487" cy="283543"/>
+          </a:xfrm>
+          <a:prstGeom prst="rect">
+            <a:avLst/>
+          </a:prstGeom>
+          <a:ln w="38100">
+            <a:solidFill>
+              <a:schemeClr val="bg1"/>
+            </a:solidFill>
+          </a:ln>
+        </p:spPr>
+        <p:style>
+          <a:lnRef idx="2">
+            <a:schemeClr val="accent6"/>
+          </a:lnRef>
+          <a:fillRef idx="1">
+            <a:schemeClr val="lt1"/>
+          </a:fillRef>
+          <a:effectRef idx="0">
+            <a:schemeClr val="accent6"/>
+          </a:effectRef>
+          <a:fontRef idx="minor">
+            <a:schemeClr val="dk1"/>
+          </a:fontRef>
+        </p:style>
+        <p:txBody>
+          <a:bodyPr rtlCol="0" anchor="ctr"/>
+          <a:lstStyle/>
+          <a:p>
+            <a:pPr algn="ctr"/>
+            <a:r>
+              <a:rPr lang="fi-FI" sz="2000" dirty="0" smtClean="0"/>
+              <a:t>Ilmoittautumisen poistaminen</a:t>
+            </a:r>
+            <a:endParaRPr lang="fi-FI" sz="2000" dirty="0"/>
+          </a:p>
+        </p:txBody>
+      </p:sp>
+      <p:sp>
+        <p:nvSpPr>
+          <p:cNvPr id="32" name="Rectangle 31"/>
+          <p:cNvSpPr/>
+          <p:nvPr/>
+        </p:nvSpPr>
+        <p:spPr>
+          <a:xfrm>
+            <a:off x="4419600" y="2797271"/>
+            <a:ext cx="3630381" cy="507506"/>
+          </a:xfrm>
+          <a:prstGeom prst="rect">
+            <a:avLst/>
+          </a:prstGeom>
+          <a:ln w="38100">
+            <a:solidFill>
+              <a:schemeClr val="bg1"/>
+            </a:solidFill>
+          </a:ln>
+        </p:spPr>
+        <p:style>
+          <a:lnRef idx="2">
+            <a:schemeClr val="accent6"/>
+          </a:lnRef>
+          <a:fillRef idx="1">
+            <a:schemeClr val="lt1"/>
+          </a:fillRef>
+          <a:effectRef idx="0">
+            <a:schemeClr val="accent6"/>
+          </a:effectRef>
+          <a:fontRef idx="minor">
+            <a:schemeClr val="dk1"/>
+          </a:fontRef>
+        </p:style>
+        <p:txBody>
+          <a:bodyPr rtlCol="0" anchor="ctr"/>
+          <a:lstStyle/>
+          <a:p>
+            <a:pPr algn="ctr"/>
+            <a:r>
+              <a:rPr lang="fi-FI" sz="2000" dirty="0" smtClean="0"/>
+              <a:t>Haluatko varmasti poistaa Käyttäjän nro 2?</a:t>
+            </a:r>
+            <a:endParaRPr lang="fi-FI" sz="2000" dirty="0"/>
+          </a:p>
+        </p:txBody>
+      </p:sp>
+      <p:sp>
+        <p:nvSpPr>
+          <p:cNvPr id="34" name="Rounded Rectangle 33"/>
+          <p:cNvSpPr/>
+          <p:nvPr/>
+        </p:nvSpPr>
+        <p:spPr>
+          <a:xfrm>
+            <a:off x="6216188" y="3520956"/>
+            <a:ext cx="1833793" cy="374370"/>
+          </a:xfrm>
+          <a:prstGeom prst="roundRect">
+            <a:avLst/>
+          </a:prstGeom>
+          <a:ln w="38100"/>
+        </p:spPr>
+        <p:style>
+          <a:lnRef idx="2">
+            <a:schemeClr val="accent6"/>
+          </a:lnRef>
+          <a:fillRef idx="1">
+            <a:schemeClr val="lt1"/>
+          </a:fillRef>
+          <a:effectRef idx="0">
+            <a:schemeClr val="accent6"/>
+          </a:effectRef>
+          <a:fontRef idx="minor">
+            <a:schemeClr val="dk1"/>
+          </a:fontRef>
+        </p:style>
+        <p:txBody>
+          <a:bodyPr rtlCol="0" anchor="ctr"/>
+          <a:lstStyle/>
+          <a:p>
+            <a:pPr algn="ctr"/>
+            <a:r>
+              <a:rPr lang="fi-FI" dirty="0" smtClean="0"/>
+              <a:t>Poista</a:t>
+            </a:r>
+            <a:endParaRPr lang="fi-FI" dirty="0"/>
+          </a:p>
+        </p:txBody>
+      </p:sp>
+      <p:sp>
+        <p:nvSpPr>
+          <p:cNvPr id="53" name="Rounded Rectangle 52"/>
+          <p:cNvSpPr/>
+          <p:nvPr/>
+        </p:nvSpPr>
+        <p:spPr>
+          <a:xfrm>
+            <a:off x="4233333" y="3524280"/>
+            <a:ext cx="1751080" cy="371046"/>
           </a:xfrm>
           <a:prstGeom prst="roundRect">
             <a:avLst/>
@@ -6969,7 +7313,7 @@
     </p:spTree>
     <p:extLst>
       <p:ext uri="{BB962C8B-B14F-4D97-AF65-F5344CB8AC3E}">
-        <p14:creationId xmlns:p14="http://schemas.microsoft.com/office/powerpoint/2010/main" val="2752416442"/>
+        <p14:creationId xmlns:p14="http://schemas.microsoft.com/office/powerpoint/2010/main" val="3546054390"/>
       </p:ext>
     </p:extLst>
   </p:cSld>
@@ -7399,6 +7743,45 @@
       </p:sp>
       <p:sp>
         <p:nvSpPr>
+          <p:cNvPr id="4" name="Rectangle 3"/>
+          <p:cNvSpPr/>
+          <p:nvPr/>
+        </p:nvSpPr>
+        <p:spPr>
+          <a:xfrm flipV="1">
+            <a:off x="6069676" y="2295922"/>
+            <a:ext cx="2038350" cy="236218"/>
+          </a:xfrm>
+          <a:prstGeom prst="rect">
+            <a:avLst/>
+          </a:prstGeom>
+          <a:ln w="38100"/>
+        </p:spPr>
+        <p:style>
+          <a:lnRef idx="2">
+            <a:schemeClr val="accent6"/>
+          </a:lnRef>
+          <a:fillRef idx="1">
+            <a:schemeClr val="lt1"/>
+          </a:fillRef>
+          <a:effectRef idx="0">
+            <a:schemeClr val="accent6"/>
+          </a:effectRef>
+          <a:fontRef idx="minor">
+            <a:schemeClr val="dk1"/>
+          </a:fontRef>
+        </p:style>
+        <p:txBody>
+          <a:bodyPr rtlCol="0" anchor="ctr"/>
+          <a:lstStyle/>
+          <a:p>
+            <a:pPr algn="ctr"/>
+            <a:endParaRPr lang="fi-FI"/>
+          </a:p>
+        </p:txBody>
+      </p:sp>
+      <p:sp>
+        <p:nvSpPr>
           <p:cNvPr id="5" name="Rectangle 4"/>
           <p:cNvSpPr/>
           <p:nvPr/>
@@ -7438,7 +7821,7 @@
             <a:pPr algn="r"/>
             <a:r>
               <a:rPr lang="fi-FI" dirty="0" smtClean="0"/>
-              <a:t>Turnaus nro 1</a:t>
+              <a:t>Turnauksen nimi</a:t>
             </a:r>
             <a:endParaRPr lang="fi-FI" dirty="0"/>
           </a:p>
@@ -7446,16 +7829,16 @@
       </p:sp>
       <p:sp>
         <p:nvSpPr>
-          <p:cNvPr id="12" name="Rounded Rectangle 11"/>
-          <p:cNvSpPr/>
-          <p:nvPr/>
-        </p:nvSpPr>
-        <p:spPr>
-          <a:xfrm>
-            <a:off x="6109162" y="4040968"/>
-            <a:ext cx="2012025" cy="390128"/>
-          </a:xfrm>
-          <a:prstGeom prst="roundRect">
+          <p:cNvPr id="6" name="Rectangle 5"/>
+          <p:cNvSpPr/>
+          <p:nvPr/>
+        </p:nvSpPr>
+        <p:spPr>
+          <a:xfrm flipV="1">
+            <a:off x="6069676" y="2645056"/>
+            <a:ext cx="2038350" cy="236218"/>
+          </a:xfrm>
+          <a:prstGeom prst="rect">
             <a:avLst/>
           </a:prstGeom>
           <a:ln w="38100"/>
@@ -7479,24 +7862,20 @@
           <a:lstStyle/>
           <a:p>
             <a:pPr algn="ctr"/>
-            <a:r>
-              <a:rPr lang="fi-FI" dirty="0" smtClean="0"/>
-              <a:t>Lisää uusi turnaus</a:t>
-            </a:r>
-            <a:endParaRPr lang="fi-FI" dirty="0"/>
-          </a:p>
-        </p:txBody>
-      </p:sp>
-      <p:sp>
-        <p:nvSpPr>
-          <p:cNvPr id="13" name="Rectangle 12"/>
-          <p:cNvSpPr/>
-          <p:nvPr/>
-        </p:nvSpPr>
-        <p:spPr>
-          <a:xfrm>
-            <a:off x="3874852" y="1530984"/>
-            <a:ext cx="4441371" cy="329351"/>
+            <a:endParaRPr lang="fi-FI"/>
+          </a:p>
+        </p:txBody>
+      </p:sp>
+      <p:sp>
+        <p:nvSpPr>
+          <p:cNvPr id="7" name="Rectangle 6"/>
+          <p:cNvSpPr/>
+          <p:nvPr/>
+        </p:nvSpPr>
+        <p:spPr>
+          <a:xfrm>
+            <a:off x="4031326" y="2658390"/>
+            <a:ext cx="1987550" cy="209550"/>
           </a:xfrm>
           <a:prstGeom prst="rect">
             <a:avLst/>
@@ -7525,24 +7904,63 @@
           <a:bodyPr rtlCol="0" anchor="ctr"/>
           <a:lstStyle/>
           <a:p>
+            <a:pPr algn="r"/>
+            <a:r>
+              <a:rPr lang="fi-FI" dirty="0" smtClean="0"/>
+              <a:t>Peli</a:t>
+            </a:r>
+            <a:endParaRPr lang="fi-FI" dirty="0"/>
+          </a:p>
+        </p:txBody>
+      </p:sp>
+      <p:sp>
+        <p:nvSpPr>
+          <p:cNvPr id="10" name="Rectangle 9"/>
+          <p:cNvSpPr/>
+          <p:nvPr/>
+        </p:nvSpPr>
+        <p:spPr>
+          <a:xfrm flipV="1">
+            <a:off x="6069676" y="3007524"/>
+            <a:ext cx="2038350" cy="236218"/>
+          </a:xfrm>
+          <a:prstGeom prst="rect">
+            <a:avLst/>
+          </a:prstGeom>
+          <a:ln w="38100"/>
+        </p:spPr>
+        <p:style>
+          <a:lnRef idx="2">
+            <a:schemeClr val="accent6"/>
+          </a:lnRef>
+          <a:fillRef idx="1">
+            <a:schemeClr val="lt1"/>
+          </a:fillRef>
+          <a:effectRef idx="0">
+            <a:schemeClr val="accent6"/>
+          </a:effectRef>
+          <a:fontRef idx="minor">
+            <a:schemeClr val="dk1"/>
+          </a:fontRef>
+        </p:style>
+        <p:txBody>
+          <a:bodyPr rtlCol="0" anchor="ctr"/>
+          <a:lstStyle/>
+          <a:p>
             <a:pPr algn="ctr"/>
-            <a:r>
-              <a:rPr lang="fi-FI" sz="2400" dirty="0" smtClean="0"/>
-              <a:t>Turnaukset</a:t>
-            </a:r>
-            <a:endParaRPr lang="fi-FI" sz="2400" dirty="0"/>
-          </a:p>
-        </p:txBody>
-      </p:sp>
-      <p:sp>
-        <p:nvSpPr>
-          <p:cNvPr id="17" name="Rectangle 16"/>
-          <p:cNvSpPr/>
-          <p:nvPr/>
-        </p:nvSpPr>
-        <p:spPr>
-          <a:xfrm>
-            <a:off x="4031326" y="2661681"/>
+            <a:endParaRPr lang="fi-FI"/>
+          </a:p>
+        </p:txBody>
+      </p:sp>
+      <p:sp>
+        <p:nvSpPr>
+          <p:cNvPr id="11" name="Rectangle 10"/>
+          <p:cNvSpPr/>
+          <p:nvPr/>
+        </p:nvSpPr>
+        <p:spPr>
+          <a:xfrm>
+            <a:off x="4031326" y="3034192"/>
             <a:ext cx="1987550" cy="209550"/>
           </a:xfrm>
           <a:prstGeom prst="rect">
@@ -7575,7 +7993,7 @@
             <a:pPr algn="r"/>
             <a:r>
               <a:rPr lang="fi-FI" dirty="0" smtClean="0"/>
-              <a:t>Turnaus nro 2</a:t>
+              <a:t>Kellonaika</a:t>
             </a:r>
             <a:endParaRPr lang="fi-FI" dirty="0"/>
           </a:p>
@@ -7583,14 +8001,57 @@
       </p:sp>
       <p:sp>
         <p:nvSpPr>
-          <p:cNvPr id="18" name="Rectangle 17"/>
-          <p:cNvSpPr/>
-          <p:nvPr/>
-        </p:nvSpPr>
-        <p:spPr>
-          <a:xfrm>
-            <a:off x="4031326" y="3014106"/>
-            <a:ext cx="1987550" cy="209550"/>
+          <p:cNvPr id="12" name="Rounded Rectangle 11"/>
+          <p:cNvSpPr/>
+          <p:nvPr/>
+        </p:nvSpPr>
+        <p:spPr>
+          <a:xfrm>
+            <a:off x="6122325" y="5355418"/>
+            <a:ext cx="2012025" cy="390128"/>
+          </a:xfrm>
+          <a:prstGeom prst="roundRect">
+            <a:avLst/>
+          </a:prstGeom>
+          <a:ln w="38100"/>
+        </p:spPr>
+        <p:style>
+          <a:lnRef idx="2">
+            <a:schemeClr val="accent6"/>
+          </a:lnRef>
+          <a:fillRef idx="1">
+            <a:schemeClr val="lt1"/>
+          </a:fillRef>
+          <a:effectRef idx="0">
+            <a:schemeClr val="accent6"/>
+          </a:effectRef>
+          <a:fontRef idx="minor">
+            <a:schemeClr val="dk1"/>
+          </a:fontRef>
+        </p:style>
+        <p:txBody>
+          <a:bodyPr rtlCol="0" anchor="ctr"/>
+          <a:lstStyle/>
+          <a:p>
+            <a:pPr algn="ctr"/>
+            <a:r>
+              <a:rPr lang="fi-FI" dirty="0" smtClean="0"/>
+              <a:t>Lisää turnaus</a:t>
+            </a:r>
+            <a:endParaRPr lang="fi-FI" dirty="0"/>
+          </a:p>
+        </p:txBody>
+      </p:sp>
+      <p:sp>
+        <p:nvSpPr>
+          <p:cNvPr id="13" name="Rectangle 12"/>
+          <p:cNvSpPr/>
+          <p:nvPr/>
+        </p:nvSpPr>
+        <p:spPr>
+          <a:xfrm>
+            <a:off x="3874852" y="1530984"/>
+            <a:ext cx="4441371" cy="329351"/>
           </a:xfrm>
           <a:prstGeom prst="rect">
             <a:avLst/>
@@ -7619,24 +8080,63 @@
           <a:bodyPr rtlCol="0" anchor="ctr"/>
           <a:lstStyle/>
           <a:p>
-            <a:pPr algn="r"/>
-            <a:r>
-              <a:rPr lang="fi-FI" dirty="0" smtClean="0"/>
-              <a:t>Turnaus nro 3</a:t>
-            </a:r>
-            <a:endParaRPr lang="fi-FI" dirty="0"/>
-          </a:p>
-        </p:txBody>
-      </p:sp>
-      <p:sp>
-        <p:nvSpPr>
-          <p:cNvPr id="19" name="Rectangle 18"/>
-          <p:cNvSpPr/>
-          <p:nvPr/>
-        </p:nvSpPr>
-        <p:spPr>
-          <a:xfrm>
-            <a:off x="4031326" y="3363182"/>
+            <a:pPr algn="ctr"/>
+            <a:r>
+              <a:rPr lang="fi-FI" sz="2400" dirty="0" smtClean="0"/>
+              <a:t>Turnauksen lisääminen</a:t>
+            </a:r>
+            <a:endParaRPr lang="fi-FI" sz="2400" dirty="0"/>
+          </a:p>
+        </p:txBody>
+      </p:sp>
+      <p:sp>
+        <p:nvSpPr>
+          <p:cNvPr id="15" name="Rectangle 14"/>
+          <p:cNvSpPr/>
+          <p:nvPr/>
+        </p:nvSpPr>
+        <p:spPr>
+          <a:xfrm flipV="1">
+            <a:off x="5087938" y="3707355"/>
+            <a:ext cx="3046412" cy="1502819"/>
+          </a:xfrm>
+          <a:prstGeom prst="rect">
+            <a:avLst/>
+          </a:prstGeom>
+          <a:ln w="38100"/>
+        </p:spPr>
+        <p:style>
+          <a:lnRef idx="2">
+            <a:schemeClr val="accent6"/>
+          </a:lnRef>
+          <a:fillRef idx="1">
+            <a:schemeClr val="lt1"/>
+          </a:fillRef>
+          <a:effectRef idx="0">
+            <a:schemeClr val="accent6"/>
+          </a:effectRef>
+          <a:fontRef idx="minor">
+            <a:schemeClr val="dk1"/>
+          </a:fontRef>
+        </p:style>
+        <p:txBody>
+          <a:bodyPr rtlCol="0" anchor="ctr"/>
+          <a:lstStyle/>
+          <a:p>
+            <a:pPr algn="ctr"/>
+            <a:endParaRPr lang="fi-FI"/>
+          </a:p>
+        </p:txBody>
+      </p:sp>
+      <p:sp>
+        <p:nvSpPr>
+          <p:cNvPr id="16" name="Rectangle 15"/>
+          <p:cNvSpPr/>
+          <p:nvPr/>
+        </p:nvSpPr>
+        <p:spPr>
+          <a:xfrm>
+            <a:off x="4031326" y="3383687"/>
             <a:ext cx="1987550" cy="209550"/>
           </a:xfrm>
           <a:prstGeom prst="rect">
@@ -7669,284 +8169,16 @@
             <a:pPr algn="r"/>
             <a:r>
               <a:rPr lang="fi-FI" dirty="0" smtClean="0"/>
-              <a:t>Turnaus nro 4</a:t>
+              <a:t>Lisätietoja</a:t>
             </a:r>
             <a:endParaRPr lang="fi-FI" dirty="0"/>
-          </a:p>
-        </p:txBody>
-      </p:sp>
-      <p:sp>
-        <p:nvSpPr>
-          <p:cNvPr id="20" name="Rectangle 19"/>
-          <p:cNvSpPr/>
-          <p:nvPr/>
-        </p:nvSpPr>
-        <p:spPr>
-          <a:xfrm>
-            <a:off x="5945851" y="2309256"/>
-            <a:ext cx="1987550" cy="209550"/>
-          </a:xfrm>
-          <a:prstGeom prst="rect">
-            <a:avLst/>
-          </a:prstGeom>
-          <a:ln w="38100">
-            <a:solidFill>
-              <a:schemeClr val="bg1"/>
-            </a:solidFill>
-          </a:ln>
-        </p:spPr>
-        <p:style>
-          <a:lnRef idx="2">
-            <a:schemeClr val="accent6"/>
-          </a:lnRef>
-          <a:fillRef idx="1">
-            <a:schemeClr val="lt1"/>
-          </a:fillRef>
-          <a:effectRef idx="0">
-            <a:schemeClr val="accent6"/>
-          </a:effectRef>
-          <a:fontRef idx="minor">
-            <a:schemeClr val="dk1"/>
-          </a:fontRef>
-        </p:style>
-        <p:txBody>
-          <a:bodyPr rtlCol="0" anchor="ctr"/>
-          <a:lstStyle/>
-          <a:p>
-            <a:pPr algn="r"/>
-            <a:r>
-              <a:rPr lang="fi-FI" u="sng" dirty="0" smtClean="0">
-                <a:solidFill>
-                  <a:schemeClr val="accent1"/>
-                </a:solidFill>
-              </a:rPr>
-              <a:t>Muokkaa</a:t>
-            </a:r>
-            <a:r>
-              <a:rPr lang="fi-FI" dirty="0" smtClean="0"/>
-              <a:t>     </a:t>
-            </a:r>
-            <a:r>
-              <a:rPr lang="fi-FI" u="sng" dirty="0" smtClean="0">
-                <a:solidFill>
-                  <a:schemeClr val="accent1"/>
-                </a:solidFill>
-              </a:rPr>
-              <a:t>Poista</a:t>
-            </a:r>
-            <a:endParaRPr lang="fi-FI" u="sng" dirty="0">
-              <a:solidFill>
-                <a:schemeClr val="accent1"/>
-              </a:solidFill>
-            </a:endParaRPr>
-          </a:p>
-        </p:txBody>
-      </p:sp>
-      <p:sp>
-        <p:nvSpPr>
-          <p:cNvPr id="21" name="Rectangle 20"/>
-          <p:cNvSpPr/>
-          <p:nvPr/>
-        </p:nvSpPr>
-        <p:spPr>
-          <a:xfrm>
-            <a:off x="5945851" y="2658332"/>
-            <a:ext cx="1987550" cy="209550"/>
-          </a:xfrm>
-          <a:prstGeom prst="rect">
-            <a:avLst/>
-          </a:prstGeom>
-          <a:ln w="38100">
-            <a:solidFill>
-              <a:schemeClr val="bg1"/>
-            </a:solidFill>
-          </a:ln>
-        </p:spPr>
-        <p:style>
-          <a:lnRef idx="2">
-            <a:schemeClr val="accent6"/>
-          </a:lnRef>
-          <a:fillRef idx="1">
-            <a:schemeClr val="lt1"/>
-          </a:fillRef>
-          <a:effectRef idx="0">
-            <a:schemeClr val="accent6"/>
-          </a:effectRef>
-          <a:fontRef idx="minor">
-            <a:schemeClr val="dk1"/>
-          </a:fontRef>
-        </p:style>
-        <p:txBody>
-          <a:bodyPr rtlCol="0" anchor="ctr"/>
-          <a:lstStyle/>
-          <a:p>
-            <a:pPr algn="r"/>
-            <a:r>
-              <a:rPr lang="fi-FI" u="sng" dirty="0" smtClean="0">
-                <a:solidFill>
-                  <a:schemeClr val="accent1"/>
-                </a:solidFill>
-              </a:rPr>
-              <a:t>Muokkaa</a:t>
-            </a:r>
-            <a:r>
-              <a:rPr lang="fi-FI" dirty="0" smtClean="0"/>
-              <a:t>     </a:t>
-            </a:r>
-            <a:r>
-              <a:rPr lang="fi-FI" u="sng" dirty="0" smtClean="0">
-                <a:solidFill>
-                  <a:schemeClr val="accent1"/>
-                </a:solidFill>
-              </a:rPr>
-              <a:t>Poista</a:t>
-            </a:r>
-            <a:endParaRPr lang="fi-FI" u="sng" dirty="0">
-              <a:solidFill>
-                <a:schemeClr val="accent1"/>
-              </a:solidFill>
-            </a:endParaRPr>
-          </a:p>
-        </p:txBody>
-      </p:sp>
-      <p:sp>
-        <p:nvSpPr>
-          <p:cNvPr id="22" name="Rectangle 21"/>
-          <p:cNvSpPr/>
-          <p:nvPr/>
-        </p:nvSpPr>
-        <p:spPr>
-          <a:xfrm>
-            <a:off x="5945851" y="3014106"/>
-            <a:ext cx="1987550" cy="209550"/>
-          </a:xfrm>
-          <a:prstGeom prst="rect">
-            <a:avLst/>
-          </a:prstGeom>
-          <a:ln w="38100">
-            <a:solidFill>
-              <a:schemeClr val="bg1"/>
-            </a:solidFill>
-          </a:ln>
-        </p:spPr>
-        <p:style>
-          <a:lnRef idx="2">
-            <a:schemeClr val="accent6"/>
-          </a:lnRef>
-          <a:fillRef idx="1">
-            <a:schemeClr val="lt1"/>
-          </a:fillRef>
-          <a:effectRef idx="0">
-            <a:schemeClr val="accent6"/>
-          </a:effectRef>
-          <a:fontRef idx="minor">
-            <a:schemeClr val="dk1"/>
-          </a:fontRef>
-        </p:style>
-        <p:txBody>
-          <a:bodyPr rtlCol="0" anchor="ctr"/>
-          <a:lstStyle/>
-          <a:p>
-            <a:pPr algn="r"/>
-            <a:r>
-              <a:rPr lang="fi-FI" u="sng" dirty="0" smtClean="0">
-                <a:solidFill>
-                  <a:schemeClr val="accent1"/>
-                </a:solidFill>
-              </a:rPr>
-              <a:t>Muokkaa</a:t>
-            </a:r>
-            <a:r>
-              <a:rPr lang="fi-FI" dirty="0" smtClean="0"/>
-              <a:t>     </a:t>
-            </a:r>
-            <a:r>
-              <a:rPr lang="fi-FI" u="sng" dirty="0" smtClean="0">
-                <a:solidFill>
-                  <a:schemeClr val="accent1"/>
-                </a:solidFill>
-              </a:rPr>
-              <a:t>Poista</a:t>
-            </a:r>
-            <a:endParaRPr lang="fi-FI" u="sng" dirty="0">
-              <a:solidFill>
-                <a:schemeClr val="accent1"/>
-              </a:solidFill>
-            </a:endParaRPr>
-          </a:p>
-        </p:txBody>
-      </p:sp>
-      <p:sp>
-        <p:nvSpPr>
-          <p:cNvPr id="23" name="Rectangle 22"/>
-          <p:cNvSpPr/>
-          <p:nvPr/>
-        </p:nvSpPr>
-        <p:spPr>
-          <a:xfrm>
-            <a:off x="5945851" y="3363182"/>
-            <a:ext cx="1987550" cy="209550"/>
-          </a:xfrm>
-          <a:prstGeom prst="rect">
-            <a:avLst/>
-          </a:prstGeom>
-          <a:ln w="38100">
-            <a:solidFill>
-              <a:schemeClr val="bg1"/>
-            </a:solidFill>
-          </a:ln>
-        </p:spPr>
-        <p:style>
-          <a:lnRef idx="2">
-            <a:schemeClr val="accent6"/>
-          </a:lnRef>
-          <a:fillRef idx="1">
-            <a:schemeClr val="lt1"/>
-          </a:fillRef>
-          <a:effectRef idx="0">
-            <a:schemeClr val="accent6"/>
-          </a:effectRef>
-          <a:fontRef idx="minor">
-            <a:schemeClr val="dk1"/>
-          </a:fontRef>
-        </p:style>
-        <p:txBody>
-          <a:bodyPr rtlCol="0" anchor="ctr"/>
-          <a:lstStyle/>
-          <a:p>
-            <a:pPr algn="r"/>
-            <a:r>
-              <a:rPr lang="fi-FI" u="sng" dirty="0" smtClean="0">
-                <a:solidFill>
-                  <a:schemeClr val="accent1"/>
-                </a:solidFill>
-              </a:rPr>
-              <a:t>Muokkaa</a:t>
-            </a:r>
-            <a:r>
-              <a:rPr lang="fi-FI" dirty="0" smtClean="0"/>
-              <a:t>     </a:t>
-            </a:r>
-            <a:r>
-              <a:rPr lang="fi-FI" u="sng" dirty="0" smtClean="0">
-                <a:solidFill>
-                  <a:schemeClr val="accent1"/>
-                </a:solidFill>
-              </a:rPr>
-              <a:t>Poista</a:t>
-            </a:r>
-            <a:endParaRPr lang="fi-FI" u="sng" dirty="0">
-              <a:solidFill>
-                <a:schemeClr val="accent1"/>
-              </a:solidFill>
-            </a:endParaRPr>
           </a:p>
         </p:txBody>
       </p:sp>
     </p:spTree>
     <p:extLst>
       <p:ext uri="{BB962C8B-B14F-4D97-AF65-F5344CB8AC3E}">
-        <p14:creationId xmlns:p14="http://schemas.microsoft.com/office/powerpoint/2010/main" val="3934389930"/>
+        <p14:creationId xmlns:p14="http://schemas.microsoft.com/office/powerpoint/2010/main" val="2551110592"/>
       </p:ext>
     </p:extLst>
   </p:cSld>
@@ -8597,237 +8829,10 @@
           </a:p>
         </p:txBody>
       </p:sp>
-      <p:sp>
-        <p:nvSpPr>
-          <p:cNvPr id="14" name="Rectangle 13"/>
-          <p:cNvSpPr/>
-          <p:nvPr/>
-        </p:nvSpPr>
-        <p:spPr>
-          <a:xfrm>
-            <a:off x="3412066" y="2781338"/>
-            <a:ext cx="5367867" cy="1828802"/>
-          </a:xfrm>
-          <a:prstGeom prst="rect">
-            <a:avLst/>
-          </a:prstGeom>
-          <a:ln w="38100"/>
-        </p:spPr>
-        <p:style>
-          <a:lnRef idx="2">
-            <a:schemeClr val="accent6"/>
-          </a:lnRef>
-          <a:fillRef idx="1">
-            <a:schemeClr val="lt1"/>
-          </a:fillRef>
-          <a:effectRef idx="0">
-            <a:schemeClr val="accent6"/>
-          </a:effectRef>
-          <a:fontRef idx="minor">
-            <a:schemeClr val="dk1"/>
-          </a:fontRef>
-        </p:style>
-        <p:txBody>
-          <a:bodyPr rtlCol="0" anchor="ctr"/>
-          <a:lstStyle/>
-          <a:p>
-            <a:pPr algn="ctr"/>
-            <a:endParaRPr lang="fi-FI"/>
-          </a:p>
-        </p:txBody>
-      </p:sp>
-      <p:sp>
-        <p:nvSpPr>
-          <p:cNvPr id="15" name="Rectangle 14"/>
-          <p:cNvSpPr/>
-          <p:nvPr/>
-        </p:nvSpPr>
-        <p:spPr>
-          <a:xfrm>
-            <a:off x="4110103" y="2850221"/>
-            <a:ext cx="4010487" cy="283543"/>
-          </a:xfrm>
-          <a:prstGeom prst="rect">
-            <a:avLst/>
-          </a:prstGeom>
-          <a:ln w="38100">
-            <a:solidFill>
-              <a:schemeClr val="bg1"/>
-            </a:solidFill>
-          </a:ln>
-        </p:spPr>
-        <p:style>
-          <a:lnRef idx="2">
-            <a:schemeClr val="accent6"/>
-          </a:lnRef>
-          <a:fillRef idx="1">
-            <a:schemeClr val="lt1"/>
-          </a:fillRef>
-          <a:effectRef idx="0">
-            <a:schemeClr val="accent6"/>
-          </a:effectRef>
-          <a:fontRef idx="minor">
-            <a:schemeClr val="dk1"/>
-          </a:fontRef>
-        </p:style>
-        <p:txBody>
-          <a:bodyPr rtlCol="0" anchor="ctr"/>
-          <a:lstStyle/>
-          <a:p>
-            <a:pPr algn="ctr"/>
-            <a:r>
-              <a:rPr lang="fi-FI" sz="2000" dirty="0" smtClean="0"/>
-              <a:t>Turnauksen poistaminen</a:t>
-            </a:r>
-            <a:endParaRPr lang="fi-FI" sz="2000" dirty="0"/>
-          </a:p>
-        </p:txBody>
-      </p:sp>
-      <p:sp>
-        <p:nvSpPr>
-          <p:cNvPr id="16" name="Rectangle 15"/>
-          <p:cNvSpPr/>
-          <p:nvPr/>
-        </p:nvSpPr>
-        <p:spPr>
-          <a:xfrm>
-            <a:off x="4428066" y="3359246"/>
-            <a:ext cx="3630381" cy="507506"/>
-          </a:xfrm>
-          <a:prstGeom prst="rect">
-            <a:avLst/>
-          </a:prstGeom>
-          <a:ln w="38100">
-            <a:solidFill>
-              <a:schemeClr val="bg1"/>
-            </a:solidFill>
-          </a:ln>
-        </p:spPr>
-        <p:style>
-          <a:lnRef idx="2">
-            <a:schemeClr val="accent6"/>
-          </a:lnRef>
-          <a:fillRef idx="1">
-            <a:schemeClr val="lt1"/>
-          </a:fillRef>
-          <a:effectRef idx="0">
-            <a:schemeClr val="accent6"/>
-          </a:effectRef>
-          <a:fontRef idx="minor">
-            <a:schemeClr val="dk1"/>
-          </a:fontRef>
-        </p:style>
-        <p:txBody>
-          <a:bodyPr rtlCol="0" anchor="ctr"/>
-          <a:lstStyle/>
-          <a:p>
-            <a:pPr algn="ctr"/>
-            <a:r>
-              <a:rPr lang="fi-FI" sz="2000" dirty="0" smtClean="0"/>
-              <a:t>Haluatko varmasti poistaa Turnau</a:t>
-            </a:r>
-            <a:r>
-              <a:rPr lang="fi-FI" sz="2000" dirty="0"/>
-              <a:t>s</a:t>
-            </a:r>
-            <a:r>
-              <a:rPr lang="fi-FI" sz="2000" dirty="0" smtClean="0"/>
-              <a:t> nro 2?</a:t>
-            </a:r>
-            <a:endParaRPr lang="fi-FI" sz="2000" dirty="0"/>
-          </a:p>
-        </p:txBody>
-      </p:sp>
-      <p:sp>
-        <p:nvSpPr>
-          <p:cNvPr id="24" name="Rounded Rectangle 23"/>
-          <p:cNvSpPr/>
-          <p:nvPr/>
-        </p:nvSpPr>
-        <p:spPr>
-          <a:xfrm>
-            <a:off x="6224654" y="4082931"/>
-            <a:ext cx="1833793" cy="374370"/>
-          </a:xfrm>
-          <a:prstGeom prst="roundRect">
-            <a:avLst/>
-          </a:prstGeom>
-          <a:ln w="38100"/>
-        </p:spPr>
-        <p:style>
-          <a:lnRef idx="2">
-            <a:schemeClr val="accent6"/>
-          </a:lnRef>
-          <a:fillRef idx="1">
-            <a:schemeClr val="lt1"/>
-          </a:fillRef>
-          <a:effectRef idx="0">
-            <a:schemeClr val="accent6"/>
-          </a:effectRef>
-          <a:fontRef idx="minor">
-            <a:schemeClr val="dk1"/>
-          </a:fontRef>
-        </p:style>
-        <p:txBody>
-          <a:bodyPr rtlCol="0" anchor="ctr"/>
-          <a:lstStyle/>
-          <a:p>
-            <a:pPr algn="ctr"/>
-            <a:r>
-              <a:rPr lang="fi-FI" dirty="0" smtClean="0"/>
-              <a:t>Poista</a:t>
-            </a:r>
-            <a:endParaRPr lang="fi-FI" dirty="0"/>
-          </a:p>
-        </p:txBody>
-      </p:sp>
-      <p:sp>
-        <p:nvSpPr>
-          <p:cNvPr id="25" name="Rounded Rectangle 24"/>
-          <p:cNvSpPr/>
-          <p:nvPr/>
-        </p:nvSpPr>
-        <p:spPr>
-          <a:xfrm>
-            <a:off x="4241799" y="4086255"/>
-            <a:ext cx="1751080" cy="371046"/>
-          </a:xfrm>
-          <a:prstGeom prst="roundRect">
-            <a:avLst/>
-          </a:prstGeom>
-          <a:ln w="38100"/>
-        </p:spPr>
-        <p:style>
-          <a:lnRef idx="2">
-            <a:schemeClr val="accent6"/>
-          </a:lnRef>
-          <a:fillRef idx="1">
-            <a:schemeClr val="lt1"/>
-          </a:fillRef>
-          <a:effectRef idx="0">
-            <a:schemeClr val="accent6"/>
-          </a:effectRef>
-          <a:fontRef idx="minor">
-            <a:schemeClr val="dk1"/>
-          </a:fontRef>
-        </p:style>
-        <p:txBody>
-          <a:bodyPr rtlCol="0" anchor="ctr"/>
-          <a:lstStyle/>
-          <a:p>
-            <a:pPr algn="ctr"/>
-            <a:r>
-              <a:rPr lang="fi-FI" dirty="0" smtClean="0"/>
-              <a:t>Peruuta</a:t>
-            </a:r>
-            <a:endParaRPr lang="fi-FI" dirty="0"/>
-          </a:p>
-        </p:txBody>
-      </p:sp>
     </p:spTree>
     <p:extLst>
       <p:ext uri="{BB962C8B-B14F-4D97-AF65-F5344CB8AC3E}">
-        <p14:creationId xmlns:p14="http://schemas.microsoft.com/office/powerpoint/2010/main" val="285698938"/>
+        <p14:creationId xmlns:p14="http://schemas.microsoft.com/office/powerpoint/2010/main" val="3934389930"/>
       </p:ext>
     </p:extLst>
   </p:cSld>
@@ -9198,8 +9203,8 @@
         </p:nvSpPr>
         <p:spPr>
           <a:xfrm>
-            <a:off x="6122325" y="5355418"/>
-            <a:ext cx="2012025" cy="390128"/>
+            <a:off x="6010276" y="5448895"/>
+            <a:ext cx="2097750" cy="390128"/>
           </a:xfrm>
           <a:prstGeom prst="roundRect">
             <a:avLst/>
@@ -9227,7 +9232,7 @@
             <a:pPr algn="ctr"/>
             <a:r>
               <a:rPr lang="fi-FI" dirty="0" smtClean="0"/>
-              <a:t>Lisää turnaus</a:t>
+              <a:t>Muokkaa turnausta</a:t>
             </a:r>
             <a:endParaRPr lang="fi-FI" dirty="0"/>
           </a:p>
@@ -9274,7 +9279,11 @@
             <a:pPr algn="ctr"/>
             <a:r>
               <a:rPr lang="fi-FI" sz="2400" dirty="0" smtClean="0"/>
-              <a:t>Turnauksen lisääminen</a:t>
+              <a:t>Turnaus nro 1 </a:t>
+            </a:r>
+            <a:r>
+              <a:rPr lang="fi-FI" sz="2400" dirty="0" smtClean="0"/>
+              <a:t>muokkaaminen</a:t>
             </a:r>
             <a:endParaRPr lang="fi-FI" sz="2400" dirty="0"/>
           </a:p>
@@ -9366,10 +9375,53 @@
           </a:p>
         </p:txBody>
       </p:sp>
+      <p:sp>
+        <p:nvSpPr>
+          <p:cNvPr id="14" name="Rounded Rectangle 13"/>
+          <p:cNvSpPr/>
+          <p:nvPr/>
+        </p:nvSpPr>
+        <p:spPr>
+          <a:xfrm>
+            <a:off x="4057650" y="5448895"/>
+            <a:ext cx="1847850" cy="390128"/>
+          </a:xfrm>
+          <a:prstGeom prst="roundRect">
+            <a:avLst/>
+          </a:prstGeom>
+          <a:ln w="38100"/>
+        </p:spPr>
+        <p:style>
+          <a:lnRef idx="2">
+            <a:schemeClr val="accent6"/>
+          </a:lnRef>
+          <a:fillRef idx="1">
+            <a:schemeClr val="lt1"/>
+          </a:fillRef>
+          <a:effectRef idx="0">
+            <a:schemeClr val="accent6"/>
+          </a:effectRef>
+          <a:fontRef idx="minor">
+            <a:schemeClr val="dk1"/>
+          </a:fontRef>
+        </p:style>
+        <p:txBody>
+          <a:bodyPr rtlCol="0" anchor="ctr"/>
+          <a:lstStyle/>
+          <a:p>
+            <a:pPr algn="ctr"/>
+            <a:r>
+              <a:rPr lang="fi-FI" dirty="0" smtClean="0"/>
+              <a:t>Peruuta</a:t>
+            </a:r>
+            <a:endParaRPr lang="fi-FI" dirty="0"/>
+          </a:p>
+        </p:txBody>
+      </p:sp>
     </p:spTree>
     <p:extLst>
       <p:ext uri="{BB962C8B-B14F-4D97-AF65-F5344CB8AC3E}">
-        <p14:creationId xmlns:p14="http://schemas.microsoft.com/office/powerpoint/2010/main" val="2551110592"/>
+        <p14:creationId xmlns:p14="http://schemas.microsoft.com/office/powerpoint/2010/main" val="2169034506"/>
       </p:ext>
     </p:extLst>
   </p:cSld>
@@ -9476,45 +9528,6 @@
       </p:sp>
       <p:sp>
         <p:nvSpPr>
-          <p:cNvPr id="4" name="Rectangle 3"/>
-          <p:cNvSpPr/>
-          <p:nvPr/>
-        </p:nvSpPr>
-        <p:spPr>
-          <a:xfrm flipV="1">
-            <a:off x="6069676" y="2295922"/>
-            <a:ext cx="2038350" cy="236218"/>
-          </a:xfrm>
-          <a:prstGeom prst="rect">
-            <a:avLst/>
-          </a:prstGeom>
-          <a:ln w="38100"/>
-        </p:spPr>
-        <p:style>
-          <a:lnRef idx="2">
-            <a:schemeClr val="accent6"/>
-          </a:lnRef>
-          <a:fillRef idx="1">
-            <a:schemeClr val="lt1"/>
-          </a:fillRef>
-          <a:effectRef idx="0">
-            <a:schemeClr val="accent6"/>
-          </a:effectRef>
-          <a:fontRef idx="minor">
-            <a:schemeClr val="dk1"/>
-          </a:fontRef>
-        </p:style>
-        <p:txBody>
-          <a:bodyPr rtlCol="0" anchor="ctr"/>
-          <a:lstStyle/>
-          <a:p>
-            <a:pPr algn="ctr"/>
-            <a:endParaRPr lang="fi-FI"/>
-          </a:p>
-        </p:txBody>
-      </p:sp>
-      <p:sp>
-        <p:nvSpPr>
           <p:cNvPr id="5" name="Rectangle 4"/>
           <p:cNvSpPr/>
           <p:nvPr/>
@@ -9554,7 +9567,7 @@
             <a:pPr algn="r"/>
             <a:r>
               <a:rPr lang="fi-FI" dirty="0" smtClean="0"/>
-              <a:t>Turnauksen nimi</a:t>
+              <a:t>Turnaus nro 1</a:t>
             </a:r>
             <a:endParaRPr lang="fi-FI" dirty="0"/>
           </a:p>
@@ -9562,16 +9575,16 @@
       </p:sp>
       <p:sp>
         <p:nvSpPr>
-          <p:cNvPr id="6" name="Rectangle 5"/>
-          <p:cNvSpPr/>
-          <p:nvPr/>
-        </p:nvSpPr>
-        <p:spPr>
-          <a:xfrm flipV="1">
-            <a:off x="6069676" y="2645056"/>
-            <a:ext cx="2038350" cy="236218"/>
-          </a:xfrm>
-          <a:prstGeom prst="rect">
+          <p:cNvPr id="12" name="Rounded Rectangle 11"/>
+          <p:cNvSpPr/>
+          <p:nvPr/>
+        </p:nvSpPr>
+        <p:spPr>
+          <a:xfrm>
+            <a:off x="6109162" y="4040968"/>
+            <a:ext cx="2012025" cy="390128"/>
+          </a:xfrm>
+          <a:prstGeom prst="roundRect">
             <a:avLst/>
           </a:prstGeom>
           <a:ln w="38100"/>
@@ -9595,20 +9608,24 @@
           <a:lstStyle/>
           <a:p>
             <a:pPr algn="ctr"/>
-            <a:endParaRPr lang="fi-FI"/>
-          </a:p>
-        </p:txBody>
-      </p:sp>
-      <p:sp>
-        <p:nvSpPr>
-          <p:cNvPr id="7" name="Rectangle 6"/>
-          <p:cNvSpPr/>
-          <p:nvPr/>
-        </p:nvSpPr>
-        <p:spPr>
-          <a:xfrm>
-            <a:off x="4031326" y="2658390"/>
-            <a:ext cx="1987550" cy="209550"/>
+            <a:r>
+              <a:rPr lang="fi-FI" dirty="0" smtClean="0"/>
+              <a:t>Lisää uusi turnaus</a:t>
+            </a:r>
+            <a:endParaRPr lang="fi-FI" dirty="0"/>
+          </a:p>
+        </p:txBody>
+      </p:sp>
+      <p:sp>
+        <p:nvSpPr>
+          <p:cNvPr id="13" name="Rectangle 12"/>
+          <p:cNvSpPr/>
+          <p:nvPr/>
+        </p:nvSpPr>
+        <p:spPr>
+          <a:xfrm>
+            <a:off x="3874852" y="1530984"/>
+            <a:ext cx="4441371" cy="329351"/>
           </a:xfrm>
           <a:prstGeom prst="rect">
             <a:avLst/>
@@ -9637,63 +9654,24 @@
           <a:bodyPr rtlCol="0" anchor="ctr"/>
           <a:lstStyle/>
           <a:p>
-            <a:pPr algn="r"/>
-            <a:r>
-              <a:rPr lang="fi-FI" dirty="0" smtClean="0"/>
-              <a:t>Peli</a:t>
-            </a:r>
-            <a:endParaRPr lang="fi-FI" dirty="0"/>
-          </a:p>
-        </p:txBody>
-      </p:sp>
-      <p:sp>
-        <p:nvSpPr>
-          <p:cNvPr id="10" name="Rectangle 9"/>
-          <p:cNvSpPr/>
-          <p:nvPr/>
-        </p:nvSpPr>
-        <p:spPr>
-          <a:xfrm flipV="1">
-            <a:off x="6069676" y="3007524"/>
-            <a:ext cx="2038350" cy="236218"/>
-          </a:xfrm>
-          <a:prstGeom prst="rect">
-            <a:avLst/>
-          </a:prstGeom>
-          <a:ln w="38100"/>
-        </p:spPr>
-        <p:style>
-          <a:lnRef idx="2">
-            <a:schemeClr val="accent6"/>
-          </a:lnRef>
-          <a:fillRef idx="1">
-            <a:schemeClr val="lt1"/>
-          </a:fillRef>
-          <a:effectRef idx="0">
-            <a:schemeClr val="accent6"/>
-          </a:effectRef>
-          <a:fontRef idx="minor">
-            <a:schemeClr val="dk1"/>
-          </a:fontRef>
-        </p:style>
-        <p:txBody>
-          <a:bodyPr rtlCol="0" anchor="ctr"/>
-          <a:lstStyle/>
-          <a:p>
             <a:pPr algn="ctr"/>
-            <a:endParaRPr lang="fi-FI"/>
-          </a:p>
-        </p:txBody>
-      </p:sp>
-      <p:sp>
-        <p:nvSpPr>
-          <p:cNvPr id="11" name="Rectangle 10"/>
-          <p:cNvSpPr/>
-          <p:nvPr/>
-        </p:nvSpPr>
-        <p:spPr>
-          <a:xfrm>
-            <a:off x="4031326" y="3034192"/>
+            <a:r>
+              <a:rPr lang="fi-FI" sz="2400" dirty="0" smtClean="0"/>
+              <a:t>Turnaukset</a:t>
+            </a:r>
+            <a:endParaRPr lang="fi-FI" sz="2400" dirty="0"/>
+          </a:p>
+        </p:txBody>
+      </p:sp>
+      <p:sp>
+        <p:nvSpPr>
+          <p:cNvPr id="17" name="Rectangle 16"/>
+          <p:cNvSpPr/>
+          <p:nvPr/>
+        </p:nvSpPr>
+        <p:spPr>
+          <a:xfrm>
+            <a:off x="4031326" y="2661681"/>
             <a:ext cx="1987550" cy="209550"/>
           </a:xfrm>
           <a:prstGeom prst="rect">
@@ -9726,7 +9704,7 @@
             <a:pPr algn="r"/>
             <a:r>
               <a:rPr lang="fi-FI" dirty="0" smtClean="0"/>
-              <a:t>Kellonaika</a:t>
+              <a:t>Turnaus nro 2</a:t>
             </a:r>
             <a:endParaRPr lang="fi-FI" dirty="0"/>
           </a:p>
@@ -9734,57 +9712,14 @@
       </p:sp>
       <p:sp>
         <p:nvSpPr>
-          <p:cNvPr id="12" name="Rounded Rectangle 11"/>
-          <p:cNvSpPr/>
-          <p:nvPr/>
-        </p:nvSpPr>
-        <p:spPr>
-          <a:xfrm>
-            <a:off x="6010276" y="5448895"/>
-            <a:ext cx="2097750" cy="390128"/>
-          </a:xfrm>
-          <a:prstGeom prst="roundRect">
-            <a:avLst/>
-          </a:prstGeom>
-          <a:ln w="38100"/>
-        </p:spPr>
-        <p:style>
-          <a:lnRef idx="2">
-            <a:schemeClr val="accent6"/>
-          </a:lnRef>
-          <a:fillRef idx="1">
-            <a:schemeClr val="lt1"/>
-          </a:fillRef>
-          <a:effectRef idx="0">
-            <a:schemeClr val="accent6"/>
-          </a:effectRef>
-          <a:fontRef idx="minor">
-            <a:schemeClr val="dk1"/>
-          </a:fontRef>
-        </p:style>
-        <p:txBody>
-          <a:bodyPr rtlCol="0" anchor="ctr"/>
-          <a:lstStyle/>
-          <a:p>
-            <a:pPr algn="ctr"/>
-            <a:r>
-              <a:rPr lang="fi-FI" dirty="0" smtClean="0"/>
-              <a:t>Muokkaa turnausta</a:t>
-            </a:r>
-            <a:endParaRPr lang="fi-FI" dirty="0"/>
-          </a:p>
-        </p:txBody>
-      </p:sp>
-      <p:sp>
-        <p:nvSpPr>
-          <p:cNvPr id="13" name="Rectangle 12"/>
-          <p:cNvSpPr/>
-          <p:nvPr/>
-        </p:nvSpPr>
-        <p:spPr>
-          <a:xfrm>
-            <a:off x="3874852" y="1530984"/>
-            <a:ext cx="4441371" cy="329351"/>
+          <p:cNvPr id="18" name="Rectangle 17"/>
+          <p:cNvSpPr/>
+          <p:nvPr/>
+        </p:nvSpPr>
+        <p:spPr>
+          <a:xfrm>
+            <a:off x="4031326" y="3014106"/>
+            <a:ext cx="1987550" cy="209550"/>
           </a:xfrm>
           <a:prstGeom prst="rect">
             <a:avLst/>
@@ -9813,63 +9748,24 @@
           <a:bodyPr rtlCol="0" anchor="ctr"/>
           <a:lstStyle/>
           <a:p>
-            <a:pPr algn="ctr"/>
-            <a:r>
-              <a:rPr lang="fi-FI" sz="2400" dirty="0" smtClean="0"/>
-              <a:t>Turnauksen muokkaaminen</a:t>
-            </a:r>
-            <a:endParaRPr lang="fi-FI" sz="2400" dirty="0"/>
-          </a:p>
-        </p:txBody>
-      </p:sp>
-      <p:sp>
-        <p:nvSpPr>
-          <p:cNvPr id="15" name="Rectangle 14"/>
-          <p:cNvSpPr/>
-          <p:nvPr/>
-        </p:nvSpPr>
-        <p:spPr>
-          <a:xfrm flipV="1">
-            <a:off x="5087938" y="3707355"/>
-            <a:ext cx="3046412" cy="1502819"/>
-          </a:xfrm>
-          <a:prstGeom prst="rect">
-            <a:avLst/>
-          </a:prstGeom>
-          <a:ln w="38100"/>
-        </p:spPr>
-        <p:style>
-          <a:lnRef idx="2">
-            <a:schemeClr val="accent6"/>
-          </a:lnRef>
-          <a:fillRef idx="1">
-            <a:schemeClr val="lt1"/>
-          </a:fillRef>
-          <a:effectRef idx="0">
-            <a:schemeClr val="accent6"/>
-          </a:effectRef>
-          <a:fontRef idx="minor">
-            <a:schemeClr val="dk1"/>
-          </a:fontRef>
-        </p:style>
-        <p:txBody>
-          <a:bodyPr rtlCol="0" anchor="ctr"/>
-          <a:lstStyle/>
-          <a:p>
-            <a:pPr algn="ctr"/>
-            <a:endParaRPr lang="fi-FI"/>
-          </a:p>
-        </p:txBody>
-      </p:sp>
-      <p:sp>
-        <p:nvSpPr>
-          <p:cNvPr id="16" name="Rectangle 15"/>
-          <p:cNvSpPr/>
-          <p:nvPr/>
-        </p:nvSpPr>
-        <p:spPr>
-          <a:xfrm>
-            <a:off x="4031326" y="3383687"/>
+            <a:pPr algn="r"/>
+            <a:r>
+              <a:rPr lang="fi-FI" dirty="0" smtClean="0"/>
+              <a:t>Turnaus nro 3</a:t>
+            </a:r>
+            <a:endParaRPr lang="fi-FI" dirty="0"/>
+          </a:p>
+        </p:txBody>
+      </p:sp>
+      <p:sp>
+        <p:nvSpPr>
+          <p:cNvPr id="19" name="Rectangle 18"/>
+          <p:cNvSpPr/>
+          <p:nvPr/>
+        </p:nvSpPr>
+        <p:spPr>
+          <a:xfrm>
+            <a:off x="4031326" y="3363182"/>
             <a:ext cx="1987550" cy="209550"/>
           </a:xfrm>
           <a:prstGeom prst="rect">
@@ -9902,7 +9798,7 @@
             <a:pPr algn="r"/>
             <a:r>
               <a:rPr lang="fi-FI" dirty="0" smtClean="0"/>
-              <a:t>Lisätietoja</a:t>
+              <a:t>Turnaus nro 4</a:t>
             </a:r>
             <a:endParaRPr lang="fi-FI" dirty="0"/>
           </a:p>
@@ -9910,14 +9806,466 @@
       </p:sp>
       <p:sp>
         <p:nvSpPr>
-          <p:cNvPr id="14" name="Rounded Rectangle 13"/>
-          <p:cNvSpPr/>
-          <p:nvPr/>
-        </p:nvSpPr>
-        <p:spPr>
-          <a:xfrm>
-            <a:off x="4057650" y="5448895"/>
-            <a:ext cx="1847850" cy="390128"/>
+          <p:cNvPr id="20" name="Rectangle 19"/>
+          <p:cNvSpPr/>
+          <p:nvPr/>
+        </p:nvSpPr>
+        <p:spPr>
+          <a:xfrm>
+            <a:off x="5945851" y="2309256"/>
+            <a:ext cx="1987550" cy="209550"/>
+          </a:xfrm>
+          <a:prstGeom prst="rect">
+            <a:avLst/>
+          </a:prstGeom>
+          <a:ln w="38100">
+            <a:solidFill>
+              <a:schemeClr val="bg1"/>
+            </a:solidFill>
+          </a:ln>
+        </p:spPr>
+        <p:style>
+          <a:lnRef idx="2">
+            <a:schemeClr val="accent6"/>
+          </a:lnRef>
+          <a:fillRef idx="1">
+            <a:schemeClr val="lt1"/>
+          </a:fillRef>
+          <a:effectRef idx="0">
+            <a:schemeClr val="accent6"/>
+          </a:effectRef>
+          <a:fontRef idx="minor">
+            <a:schemeClr val="dk1"/>
+          </a:fontRef>
+        </p:style>
+        <p:txBody>
+          <a:bodyPr rtlCol="0" anchor="ctr"/>
+          <a:lstStyle/>
+          <a:p>
+            <a:pPr algn="r"/>
+            <a:r>
+              <a:rPr lang="fi-FI" u="sng" dirty="0" smtClean="0">
+                <a:solidFill>
+                  <a:schemeClr val="accent1"/>
+                </a:solidFill>
+              </a:rPr>
+              <a:t>Muokkaa</a:t>
+            </a:r>
+            <a:r>
+              <a:rPr lang="fi-FI" dirty="0" smtClean="0"/>
+              <a:t>     </a:t>
+            </a:r>
+            <a:r>
+              <a:rPr lang="fi-FI" u="sng" dirty="0" smtClean="0">
+                <a:solidFill>
+                  <a:schemeClr val="accent1"/>
+                </a:solidFill>
+              </a:rPr>
+              <a:t>Poista</a:t>
+            </a:r>
+            <a:endParaRPr lang="fi-FI" u="sng" dirty="0">
+              <a:solidFill>
+                <a:schemeClr val="accent1"/>
+              </a:solidFill>
+            </a:endParaRPr>
+          </a:p>
+        </p:txBody>
+      </p:sp>
+      <p:sp>
+        <p:nvSpPr>
+          <p:cNvPr id="21" name="Rectangle 20"/>
+          <p:cNvSpPr/>
+          <p:nvPr/>
+        </p:nvSpPr>
+        <p:spPr>
+          <a:xfrm>
+            <a:off x="5945851" y="2658332"/>
+            <a:ext cx="1987550" cy="209550"/>
+          </a:xfrm>
+          <a:prstGeom prst="rect">
+            <a:avLst/>
+          </a:prstGeom>
+          <a:ln w="38100">
+            <a:solidFill>
+              <a:schemeClr val="bg1"/>
+            </a:solidFill>
+          </a:ln>
+        </p:spPr>
+        <p:style>
+          <a:lnRef idx="2">
+            <a:schemeClr val="accent6"/>
+          </a:lnRef>
+          <a:fillRef idx="1">
+            <a:schemeClr val="lt1"/>
+          </a:fillRef>
+          <a:effectRef idx="0">
+            <a:schemeClr val="accent6"/>
+          </a:effectRef>
+          <a:fontRef idx="minor">
+            <a:schemeClr val="dk1"/>
+          </a:fontRef>
+        </p:style>
+        <p:txBody>
+          <a:bodyPr rtlCol="0" anchor="ctr"/>
+          <a:lstStyle/>
+          <a:p>
+            <a:pPr algn="r"/>
+            <a:r>
+              <a:rPr lang="fi-FI" u="sng" dirty="0" smtClean="0">
+                <a:solidFill>
+                  <a:schemeClr val="accent1"/>
+                </a:solidFill>
+              </a:rPr>
+              <a:t>Muokkaa</a:t>
+            </a:r>
+            <a:r>
+              <a:rPr lang="fi-FI" dirty="0" smtClean="0"/>
+              <a:t>     </a:t>
+            </a:r>
+            <a:r>
+              <a:rPr lang="fi-FI" u="sng" dirty="0" smtClean="0">
+                <a:solidFill>
+                  <a:schemeClr val="accent1"/>
+                </a:solidFill>
+              </a:rPr>
+              <a:t>Poista</a:t>
+            </a:r>
+            <a:endParaRPr lang="fi-FI" u="sng" dirty="0">
+              <a:solidFill>
+                <a:schemeClr val="accent1"/>
+              </a:solidFill>
+            </a:endParaRPr>
+          </a:p>
+        </p:txBody>
+      </p:sp>
+      <p:sp>
+        <p:nvSpPr>
+          <p:cNvPr id="22" name="Rectangle 21"/>
+          <p:cNvSpPr/>
+          <p:nvPr/>
+        </p:nvSpPr>
+        <p:spPr>
+          <a:xfrm>
+            <a:off x="5945851" y="3014106"/>
+            <a:ext cx="1987550" cy="209550"/>
+          </a:xfrm>
+          <a:prstGeom prst="rect">
+            <a:avLst/>
+          </a:prstGeom>
+          <a:ln w="38100">
+            <a:solidFill>
+              <a:schemeClr val="bg1"/>
+            </a:solidFill>
+          </a:ln>
+        </p:spPr>
+        <p:style>
+          <a:lnRef idx="2">
+            <a:schemeClr val="accent6"/>
+          </a:lnRef>
+          <a:fillRef idx="1">
+            <a:schemeClr val="lt1"/>
+          </a:fillRef>
+          <a:effectRef idx="0">
+            <a:schemeClr val="accent6"/>
+          </a:effectRef>
+          <a:fontRef idx="minor">
+            <a:schemeClr val="dk1"/>
+          </a:fontRef>
+        </p:style>
+        <p:txBody>
+          <a:bodyPr rtlCol="0" anchor="ctr"/>
+          <a:lstStyle/>
+          <a:p>
+            <a:pPr algn="r"/>
+            <a:r>
+              <a:rPr lang="fi-FI" u="sng" dirty="0" smtClean="0">
+                <a:solidFill>
+                  <a:schemeClr val="accent1"/>
+                </a:solidFill>
+              </a:rPr>
+              <a:t>Muokkaa</a:t>
+            </a:r>
+            <a:r>
+              <a:rPr lang="fi-FI" dirty="0" smtClean="0"/>
+              <a:t>     </a:t>
+            </a:r>
+            <a:r>
+              <a:rPr lang="fi-FI" u="sng" dirty="0" smtClean="0">
+                <a:solidFill>
+                  <a:schemeClr val="accent1"/>
+                </a:solidFill>
+              </a:rPr>
+              <a:t>Poista</a:t>
+            </a:r>
+            <a:endParaRPr lang="fi-FI" u="sng" dirty="0">
+              <a:solidFill>
+                <a:schemeClr val="accent1"/>
+              </a:solidFill>
+            </a:endParaRPr>
+          </a:p>
+        </p:txBody>
+      </p:sp>
+      <p:sp>
+        <p:nvSpPr>
+          <p:cNvPr id="23" name="Rectangle 22"/>
+          <p:cNvSpPr/>
+          <p:nvPr/>
+        </p:nvSpPr>
+        <p:spPr>
+          <a:xfrm>
+            <a:off x="5945851" y="3363182"/>
+            <a:ext cx="1987550" cy="209550"/>
+          </a:xfrm>
+          <a:prstGeom prst="rect">
+            <a:avLst/>
+          </a:prstGeom>
+          <a:ln w="38100">
+            <a:solidFill>
+              <a:schemeClr val="bg1"/>
+            </a:solidFill>
+          </a:ln>
+        </p:spPr>
+        <p:style>
+          <a:lnRef idx="2">
+            <a:schemeClr val="accent6"/>
+          </a:lnRef>
+          <a:fillRef idx="1">
+            <a:schemeClr val="lt1"/>
+          </a:fillRef>
+          <a:effectRef idx="0">
+            <a:schemeClr val="accent6"/>
+          </a:effectRef>
+          <a:fontRef idx="minor">
+            <a:schemeClr val="dk1"/>
+          </a:fontRef>
+        </p:style>
+        <p:txBody>
+          <a:bodyPr rtlCol="0" anchor="ctr"/>
+          <a:lstStyle/>
+          <a:p>
+            <a:pPr algn="r"/>
+            <a:r>
+              <a:rPr lang="fi-FI" u="sng" dirty="0" smtClean="0">
+                <a:solidFill>
+                  <a:schemeClr val="accent1"/>
+                </a:solidFill>
+              </a:rPr>
+              <a:t>Muokkaa</a:t>
+            </a:r>
+            <a:r>
+              <a:rPr lang="fi-FI" dirty="0" smtClean="0"/>
+              <a:t>     </a:t>
+            </a:r>
+            <a:r>
+              <a:rPr lang="fi-FI" u="sng" dirty="0" smtClean="0">
+                <a:solidFill>
+                  <a:schemeClr val="accent1"/>
+                </a:solidFill>
+              </a:rPr>
+              <a:t>Poista</a:t>
+            </a:r>
+            <a:endParaRPr lang="fi-FI" u="sng" dirty="0">
+              <a:solidFill>
+                <a:schemeClr val="accent1"/>
+              </a:solidFill>
+            </a:endParaRPr>
+          </a:p>
+        </p:txBody>
+      </p:sp>
+      <p:sp>
+        <p:nvSpPr>
+          <p:cNvPr id="14" name="Rectangle 13"/>
+          <p:cNvSpPr/>
+          <p:nvPr/>
+        </p:nvSpPr>
+        <p:spPr>
+          <a:xfrm>
+            <a:off x="3412066" y="2781338"/>
+            <a:ext cx="5367867" cy="1828802"/>
+          </a:xfrm>
+          <a:prstGeom prst="rect">
+            <a:avLst/>
+          </a:prstGeom>
+          <a:ln w="38100"/>
+        </p:spPr>
+        <p:style>
+          <a:lnRef idx="2">
+            <a:schemeClr val="accent6"/>
+          </a:lnRef>
+          <a:fillRef idx="1">
+            <a:schemeClr val="lt1"/>
+          </a:fillRef>
+          <a:effectRef idx="0">
+            <a:schemeClr val="accent6"/>
+          </a:effectRef>
+          <a:fontRef idx="minor">
+            <a:schemeClr val="dk1"/>
+          </a:fontRef>
+        </p:style>
+        <p:txBody>
+          <a:bodyPr rtlCol="0" anchor="ctr"/>
+          <a:lstStyle/>
+          <a:p>
+            <a:pPr algn="ctr"/>
+            <a:endParaRPr lang="fi-FI"/>
+          </a:p>
+        </p:txBody>
+      </p:sp>
+      <p:sp>
+        <p:nvSpPr>
+          <p:cNvPr id="15" name="Rectangle 14"/>
+          <p:cNvSpPr/>
+          <p:nvPr/>
+        </p:nvSpPr>
+        <p:spPr>
+          <a:xfrm>
+            <a:off x="4110103" y="2850221"/>
+            <a:ext cx="4010487" cy="283543"/>
+          </a:xfrm>
+          <a:prstGeom prst="rect">
+            <a:avLst/>
+          </a:prstGeom>
+          <a:ln w="38100">
+            <a:solidFill>
+              <a:schemeClr val="bg1"/>
+            </a:solidFill>
+          </a:ln>
+        </p:spPr>
+        <p:style>
+          <a:lnRef idx="2">
+            <a:schemeClr val="accent6"/>
+          </a:lnRef>
+          <a:fillRef idx="1">
+            <a:schemeClr val="lt1"/>
+          </a:fillRef>
+          <a:effectRef idx="0">
+            <a:schemeClr val="accent6"/>
+          </a:effectRef>
+          <a:fontRef idx="minor">
+            <a:schemeClr val="dk1"/>
+          </a:fontRef>
+        </p:style>
+        <p:txBody>
+          <a:bodyPr rtlCol="0" anchor="ctr"/>
+          <a:lstStyle/>
+          <a:p>
+            <a:pPr algn="ctr"/>
+            <a:r>
+              <a:rPr lang="fi-FI" sz="2000" dirty="0" smtClean="0"/>
+              <a:t>Turnauksen poistaminen</a:t>
+            </a:r>
+            <a:endParaRPr lang="fi-FI" sz="2000" dirty="0"/>
+          </a:p>
+        </p:txBody>
+      </p:sp>
+      <p:sp>
+        <p:nvSpPr>
+          <p:cNvPr id="16" name="Rectangle 15"/>
+          <p:cNvSpPr/>
+          <p:nvPr/>
+        </p:nvSpPr>
+        <p:spPr>
+          <a:xfrm>
+            <a:off x="4428066" y="3359246"/>
+            <a:ext cx="3630381" cy="507506"/>
+          </a:xfrm>
+          <a:prstGeom prst="rect">
+            <a:avLst/>
+          </a:prstGeom>
+          <a:ln w="38100">
+            <a:solidFill>
+              <a:schemeClr val="bg1"/>
+            </a:solidFill>
+          </a:ln>
+        </p:spPr>
+        <p:style>
+          <a:lnRef idx="2">
+            <a:schemeClr val="accent6"/>
+          </a:lnRef>
+          <a:fillRef idx="1">
+            <a:schemeClr val="lt1"/>
+          </a:fillRef>
+          <a:effectRef idx="0">
+            <a:schemeClr val="accent6"/>
+          </a:effectRef>
+          <a:fontRef idx="minor">
+            <a:schemeClr val="dk1"/>
+          </a:fontRef>
+        </p:style>
+        <p:txBody>
+          <a:bodyPr rtlCol="0" anchor="ctr"/>
+          <a:lstStyle/>
+          <a:p>
+            <a:pPr algn="ctr"/>
+            <a:r>
+              <a:rPr lang="fi-FI" sz="2000" dirty="0" smtClean="0"/>
+              <a:t>Haluatko varmasti poistaa Turnau</a:t>
+            </a:r>
+            <a:r>
+              <a:rPr lang="fi-FI" sz="2000" dirty="0"/>
+              <a:t>s</a:t>
+            </a:r>
+            <a:r>
+              <a:rPr lang="fi-FI" sz="2000" dirty="0" smtClean="0"/>
+              <a:t> nro 2?</a:t>
+            </a:r>
+            <a:endParaRPr lang="fi-FI" sz="2000" dirty="0"/>
+          </a:p>
+        </p:txBody>
+      </p:sp>
+      <p:sp>
+        <p:nvSpPr>
+          <p:cNvPr id="24" name="Rounded Rectangle 23"/>
+          <p:cNvSpPr/>
+          <p:nvPr/>
+        </p:nvSpPr>
+        <p:spPr>
+          <a:xfrm>
+            <a:off x="6224654" y="4082931"/>
+            <a:ext cx="1833793" cy="374370"/>
+          </a:xfrm>
+          <a:prstGeom prst="roundRect">
+            <a:avLst/>
+          </a:prstGeom>
+          <a:ln w="38100"/>
+        </p:spPr>
+        <p:style>
+          <a:lnRef idx="2">
+            <a:schemeClr val="accent6"/>
+          </a:lnRef>
+          <a:fillRef idx="1">
+            <a:schemeClr val="lt1"/>
+          </a:fillRef>
+          <a:effectRef idx="0">
+            <a:schemeClr val="accent6"/>
+          </a:effectRef>
+          <a:fontRef idx="minor">
+            <a:schemeClr val="dk1"/>
+          </a:fontRef>
+        </p:style>
+        <p:txBody>
+          <a:bodyPr rtlCol="0" anchor="ctr"/>
+          <a:lstStyle/>
+          <a:p>
+            <a:pPr algn="ctr"/>
+            <a:r>
+              <a:rPr lang="fi-FI" dirty="0" smtClean="0"/>
+              <a:t>Poista</a:t>
+            </a:r>
+            <a:endParaRPr lang="fi-FI" dirty="0"/>
+          </a:p>
+        </p:txBody>
+      </p:sp>
+      <p:sp>
+        <p:nvSpPr>
+          <p:cNvPr id="25" name="Rounded Rectangle 24"/>
+          <p:cNvSpPr/>
+          <p:nvPr/>
+        </p:nvSpPr>
+        <p:spPr>
+          <a:xfrm>
+            <a:off x="4241799" y="4086255"/>
+            <a:ext cx="1751080" cy="371046"/>
           </a:xfrm>
           <a:prstGeom prst="roundRect">
             <a:avLst/>
@@ -9954,7 +10302,7 @@
     </p:spTree>
     <p:extLst>
       <p:ext uri="{BB962C8B-B14F-4D97-AF65-F5344CB8AC3E}">
-        <p14:creationId xmlns:p14="http://schemas.microsoft.com/office/powerpoint/2010/main" val="2169034506"/>
+        <p14:creationId xmlns:p14="http://schemas.microsoft.com/office/powerpoint/2010/main" val="285698938"/>
       </p:ext>
     </p:extLst>
   </p:cSld>
